--- a/trunk/De Cuong/De Cuong v0.2.pptx
+++ b/trunk/De Cuong/De Cuong v0.2.pptx
@@ -12,8 +12,23 @@
     <p:sldId id="280" r:id="rId6"/>
     <p:sldId id="281" r:id="rId7"/>
     <p:sldId id="282" r:id="rId8"/>
-    <p:sldId id="279" r:id="rId9"/>
-    <p:sldId id="267" r:id="rId10"/>
+    <p:sldId id="283" r:id="rId9"/>
+    <p:sldId id="284" r:id="rId10"/>
+    <p:sldId id="285" r:id="rId11"/>
+    <p:sldId id="286" r:id="rId12"/>
+    <p:sldId id="287" r:id="rId13"/>
+    <p:sldId id="289" r:id="rId14"/>
+    <p:sldId id="290" r:id="rId15"/>
+    <p:sldId id="291" r:id="rId16"/>
+    <p:sldId id="292" r:id="rId17"/>
+    <p:sldId id="296" r:id="rId18"/>
+    <p:sldId id="297" r:id="rId19"/>
+    <p:sldId id="293" r:id="rId20"/>
+    <p:sldId id="294" r:id="rId21"/>
+    <p:sldId id="295" r:id="rId22"/>
+    <p:sldId id="279" r:id="rId23"/>
+    <p:sldId id="288" r:id="rId24"/>
+    <p:sldId id="267" r:id="rId25"/>
   </p:sldIdLst>
   <p:sldSz cx="9144000" cy="6858000" type="screen4x3"/>
   <p:notesSz cx="6858000" cy="9144000"/>
@@ -4808,6 +4823,5350 @@
             <a:avLst/>
           </a:prstGeom>
           <a:noFill/>
+        </p:spPr>
+      </p:pic>
+    </p:spTree>
+  </p:cSld>
+  <p:clrMapOvr>
+    <a:masterClrMapping/>
+  </p:clrMapOvr>
+  <p:timing>
+    <p:tnLst>
+      <p:par>
+        <p:cTn id="1" dur="indefinite" restart="never" nodeType="tmRoot"/>
+      </p:par>
+    </p:tnLst>
+  </p:timing>
+</p:sld>
+</file>
+
+<file path=ppt/slides/slide10.xml><?xml version="1.0" encoding="utf-8"?>
+<p:sld xmlns:a="http://schemas.openxmlformats.org/drawingml/2006/main" xmlns:r="http://schemas.openxmlformats.org/officeDocument/2006/relationships" xmlns:p="http://schemas.openxmlformats.org/presentationml/2006/main">
+  <p:cSld>
+    <p:spTree>
+      <p:nvGrpSpPr>
+        <p:cNvPr id="1" name=""/>
+        <p:cNvGrpSpPr/>
+        <p:nvPr/>
+      </p:nvGrpSpPr>
+      <p:grpSpPr>
+        <a:xfrm>
+          <a:off x="0" y="0"/>
+          <a:ext cx="0" cy="0"/>
+          <a:chOff x="0" y="0"/>
+          <a:chExt cx="0" cy="0"/>
+        </a:xfrm>
+      </p:grpSpPr>
+      <p:sp>
+        <p:nvSpPr>
+          <p:cNvPr id="2" name="Title 1"/>
+          <p:cNvSpPr>
+            <a:spLocks noGrp="1"/>
+          </p:cNvSpPr>
+          <p:nvPr>
+            <p:ph type="title"/>
+          </p:nvPr>
+        </p:nvSpPr>
+        <p:spPr/>
+        <p:txBody>
+          <a:bodyPr/>
+          <a:lstStyle/>
+          <a:p>
+            <a:r>
+              <a:rPr lang="en-US" dirty="0" err="1" smtClean="0"/>
+              <a:t>Các</a:t>
+            </a:r>
+            <a:r>
+              <a:rPr lang="en-US" dirty="0" smtClean="0"/>
+              <a:t> </a:t>
+            </a:r>
+            <a:r>
+              <a:rPr lang="en-US" dirty="0" err="1" smtClean="0"/>
+              <a:t>nghiên</a:t>
+            </a:r>
+            <a:r>
+              <a:rPr lang="en-US" dirty="0" smtClean="0"/>
+              <a:t> </a:t>
+            </a:r>
+            <a:r>
+              <a:rPr lang="en-US" dirty="0" err="1" smtClean="0"/>
+              <a:t>cứu</a:t>
+            </a:r>
+            <a:r>
+              <a:rPr lang="en-US" dirty="0" smtClean="0"/>
+              <a:t> </a:t>
+            </a:r>
+            <a:r>
+              <a:rPr lang="en-US" dirty="0" err="1" smtClean="0"/>
+              <a:t>liên</a:t>
+            </a:r>
+            <a:r>
+              <a:rPr lang="en-US" dirty="0" smtClean="0"/>
+              <a:t> </a:t>
+            </a:r>
+            <a:r>
+              <a:rPr lang="en-US" dirty="0" err="1" smtClean="0"/>
+              <a:t>quan</a:t>
+            </a:r>
+            <a:endParaRPr lang="en-US" dirty="0"/>
+          </a:p>
+        </p:txBody>
+      </p:sp>
+      <p:sp>
+        <p:nvSpPr>
+          <p:cNvPr id="3" name="Content Placeholder 2"/>
+          <p:cNvSpPr>
+            <a:spLocks noGrp="1"/>
+          </p:cNvSpPr>
+          <p:nvPr>
+            <p:ph idx="1"/>
+          </p:nvPr>
+        </p:nvSpPr>
+        <p:spPr/>
+        <p:txBody>
+          <a:bodyPr/>
+          <a:lstStyle/>
+          <a:p>
+            <a:r>
+              <a:rPr lang="en-US" dirty="0" smtClean="0"/>
+              <a:t>Ontology </a:t>
+            </a:r>
+            <a:r>
+              <a:rPr lang="en-US" dirty="0" err="1" smtClean="0"/>
+              <a:t>mà</a:t>
+            </a:r>
+            <a:r>
+              <a:rPr lang="en-US" dirty="0" smtClean="0"/>
+              <a:t> </a:t>
+            </a:r>
+            <a:r>
+              <a:rPr lang="en-US" dirty="0" err="1" smtClean="0"/>
+              <a:t>tác</a:t>
+            </a:r>
+            <a:r>
+              <a:rPr lang="en-US" dirty="0" smtClean="0"/>
+              <a:t> </a:t>
+            </a:r>
+            <a:r>
+              <a:rPr lang="en-US" dirty="0" err="1" smtClean="0"/>
+              <a:t>giả</a:t>
+            </a:r>
+            <a:r>
+              <a:rPr lang="en-US" dirty="0" smtClean="0"/>
+              <a:t> </a:t>
+            </a:r>
+            <a:r>
+              <a:rPr lang="en-US" dirty="0" err="1" smtClean="0"/>
+              <a:t>sử</a:t>
+            </a:r>
+            <a:r>
+              <a:rPr lang="en-US" dirty="0" smtClean="0"/>
+              <a:t> </a:t>
+            </a:r>
+            <a:r>
+              <a:rPr lang="en-US" dirty="0" err="1" smtClean="0"/>
+              <a:t>dụng</a:t>
+            </a:r>
+            <a:r>
+              <a:rPr lang="en-US" dirty="0" smtClean="0"/>
+              <a:t> </a:t>
+            </a:r>
+            <a:r>
+              <a:rPr lang="en-US" dirty="0" err="1" smtClean="0"/>
+              <a:t>giới</a:t>
+            </a:r>
+            <a:r>
+              <a:rPr lang="en-US" dirty="0" smtClean="0"/>
+              <a:t> </a:t>
+            </a:r>
+            <a:r>
+              <a:rPr lang="en-US" dirty="0" err="1" smtClean="0"/>
+              <a:t>hạn</a:t>
+            </a:r>
+            <a:r>
+              <a:rPr lang="en-US" dirty="0" smtClean="0"/>
+              <a:t> </a:t>
+            </a:r>
+            <a:r>
+              <a:rPr lang="en-US" dirty="0" err="1" smtClean="0"/>
+              <a:t>trong</a:t>
+            </a:r>
+            <a:r>
+              <a:rPr lang="en-US" dirty="0" smtClean="0"/>
+              <a:t> </a:t>
+            </a:r>
+            <a:r>
+              <a:rPr lang="en-US" dirty="0" err="1" smtClean="0"/>
+              <a:t>lĩnh</a:t>
+            </a:r>
+            <a:r>
+              <a:rPr lang="en-US" dirty="0" smtClean="0"/>
+              <a:t> </a:t>
+            </a:r>
+            <a:r>
+              <a:rPr lang="en-US" dirty="0" err="1" smtClean="0"/>
+              <a:t>vực</a:t>
+            </a:r>
+            <a:r>
+              <a:rPr lang="en-US" dirty="0" smtClean="0"/>
+              <a:t> “Movies and Cinema”. </a:t>
+            </a:r>
+            <a:r>
+              <a:rPr lang="en-US" dirty="0" err="1" smtClean="0"/>
+              <a:t>Ngôn</a:t>
+            </a:r>
+            <a:r>
+              <a:rPr lang="en-US" dirty="0" smtClean="0"/>
+              <a:t> </a:t>
+            </a:r>
+            <a:r>
+              <a:rPr lang="en-US" dirty="0" err="1" smtClean="0"/>
+              <a:t>ngữ</a:t>
+            </a:r>
+            <a:r>
+              <a:rPr lang="en-US" dirty="0" smtClean="0"/>
+              <a:t> </a:t>
+            </a:r>
+            <a:r>
+              <a:rPr lang="en-US" dirty="0" err="1" smtClean="0"/>
+              <a:t>truy</a:t>
+            </a:r>
+            <a:r>
+              <a:rPr lang="en-US" dirty="0" smtClean="0"/>
+              <a:t> </a:t>
+            </a:r>
+            <a:r>
+              <a:rPr lang="en-US" dirty="0" err="1" smtClean="0"/>
+              <a:t>vấn</a:t>
+            </a:r>
+            <a:r>
+              <a:rPr lang="en-US" dirty="0" smtClean="0"/>
+              <a:t> </a:t>
+            </a:r>
+            <a:r>
+              <a:rPr lang="en-US" dirty="0" err="1" smtClean="0"/>
+              <a:t>được</a:t>
+            </a:r>
+            <a:r>
+              <a:rPr lang="en-US" dirty="0" smtClean="0"/>
+              <a:t> </a:t>
+            </a:r>
+            <a:r>
+              <a:rPr lang="en-US" dirty="0" err="1" smtClean="0"/>
+              <a:t>sử</a:t>
+            </a:r>
+            <a:r>
+              <a:rPr lang="en-US" dirty="0" smtClean="0"/>
+              <a:t> </a:t>
+            </a:r>
+            <a:r>
+              <a:rPr lang="en-US" dirty="0" err="1" smtClean="0"/>
+              <a:t>dụng</a:t>
+            </a:r>
+            <a:r>
+              <a:rPr lang="en-US" dirty="0" smtClean="0"/>
+              <a:t> </a:t>
+            </a:r>
+            <a:r>
+              <a:rPr lang="en-US" dirty="0" err="1" smtClean="0"/>
+              <a:t>là</a:t>
+            </a:r>
+            <a:r>
+              <a:rPr lang="en-US" dirty="0" smtClean="0"/>
+              <a:t> SPARQL. </a:t>
+            </a:r>
+          </a:p>
+          <a:p>
+            <a:r>
+              <a:rPr lang="en-US" dirty="0" err="1" smtClean="0"/>
+              <a:t>Phương</a:t>
+            </a:r>
+            <a:r>
+              <a:rPr lang="en-US" dirty="0" smtClean="0"/>
+              <a:t> </a:t>
+            </a:r>
+            <a:r>
+              <a:rPr lang="en-US" dirty="0" err="1" smtClean="0"/>
+              <a:t>pháp</a:t>
+            </a:r>
+            <a:r>
+              <a:rPr lang="en-US" dirty="0" smtClean="0"/>
+              <a:t> </a:t>
+            </a:r>
+            <a:r>
+              <a:rPr lang="en-US" dirty="0" err="1" smtClean="0"/>
+              <a:t>theo</a:t>
+            </a:r>
+            <a:r>
+              <a:rPr lang="en-US" dirty="0" smtClean="0"/>
+              <a:t> </a:t>
+            </a:r>
+            <a:r>
+              <a:rPr lang="en-US" dirty="0" err="1" smtClean="0"/>
+              <a:t>cách</a:t>
+            </a:r>
+            <a:r>
+              <a:rPr lang="en-US" dirty="0" smtClean="0"/>
+              <a:t> </a:t>
+            </a:r>
+            <a:r>
+              <a:rPr lang="en-US" dirty="0" err="1" smtClean="0"/>
+              <a:t>hiểu</a:t>
+            </a:r>
+            <a:r>
+              <a:rPr lang="en-US" dirty="0" smtClean="0"/>
+              <a:t> </a:t>
+            </a:r>
+            <a:r>
+              <a:rPr lang="en-US" dirty="0" err="1" smtClean="0"/>
+              <a:t>của</a:t>
+            </a:r>
+            <a:r>
+              <a:rPr lang="en-US" dirty="0" smtClean="0"/>
+              <a:t> </a:t>
+            </a:r>
+            <a:r>
+              <a:rPr lang="en-US" dirty="0" err="1" smtClean="0"/>
+              <a:t>nhóm</a:t>
+            </a:r>
+            <a:r>
+              <a:rPr lang="en-US" dirty="0" smtClean="0"/>
+              <a:t> </a:t>
+            </a:r>
+            <a:r>
+              <a:rPr lang="en-US" dirty="0" err="1" smtClean="0"/>
+              <a:t>như</a:t>
+            </a:r>
+            <a:r>
+              <a:rPr lang="en-US" dirty="0" smtClean="0"/>
+              <a:t> </a:t>
+            </a:r>
+            <a:r>
+              <a:rPr lang="en-US" dirty="0" err="1" smtClean="0"/>
+              <a:t>sau</a:t>
+            </a:r>
+            <a:r>
+              <a:rPr lang="en-US" dirty="0" smtClean="0"/>
+              <a:t>:</a:t>
+            </a:r>
+          </a:p>
+          <a:p>
+            <a:pPr lvl="1"/>
+            <a:r>
+              <a:rPr lang="en-US" dirty="0" err="1" smtClean="0"/>
+              <a:t>Chọn</a:t>
+            </a:r>
+            <a:r>
+              <a:rPr lang="en-US" dirty="0" smtClean="0"/>
+              <a:t> </a:t>
+            </a:r>
+            <a:r>
+              <a:rPr lang="en-US" dirty="0" err="1" smtClean="0"/>
+              <a:t>thuộc</a:t>
+            </a:r>
+            <a:r>
+              <a:rPr lang="en-US" dirty="0" smtClean="0"/>
+              <a:t> </a:t>
+            </a:r>
+            <a:r>
+              <a:rPr lang="en-US" dirty="0" err="1" smtClean="0"/>
+              <a:t>tính</a:t>
+            </a:r>
+            <a:r>
+              <a:rPr lang="en-US" dirty="0" smtClean="0"/>
+              <a:t> </a:t>
+            </a:r>
+            <a:r>
+              <a:rPr lang="en-US" dirty="0" err="1" smtClean="0"/>
+              <a:t>thường</a:t>
+            </a:r>
+            <a:r>
+              <a:rPr lang="en-US" dirty="0" smtClean="0"/>
+              <a:t> </a:t>
+            </a:r>
+            <a:r>
+              <a:rPr lang="en-US" dirty="0" err="1" smtClean="0"/>
+              <a:t>được</a:t>
+            </a:r>
+            <a:r>
+              <a:rPr lang="en-US" dirty="0" smtClean="0"/>
+              <a:t> </a:t>
+            </a:r>
+            <a:r>
+              <a:rPr lang="en-US" dirty="0" err="1" smtClean="0"/>
+              <a:t>hỏi</a:t>
+            </a:r>
+            <a:r>
+              <a:rPr lang="en-US" dirty="0" smtClean="0"/>
+              <a:t> (name)</a:t>
+            </a:r>
+          </a:p>
+          <a:p>
+            <a:pPr lvl="1"/>
+            <a:r>
+              <a:rPr lang="en-US" dirty="0" err="1" smtClean="0"/>
+              <a:t>Tạo</a:t>
+            </a:r>
+            <a:r>
+              <a:rPr lang="en-US" dirty="0" smtClean="0"/>
+              <a:t> </a:t>
+            </a:r>
+            <a:r>
+              <a:rPr lang="en-US" dirty="0" err="1" smtClean="0"/>
+              <a:t>câu</a:t>
+            </a:r>
+            <a:r>
+              <a:rPr lang="en-US" dirty="0" smtClean="0"/>
+              <a:t> </a:t>
+            </a:r>
+            <a:r>
+              <a:rPr lang="en-US" dirty="0" err="1" smtClean="0"/>
+              <a:t>hỏi</a:t>
+            </a:r>
+            <a:r>
+              <a:rPr lang="en-US" dirty="0" smtClean="0"/>
+              <a:t> </a:t>
+            </a:r>
+            <a:r>
+              <a:rPr lang="en-US" dirty="0" err="1" smtClean="0"/>
+              <a:t>truy</a:t>
+            </a:r>
+            <a:r>
+              <a:rPr lang="en-US" dirty="0" smtClean="0"/>
+              <a:t> </a:t>
+            </a:r>
+            <a:r>
+              <a:rPr lang="en-US" dirty="0" err="1" smtClean="0"/>
+              <a:t>vấn</a:t>
+            </a:r>
+            <a:r>
+              <a:rPr lang="en-US" dirty="0" smtClean="0"/>
+              <a:t> ( “What is the name of the &lt;class&gt; which has the &lt;xxx&gt; [ value ] ?”</a:t>
+            </a:r>
+          </a:p>
+          <a:p>
+            <a:pPr lvl="1"/>
+            <a:r>
+              <a:rPr lang="en-US" dirty="0" err="1" smtClean="0"/>
+              <a:t>Tạo</a:t>
+            </a:r>
+            <a:r>
+              <a:rPr lang="en-US" dirty="0" smtClean="0"/>
+              <a:t> </a:t>
+            </a:r>
+            <a:r>
+              <a:rPr lang="en-US" dirty="0" err="1" smtClean="0"/>
+              <a:t>câu</a:t>
+            </a:r>
+            <a:r>
+              <a:rPr lang="en-US" dirty="0" smtClean="0"/>
+              <a:t> </a:t>
+            </a:r>
+            <a:r>
+              <a:rPr lang="en-US" dirty="0" err="1" smtClean="0"/>
+              <a:t>hỏi</a:t>
+            </a:r>
+            <a:r>
+              <a:rPr lang="en-US" dirty="0" smtClean="0"/>
+              <a:t> </a:t>
+            </a:r>
+            <a:r>
+              <a:rPr lang="en-US" dirty="0" err="1" smtClean="0"/>
+              <a:t>dự</a:t>
+            </a:r>
+            <a:r>
+              <a:rPr lang="en-US" dirty="0" smtClean="0"/>
+              <a:t> </a:t>
+            </a:r>
+            <a:r>
+              <a:rPr lang="en-US" dirty="0" err="1" smtClean="0"/>
+              <a:t>đoán</a:t>
+            </a:r>
+            <a:r>
+              <a:rPr lang="en-US" dirty="0" smtClean="0"/>
+              <a:t> (</a:t>
+            </a:r>
+            <a:r>
+              <a:rPr lang="en-US" dirty="0" err="1" smtClean="0"/>
+              <a:t>vd</a:t>
+            </a:r>
+            <a:r>
+              <a:rPr lang="en-US" dirty="0" smtClean="0"/>
+              <a:t> :What  is  the name of  the movie which has  the genre [</a:t>
+            </a:r>
+            <a:r>
+              <a:rPr lang="en-US" dirty="0" err="1" smtClean="0"/>
+              <a:t>genre_value</a:t>
+            </a:r>
+            <a:r>
+              <a:rPr lang="en-US" dirty="0" smtClean="0"/>
+              <a:t>]? </a:t>
+            </a:r>
+            <a:endParaRPr lang="en-US" dirty="0"/>
+          </a:p>
+        </p:txBody>
+      </p:sp>
+    </p:spTree>
+  </p:cSld>
+  <p:clrMapOvr>
+    <a:masterClrMapping/>
+  </p:clrMapOvr>
+  <p:timing>
+    <p:tnLst>
+      <p:par>
+        <p:cTn id="1" dur="indefinite" restart="never" nodeType="tmRoot"/>
+      </p:par>
+    </p:tnLst>
+  </p:timing>
+</p:sld>
+</file>
+
+<file path=ppt/slides/slide11.xml><?xml version="1.0" encoding="utf-8"?>
+<p:sld xmlns:a="http://schemas.openxmlformats.org/drawingml/2006/main" xmlns:r="http://schemas.openxmlformats.org/officeDocument/2006/relationships" xmlns:p="http://schemas.openxmlformats.org/presentationml/2006/main">
+  <p:cSld>
+    <p:spTree>
+      <p:nvGrpSpPr>
+        <p:cNvPr id="1" name=""/>
+        <p:cNvGrpSpPr/>
+        <p:nvPr/>
+      </p:nvGrpSpPr>
+      <p:grpSpPr>
+        <a:xfrm>
+          <a:off x="0" y="0"/>
+          <a:ext cx="0" cy="0"/>
+          <a:chOff x="0" y="0"/>
+          <a:chExt cx="0" cy="0"/>
+        </a:xfrm>
+      </p:grpSpPr>
+      <p:sp>
+        <p:nvSpPr>
+          <p:cNvPr id="2" name="Title 1"/>
+          <p:cNvSpPr>
+            <a:spLocks noGrp="1"/>
+          </p:cNvSpPr>
+          <p:nvPr>
+            <p:ph type="title"/>
+          </p:nvPr>
+        </p:nvSpPr>
+        <p:spPr/>
+        <p:txBody>
+          <a:bodyPr/>
+          <a:lstStyle/>
+          <a:p>
+            <a:r>
+              <a:rPr lang="en-US" dirty="0" err="1" smtClean="0"/>
+              <a:t>Các</a:t>
+            </a:r>
+            <a:r>
+              <a:rPr lang="en-US" dirty="0" smtClean="0"/>
+              <a:t> </a:t>
+            </a:r>
+            <a:r>
+              <a:rPr lang="en-US" dirty="0" err="1" smtClean="0"/>
+              <a:t>nghiên</a:t>
+            </a:r>
+            <a:r>
+              <a:rPr lang="en-US" dirty="0" smtClean="0"/>
+              <a:t> </a:t>
+            </a:r>
+            <a:r>
+              <a:rPr lang="en-US" dirty="0" err="1" smtClean="0"/>
+              <a:t>cứu</a:t>
+            </a:r>
+            <a:r>
+              <a:rPr lang="en-US" dirty="0" smtClean="0"/>
+              <a:t> </a:t>
+            </a:r>
+            <a:r>
+              <a:rPr lang="en-US" dirty="0" err="1" smtClean="0"/>
+              <a:t>liên</a:t>
+            </a:r>
+            <a:r>
+              <a:rPr lang="en-US" dirty="0" smtClean="0"/>
+              <a:t> </a:t>
+            </a:r>
+            <a:r>
+              <a:rPr lang="en-US" dirty="0" err="1" smtClean="0"/>
+              <a:t>quan</a:t>
+            </a:r>
+            <a:endParaRPr lang="en-US" dirty="0"/>
+          </a:p>
+        </p:txBody>
+      </p:sp>
+      <p:sp>
+        <p:nvSpPr>
+          <p:cNvPr id="3" name="Content Placeholder 2"/>
+          <p:cNvSpPr>
+            <a:spLocks noGrp="1"/>
+          </p:cNvSpPr>
+          <p:nvPr>
+            <p:ph idx="1"/>
+          </p:nvPr>
+        </p:nvSpPr>
+        <p:spPr/>
+        <p:txBody>
+          <a:bodyPr/>
+          <a:lstStyle/>
+          <a:p>
+            <a:r>
+              <a:rPr lang="en-US" dirty="0" err="1" smtClean="0"/>
+              <a:t>Tập</a:t>
+            </a:r>
+            <a:r>
+              <a:rPr lang="en-US" dirty="0" smtClean="0"/>
+              <a:t> 250 </a:t>
+            </a:r>
+            <a:r>
+              <a:rPr lang="en-US" dirty="0" err="1" smtClean="0"/>
+              <a:t>câu</a:t>
+            </a:r>
+            <a:r>
+              <a:rPr lang="en-US" dirty="0" smtClean="0"/>
+              <a:t> </a:t>
+            </a:r>
+            <a:r>
+              <a:rPr lang="en-US" dirty="0" err="1" smtClean="0"/>
+              <a:t>hỏi</a:t>
+            </a:r>
+            <a:r>
+              <a:rPr lang="en-US" dirty="0" smtClean="0"/>
+              <a:t> </a:t>
+            </a:r>
+            <a:r>
+              <a:rPr lang="en-US" dirty="0" err="1" smtClean="0"/>
+              <a:t>tác</a:t>
+            </a:r>
+            <a:r>
+              <a:rPr lang="en-US" dirty="0" smtClean="0"/>
+              <a:t> </a:t>
+            </a:r>
+            <a:r>
+              <a:rPr lang="en-US" dirty="0" err="1" smtClean="0"/>
+              <a:t>giả</a:t>
+            </a:r>
+            <a:r>
+              <a:rPr lang="en-US" dirty="0" smtClean="0"/>
+              <a:t> </a:t>
+            </a:r>
+            <a:r>
+              <a:rPr lang="en-US" dirty="0" err="1" smtClean="0"/>
+              <a:t>rút</a:t>
+            </a:r>
+            <a:r>
+              <a:rPr lang="en-US" dirty="0" smtClean="0"/>
+              <a:t> </a:t>
+            </a:r>
+            <a:r>
+              <a:rPr lang="en-US" dirty="0" err="1" smtClean="0"/>
+              <a:t>ngẫu</a:t>
+            </a:r>
+            <a:r>
+              <a:rPr lang="en-US" dirty="0" smtClean="0"/>
+              <a:t> </a:t>
+            </a:r>
+            <a:r>
+              <a:rPr lang="en-US" dirty="0" err="1" smtClean="0"/>
+              <a:t>nhiên</a:t>
+            </a:r>
+            <a:r>
+              <a:rPr lang="en-US" dirty="0" smtClean="0"/>
+              <a:t> </a:t>
+            </a:r>
+            <a:r>
+              <a:rPr lang="en-US" dirty="0" err="1" smtClean="0"/>
+              <a:t>từ</a:t>
+            </a:r>
+            <a:r>
+              <a:rPr lang="en-US" dirty="0" smtClean="0"/>
+              <a:t> 4501 </a:t>
+            </a:r>
+            <a:r>
+              <a:rPr lang="en-US" dirty="0" err="1" smtClean="0"/>
+              <a:t>câu</a:t>
+            </a:r>
+            <a:r>
+              <a:rPr lang="en-US" dirty="0" smtClean="0"/>
+              <a:t> </a:t>
+            </a:r>
+            <a:r>
+              <a:rPr lang="en-US" dirty="0" err="1" smtClean="0"/>
+              <a:t>hỏi</a:t>
+            </a:r>
+            <a:r>
+              <a:rPr lang="en-US" dirty="0" smtClean="0"/>
+              <a:t> </a:t>
+            </a:r>
+            <a:r>
+              <a:rPr lang="en-US" dirty="0" err="1" smtClean="0"/>
+              <a:t>chuẫn</a:t>
+            </a:r>
+            <a:r>
+              <a:rPr lang="en-US" dirty="0" smtClean="0"/>
+              <a:t> </a:t>
+            </a:r>
+            <a:r>
+              <a:rPr lang="en-US" dirty="0" err="1" smtClean="0"/>
+              <a:t>liên</a:t>
+            </a:r>
+            <a:r>
+              <a:rPr lang="en-US" dirty="0" smtClean="0"/>
+              <a:t> </a:t>
+            </a:r>
+            <a:r>
+              <a:rPr lang="en-US" dirty="0" err="1" smtClean="0"/>
+              <a:t>quan</a:t>
+            </a:r>
+            <a:r>
+              <a:rPr lang="en-US" dirty="0" smtClean="0"/>
+              <a:t> </a:t>
+            </a:r>
+            <a:r>
+              <a:rPr lang="en-US" dirty="0" err="1" smtClean="0"/>
+              <a:t>đến</a:t>
+            </a:r>
+            <a:r>
+              <a:rPr lang="en-US" dirty="0" smtClean="0"/>
+              <a:t> </a:t>
+            </a:r>
+            <a:r>
+              <a:rPr lang="en-US" dirty="0" err="1" smtClean="0"/>
+              <a:t>lĩnh</a:t>
+            </a:r>
+            <a:r>
+              <a:rPr lang="en-US" dirty="0" smtClean="0"/>
+              <a:t> </a:t>
+            </a:r>
+            <a:r>
+              <a:rPr lang="en-US" dirty="0" err="1" smtClean="0"/>
+              <a:t>vực</a:t>
+            </a:r>
+            <a:r>
+              <a:rPr lang="en-US" dirty="0" smtClean="0"/>
+              <a:t> du </a:t>
+            </a:r>
+            <a:r>
+              <a:rPr lang="en-US" dirty="0" err="1" smtClean="0"/>
+              <a:t>lịch</a:t>
+            </a:r>
+            <a:r>
+              <a:rPr lang="en-US" dirty="0" smtClean="0"/>
+              <a:t>.</a:t>
+            </a:r>
+          </a:p>
+          <a:p>
+            <a:r>
+              <a:rPr lang="en-US" dirty="0" err="1" smtClean="0"/>
+              <a:t>Kết</a:t>
+            </a:r>
+            <a:r>
+              <a:rPr lang="en-US" dirty="0" smtClean="0"/>
+              <a:t> </a:t>
+            </a:r>
+            <a:r>
+              <a:rPr lang="en-US" dirty="0" err="1" smtClean="0"/>
+              <a:t>quả</a:t>
+            </a:r>
+            <a:r>
+              <a:rPr lang="en-US" dirty="0" smtClean="0"/>
+              <a:t>:  </a:t>
+            </a:r>
+          </a:p>
+          <a:p>
+            <a:endParaRPr lang="en-US" dirty="0" smtClean="0"/>
+          </a:p>
+          <a:p>
+            <a:endParaRPr lang="en-US" dirty="0" smtClean="0"/>
+          </a:p>
+          <a:p>
+            <a:endParaRPr lang="en-US" dirty="0" smtClean="0"/>
+          </a:p>
+          <a:p>
+            <a:endParaRPr lang="en-US" dirty="0" smtClean="0"/>
+          </a:p>
+          <a:p>
+            <a:pPr>
+              <a:buNone/>
+            </a:pPr>
+            <a:r>
+              <a:rPr lang="en-US" dirty="0" smtClean="0"/>
+              <a:t>		(</a:t>
+            </a:r>
+            <a:r>
+              <a:rPr lang="en-US" dirty="0" err="1" smtClean="0"/>
+              <a:t>lấy</a:t>
+            </a:r>
+            <a:r>
+              <a:rPr lang="en-US" dirty="0" smtClean="0"/>
+              <a:t> </a:t>
+            </a:r>
+            <a:r>
+              <a:rPr lang="en-US" dirty="0" err="1" smtClean="0"/>
+              <a:t>từ</a:t>
+            </a:r>
+            <a:r>
+              <a:rPr lang="en-US" dirty="0" smtClean="0"/>
+              <a:t> table 1 </a:t>
+            </a:r>
+            <a:r>
+              <a:rPr lang="en-US" dirty="0" err="1" smtClean="0"/>
+              <a:t>tài</a:t>
+            </a:r>
+            <a:r>
+              <a:rPr lang="en-US" dirty="0" smtClean="0"/>
+              <a:t> </a:t>
+            </a:r>
+            <a:r>
+              <a:rPr lang="en-US" dirty="0" err="1" smtClean="0"/>
+              <a:t>liệu</a:t>
+            </a:r>
+            <a:r>
+              <a:rPr lang="en-US" dirty="0" smtClean="0"/>
+              <a:t> [3])</a:t>
+            </a:r>
+          </a:p>
+          <a:p>
+            <a:endParaRPr lang="en-US" dirty="0"/>
+          </a:p>
+        </p:txBody>
+      </p:sp>
+      <p:pic>
+        <p:nvPicPr>
+          <p:cNvPr id="5122" name="Picture 1"/>
+          <p:cNvPicPr>
+            <a:picLocks noChangeAspect="1" noChangeArrowheads="1"/>
+          </p:cNvPicPr>
+          <p:nvPr/>
+        </p:nvPicPr>
+        <p:blipFill>
+          <a:blip r:embed="rId2"/>
+          <a:srcRect/>
+          <a:stretch>
+            <a:fillRect/>
+          </a:stretch>
+        </p:blipFill>
+        <p:spPr bwMode="auto">
+          <a:xfrm>
+            <a:off x="1143000" y="3352800"/>
+            <a:ext cx="7162800" cy="2133600"/>
+          </a:xfrm>
+          <a:prstGeom prst="rect">
+            <a:avLst/>
+          </a:prstGeom>
+          <a:noFill/>
+          <a:ln w="9525">
+            <a:noFill/>
+            <a:miter lim="800000"/>
+            <a:headEnd/>
+            <a:tailEnd/>
+          </a:ln>
+        </p:spPr>
+      </p:pic>
+    </p:spTree>
+  </p:cSld>
+  <p:clrMapOvr>
+    <a:masterClrMapping/>
+  </p:clrMapOvr>
+</p:sld>
+</file>
+
+<file path=ppt/slides/slide12.xml><?xml version="1.0" encoding="utf-8"?>
+<p:sld xmlns:a="http://schemas.openxmlformats.org/drawingml/2006/main" xmlns:r="http://schemas.openxmlformats.org/officeDocument/2006/relationships" xmlns:p="http://schemas.openxmlformats.org/presentationml/2006/main">
+  <p:cSld>
+    <p:spTree>
+      <p:nvGrpSpPr>
+        <p:cNvPr id="1" name=""/>
+        <p:cNvGrpSpPr/>
+        <p:nvPr/>
+      </p:nvGrpSpPr>
+      <p:grpSpPr>
+        <a:xfrm>
+          <a:off x="0" y="0"/>
+          <a:ext cx="0" cy="0"/>
+          <a:chOff x="0" y="0"/>
+          <a:chExt cx="0" cy="0"/>
+        </a:xfrm>
+      </p:grpSpPr>
+      <p:sp>
+        <p:nvSpPr>
+          <p:cNvPr id="2" name="Title 1"/>
+          <p:cNvSpPr>
+            <a:spLocks noGrp="1"/>
+          </p:cNvSpPr>
+          <p:nvPr>
+            <p:ph type="title"/>
+          </p:nvPr>
+        </p:nvSpPr>
+        <p:spPr/>
+        <p:txBody>
+          <a:bodyPr/>
+          <a:lstStyle/>
+          <a:p>
+            <a:r>
+              <a:rPr lang="en-US" dirty="0" err="1" smtClean="0"/>
+              <a:t>Các</a:t>
+            </a:r>
+            <a:r>
+              <a:rPr lang="en-US" dirty="0" smtClean="0"/>
+              <a:t> </a:t>
+            </a:r>
+            <a:r>
+              <a:rPr lang="en-US" dirty="0" err="1" smtClean="0"/>
+              <a:t>nghiên</a:t>
+            </a:r>
+            <a:r>
+              <a:rPr lang="en-US" dirty="0" smtClean="0"/>
+              <a:t> </a:t>
+            </a:r>
+            <a:r>
+              <a:rPr lang="en-US" dirty="0" err="1" smtClean="0"/>
+              <a:t>cứu</a:t>
+            </a:r>
+            <a:r>
+              <a:rPr lang="en-US" dirty="0" smtClean="0"/>
+              <a:t> </a:t>
+            </a:r>
+            <a:r>
+              <a:rPr lang="en-US" dirty="0" err="1" smtClean="0"/>
+              <a:t>liên</a:t>
+            </a:r>
+            <a:r>
+              <a:rPr lang="en-US" dirty="0" smtClean="0"/>
+              <a:t> </a:t>
+            </a:r>
+            <a:r>
+              <a:rPr lang="en-US" dirty="0" err="1" smtClean="0"/>
+              <a:t>quan</a:t>
+            </a:r>
+            <a:endParaRPr lang="en-US" dirty="0"/>
+          </a:p>
+        </p:txBody>
+      </p:sp>
+      <p:sp>
+        <p:nvSpPr>
+          <p:cNvPr id="3" name="Content Placeholder 2"/>
+          <p:cNvSpPr>
+            <a:spLocks noGrp="1"/>
+          </p:cNvSpPr>
+          <p:nvPr>
+            <p:ph idx="1"/>
+          </p:nvPr>
+        </p:nvSpPr>
+        <p:spPr/>
+        <p:txBody>
+          <a:bodyPr/>
+          <a:lstStyle/>
+          <a:p>
+            <a:r>
+              <a:rPr lang="en-US" dirty="0" err="1" smtClean="0"/>
+              <a:t>Đề</a:t>
+            </a:r>
+            <a:r>
+              <a:rPr lang="en-US" dirty="0" smtClean="0"/>
+              <a:t> </a:t>
+            </a:r>
+            <a:r>
+              <a:rPr lang="en-US" dirty="0" err="1" smtClean="0"/>
+              <a:t>tài</a:t>
+            </a:r>
+            <a:r>
+              <a:rPr lang="en-US" dirty="0" smtClean="0"/>
+              <a:t> </a:t>
+            </a:r>
+            <a:r>
+              <a:rPr lang="en-US" dirty="0" err="1" smtClean="0"/>
+              <a:t>của</a:t>
+            </a:r>
+            <a:r>
+              <a:rPr lang="en-US" dirty="0" smtClean="0"/>
+              <a:t> </a:t>
+            </a:r>
+            <a:r>
+              <a:rPr lang="en-US" dirty="0" err="1" smtClean="0"/>
+              <a:t>cô</a:t>
+            </a:r>
+            <a:r>
+              <a:rPr lang="en-US" dirty="0" smtClean="0"/>
+              <a:t> </a:t>
+            </a:r>
+            <a:r>
+              <a:rPr lang="en-US" dirty="0" err="1" smtClean="0"/>
+              <a:t>Lương</a:t>
+            </a:r>
+            <a:r>
+              <a:rPr lang="en-US" dirty="0" smtClean="0"/>
+              <a:t> </a:t>
+            </a:r>
+            <a:r>
+              <a:rPr lang="en-US" dirty="0" err="1" smtClean="0"/>
+              <a:t>Quý</a:t>
+            </a:r>
+            <a:r>
+              <a:rPr lang="en-US" dirty="0" smtClean="0"/>
+              <a:t> </a:t>
+            </a:r>
+            <a:r>
+              <a:rPr lang="en-US" dirty="0" err="1" smtClean="0"/>
+              <a:t>Tịnh</a:t>
+            </a:r>
+            <a:r>
+              <a:rPr lang="en-US" dirty="0" smtClean="0"/>
+              <a:t> </a:t>
+            </a:r>
+            <a:r>
+              <a:rPr lang="en-US" dirty="0" err="1" smtClean="0"/>
+              <a:t>Hà</a:t>
+            </a:r>
+            <a:r>
+              <a:rPr lang="en-US" dirty="0" smtClean="0"/>
+              <a:t> </a:t>
+            </a:r>
+            <a:r>
+              <a:rPr lang="en-US" dirty="0" err="1" smtClean="0"/>
+              <a:t>với</a:t>
+            </a:r>
+            <a:r>
+              <a:rPr lang="en-US" dirty="0" smtClean="0"/>
+              <a:t> </a:t>
+            </a:r>
+            <a:r>
+              <a:rPr lang="en-US" dirty="0" err="1" smtClean="0"/>
+              <a:t>đề</a:t>
+            </a:r>
+            <a:r>
+              <a:rPr lang="en-US" dirty="0" smtClean="0"/>
+              <a:t> </a:t>
+            </a:r>
+            <a:r>
+              <a:rPr lang="en-US" dirty="0" err="1" smtClean="0"/>
+              <a:t>tài</a:t>
+            </a:r>
+            <a:r>
+              <a:rPr lang="en-US" dirty="0" smtClean="0"/>
+              <a:t> “</a:t>
+            </a:r>
+            <a:r>
+              <a:rPr lang="en-US" dirty="0" err="1" smtClean="0"/>
+              <a:t>Xây</a:t>
+            </a:r>
+            <a:r>
+              <a:rPr lang="en-US" dirty="0" smtClean="0"/>
+              <a:t> </a:t>
+            </a:r>
+            <a:r>
+              <a:rPr lang="en-US" dirty="0" err="1" smtClean="0"/>
+              <a:t>dựng</a:t>
+            </a:r>
+            <a:r>
+              <a:rPr lang="en-US" dirty="0" smtClean="0"/>
+              <a:t> </a:t>
+            </a:r>
+            <a:r>
+              <a:rPr lang="en-US" dirty="0" err="1" smtClean="0"/>
+              <a:t>công</a:t>
+            </a:r>
+            <a:r>
+              <a:rPr lang="en-US" dirty="0" smtClean="0"/>
+              <a:t> </a:t>
+            </a:r>
+            <a:r>
+              <a:rPr lang="en-US" dirty="0" err="1" smtClean="0"/>
+              <a:t>cụ</a:t>
+            </a:r>
+            <a:r>
+              <a:rPr lang="en-US" dirty="0" smtClean="0"/>
+              <a:t> </a:t>
+            </a:r>
+            <a:r>
+              <a:rPr lang="en-US" dirty="0" err="1" smtClean="0"/>
+              <a:t>tìm</a:t>
+            </a:r>
+            <a:r>
+              <a:rPr lang="en-US" dirty="0" smtClean="0"/>
+              <a:t> </a:t>
+            </a:r>
+            <a:r>
+              <a:rPr lang="en-US" dirty="0" err="1" smtClean="0"/>
+              <a:t>kiếm</a:t>
+            </a:r>
+            <a:r>
+              <a:rPr lang="en-US" dirty="0" smtClean="0"/>
+              <a:t> </a:t>
+            </a:r>
+            <a:r>
+              <a:rPr lang="en-US" dirty="0" err="1" smtClean="0"/>
+              <a:t>tài</a:t>
+            </a:r>
+            <a:r>
+              <a:rPr lang="en-US" dirty="0" smtClean="0"/>
+              <a:t> </a:t>
+            </a:r>
+            <a:r>
+              <a:rPr lang="en-US" dirty="0" err="1" smtClean="0"/>
+              <a:t>liệu</a:t>
+            </a:r>
+            <a:r>
+              <a:rPr lang="en-US" dirty="0" smtClean="0"/>
+              <a:t> </a:t>
+            </a:r>
+            <a:r>
+              <a:rPr lang="en-US" dirty="0" err="1" smtClean="0"/>
+              <a:t>học</a:t>
+            </a:r>
+            <a:r>
+              <a:rPr lang="en-US" dirty="0" smtClean="0"/>
+              <a:t> </a:t>
+            </a:r>
+            <a:r>
+              <a:rPr lang="en-US" dirty="0" err="1" smtClean="0"/>
+              <a:t>tập</a:t>
+            </a:r>
+            <a:r>
+              <a:rPr lang="en-US" dirty="0" smtClean="0"/>
+              <a:t> </a:t>
+            </a:r>
+            <a:r>
+              <a:rPr lang="en-US" dirty="0" err="1" smtClean="0"/>
+              <a:t>bằng</a:t>
+            </a:r>
+            <a:r>
+              <a:rPr lang="en-US" dirty="0" smtClean="0"/>
+              <a:t> </a:t>
+            </a:r>
+            <a:r>
+              <a:rPr lang="en-US" dirty="0" err="1" smtClean="0"/>
+              <a:t>các</a:t>
+            </a:r>
+            <a:r>
+              <a:rPr lang="en-US" dirty="0" smtClean="0"/>
+              <a:t> </a:t>
+            </a:r>
+            <a:r>
+              <a:rPr lang="en-US" dirty="0" err="1" smtClean="0"/>
+              <a:t>truy</a:t>
+            </a:r>
+            <a:r>
+              <a:rPr lang="en-US" dirty="0" smtClean="0"/>
+              <a:t> </a:t>
+            </a:r>
+            <a:r>
+              <a:rPr lang="en-US" dirty="0" err="1" smtClean="0"/>
+              <a:t>vấn</a:t>
+            </a:r>
+            <a:r>
+              <a:rPr lang="en-US" dirty="0" smtClean="0"/>
+              <a:t> </a:t>
+            </a:r>
+            <a:r>
+              <a:rPr lang="en-US" dirty="0" err="1" smtClean="0"/>
+              <a:t>ngôn</a:t>
+            </a:r>
+            <a:r>
+              <a:rPr lang="en-US" dirty="0" smtClean="0"/>
+              <a:t> </a:t>
+            </a:r>
+            <a:r>
+              <a:rPr lang="en-US" dirty="0" err="1" smtClean="0"/>
+              <a:t>ngữ</a:t>
+            </a:r>
+            <a:r>
+              <a:rPr lang="en-US" dirty="0" smtClean="0"/>
+              <a:t> </a:t>
+            </a:r>
+            <a:r>
+              <a:rPr lang="en-US" dirty="0" err="1" smtClean="0"/>
+              <a:t>tự</a:t>
+            </a:r>
+            <a:r>
+              <a:rPr lang="en-US" dirty="0" smtClean="0"/>
+              <a:t> </a:t>
+            </a:r>
+            <a:r>
+              <a:rPr lang="en-US" dirty="0" err="1" smtClean="0"/>
+              <a:t>nhiên</a:t>
+            </a:r>
+            <a:r>
+              <a:rPr lang="en-US" dirty="0" smtClean="0"/>
+              <a:t>  </a:t>
+            </a:r>
+            <a:r>
+              <a:rPr lang="en-US" dirty="0" err="1" smtClean="0"/>
+              <a:t>trên</a:t>
+            </a:r>
+            <a:r>
+              <a:rPr lang="en-US" dirty="0" smtClean="0"/>
+              <a:t> </a:t>
+            </a:r>
+            <a:r>
+              <a:rPr lang="en-US" dirty="0" err="1" smtClean="0"/>
+              <a:t>kho</a:t>
+            </a:r>
+            <a:r>
+              <a:rPr lang="en-US" dirty="0" smtClean="0"/>
+              <a:t> </a:t>
+            </a:r>
+            <a:r>
+              <a:rPr lang="en-US" dirty="0" err="1" smtClean="0"/>
+              <a:t>học</a:t>
+            </a:r>
+            <a:r>
+              <a:rPr lang="en-US" dirty="0" smtClean="0"/>
+              <a:t> </a:t>
+            </a:r>
+            <a:r>
+              <a:rPr lang="en-US" dirty="0" err="1" smtClean="0"/>
+              <a:t>liệu</a:t>
+            </a:r>
+            <a:r>
+              <a:rPr lang="en-US" dirty="0" smtClean="0"/>
+              <a:t> </a:t>
+            </a:r>
+            <a:r>
+              <a:rPr lang="en-US" dirty="0" err="1" smtClean="0"/>
+              <a:t>mở</a:t>
+            </a:r>
+            <a:r>
+              <a:rPr lang="en-US" dirty="0" smtClean="0"/>
+              <a:t> </a:t>
+            </a:r>
+            <a:r>
+              <a:rPr lang="en-US" dirty="0" err="1" smtClean="0"/>
+              <a:t>tiếng</a:t>
+            </a:r>
+            <a:r>
+              <a:rPr lang="en-US" dirty="0" smtClean="0"/>
+              <a:t> </a:t>
+            </a:r>
+            <a:r>
+              <a:rPr lang="en-US" dirty="0" err="1" smtClean="0"/>
+              <a:t>Việt</a:t>
+            </a:r>
+            <a:r>
+              <a:rPr lang="en-US" dirty="0" smtClean="0"/>
+              <a:t>” [4]</a:t>
+            </a:r>
+          </a:p>
+          <a:p>
+            <a:r>
+              <a:rPr lang="en-US" dirty="0" err="1" smtClean="0"/>
+              <a:t>Phương</a:t>
+            </a:r>
+            <a:r>
+              <a:rPr lang="en-US" dirty="0" smtClean="0"/>
+              <a:t> </a:t>
+            </a:r>
+            <a:r>
+              <a:rPr lang="en-US" dirty="0" err="1" smtClean="0"/>
+              <a:t>pháp</a:t>
+            </a:r>
+            <a:r>
+              <a:rPr lang="en-US" dirty="0" smtClean="0"/>
+              <a:t> </a:t>
+            </a:r>
+            <a:r>
+              <a:rPr lang="en-US" dirty="0" err="1" smtClean="0"/>
+              <a:t>dựa</a:t>
+            </a:r>
+            <a:r>
+              <a:rPr lang="en-US" dirty="0" smtClean="0"/>
+              <a:t> </a:t>
+            </a:r>
+            <a:r>
+              <a:rPr lang="en-US" dirty="0" err="1" smtClean="0"/>
+              <a:t>trên</a:t>
+            </a:r>
+            <a:r>
+              <a:rPr lang="en-US" dirty="0" smtClean="0"/>
+              <a:t> </a:t>
+            </a:r>
+            <a:r>
+              <a:rPr lang="en-US" dirty="0" err="1" smtClean="0"/>
+              <a:t>việc</a:t>
+            </a:r>
+            <a:r>
+              <a:rPr lang="en-US" dirty="0" smtClean="0"/>
+              <a:t> </a:t>
+            </a:r>
+            <a:r>
+              <a:rPr lang="en-US" dirty="0" err="1" smtClean="0"/>
+              <a:t>phân</a:t>
+            </a:r>
+            <a:r>
+              <a:rPr lang="en-US" dirty="0" smtClean="0"/>
+              <a:t> </a:t>
+            </a:r>
+            <a:r>
+              <a:rPr lang="en-US" dirty="0" err="1" smtClean="0"/>
+              <a:t>tích</a:t>
+            </a:r>
+            <a:r>
+              <a:rPr lang="en-US" dirty="0" smtClean="0"/>
+              <a:t> </a:t>
+            </a:r>
+            <a:r>
+              <a:rPr lang="en-US" dirty="0" err="1" smtClean="0"/>
+              <a:t>cây</a:t>
+            </a:r>
+            <a:r>
+              <a:rPr lang="en-US" dirty="0" smtClean="0"/>
+              <a:t> </a:t>
+            </a:r>
+            <a:r>
+              <a:rPr lang="en-US" dirty="0" err="1" smtClean="0"/>
+              <a:t>cú</a:t>
+            </a:r>
+            <a:r>
+              <a:rPr lang="en-US" dirty="0" smtClean="0"/>
+              <a:t> </a:t>
+            </a:r>
+            <a:r>
+              <a:rPr lang="en-US" dirty="0" err="1" smtClean="0"/>
+              <a:t>pháp</a:t>
+            </a:r>
+            <a:r>
+              <a:rPr lang="en-US" dirty="0" smtClean="0"/>
+              <a:t> </a:t>
+            </a:r>
+            <a:r>
+              <a:rPr lang="en-US" dirty="0" err="1" smtClean="0"/>
+              <a:t>tiếng</a:t>
+            </a:r>
+            <a:r>
+              <a:rPr lang="en-US" dirty="0" smtClean="0"/>
+              <a:t> </a:t>
+            </a:r>
+            <a:r>
+              <a:rPr lang="en-US" dirty="0" err="1" smtClean="0"/>
+              <a:t>việt</a:t>
+            </a:r>
+            <a:r>
+              <a:rPr lang="en-US" dirty="0" smtClean="0"/>
+              <a:t>. </a:t>
+            </a:r>
+            <a:r>
+              <a:rPr lang="en-US" dirty="0" err="1" smtClean="0"/>
+              <a:t>Một</a:t>
+            </a:r>
+            <a:r>
+              <a:rPr lang="en-US" dirty="0" smtClean="0"/>
+              <a:t> </a:t>
+            </a:r>
+            <a:r>
+              <a:rPr lang="en-US" dirty="0" err="1" smtClean="0"/>
+              <a:t>tập</a:t>
+            </a:r>
+            <a:r>
+              <a:rPr lang="en-US" dirty="0" smtClean="0"/>
+              <a:t> 40 </a:t>
+            </a:r>
+            <a:r>
+              <a:rPr lang="en-US" dirty="0" err="1" smtClean="0"/>
+              <a:t>luật</a:t>
+            </a:r>
+            <a:r>
+              <a:rPr lang="en-US" dirty="0" smtClean="0"/>
+              <a:t> </a:t>
+            </a:r>
+            <a:r>
+              <a:rPr lang="en-US" dirty="0" err="1" smtClean="0"/>
+              <a:t>cú</a:t>
+            </a:r>
+            <a:r>
+              <a:rPr lang="en-US" dirty="0" smtClean="0"/>
+              <a:t> </a:t>
+            </a:r>
+            <a:r>
+              <a:rPr lang="en-US" dirty="0" err="1" smtClean="0"/>
+              <a:t>pháp</a:t>
+            </a:r>
+            <a:r>
+              <a:rPr lang="en-US" dirty="0" smtClean="0"/>
+              <a:t> </a:t>
+            </a:r>
+            <a:r>
+              <a:rPr lang="en-US" dirty="0" err="1" smtClean="0"/>
+              <a:t>được</a:t>
+            </a:r>
+            <a:r>
+              <a:rPr lang="en-US" dirty="0" smtClean="0"/>
+              <a:t> </a:t>
+            </a:r>
+            <a:r>
+              <a:rPr lang="en-US" dirty="0" err="1" smtClean="0"/>
+              <a:t>cô</a:t>
+            </a:r>
+            <a:r>
+              <a:rPr lang="en-US" dirty="0" smtClean="0"/>
+              <a:t> </a:t>
+            </a:r>
+            <a:r>
+              <a:rPr lang="en-US" dirty="0" err="1" smtClean="0"/>
+              <a:t>tạo</a:t>
+            </a:r>
+            <a:r>
+              <a:rPr lang="en-US" dirty="0" smtClean="0"/>
+              <a:t> </a:t>
+            </a:r>
+            <a:r>
+              <a:rPr lang="en-US" dirty="0" err="1" smtClean="0"/>
+              <a:t>ra</a:t>
+            </a:r>
+            <a:r>
+              <a:rPr lang="en-US" dirty="0" smtClean="0"/>
+              <a:t> </a:t>
+            </a:r>
+            <a:r>
+              <a:rPr lang="en-US" dirty="0" err="1" smtClean="0"/>
+              <a:t>sẵn</a:t>
+            </a:r>
+            <a:r>
+              <a:rPr lang="en-US" dirty="0" smtClean="0"/>
+              <a:t>.</a:t>
+            </a:r>
+          </a:p>
+          <a:p>
+            <a:r>
+              <a:rPr lang="en-US" dirty="0" err="1" smtClean="0"/>
+              <a:t>Cây</a:t>
+            </a:r>
+            <a:r>
+              <a:rPr lang="en-US" dirty="0" smtClean="0"/>
+              <a:t> </a:t>
+            </a:r>
+            <a:r>
+              <a:rPr lang="en-US" dirty="0" err="1" smtClean="0"/>
+              <a:t>cú</a:t>
+            </a:r>
+            <a:r>
+              <a:rPr lang="en-US" dirty="0" smtClean="0"/>
+              <a:t> </a:t>
+            </a:r>
+            <a:r>
+              <a:rPr lang="en-US" dirty="0" err="1" smtClean="0"/>
+              <a:t>pháp</a:t>
+            </a:r>
+            <a:r>
+              <a:rPr lang="en-US" dirty="0" smtClean="0"/>
+              <a:t> </a:t>
+            </a:r>
+            <a:r>
+              <a:rPr lang="en-US" dirty="0" err="1" smtClean="0"/>
+              <a:t>được</a:t>
+            </a:r>
+            <a:r>
+              <a:rPr lang="en-US" dirty="0" smtClean="0"/>
+              <a:t> </a:t>
+            </a:r>
+            <a:r>
+              <a:rPr lang="en-US" dirty="0" err="1" smtClean="0"/>
+              <a:t>chuyển</a:t>
+            </a:r>
+            <a:r>
+              <a:rPr lang="en-US" dirty="0" smtClean="0"/>
+              <a:t> </a:t>
+            </a:r>
+            <a:r>
+              <a:rPr lang="en-US" dirty="0" err="1" smtClean="0"/>
+              <a:t>thành</a:t>
+            </a:r>
+            <a:r>
+              <a:rPr lang="en-US" dirty="0" smtClean="0"/>
+              <a:t> </a:t>
+            </a:r>
+            <a:r>
+              <a:rPr lang="en-US" dirty="0" err="1" smtClean="0"/>
+              <a:t>cây</a:t>
+            </a:r>
+            <a:r>
+              <a:rPr lang="en-US" dirty="0" smtClean="0"/>
+              <a:t> </a:t>
+            </a:r>
+            <a:r>
+              <a:rPr lang="en-US" dirty="0" err="1" smtClean="0"/>
+              <a:t>sinh</a:t>
+            </a:r>
+            <a:r>
+              <a:rPr lang="en-US" dirty="0" smtClean="0"/>
+              <a:t> </a:t>
+            </a:r>
+            <a:r>
+              <a:rPr lang="en-US" dirty="0" err="1" smtClean="0"/>
+              <a:t>mã</a:t>
+            </a:r>
+            <a:r>
+              <a:rPr lang="en-US" dirty="0" smtClean="0"/>
+              <a:t> </a:t>
+            </a:r>
+            <a:r>
+              <a:rPr lang="en-US" dirty="0" err="1" smtClean="0"/>
+              <a:t>truy</a:t>
+            </a:r>
+            <a:r>
+              <a:rPr lang="en-US" dirty="0" smtClean="0"/>
+              <a:t> </a:t>
+            </a:r>
+            <a:r>
+              <a:rPr lang="en-US" dirty="0" err="1" smtClean="0"/>
+              <a:t>vấn</a:t>
+            </a:r>
+            <a:r>
+              <a:rPr lang="en-US" dirty="0" smtClean="0"/>
+              <a:t>. </a:t>
+            </a:r>
+            <a:r>
+              <a:rPr lang="en-US" dirty="0" err="1" smtClean="0"/>
+              <a:t>Cuối</a:t>
+            </a:r>
+            <a:r>
+              <a:rPr lang="en-US" dirty="0" smtClean="0"/>
+              <a:t> </a:t>
+            </a:r>
+            <a:r>
+              <a:rPr lang="en-US" dirty="0" err="1" smtClean="0"/>
+              <a:t>cùng</a:t>
+            </a:r>
+            <a:r>
+              <a:rPr lang="en-US" dirty="0" smtClean="0"/>
+              <a:t> </a:t>
+            </a:r>
+            <a:r>
+              <a:rPr lang="en-US" dirty="0" err="1" smtClean="0"/>
+              <a:t>sinh</a:t>
+            </a:r>
+            <a:r>
+              <a:rPr lang="en-US" dirty="0" smtClean="0"/>
+              <a:t> </a:t>
+            </a:r>
+            <a:r>
+              <a:rPr lang="en-US" dirty="0" err="1" smtClean="0"/>
+              <a:t>câu</a:t>
+            </a:r>
+            <a:r>
+              <a:rPr lang="en-US" dirty="0" smtClean="0"/>
+              <a:t> </a:t>
+            </a:r>
+            <a:r>
+              <a:rPr lang="en-US" dirty="0" err="1" smtClean="0"/>
+              <a:t>truy</a:t>
+            </a:r>
+            <a:r>
+              <a:rPr lang="en-US" dirty="0" smtClean="0"/>
+              <a:t> </a:t>
+            </a:r>
+            <a:r>
+              <a:rPr lang="en-US" dirty="0" err="1" smtClean="0"/>
+              <a:t>vấn</a:t>
+            </a:r>
+            <a:r>
+              <a:rPr lang="en-US" dirty="0" smtClean="0"/>
+              <a:t> SPARQL.</a:t>
+            </a:r>
+            <a:endParaRPr lang="en-US" dirty="0"/>
+          </a:p>
+        </p:txBody>
+      </p:sp>
+    </p:spTree>
+  </p:cSld>
+  <p:clrMapOvr>
+    <a:masterClrMapping/>
+  </p:clrMapOvr>
+</p:sld>
+</file>
+
+<file path=ppt/slides/slide13.xml><?xml version="1.0" encoding="utf-8"?>
+<p:sld xmlns:a="http://schemas.openxmlformats.org/drawingml/2006/main" xmlns:r="http://schemas.openxmlformats.org/officeDocument/2006/relationships" xmlns:p="http://schemas.openxmlformats.org/presentationml/2006/main">
+  <p:cSld>
+    <p:spTree>
+      <p:nvGrpSpPr>
+        <p:cNvPr id="1" name=""/>
+        <p:cNvGrpSpPr/>
+        <p:nvPr/>
+      </p:nvGrpSpPr>
+      <p:grpSpPr>
+        <a:xfrm>
+          <a:off x="0" y="0"/>
+          <a:ext cx="0" cy="0"/>
+          <a:chOff x="0" y="0"/>
+          <a:chExt cx="0" cy="0"/>
+        </a:xfrm>
+      </p:grpSpPr>
+      <p:sp>
+        <p:nvSpPr>
+          <p:cNvPr id="2" name="Title 1"/>
+          <p:cNvSpPr>
+            <a:spLocks noGrp="1"/>
+          </p:cNvSpPr>
+          <p:nvPr>
+            <p:ph type="title"/>
+          </p:nvPr>
+        </p:nvSpPr>
+        <p:spPr/>
+        <p:txBody>
+          <a:bodyPr/>
+          <a:lstStyle/>
+          <a:p>
+            <a:r>
+              <a:rPr lang="en-US" dirty="0" err="1" smtClean="0"/>
+              <a:t>Các</a:t>
+            </a:r>
+            <a:r>
+              <a:rPr lang="en-US" dirty="0" smtClean="0"/>
+              <a:t> </a:t>
+            </a:r>
+            <a:r>
+              <a:rPr lang="en-US" dirty="0" err="1" smtClean="0"/>
+              <a:t>nghiên</a:t>
+            </a:r>
+            <a:r>
+              <a:rPr lang="en-US" dirty="0" smtClean="0"/>
+              <a:t> </a:t>
+            </a:r>
+            <a:r>
+              <a:rPr lang="en-US" dirty="0" err="1" smtClean="0"/>
+              <a:t>cứu</a:t>
+            </a:r>
+            <a:r>
+              <a:rPr lang="en-US" dirty="0" smtClean="0"/>
+              <a:t> </a:t>
+            </a:r>
+            <a:r>
+              <a:rPr lang="en-US" dirty="0" err="1" smtClean="0"/>
+              <a:t>liên</a:t>
+            </a:r>
+            <a:r>
+              <a:rPr lang="en-US" dirty="0" smtClean="0"/>
+              <a:t> </a:t>
+            </a:r>
+            <a:r>
+              <a:rPr lang="en-US" dirty="0" err="1" smtClean="0"/>
+              <a:t>quan</a:t>
+            </a:r>
+            <a:endParaRPr lang="en-US" dirty="0"/>
+          </a:p>
+        </p:txBody>
+      </p:sp>
+      <p:sp>
+        <p:nvSpPr>
+          <p:cNvPr id="3" name="Content Placeholder 2"/>
+          <p:cNvSpPr>
+            <a:spLocks noGrp="1"/>
+          </p:cNvSpPr>
+          <p:nvPr>
+            <p:ph idx="1"/>
+          </p:nvPr>
+        </p:nvSpPr>
+        <p:spPr/>
+        <p:txBody>
+          <a:bodyPr/>
+          <a:lstStyle/>
+          <a:p>
+            <a:r>
+              <a:rPr lang="en-US" dirty="0" err="1" smtClean="0"/>
+              <a:t>Dữ</a:t>
+            </a:r>
+            <a:r>
+              <a:rPr lang="en-US" dirty="0" smtClean="0"/>
+              <a:t> </a:t>
+            </a:r>
+            <a:r>
+              <a:rPr lang="en-US" dirty="0" err="1" smtClean="0"/>
+              <a:t>liệu</a:t>
+            </a:r>
+            <a:r>
+              <a:rPr lang="en-US" dirty="0" smtClean="0"/>
+              <a:t> </a:t>
+            </a:r>
+            <a:r>
+              <a:rPr lang="en-US" dirty="0" err="1" smtClean="0"/>
+              <a:t>trong</a:t>
+            </a:r>
+            <a:r>
+              <a:rPr lang="en-US" dirty="0" smtClean="0"/>
+              <a:t> </a:t>
+            </a:r>
+            <a:r>
+              <a:rPr lang="en-US" dirty="0" err="1" smtClean="0"/>
+              <a:t>đề</a:t>
+            </a:r>
+            <a:r>
+              <a:rPr lang="en-US" dirty="0" smtClean="0"/>
+              <a:t> </a:t>
+            </a:r>
+            <a:r>
+              <a:rPr lang="en-US" dirty="0" err="1" smtClean="0"/>
+              <a:t>tài</a:t>
+            </a:r>
+            <a:r>
+              <a:rPr lang="en-US" dirty="0" smtClean="0"/>
+              <a:t>: </a:t>
+            </a:r>
+            <a:r>
+              <a:rPr lang="en-US" dirty="0" err="1" smtClean="0"/>
+              <a:t>lấy</a:t>
+            </a:r>
+            <a:r>
+              <a:rPr lang="en-US" dirty="0" smtClean="0"/>
+              <a:t> </a:t>
+            </a:r>
+            <a:r>
+              <a:rPr lang="en-US" dirty="0" err="1" smtClean="0"/>
+              <a:t>từ</a:t>
+            </a:r>
+            <a:r>
+              <a:rPr lang="en-US" dirty="0" smtClean="0"/>
+              <a:t> </a:t>
+            </a:r>
+            <a:r>
+              <a:rPr lang="en-US" dirty="0" err="1" smtClean="0"/>
+              <a:t>kho</a:t>
+            </a:r>
+            <a:r>
+              <a:rPr lang="en-US" dirty="0" smtClean="0"/>
+              <a:t> </a:t>
+            </a:r>
+            <a:r>
+              <a:rPr lang="en-US" dirty="0" err="1" smtClean="0"/>
+              <a:t>học</a:t>
+            </a:r>
+            <a:r>
+              <a:rPr lang="en-US" dirty="0" smtClean="0"/>
+              <a:t> </a:t>
+            </a:r>
+            <a:r>
+              <a:rPr lang="en-US" dirty="0" err="1" smtClean="0"/>
+              <a:t>liệu</a:t>
+            </a:r>
+            <a:r>
+              <a:rPr lang="en-US" dirty="0" smtClean="0"/>
+              <a:t> </a:t>
+            </a:r>
+            <a:r>
+              <a:rPr lang="en-US" dirty="0" err="1" smtClean="0"/>
+              <a:t>mở</a:t>
+            </a:r>
+            <a:r>
+              <a:rPr lang="en-US" dirty="0" smtClean="0"/>
+              <a:t> </a:t>
+            </a:r>
+            <a:r>
+              <a:rPr lang="en-US" dirty="0" err="1" smtClean="0"/>
+              <a:t>vocw</a:t>
+            </a:r>
+            <a:r>
+              <a:rPr lang="en-US" dirty="0" smtClean="0"/>
+              <a:t>. </a:t>
+            </a:r>
+            <a:r>
+              <a:rPr lang="en-US" dirty="0" err="1" smtClean="0"/>
+              <a:t>Các</a:t>
+            </a:r>
+            <a:r>
+              <a:rPr lang="en-US" dirty="0" smtClean="0"/>
+              <a:t> metadata </a:t>
+            </a:r>
+            <a:r>
+              <a:rPr lang="en-US" dirty="0" err="1" smtClean="0"/>
+              <a:t>được</a:t>
+            </a:r>
+            <a:r>
+              <a:rPr lang="en-US" dirty="0" smtClean="0"/>
+              <a:t> </a:t>
+            </a:r>
+            <a:r>
+              <a:rPr lang="en-US" dirty="0" err="1" smtClean="0"/>
+              <a:t>rút</a:t>
+            </a:r>
+            <a:r>
+              <a:rPr lang="en-US" dirty="0" smtClean="0"/>
+              <a:t> </a:t>
+            </a:r>
+            <a:r>
+              <a:rPr lang="en-US" dirty="0" err="1" smtClean="0"/>
+              <a:t>từ</a:t>
+            </a:r>
+            <a:r>
+              <a:rPr lang="en-US" dirty="0" smtClean="0"/>
+              <a:t> </a:t>
+            </a:r>
+            <a:r>
+              <a:rPr lang="en-US" dirty="0" err="1" smtClean="0"/>
+              <a:t>các</a:t>
+            </a:r>
+            <a:r>
+              <a:rPr lang="en-US" dirty="0" smtClean="0"/>
+              <a:t> </a:t>
+            </a:r>
+            <a:r>
+              <a:rPr lang="en-US" dirty="0" err="1" smtClean="0"/>
+              <a:t>trang</a:t>
+            </a:r>
+            <a:r>
+              <a:rPr lang="en-US" dirty="0" smtClean="0"/>
+              <a:t> </a:t>
+            </a:r>
+            <a:r>
+              <a:rPr lang="en-US" dirty="0" err="1" smtClean="0"/>
+              <a:t>của</a:t>
+            </a:r>
+            <a:r>
+              <a:rPr lang="en-US" dirty="0" smtClean="0"/>
+              <a:t> </a:t>
+            </a:r>
+            <a:r>
+              <a:rPr lang="en-US" dirty="0" err="1" smtClean="0"/>
+              <a:t>vocw</a:t>
+            </a:r>
+            <a:r>
+              <a:rPr lang="en-US" dirty="0" smtClean="0"/>
+              <a:t> </a:t>
+            </a:r>
+            <a:r>
+              <a:rPr lang="en-US" dirty="0" err="1" smtClean="0"/>
+              <a:t>và</a:t>
+            </a:r>
+            <a:r>
+              <a:rPr lang="en-US" dirty="0" smtClean="0"/>
+              <a:t> </a:t>
+            </a:r>
+            <a:r>
+              <a:rPr lang="en-US" dirty="0" err="1" smtClean="0"/>
+              <a:t>cập</a:t>
+            </a:r>
+            <a:r>
+              <a:rPr lang="en-US" dirty="0" smtClean="0"/>
+              <a:t> </a:t>
+            </a:r>
+            <a:r>
+              <a:rPr lang="en-US" dirty="0" err="1" smtClean="0"/>
+              <a:t>nhật</a:t>
+            </a:r>
+            <a:r>
+              <a:rPr lang="en-US" dirty="0" smtClean="0"/>
+              <a:t> </a:t>
+            </a:r>
+            <a:r>
+              <a:rPr lang="en-US" dirty="0" err="1" smtClean="0"/>
+              <a:t>vào</a:t>
+            </a:r>
+            <a:r>
+              <a:rPr lang="en-US" dirty="0" smtClean="0"/>
+              <a:t> ontology.</a:t>
+            </a:r>
+          </a:p>
+          <a:p>
+            <a:r>
+              <a:rPr lang="en-US" dirty="0" err="1" smtClean="0"/>
+              <a:t>Kết</a:t>
+            </a:r>
+            <a:r>
+              <a:rPr lang="en-US" dirty="0" smtClean="0"/>
+              <a:t> </a:t>
+            </a:r>
+            <a:r>
+              <a:rPr lang="en-US" dirty="0" err="1" smtClean="0"/>
+              <a:t>quả</a:t>
+            </a:r>
+            <a:r>
+              <a:rPr lang="en-US" dirty="0" smtClean="0"/>
+              <a:t> </a:t>
+            </a:r>
+            <a:r>
+              <a:rPr lang="en-US" dirty="0" err="1" smtClean="0"/>
+              <a:t>của</a:t>
+            </a:r>
+            <a:r>
+              <a:rPr lang="en-US" dirty="0" smtClean="0"/>
+              <a:t> </a:t>
+            </a:r>
+            <a:r>
+              <a:rPr lang="en-US" dirty="0" err="1" smtClean="0"/>
+              <a:t>đề</a:t>
+            </a:r>
+            <a:r>
+              <a:rPr lang="en-US" dirty="0" smtClean="0"/>
+              <a:t> </a:t>
+            </a:r>
+            <a:r>
+              <a:rPr lang="en-US" dirty="0" err="1" smtClean="0"/>
+              <a:t>tài</a:t>
+            </a:r>
+            <a:r>
+              <a:rPr lang="en-US" dirty="0" smtClean="0"/>
+              <a:t> </a:t>
+            </a:r>
+            <a:r>
+              <a:rPr lang="en-US" dirty="0" err="1" smtClean="0"/>
+              <a:t>trên</a:t>
+            </a:r>
+            <a:r>
+              <a:rPr lang="en-US" dirty="0" smtClean="0"/>
+              <a:t> </a:t>
+            </a:r>
+            <a:r>
+              <a:rPr lang="en-US" dirty="0" err="1" smtClean="0"/>
+              <a:t>được</a:t>
+            </a:r>
+            <a:r>
+              <a:rPr lang="en-US" dirty="0" smtClean="0"/>
+              <a:t> </a:t>
+            </a:r>
+            <a:r>
+              <a:rPr lang="en-US" dirty="0" err="1" smtClean="0"/>
+              <a:t>đánh</a:t>
+            </a:r>
+            <a:r>
+              <a:rPr lang="en-US" dirty="0" smtClean="0"/>
+              <a:t> </a:t>
+            </a:r>
+            <a:r>
+              <a:rPr lang="en-US" dirty="0" err="1" smtClean="0"/>
+              <a:t>giá</a:t>
+            </a:r>
+            <a:r>
+              <a:rPr lang="en-US" dirty="0" smtClean="0"/>
+              <a:t> </a:t>
+            </a:r>
+            <a:r>
+              <a:rPr lang="en-US" dirty="0" err="1" smtClean="0"/>
+              <a:t>như</a:t>
+            </a:r>
+            <a:r>
+              <a:rPr lang="en-US" dirty="0" smtClean="0"/>
+              <a:t> </a:t>
+            </a:r>
+            <a:r>
+              <a:rPr lang="en-US" dirty="0" err="1" smtClean="0"/>
+              <a:t>sau</a:t>
+            </a:r>
+            <a:r>
+              <a:rPr lang="en-US" dirty="0" smtClean="0"/>
+              <a:t>: </a:t>
+            </a:r>
+          </a:p>
+          <a:p>
+            <a:pPr lvl="1"/>
+            <a:r>
+              <a:rPr lang="en-US" dirty="0" err="1" smtClean="0"/>
+              <a:t>Với</a:t>
+            </a:r>
+            <a:r>
+              <a:rPr lang="en-US" dirty="0" smtClean="0"/>
+              <a:t> </a:t>
+            </a:r>
+            <a:r>
+              <a:rPr lang="en-US" dirty="0" smtClean="0"/>
+              <a:t>40 </a:t>
+            </a:r>
+            <a:r>
+              <a:rPr lang="en-US" dirty="0" err="1" smtClean="0"/>
+              <a:t>câu</a:t>
+            </a:r>
+            <a:r>
+              <a:rPr lang="en-US" dirty="0" smtClean="0"/>
+              <a:t> </a:t>
+            </a:r>
+            <a:r>
+              <a:rPr lang="en-US" dirty="0" err="1" smtClean="0"/>
+              <a:t>hỏi</a:t>
+            </a:r>
+            <a:r>
+              <a:rPr lang="en-US" dirty="0" smtClean="0"/>
+              <a:t> </a:t>
+            </a:r>
+            <a:r>
+              <a:rPr lang="en-US" dirty="0" err="1" smtClean="0"/>
+              <a:t>chuẩn</a:t>
+            </a:r>
+            <a:r>
+              <a:rPr lang="en-US" dirty="0" smtClean="0"/>
+              <a:t> </a:t>
+            </a:r>
+            <a:r>
+              <a:rPr lang="en-US" dirty="0" err="1" smtClean="0"/>
+              <a:t>thì</a:t>
+            </a:r>
+            <a:r>
+              <a:rPr lang="en-US" dirty="0" smtClean="0"/>
+              <a:t> </a:t>
+            </a:r>
+            <a:r>
+              <a:rPr lang="en-US" dirty="0" err="1" smtClean="0"/>
+              <a:t>độ</a:t>
+            </a:r>
+            <a:r>
+              <a:rPr lang="en-US" dirty="0" smtClean="0"/>
+              <a:t> </a:t>
+            </a:r>
+            <a:r>
+              <a:rPr lang="en-US" dirty="0" err="1" smtClean="0"/>
+              <a:t>chính</a:t>
+            </a:r>
+            <a:r>
+              <a:rPr lang="en-US" dirty="0" smtClean="0"/>
+              <a:t> </a:t>
+            </a:r>
+            <a:r>
+              <a:rPr lang="en-US" dirty="0" err="1" smtClean="0"/>
+              <a:t>xác</a:t>
+            </a:r>
+            <a:r>
+              <a:rPr lang="en-US" dirty="0" smtClean="0"/>
+              <a:t> 100%, </a:t>
+            </a:r>
+          </a:p>
+          <a:p>
+            <a:pPr lvl="1"/>
+            <a:r>
+              <a:rPr lang="en-US" dirty="0" err="1" smtClean="0"/>
+              <a:t>Với</a:t>
+            </a:r>
+            <a:r>
+              <a:rPr lang="en-US" dirty="0" smtClean="0"/>
+              <a:t> </a:t>
+            </a:r>
+            <a:r>
+              <a:rPr lang="en-US" dirty="0" smtClean="0"/>
+              <a:t>91 </a:t>
+            </a:r>
+            <a:r>
+              <a:rPr lang="en-US" dirty="0" err="1" smtClean="0"/>
+              <a:t>câu</a:t>
+            </a:r>
+            <a:r>
+              <a:rPr lang="en-US" dirty="0" smtClean="0"/>
+              <a:t> </a:t>
+            </a:r>
+            <a:r>
+              <a:rPr lang="en-US" dirty="0" err="1" smtClean="0"/>
+              <a:t>hỏi</a:t>
+            </a:r>
+            <a:r>
+              <a:rPr lang="en-US" dirty="0" smtClean="0"/>
+              <a:t> </a:t>
+            </a:r>
+            <a:r>
+              <a:rPr lang="en-US" dirty="0" err="1" smtClean="0"/>
+              <a:t>ngẫu</a:t>
+            </a:r>
+            <a:r>
+              <a:rPr lang="en-US" dirty="0" smtClean="0"/>
+              <a:t> </a:t>
+            </a:r>
+            <a:r>
+              <a:rPr lang="en-US" dirty="0" err="1" smtClean="0"/>
+              <a:t>nhiên</a:t>
+            </a:r>
+            <a:r>
+              <a:rPr lang="en-US" dirty="0" smtClean="0"/>
+              <a:t> </a:t>
+            </a:r>
+            <a:r>
+              <a:rPr lang="en-US" dirty="0" err="1" smtClean="0"/>
+              <a:t>thì</a:t>
+            </a:r>
+            <a:r>
+              <a:rPr lang="en-US" dirty="0" smtClean="0"/>
+              <a:t> </a:t>
+            </a:r>
+            <a:r>
+              <a:rPr lang="en-US" dirty="0" err="1" smtClean="0"/>
+              <a:t>độ</a:t>
+            </a:r>
+            <a:r>
+              <a:rPr lang="en-US" dirty="0" smtClean="0"/>
+              <a:t> </a:t>
+            </a:r>
+            <a:r>
+              <a:rPr lang="en-US" dirty="0" err="1" smtClean="0"/>
+              <a:t>chính</a:t>
+            </a:r>
+            <a:r>
+              <a:rPr lang="en-US" dirty="0" smtClean="0"/>
+              <a:t> </a:t>
+            </a:r>
+            <a:r>
+              <a:rPr lang="en-US" dirty="0" err="1" smtClean="0"/>
+              <a:t>xác</a:t>
+            </a:r>
+            <a:r>
+              <a:rPr lang="en-US" dirty="0" smtClean="0"/>
+              <a:t> </a:t>
+            </a:r>
+            <a:r>
+              <a:rPr lang="en-US" dirty="0" err="1" smtClean="0"/>
+              <a:t>là</a:t>
+            </a:r>
+            <a:r>
+              <a:rPr lang="en-US" dirty="0" smtClean="0"/>
+              <a:t> 84,62%. </a:t>
+            </a:r>
+            <a:endParaRPr lang="en-US" dirty="0"/>
+          </a:p>
+        </p:txBody>
+      </p:sp>
+    </p:spTree>
+  </p:cSld>
+  <p:clrMapOvr>
+    <a:masterClrMapping/>
+  </p:clrMapOvr>
+</p:sld>
+</file>
+
+<file path=ppt/slides/slide14.xml><?xml version="1.0" encoding="utf-8"?>
+<p:sld xmlns:a="http://schemas.openxmlformats.org/drawingml/2006/main" xmlns:r="http://schemas.openxmlformats.org/officeDocument/2006/relationships" xmlns:p="http://schemas.openxmlformats.org/presentationml/2006/main">
+  <p:cSld>
+    <p:spTree>
+      <p:nvGrpSpPr>
+        <p:cNvPr id="1" name=""/>
+        <p:cNvGrpSpPr/>
+        <p:nvPr/>
+      </p:nvGrpSpPr>
+      <p:grpSpPr>
+        <a:xfrm>
+          <a:off x="0" y="0"/>
+          <a:ext cx="0" cy="0"/>
+          <a:chOff x="0" y="0"/>
+          <a:chExt cx="0" cy="0"/>
+        </a:xfrm>
+      </p:grpSpPr>
+      <p:sp>
+        <p:nvSpPr>
+          <p:cNvPr id="2" name="Title 1"/>
+          <p:cNvSpPr>
+            <a:spLocks noGrp="1"/>
+          </p:cNvSpPr>
+          <p:nvPr>
+            <p:ph type="title"/>
+          </p:nvPr>
+        </p:nvSpPr>
+        <p:spPr/>
+        <p:txBody>
+          <a:bodyPr/>
+          <a:lstStyle/>
+          <a:p>
+            <a:r>
+              <a:rPr lang="en-US" dirty="0" err="1" smtClean="0"/>
+              <a:t>Các</a:t>
+            </a:r>
+            <a:r>
+              <a:rPr lang="en-US" dirty="0" smtClean="0"/>
+              <a:t> </a:t>
+            </a:r>
+            <a:r>
+              <a:rPr lang="en-US" dirty="0" err="1" smtClean="0"/>
+              <a:t>nghiên</a:t>
+            </a:r>
+            <a:r>
+              <a:rPr lang="en-US" dirty="0" smtClean="0"/>
+              <a:t> </a:t>
+            </a:r>
+            <a:r>
+              <a:rPr lang="en-US" dirty="0" err="1" smtClean="0"/>
+              <a:t>cứu</a:t>
+            </a:r>
+            <a:r>
+              <a:rPr lang="en-US" dirty="0" smtClean="0"/>
+              <a:t> </a:t>
+            </a:r>
+            <a:r>
+              <a:rPr lang="en-US" dirty="0" err="1" smtClean="0"/>
+              <a:t>liên</a:t>
+            </a:r>
+            <a:r>
+              <a:rPr lang="en-US" dirty="0" smtClean="0"/>
+              <a:t> </a:t>
+            </a:r>
+            <a:r>
+              <a:rPr lang="en-US" dirty="0" err="1" smtClean="0"/>
+              <a:t>quan</a:t>
+            </a:r>
+            <a:endParaRPr lang="en-US" dirty="0"/>
+          </a:p>
+        </p:txBody>
+      </p:sp>
+      <p:sp>
+        <p:nvSpPr>
+          <p:cNvPr id="3" name="Content Placeholder 2"/>
+          <p:cNvSpPr>
+            <a:spLocks noGrp="1"/>
+          </p:cNvSpPr>
+          <p:nvPr>
+            <p:ph idx="1"/>
+          </p:nvPr>
+        </p:nvSpPr>
+        <p:spPr/>
+        <p:txBody>
+          <a:bodyPr/>
+          <a:lstStyle/>
+          <a:p>
+            <a:r>
+              <a:rPr lang="en-US" dirty="0" err="1" smtClean="0"/>
+              <a:t>Đề</a:t>
+            </a:r>
+            <a:r>
+              <a:rPr lang="en-US" dirty="0" smtClean="0"/>
+              <a:t> </a:t>
+            </a:r>
+            <a:r>
+              <a:rPr lang="en-US" dirty="0" err="1" smtClean="0"/>
+              <a:t>tài</a:t>
+            </a:r>
+            <a:r>
+              <a:rPr lang="en-US" dirty="0" smtClean="0"/>
+              <a:t> </a:t>
+            </a:r>
+            <a:r>
+              <a:rPr lang="en-US" dirty="0" err="1" smtClean="0"/>
+              <a:t>của</a:t>
+            </a:r>
+            <a:r>
+              <a:rPr lang="en-US" dirty="0" smtClean="0"/>
+              <a:t> </a:t>
+            </a:r>
+            <a:r>
+              <a:rPr lang="en-US" dirty="0" err="1" smtClean="0"/>
+              <a:t>thầy</a:t>
+            </a:r>
+            <a:r>
+              <a:rPr lang="en-US" dirty="0" smtClean="0"/>
+              <a:t> Cao </a:t>
+            </a:r>
+            <a:r>
+              <a:rPr lang="en-US" dirty="0" err="1" smtClean="0"/>
+              <a:t>Duy</a:t>
+            </a:r>
+            <a:r>
+              <a:rPr lang="en-US" dirty="0" smtClean="0"/>
+              <a:t> </a:t>
+            </a:r>
+            <a:r>
+              <a:rPr lang="en-US" dirty="0" err="1" smtClean="0"/>
+              <a:t>Trường</a:t>
+            </a:r>
+            <a:r>
+              <a:rPr lang="en-US" dirty="0" smtClean="0"/>
+              <a:t> </a:t>
+            </a:r>
+            <a:r>
+              <a:rPr lang="en-US" dirty="0" err="1" smtClean="0"/>
+              <a:t>năm</a:t>
+            </a:r>
+            <a:r>
+              <a:rPr lang="en-US" dirty="0" smtClean="0"/>
+              <a:t> 2008 “ </a:t>
+            </a:r>
+            <a:r>
+              <a:rPr lang="en-US" dirty="0" err="1" smtClean="0"/>
+              <a:t>Dịch</a:t>
+            </a:r>
+            <a:r>
+              <a:rPr lang="en-US" dirty="0" smtClean="0"/>
+              <a:t> </a:t>
+            </a:r>
+            <a:r>
+              <a:rPr lang="en-US" dirty="0" err="1" smtClean="0"/>
+              <a:t>câu</a:t>
+            </a:r>
+            <a:r>
+              <a:rPr lang="en-US" dirty="0" smtClean="0"/>
+              <a:t> </a:t>
+            </a:r>
+            <a:r>
+              <a:rPr lang="en-US" dirty="0" err="1" smtClean="0"/>
+              <a:t>truy</a:t>
+            </a:r>
+            <a:r>
+              <a:rPr lang="en-US" dirty="0" smtClean="0"/>
+              <a:t> </a:t>
+            </a:r>
+            <a:r>
+              <a:rPr lang="en-US" dirty="0" err="1" smtClean="0"/>
+              <a:t>vấn</a:t>
+            </a:r>
+            <a:r>
+              <a:rPr lang="en-US" dirty="0" smtClean="0"/>
+              <a:t> </a:t>
+            </a:r>
+            <a:r>
+              <a:rPr lang="en-US" dirty="0" err="1" smtClean="0"/>
+              <a:t>có</a:t>
+            </a:r>
+            <a:r>
+              <a:rPr lang="en-US" dirty="0" smtClean="0"/>
+              <a:t> </a:t>
+            </a:r>
+            <a:r>
+              <a:rPr lang="en-US" dirty="0" err="1" smtClean="0"/>
+              <a:t>cấu</a:t>
+            </a:r>
+            <a:r>
+              <a:rPr lang="en-US" dirty="0" smtClean="0"/>
+              <a:t> </a:t>
+            </a:r>
+            <a:r>
+              <a:rPr lang="en-US" dirty="0" err="1" smtClean="0"/>
+              <a:t>trúc</a:t>
+            </a:r>
+            <a:r>
+              <a:rPr lang="en-US" dirty="0" smtClean="0"/>
+              <a:t> sang </a:t>
+            </a:r>
+            <a:r>
+              <a:rPr lang="en-US" dirty="0" err="1" smtClean="0"/>
+              <a:t>đồ</a:t>
+            </a:r>
+            <a:r>
+              <a:rPr lang="en-US" dirty="0" smtClean="0"/>
+              <a:t> </a:t>
+            </a:r>
+            <a:r>
+              <a:rPr lang="en-US" dirty="0" err="1" smtClean="0"/>
+              <a:t>thị</a:t>
+            </a:r>
+            <a:r>
+              <a:rPr lang="en-US" dirty="0" smtClean="0"/>
+              <a:t> ý </a:t>
+            </a:r>
+            <a:r>
+              <a:rPr lang="en-US" dirty="0" err="1" smtClean="0"/>
+              <a:t>niệm</a:t>
+            </a:r>
+            <a:r>
+              <a:rPr lang="en-US" dirty="0" smtClean="0"/>
+              <a:t>: </a:t>
+            </a:r>
+            <a:r>
+              <a:rPr lang="en-US" dirty="0" err="1" smtClean="0"/>
+              <a:t>cách</a:t>
+            </a:r>
+            <a:r>
+              <a:rPr lang="en-US" dirty="0" smtClean="0"/>
+              <a:t> </a:t>
+            </a:r>
+            <a:r>
+              <a:rPr lang="en-US" dirty="0" err="1" smtClean="0"/>
+              <a:t>tiếp</a:t>
+            </a:r>
+            <a:r>
+              <a:rPr lang="en-US" dirty="0" smtClean="0"/>
+              <a:t> </a:t>
+            </a:r>
+            <a:r>
+              <a:rPr lang="en-US" dirty="0" err="1" smtClean="0"/>
+              <a:t>cận</a:t>
+            </a:r>
+            <a:r>
+              <a:rPr lang="en-US" dirty="0" smtClean="0"/>
+              <a:t> </a:t>
+            </a:r>
+            <a:r>
+              <a:rPr lang="en-US" dirty="0" err="1" smtClean="0"/>
+              <a:t>ít</a:t>
+            </a:r>
+            <a:r>
+              <a:rPr lang="en-US" dirty="0" smtClean="0"/>
+              <a:t> </a:t>
+            </a:r>
+            <a:r>
+              <a:rPr lang="en-US" dirty="0" err="1" smtClean="0"/>
+              <a:t>phụ</a:t>
+            </a:r>
+            <a:r>
+              <a:rPr lang="en-US" dirty="0" smtClean="0"/>
+              <a:t> </a:t>
+            </a:r>
+            <a:r>
+              <a:rPr lang="en-US" dirty="0" err="1" smtClean="0"/>
+              <a:t>thuộc</a:t>
+            </a:r>
+            <a:r>
+              <a:rPr lang="en-US" dirty="0" smtClean="0"/>
+              <a:t> </a:t>
+            </a:r>
+            <a:r>
+              <a:rPr lang="en-US" dirty="0" err="1" smtClean="0"/>
+              <a:t>vào</a:t>
+            </a:r>
+            <a:r>
+              <a:rPr lang="en-US" dirty="0" smtClean="0"/>
+              <a:t> </a:t>
+            </a:r>
+            <a:r>
+              <a:rPr lang="en-US" dirty="0" err="1" smtClean="0"/>
+              <a:t>cú</a:t>
+            </a:r>
+            <a:r>
+              <a:rPr lang="en-US" dirty="0" smtClean="0"/>
+              <a:t> </a:t>
+            </a:r>
+            <a:r>
+              <a:rPr lang="en-US" dirty="0" err="1" smtClean="0"/>
+              <a:t>pháp</a:t>
+            </a:r>
+            <a:r>
+              <a:rPr lang="en-US" dirty="0" smtClean="0"/>
+              <a:t>”[5]</a:t>
+            </a:r>
+          </a:p>
+          <a:p>
+            <a:pPr lvl="0"/>
+            <a:r>
+              <a:rPr lang="en-US" dirty="0" err="1" smtClean="0"/>
+              <a:t>Phương</a:t>
+            </a:r>
+            <a:r>
+              <a:rPr lang="en-US" dirty="0" smtClean="0"/>
+              <a:t> </a:t>
+            </a:r>
+            <a:r>
+              <a:rPr lang="en-US" dirty="0" err="1" smtClean="0"/>
+              <a:t>pháp</a:t>
+            </a:r>
+            <a:r>
+              <a:rPr lang="en-US" dirty="0" smtClean="0"/>
+              <a:t>: </a:t>
+            </a:r>
+            <a:r>
+              <a:rPr lang="en-US" dirty="0" err="1" smtClean="0"/>
+              <a:t>dịch</a:t>
+            </a:r>
+            <a:r>
+              <a:rPr lang="en-US" dirty="0" smtClean="0"/>
+              <a:t> </a:t>
+            </a:r>
+            <a:r>
+              <a:rPr lang="en-US" dirty="0" err="1" smtClean="0"/>
+              <a:t>câu</a:t>
+            </a:r>
+            <a:r>
+              <a:rPr lang="en-US" dirty="0" smtClean="0"/>
+              <a:t> </a:t>
+            </a:r>
+            <a:r>
+              <a:rPr lang="en-US" dirty="0" err="1" smtClean="0"/>
+              <a:t>truy</a:t>
+            </a:r>
+            <a:r>
+              <a:rPr lang="en-US" dirty="0" smtClean="0"/>
+              <a:t> </a:t>
+            </a:r>
+            <a:r>
+              <a:rPr lang="en-US" dirty="0" err="1" smtClean="0"/>
+              <a:t>vấn</a:t>
+            </a:r>
+            <a:r>
+              <a:rPr lang="en-US" dirty="0" smtClean="0"/>
+              <a:t> sang </a:t>
+            </a:r>
+            <a:r>
+              <a:rPr lang="en-US" dirty="0" err="1" smtClean="0"/>
+              <a:t>đồ</a:t>
+            </a:r>
+            <a:r>
+              <a:rPr lang="en-US" dirty="0" smtClean="0"/>
+              <a:t> </a:t>
+            </a:r>
+            <a:r>
+              <a:rPr lang="en-US" dirty="0" err="1" smtClean="0"/>
+              <a:t>thị</a:t>
+            </a:r>
+            <a:r>
+              <a:rPr lang="en-US" dirty="0" smtClean="0"/>
+              <a:t> ý </a:t>
+            </a:r>
+            <a:r>
+              <a:rPr lang="en-US" dirty="0" err="1" smtClean="0"/>
+              <a:t>niệm</a:t>
+            </a:r>
+            <a:r>
+              <a:rPr lang="en-US" dirty="0" smtClean="0"/>
+              <a:t> </a:t>
+            </a:r>
+            <a:r>
+              <a:rPr lang="en-US" dirty="0" err="1" smtClean="0"/>
+              <a:t>mà</a:t>
+            </a:r>
+            <a:r>
+              <a:rPr lang="en-US" dirty="0" smtClean="0"/>
+              <a:t> </a:t>
+            </a:r>
+            <a:r>
+              <a:rPr lang="en-US" dirty="0" err="1" smtClean="0"/>
+              <a:t>không</a:t>
+            </a:r>
+            <a:r>
+              <a:rPr lang="en-US" dirty="0" smtClean="0"/>
+              <a:t> </a:t>
+            </a:r>
+            <a:r>
+              <a:rPr lang="en-US" dirty="0" err="1" smtClean="0"/>
+              <a:t>dựa</a:t>
+            </a:r>
+            <a:r>
+              <a:rPr lang="en-US" dirty="0" smtClean="0"/>
+              <a:t> </a:t>
+            </a:r>
+            <a:r>
+              <a:rPr lang="en-US" dirty="0" err="1" smtClean="0"/>
+              <a:t>trên</a:t>
+            </a:r>
+            <a:r>
+              <a:rPr lang="en-US" dirty="0" smtClean="0"/>
+              <a:t> </a:t>
+            </a:r>
+            <a:r>
+              <a:rPr lang="en-US" dirty="0" err="1" smtClean="0"/>
+              <a:t>việc</a:t>
+            </a:r>
+            <a:r>
+              <a:rPr lang="en-US" dirty="0" smtClean="0"/>
+              <a:t> </a:t>
+            </a:r>
+            <a:r>
+              <a:rPr lang="en-US" dirty="0" err="1" smtClean="0"/>
+              <a:t>phân</a:t>
+            </a:r>
+            <a:r>
+              <a:rPr lang="en-US" dirty="0" smtClean="0"/>
+              <a:t> </a:t>
+            </a:r>
+            <a:r>
+              <a:rPr lang="en-US" dirty="0" err="1" smtClean="0"/>
+              <a:t>tích</a:t>
+            </a:r>
+            <a:r>
+              <a:rPr lang="en-US" dirty="0" smtClean="0"/>
+              <a:t> </a:t>
+            </a:r>
+            <a:r>
+              <a:rPr lang="en-US" dirty="0" err="1" smtClean="0"/>
+              <a:t>cú</a:t>
+            </a:r>
+            <a:r>
+              <a:rPr lang="en-US" dirty="0" smtClean="0"/>
+              <a:t> </a:t>
+            </a:r>
+            <a:r>
+              <a:rPr lang="en-US" dirty="0" err="1" smtClean="0"/>
+              <a:t>pháp</a:t>
+            </a:r>
+            <a:r>
+              <a:rPr lang="en-US" dirty="0" smtClean="0"/>
+              <a:t> </a:t>
+            </a:r>
+            <a:r>
+              <a:rPr lang="en-US" dirty="0" err="1" smtClean="0"/>
+              <a:t>câu</a:t>
+            </a:r>
+            <a:r>
+              <a:rPr lang="en-US" dirty="0" smtClean="0"/>
+              <a:t>. </a:t>
+            </a:r>
+          </a:p>
+          <a:p>
+            <a:pPr lvl="0"/>
+            <a:r>
+              <a:rPr lang="en-US" dirty="0" err="1" smtClean="0"/>
+              <a:t>Cách</a:t>
+            </a:r>
+            <a:r>
+              <a:rPr lang="en-US" dirty="0" smtClean="0"/>
+              <a:t> </a:t>
+            </a:r>
+            <a:r>
+              <a:rPr lang="en-US" dirty="0" err="1" smtClean="0"/>
+              <a:t>tiếp</a:t>
+            </a:r>
+            <a:r>
+              <a:rPr lang="en-US" dirty="0" smtClean="0"/>
+              <a:t> </a:t>
+            </a:r>
+            <a:r>
+              <a:rPr lang="en-US" dirty="0" err="1" smtClean="0"/>
+              <a:t>cận</a:t>
+            </a:r>
+            <a:r>
+              <a:rPr lang="en-US" dirty="0" smtClean="0"/>
+              <a:t> </a:t>
+            </a:r>
+            <a:r>
+              <a:rPr lang="en-US" dirty="0" err="1" smtClean="0"/>
+              <a:t>của</a:t>
+            </a:r>
+            <a:r>
+              <a:rPr lang="en-US" dirty="0" smtClean="0"/>
+              <a:t> </a:t>
+            </a:r>
+            <a:r>
+              <a:rPr lang="en-US" dirty="0" err="1" smtClean="0"/>
+              <a:t>thầy</a:t>
+            </a:r>
+            <a:r>
+              <a:rPr lang="en-US" dirty="0" smtClean="0"/>
+              <a:t> </a:t>
+            </a:r>
+            <a:r>
+              <a:rPr lang="en-US" dirty="0" err="1" smtClean="0"/>
+              <a:t>dựa</a:t>
+            </a:r>
+            <a:r>
+              <a:rPr lang="en-US" dirty="0" smtClean="0"/>
+              <a:t> </a:t>
+            </a:r>
+            <a:r>
+              <a:rPr lang="en-US" dirty="0" err="1" smtClean="0"/>
+              <a:t>trên</a:t>
+            </a:r>
+            <a:r>
+              <a:rPr lang="en-US" dirty="0" smtClean="0"/>
+              <a:t> </a:t>
+            </a:r>
+            <a:r>
+              <a:rPr lang="en-US" dirty="0" err="1" smtClean="0"/>
+              <a:t>việc</a:t>
+            </a:r>
+            <a:r>
+              <a:rPr lang="en-US" dirty="0" smtClean="0"/>
+              <a:t> </a:t>
+            </a:r>
+            <a:r>
+              <a:rPr lang="en-US" dirty="0" err="1" smtClean="0"/>
+              <a:t>nhận</a:t>
+            </a:r>
+            <a:r>
+              <a:rPr lang="en-US" dirty="0" smtClean="0"/>
+              <a:t> </a:t>
+            </a:r>
+            <a:r>
+              <a:rPr lang="en-US" dirty="0" err="1" smtClean="0"/>
+              <a:t>diện</a:t>
+            </a:r>
+            <a:r>
+              <a:rPr lang="en-US" dirty="0" smtClean="0"/>
+              <a:t> </a:t>
+            </a:r>
+            <a:r>
+              <a:rPr lang="en-US" dirty="0" err="1" smtClean="0"/>
+              <a:t>các</a:t>
+            </a:r>
+            <a:r>
+              <a:rPr lang="en-US" dirty="0" smtClean="0"/>
+              <a:t> </a:t>
+            </a:r>
+            <a:r>
+              <a:rPr lang="en-US" dirty="0" err="1" smtClean="0"/>
+              <a:t>thực</a:t>
+            </a:r>
+            <a:r>
+              <a:rPr lang="en-US" dirty="0" smtClean="0"/>
+              <a:t> </a:t>
+            </a:r>
+            <a:r>
+              <a:rPr lang="en-US" dirty="0" err="1" smtClean="0"/>
+              <a:t>thể</a:t>
+            </a:r>
+            <a:r>
+              <a:rPr lang="en-US" dirty="0" smtClean="0"/>
+              <a:t> </a:t>
+            </a:r>
+            <a:r>
+              <a:rPr lang="en-US" dirty="0" err="1" smtClean="0"/>
+              <a:t>đặt</a:t>
+            </a:r>
+            <a:r>
+              <a:rPr lang="en-US" dirty="0" smtClean="0"/>
+              <a:t> </a:t>
+            </a:r>
+            <a:r>
+              <a:rPr lang="en-US" dirty="0" err="1" smtClean="0"/>
+              <a:t>tên</a:t>
+            </a:r>
+            <a:r>
+              <a:rPr lang="en-US" dirty="0" smtClean="0"/>
+              <a:t>, </a:t>
+            </a:r>
+            <a:r>
+              <a:rPr lang="en-US" dirty="0" err="1" smtClean="0"/>
+              <a:t>không</a:t>
+            </a:r>
+            <a:r>
+              <a:rPr lang="en-US" dirty="0" smtClean="0"/>
+              <a:t> </a:t>
+            </a:r>
+            <a:r>
+              <a:rPr lang="en-US" dirty="0" err="1" smtClean="0"/>
+              <a:t>đặt</a:t>
+            </a:r>
+            <a:r>
+              <a:rPr lang="en-US" dirty="0" smtClean="0"/>
+              <a:t> </a:t>
+            </a:r>
+            <a:r>
+              <a:rPr lang="en-US" dirty="0" err="1" smtClean="0"/>
+              <a:t>tên</a:t>
+            </a:r>
+            <a:r>
+              <a:rPr lang="en-US" dirty="0" smtClean="0"/>
+              <a:t> </a:t>
+            </a:r>
+            <a:r>
+              <a:rPr lang="en-US" dirty="0" err="1" smtClean="0"/>
+              <a:t>và</a:t>
+            </a:r>
+            <a:r>
+              <a:rPr lang="en-US" dirty="0" smtClean="0"/>
+              <a:t> </a:t>
+            </a:r>
+            <a:r>
+              <a:rPr lang="en-US" dirty="0" err="1" smtClean="0"/>
+              <a:t>từ</a:t>
+            </a:r>
+            <a:r>
+              <a:rPr lang="en-US" dirty="0" smtClean="0"/>
+              <a:t> </a:t>
+            </a:r>
+            <a:r>
+              <a:rPr lang="en-US" dirty="0" err="1" smtClean="0"/>
+              <a:t>quan</a:t>
+            </a:r>
+            <a:r>
+              <a:rPr lang="en-US" dirty="0" smtClean="0"/>
+              <a:t> </a:t>
+            </a:r>
+            <a:r>
+              <a:rPr lang="en-US" dirty="0" err="1" smtClean="0"/>
+              <a:t>hệ</a:t>
+            </a:r>
+            <a:r>
+              <a:rPr lang="en-US" dirty="0" smtClean="0"/>
+              <a:t>.</a:t>
+            </a:r>
+          </a:p>
+          <a:p>
+            <a:endParaRPr lang="en-US" dirty="0"/>
+          </a:p>
+        </p:txBody>
+      </p:sp>
+    </p:spTree>
+  </p:cSld>
+  <p:clrMapOvr>
+    <a:masterClrMapping/>
+  </p:clrMapOvr>
+</p:sld>
+</file>
+
+<file path=ppt/slides/slide15.xml><?xml version="1.0" encoding="utf-8"?>
+<p:sld xmlns:a="http://schemas.openxmlformats.org/drawingml/2006/main" xmlns:r="http://schemas.openxmlformats.org/officeDocument/2006/relationships" xmlns:p="http://schemas.openxmlformats.org/presentationml/2006/main">
+  <p:cSld>
+    <p:spTree>
+      <p:nvGrpSpPr>
+        <p:cNvPr id="1" name=""/>
+        <p:cNvGrpSpPr/>
+        <p:nvPr/>
+      </p:nvGrpSpPr>
+      <p:grpSpPr>
+        <a:xfrm>
+          <a:off x="0" y="0"/>
+          <a:ext cx="0" cy="0"/>
+          <a:chOff x="0" y="0"/>
+          <a:chExt cx="0" cy="0"/>
+        </a:xfrm>
+      </p:grpSpPr>
+      <p:sp>
+        <p:nvSpPr>
+          <p:cNvPr id="2" name="Title 1"/>
+          <p:cNvSpPr>
+            <a:spLocks noGrp="1"/>
+          </p:cNvSpPr>
+          <p:nvPr>
+            <p:ph type="title"/>
+          </p:nvPr>
+        </p:nvSpPr>
+        <p:spPr/>
+        <p:txBody>
+          <a:bodyPr/>
+          <a:lstStyle/>
+          <a:p>
+            <a:r>
+              <a:rPr lang="en-US" dirty="0" err="1" smtClean="0"/>
+              <a:t>Các</a:t>
+            </a:r>
+            <a:r>
+              <a:rPr lang="en-US" dirty="0" smtClean="0"/>
+              <a:t> </a:t>
+            </a:r>
+            <a:r>
+              <a:rPr lang="en-US" dirty="0" err="1" smtClean="0"/>
+              <a:t>nghiên</a:t>
+            </a:r>
+            <a:r>
+              <a:rPr lang="en-US" dirty="0" smtClean="0"/>
+              <a:t> </a:t>
+            </a:r>
+            <a:r>
+              <a:rPr lang="en-US" dirty="0" err="1" smtClean="0"/>
+              <a:t>cứu</a:t>
+            </a:r>
+            <a:r>
+              <a:rPr lang="en-US" dirty="0" smtClean="0"/>
+              <a:t> </a:t>
+            </a:r>
+            <a:r>
+              <a:rPr lang="en-US" dirty="0" err="1" smtClean="0"/>
+              <a:t>liên</a:t>
+            </a:r>
+            <a:r>
+              <a:rPr lang="en-US" dirty="0" smtClean="0"/>
+              <a:t> </a:t>
+            </a:r>
+            <a:r>
+              <a:rPr lang="en-US" dirty="0" err="1" smtClean="0"/>
+              <a:t>quan</a:t>
+            </a:r>
+            <a:endParaRPr lang="en-US" dirty="0"/>
+          </a:p>
+        </p:txBody>
+      </p:sp>
+      <p:sp>
+        <p:nvSpPr>
+          <p:cNvPr id="3" name="Content Placeholder 2"/>
+          <p:cNvSpPr>
+            <a:spLocks noGrp="1"/>
+          </p:cNvSpPr>
+          <p:nvPr>
+            <p:ph idx="1"/>
+          </p:nvPr>
+        </p:nvSpPr>
+        <p:spPr/>
+        <p:txBody>
+          <a:bodyPr/>
+          <a:lstStyle/>
+          <a:p>
+            <a:r>
+              <a:rPr lang="en-US" dirty="0" err="1" smtClean="0"/>
+              <a:t>Công</a:t>
+            </a:r>
+            <a:r>
+              <a:rPr lang="en-US" dirty="0" smtClean="0"/>
+              <a:t> </a:t>
+            </a:r>
+            <a:r>
+              <a:rPr lang="en-US" dirty="0" err="1" smtClean="0"/>
+              <a:t>cụ</a:t>
+            </a:r>
+            <a:r>
+              <a:rPr lang="en-US" dirty="0" smtClean="0"/>
+              <a:t> </a:t>
+            </a:r>
+            <a:r>
+              <a:rPr lang="en-US" dirty="0" err="1" smtClean="0"/>
+              <a:t>đựơc</a:t>
+            </a:r>
+            <a:r>
+              <a:rPr lang="en-US" dirty="0" smtClean="0"/>
+              <a:t> </a:t>
+            </a:r>
+            <a:r>
+              <a:rPr lang="en-US" dirty="0" err="1" smtClean="0"/>
+              <a:t>sử</a:t>
+            </a:r>
+            <a:r>
+              <a:rPr lang="en-US" dirty="0" smtClean="0"/>
+              <a:t> </a:t>
+            </a:r>
+            <a:r>
+              <a:rPr lang="en-US" dirty="0" err="1" smtClean="0"/>
+              <a:t>dụng</a:t>
+            </a:r>
+            <a:r>
+              <a:rPr lang="en-US" dirty="0" smtClean="0"/>
+              <a:t> </a:t>
+            </a:r>
+            <a:r>
+              <a:rPr lang="en-US" dirty="0" err="1" smtClean="0"/>
+              <a:t>trong</a:t>
+            </a:r>
+            <a:r>
+              <a:rPr lang="en-US" dirty="0" smtClean="0"/>
+              <a:t> </a:t>
+            </a:r>
+            <a:r>
+              <a:rPr lang="en-US" dirty="0" err="1" smtClean="0"/>
+              <a:t>đề</a:t>
+            </a:r>
+            <a:r>
+              <a:rPr lang="en-US" dirty="0" smtClean="0"/>
+              <a:t> </a:t>
+            </a:r>
+            <a:r>
+              <a:rPr lang="en-US" dirty="0" err="1" smtClean="0"/>
+              <a:t>tài</a:t>
+            </a:r>
+            <a:r>
+              <a:rPr lang="en-US" dirty="0" smtClean="0"/>
+              <a:t> </a:t>
+            </a:r>
+            <a:r>
+              <a:rPr lang="en-US" dirty="0" err="1" smtClean="0"/>
+              <a:t>này</a:t>
+            </a:r>
+            <a:r>
+              <a:rPr lang="en-US" dirty="0" smtClean="0"/>
+              <a:t> </a:t>
+            </a:r>
+            <a:r>
+              <a:rPr lang="en-US" dirty="0" err="1" smtClean="0"/>
+              <a:t>là</a:t>
+            </a:r>
+            <a:r>
+              <a:rPr lang="en-US" dirty="0" smtClean="0"/>
+              <a:t> GATE (ANNIE </a:t>
+            </a:r>
+            <a:r>
+              <a:rPr lang="en-US" dirty="0" err="1" smtClean="0"/>
+              <a:t>và</a:t>
+            </a:r>
+            <a:r>
+              <a:rPr lang="en-US" dirty="0" smtClean="0"/>
+              <a:t> Ontology Annotation tool). </a:t>
+            </a:r>
+          </a:p>
+          <a:p>
+            <a:r>
+              <a:rPr lang="en-US" dirty="0" smtClean="0"/>
+              <a:t>Ontology </a:t>
+            </a:r>
+            <a:r>
+              <a:rPr lang="en-US" dirty="0" err="1" smtClean="0"/>
+              <a:t>được</a:t>
+            </a:r>
+            <a:r>
+              <a:rPr lang="en-US" dirty="0" smtClean="0"/>
+              <a:t> </a:t>
+            </a:r>
+            <a:r>
+              <a:rPr lang="en-US" dirty="0" err="1" smtClean="0"/>
+              <a:t>sử</a:t>
+            </a:r>
+            <a:r>
+              <a:rPr lang="en-US" dirty="0" smtClean="0"/>
+              <a:t> </a:t>
+            </a:r>
+            <a:r>
+              <a:rPr lang="en-US" dirty="0" err="1" smtClean="0"/>
+              <a:t>dụng</a:t>
+            </a:r>
+            <a:r>
+              <a:rPr lang="en-US" dirty="0" smtClean="0"/>
+              <a:t> </a:t>
+            </a:r>
+            <a:r>
+              <a:rPr lang="en-US" dirty="0" err="1" smtClean="0"/>
+              <a:t>có</a:t>
+            </a:r>
+            <a:r>
+              <a:rPr lang="en-US" dirty="0" smtClean="0"/>
+              <a:t> </a:t>
+            </a:r>
+            <a:r>
+              <a:rPr lang="en-US" dirty="0" err="1" smtClean="0"/>
+              <a:t>tên</a:t>
+            </a:r>
+            <a:r>
+              <a:rPr lang="en-US" dirty="0" smtClean="0"/>
+              <a:t> </a:t>
+            </a:r>
+            <a:r>
+              <a:rPr lang="en-US" dirty="0" err="1" smtClean="0"/>
+              <a:t>là</a:t>
+            </a:r>
+            <a:r>
+              <a:rPr lang="en-US" dirty="0" smtClean="0"/>
+              <a:t> PROTON</a:t>
+            </a:r>
+          </a:p>
+          <a:p>
+            <a:r>
+              <a:rPr lang="en-US" dirty="0" err="1" smtClean="0"/>
+              <a:t>Tập</a:t>
+            </a:r>
+            <a:r>
+              <a:rPr lang="en-US" dirty="0" smtClean="0"/>
+              <a:t> </a:t>
+            </a:r>
+            <a:r>
+              <a:rPr lang="en-US" dirty="0" err="1" smtClean="0"/>
+              <a:t>dữ</a:t>
+            </a:r>
+            <a:r>
+              <a:rPr lang="en-US" dirty="0" smtClean="0"/>
+              <a:t> </a:t>
+            </a:r>
+            <a:r>
+              <a:rPr lang="en-US" dirty="0" err="1" smtClean="0"/>
+              <a:t>liệu</a:t>
+            </a:r>
+            <a:r>
+              <a:rPr lang="en-US" dirty="0" smtClean="0"/>
+              <a:t> </a:t>
+            </a:r>
+            <a:r>
+              <a:rPr lang="en-US" dirty="0" err="1" smtClean="0"/>
+              <a:t>câu</a:t>
+            </a:r>
+            <a:r>
+              <a:rPr lang="en-US" dirty="0" smtClean="0"/>
+              <a:t> </a:t>
+            </a:r>
+            <a:r>
+              <a:rPr lang="en-US" dirty="0" err="1" smtClean="0"/>
+              <a:t>hỏi</a:t>
+            </a:r>
+            <a:r>
+              <a:rPr lang="en-US" dirty="0" smtClean="0"/>
+              <a:t> </a:t>
+            </a:r>
+            <a:r>
+              <a:rPr lang="en-US" dirty="0" err="1" smtClean="0"/>
+              <a:t>kiểm</a:t>
+            </a:r>
+            <a:r>
+              <a:rPr lang="en-US" dirty="0" smtClean="0"/>
+              <a:t> </a:t>
+            </a:r>
+            <a:r>
+              <a:rPr lang="en-US" dirty="0" err="1" smtClean="0"/>
+              <a:t>nghiệm</a:t>
+            </a:r>
+            <a:r>
+              <a:rPr lang="en-US" dirty="0" smtClean="0"/>
+              <a:t> </a:t>
+            </a:r>
+            <a:r>
+              <a:rPr lang="en-US" dirty="0" err="1" smtClean="0"/>
+              <a:t>được</a:t>
+            </a:r>
+            <a:r>
+              <a:rPr lang="en-US" dirty="0" smtClean="0"/>
+              <a:t> </a:t>
+            </a:r>
+            <a:r>
+              <a:rPr lang="en-US" dirty="0" err="1" smtClean="0"/>
+              <a:t>lấy</a:t>
+            </a:r>
+            <a:r>
+              <a:rPr lang="en-US" dirty="0" smtClean="0"/>
+              <a:t> </a:t>
+            </a:r>
+            <a:r>
+              <a:rPr lang="en-US" dirty="0" err="1" smtClean="0"/>
+              <a:t>từ</a:t>
+            </a:r>
+            <a:r>
+              <a:rPr lang="en-US" dirty="0" smtClean="0"/>
+              <a:t> 440 </a:t>
+            </a:r>
+            <a:r>
+              <a:rPr lang="en-US" dirty="0" err="1" smtClean="0"/>
+              <a:t>câu</a:t>
+            </a:r>
+            <a:r>
+              <a:rPr lang="en-US" dirty="0" smtClean="0"/>
+              <a:t> </a:t>
+            </a:r>
+            <a:r>
+              <a:rPr lang="en-US" dirty="0" err="1" smtClean="0"/>
+              <a:t>hỏi</a:t>
+            </a:r>
+            <a:r>
+              <a:rPr lang="en-US" dirty="0" smtClean="0"/>
+              <a:t> </a:t>
+            </a:r>
+            <a:r>
+              <a:rPr lang="en-US" dirty="0" err="1" smtClean="0"/>
+              <a:t>của</a:t>
+            </a:r>
+            <a:r>
+              <a:rPr lang="en-US" dirty="0" smtClean="0"/>
+              <a:t> TREC 2002 </a:t>
+            </a:r>
+            <a:r>
+              <a:rPr lang="en-US" dirty="0" err="1" smtClean="0"/>
+              <a:t>và</a:t>
+            </a:r>
+            <a:r>
+              <a:rPr lang="en-US" dirty="0" smtClean="0"/>
+              <a:t> 445 </a:t>
+            </a:r>
+            <a:r>
+              <a:rPr lang="en-US" dirty="0" err="1" smtClean="0"/>
+              <a:t>câu</a:t>
+            </a:r>
+            <a:r>
+              <a:rPr lang="en-US" dirty="0" smtClean="0"/>
+              <a:t> </a:t>
+            </a:r>
+            <a:r>
+              <a:rPr lang="en-US" dirty="0" err="1" smtClean="0"/>
+              <a:t>hỏi</a:t>
+            </a:r>
+            <a:r>
+              <a:rPr lang="en-US" dirty="0" smtClean="0"/>
+              <a:t> </a:t>
+            </a:r>
+            <a:r>
+              <a:rPr lang="en-US" dirty="0" err="1" smtClean="0"/>
+              <a:t>của</a:t>
+            </a:r>
+            <a:r>
+              <a:rPr lang="en-US" dirty="0" smtClean="0"/>
+              <a:t> TREC 2007.</a:t>
+            </a:r>
+          </a:p>
+          <a:p>
+            <a:endParaRPr lang="en-US" dirty="0"/>
+          </a:p>
+        </p:txBody>
+      </p:sp>
+    </p:spTree>
+  </p:cSld>
+  <p:clrMapOvr>
+    <a:masterClrMapping/>
+  </p:clrMapOvr>
+</p:sld>
+</file>
+
+<file path=ppt/slides/slide16.xml><?xml version="1.0" encoding="utf-8"?>
+<p:sld xmlns:a="http://schemas.openxmlformats.org/drawingml/2006/main" xmlns:r="http://schemas.openxmlformats.org/officeDocument/2006/relationships" xmlns:p="http://schemas.openxmlformats.org/presentationml/2006/main">
+  <p:cSld>
+    <p:spTree>
+      <p:nvGrpSpPr>
+        <p:cNvPr id="1" name=""/>
+        <p:cNvGrpSpPr/>
+        <p:nvPr/>
+      </p:nvGrpSpPr>
+      <p:grpSpPr>
+        <a:xfrm>
+          <a:off x="0" y="0"/>
+          <a:ext cx="0" cy="0"/>
+          <a:chOff x="0" y="0"/>
+          <a:chExt cx="0" cy="0"/>
+        </a:xfrm>
+      </p:grpSpPr>
+      <p:sp>
+        <p:nvSpPr>
+          <p:cNvPr id="2" name="Title 1"/>
+          <p:cNvSpPr>
+            <a:spLocks noGrp="1"/>
+          </p:cNvSpPr>
+          <p:nvPr>
+            <p:ph type="title"/>
+          </p:nvPr>
+        </p:nvSpPr>
+        <p:spPr/>
+        <p:txBody>
+          <a:bodyPr/>
+          <a:lstStyle/>
+          <a:p>
+            <a:r>
+              <a:rPr lang="en-US" dirty="0" err="1" smtClean="0"/>
+              <a:t>Các</a:t>
+            </a:r>
+            <a:r>
+              <a:rPr lang="en-US" dirty="0" smtClean="0"/>
+              <a:t> </a:t>
+            </a:r>
+            <a:r>
+              <a:rPr lang="en-US" dirty="0" err="1" smtClean="0"/>
+              <a:t>nghiên</a:t>
+            </a:r>
+            <a:r>
+              <a:rPr lang="en-US" dirty="0" smtClean="0"/>
+              <a:t> </a:t>
+            </a:r>
+            <a:r>
+              <a:rPr lang="en-US" dirty="0" err="1" smtClean="0"/>
+              <a:t>cứu</a:t>
+            </a:r>
+            <a:r>
+              <a:rPr lang="en-US" dirty="0" smtClean="0"/>
+              <a:t> </a:t>
+            </a:r>
+            <a:r>
+              <a:rPr lang="en-US" dirty="0" err="1" smtClean="0"/>
+              <a:t>liên</a:t>
+            </a:r>
+            <a:r>
+              <a:rPr lang="en-US" dirty="0" smtClean="0"/>
+              <a:t> </a:t>
+            </a:r>
+            <a:r>
+              <a:rPr lang="en-US" dirty="0" err="1" smtClean="0"/>
+              <a:t>quan</a:t>
+            </a:r>
+            <a:endParaRPr lang="en-US" dirty="0"/>
+          </a:p>
+        </p:txBody>
+      </p:sp>
+      <p:sp>
+        <p:nvSpPr>
+          <p:cNvPr id="5" name="Content Placeholder 4"/>
+          <p:cNvSpPr>
+            <a:spLocks noGrp="1"/>
+          </p:cNvSpPr>
+          <p:nvPr>
+            <p:ph idx="1"/>
+          </p:nvPr>
+        </p:nvSpPr>
+        <p:spPr/>
+        <p:txBody>
+          <a:bodyPr/>
+          <a:lstStyle/>
+          <a:p>
+            <a:r>
+              <a:rPr lang="en-US" dirty="0" err="1" smtClean="0"/>
+              <a:t>Kết</a:t>
+            </a:r>
+            <a:r>
+              <a:rPr lang="en-US" dirty="0" smtClean="0"/>
+              <a:t> </a:t>
+            </a:r>
+            <a:r>
+              <a:rPr lang="en-US" dirty="0" err="1" smtClean="0"/>
+              <a:t>quả</a:t>
+            </a:r>
+            <a:r>
+              <a:rPr lang="en-US" dirty="0" smtClean="0"/>
+              <a:t> </a:t>
+            </a:r>
+          </a:p>
+          <a:p>
+            <a:endParaRPr lang="en-US" dirty="0" smtClean="0"/>
+          </a:p>
+          <a:p>
+            <a:endParaRPr lang="en-US" dirty="0" smtClean="0"/>
+          </a:p>
+          <a:p>
+            <a:endParaRPr lang="en-US" dirty="0" smtClean="0"/>
+          </a:p>
+          <a:p>
+            <a:pPr algn="ctr">
+              <a:buNone/>
+            </a:pPr>
+            <a:endParaRPr lang="en-US" dirty="0" smtClean="0"/>
+          </a:p>
+          <a:p>
+            <a:pPr algn="ctr">
+              <a:buNone/>
+            </a:pPr>
+            <a:endParaRPr lang="en-US" dirty="0" smtClean="0"/>
+          </a:p>
+          <a:p>
+            <a:pPr algn="ctr">
+              <a:buNone/>
+            </a:pPr>
+            <a:endParaRPr lang="en-US" dirty="0" smtClean="0"/>
+          </a:p>
+          <a:p>
+            <a:pPr algn="ctr">
+              <a:buNone/>
+            </a:pPr>
+            <a:r>
+              <a:rPr lang="en-US" dirty="0" err="1" smtClean="0"/>
+              <a:t>Bảng</a:t>
+            </a:r>
+            <a:r>
+              <a:rPr lang="en-US" dirty="0" smtClean="0"/>
+              <a:t> 1 – </a:t>
+            </a:r>
+            <a:r>
+              <a:rPr lang="en-US" dirty="0" err="1" smtClean="0"/>
+              <a:t>kết</a:t>
+            </a:r>
+            <a:r>
+              <a:rPr lang="en-US" dirty="0" smtClean="0"/>
+              <a:t> </a:t>
+            </a:r>
+            <a:r>
+              <a:rPr lang="en-US" dirty="0" err="1" smtClean="0"/>
+              <a:t>quả</a:t>
+            </a:r>
+            <a:r>
+              <a:rPr lang="en-US" dirty="0" smtClean="0"/>
+              <a:t> do </a:t>
+            </a:r>
+            <a:r>
+              <a:rPr lang="en-US" dirty="0" err="1" smtClean="0"/>
+              <a:t>nhóm</a:t>
+            </a:r>
+            <a:r>
+              <a:rPr lang="en-US" dirty="0" smtClean="0"/>
+              <a:t> </a:t>
+            </a:r>
+            <a:r>
+              <a:rPr lang="en-US" dirty="0" err="1" smtClean="0"/>
+              <a:t>thống</a:t>
+            </a:r>
+            <a:r>
+              <a:rPr lang="en-US" dirty="0" smtClean="0"/>
+              <a:t> </a:t>
+            </a:r>
+            <a:r>
+              <a:rPr lang="en-US" dirty="0" err="1" smtClean="0"/>
+              <a:t>kê</a:t>
+            </a:r>
+            <a:r>
+              <a:rPr lang="en-US" dirty="0" smtClean="0"/>
+              <a:t> </a:t>
+            </a:r>
+            <a:r>
+              <a:rPr lang="en-US" dirty="0" err="1" smtClean="0"/>
+              <a:t>lại</a:t>
+            </a:r>
+            <a:endParaRPr lang="en-US" dirty="0" smtClean="0"/>
+          </a:p>
+          <a:p>
+            <a:pPr>
+              <a:buNone/>
+            </a:pPr>
+            <a:endParaRPr lang="en-US" dirty="0"/>
+          </a:p>
+        </p:txBody>
+      </p:sp>
+      <p:graphicFrame>
+        <p:nvGraphicFramePr>
+          <p:cNvPr id="6" name="Table 5"/>
+          <p:cNvGraphicFramePr>
+            <a:graphicFrameLocks noGrp="1"/>
+          </p:cNvGraphicFramePr>
+          <p:nvPr/>
+        </p:nvGraphicFramePr>
+        <p:xfrm>
+          <a:off x="990600" y="2057400"/>
+          <a:ext cx="7086601" cy="3291840"/>
+        </p:xfrm>
+        <a:graphic>
+          <a:graphicData uri="http://schemas.openxmlformats.org/drawingml/2006/table">
+            <a:tbl>
+              <a:tblPr/>
+              <a:tblGrid>
+                <a:gridCol w="1290812"/>
+                <a:gridCol w="1494188"/>
+                <a:gridCol w="2091863"/>
+                <a:gridCol w="2209738"/>
+              </a:tblGrid>
+              <a:tr h="1036320">
+                <a:tc>
+                  <a:txBody>
+                    <a:bodyPr/>
+                    <a:lstStyle/>
+                    <a:p>
+                      <a:pPr marL="0" marR="0">
+                        <a:lnSpc>
+                          <a:spcPct val="150000"/>
+                        </a:lnSpc>
+                        <a:spcBef>
+                          <a:spcPts val="0"/>
+                        </a:spcBef>
+                        <a:spcAft>
+                          <a:spcPts val="1000"/>
+                        </a:spcAft>
+                      </a:pPr>
+                      <a:endParaRPr lang="en-US" sz="2400">
+                        <a:latin typeface="Times New Roman" pitchFamily="18" charset="0"/>
+                        <a:ea typeface="Times New Roman"/>
+                        <a:cs typeface="Times New Roman" pitchFamily="18" charset="0"/>
+                      </a:endParaRPr>
+                    </a:p>
+                  </a:txBody>
+                  <a:tcPr marL="73025" marR="73025" marT="0" marB="0">
+                    <a:lnL w="12700" cap="flat" cmpd="sng" algn="ctr">
+                      <a:solidFill>
+                        <a:srgbClr val="000000"/>
+                      </a:solidFill>
+                      <a:prstDash val="solid"/>
+                      <a:round/>
+                      <a:headEnd type="none" w="med" len="med"/>
+                      <a:tailEnd type="none" w="med" len="med"/>
+                    </a:lnL>
+                    <a:lnR w="12700" cap="flat" cmpd="sng" algn="ctr">
+                      <a:solidFill>
+                        <a:srgbClr val="000000"/>
+                      </a:solidFill>
+                      <a:prstDash val="solid"/>
+                      <a:round/>
+                      <a:headEnd type="none" w="med" len="med"/>
+                      <a:tailEnd type="none" w="med" len="med"/>
+                    </a:lnR>
+                    <a:lnT w="12700" cap="flat" cmpd="sng" algn="ctr">
+                      <a:solidFill>
+                        <a:srgbClr val="000000"/>
+                      </a:solidFill>
+                      <a:prstDash val="solid"/>
+                      <a:round/>
+                      <a:headEnd type="none" w="med" len="med"/>
+                      <a:tailEnd type="none" w="med" len="med"/>
+                    </a:lnT>
+                    <a:lnB w="12700" cap="flat" cmpd="sng" algn="ctr">
+                      <a:solidFill>
+                        <a:srgbClr val="000000"/>
+                      </a:solidFill>
+                      <a:prstDash val="solid"/>
+                      <a:round/>
+                      <a:headEnd type="none" w="med" len="med"/>
+                      <a:tailEnd type="none" w="med" len="med"/>
+                    </a:lnB>
+                  </a:tcPr>
+                </a:tc>
+                <a:tc>
+                  <a:txBody>
+                    <a:bodyPr/>
+                    <a:lstStyle/>
+                    <a:p>
+                      <a:pPr marL="0" marR="0" algn="ctr">
+                        <a:lnSpc>
+                          <a:spcPct val="150000"/>
+                        </a:lnSpc>
+                        <a:spcBef>
+                          <a:spcPts val="0"/>
+                        </a:spcBef>
+                        <a:spcAft>
+                          <a:spcPts val="1000"/>
+                        </a:spcAft>
+                      </a:pPr>
+                      <a:r>
+                        <a:rPr lang="en-US" sz="2400">
+                          <a:latin typeface="Times New Roman" pitchFamily="18" charset="0"/>
+                          <a:ea typeface="Times New Roman"/>
+                          <a:cs typeface="Times New Roman" pitchFamily="18" charset="0"/>
+                        </a:rPr>
+                        <a:t>Tổng Số câu</a:t>
+                      </a:r>
+                    </a:p>
+                  </a:txBody>
+                  <a:tcPr marL="73025" marR="73025" marT="0" marB="0">
+                    <a:lnL w="12700" cap="flat" cmpd="sng" algn="ctr">
+                      <a:solidFill>
+                        <a:srgbClr val="000000"/>
+                      </a:solidFill>
+                      <a:prstDash val="solid"/>
+                      <a:round/>
+                      <a:headEnd type="none" w="med" len="med"/>
+                      <a:tailEnd type="none" w="med" len="med"/>
+                    </a:lnL>
+                    <a:lnR w="12700" cap="flat" cmpd="sng" algn="ctr">
+                      <a:solidFill>
+                        <a:srgbClr val="000000"/>
+                      </a:solidFill>
+                      <a:prstDash val="solid"/>
+                      <a:round/>
+                      <a:headEnd type="none" w="med" len="med"/>
+                      <a:tailEnd type="none" w="med" len="med"/>
+                    </a:lnR>
+                    <a:lnT w="12700" cap="flat" cmpd="sng" algn="ctr">
+                      <a:solidFill>
+                        <a:srgbClr val="000000"/>
+                      </a:solidFill>
+                      <a:prstDash val="solid"/>
+                      <a:round/>
+                      <a:headEnd type="none" w="med" len="med"/>
+                      <a:tailEnd type="none" w="med" len="med"/>
+                    </a:lnT>
+                    <a:lnB w="12700" cap="flat" cmpd="sng" algn="ctr">
+                      <a:solidFill>
+                        <a:srgbClr val="000000"/>
+                      </a:solidFill>
+                      <a:prstDash val="solid"/>
+                      <a:round/>
+                      <a:headEnd type="none" w="med" len="med"/>
+                      <a:tailEnd type="none" w="med" len="med"/>
+                    </a:lnB>
+                  </a:tcPr>
+                </a:tc>
+                <a:tc>
+                  <a:txBody>
+                    <a:bodyPr/>
+                    <a:lstStyle/>
+                    <a:p>
+                      <a:pPr marL="0" marR="0" algn="ctr">
+                        <a:spcBef>
+                          <a:spcPts val="0"/>
+                        </a:spcBef>
+                        <a:spcAft>
+                          <a:spcPts val="0"/>
+                        </a:spcAft>
+                      </a:pPr>
+                      <a:r>
+                        <a:rPr lang="en-US" sz="2400">
+                          <a:latin typeface="Times New Roman" pitchFamily="18" charset="0"/>
+                          <a:ea typeface="Times New Roman"/>
+                          <a:cs typeface="Times New Roman" pitchFamily="18" charset="0"/>
+                        </a:rPr>
+                        <a:t>Trước khi làm giàu</a:t>
+                      </a:r>
+                    </a:p>
+                    <a:p>
+                      <a:pPr marL="0" marR="0" algn="ctr">
+                        <a:spcBef>
+                          <a:spcPts val="0"/>
+                        </a:spcBef>
+                        <a:spcAft>
+                          <a:spcPts val="0"/>
+                        </a:spcAft>
+                      </a:pPr>
+                      <a:r>
+                        <a:rPr lang="en-US" sz="2400">
+                          <a:latin typeface="Times New Roman" pitchFamily="18" charset="0"/>
+                          <a:ea typeface="Times New Roman"/>
+                          <a:cs typeface="Times New Roman" pitchFamily="18" charset="0"/>
+                        </a:rPr>
+                        <a:t>Ontology</a:t>
+                      </a:r>
+                    </a:p>
+                  </a:txBody>
+                  <a:tcPr marL="73025" marR="73025" marT="0" marB="0">
+                    <a:lnL w="12700" cap="flat" cmpd="sng" algn="ctr">
+                      <a:solidFill>
+                        <a:srgbClr val="000000"/>
+                      </a:solidFill>
+                      <a:prstDash val="solid"/>
+                      <a:round/>
+                      <a:headEnd type="none" w="med" len="med"/>
+                      <a:tailEnd type="none" w="med" len="med"/>
+                    </a:lnL>
+                    <a:lnR w="12700" cap="flat" cmpd="sng" algn="ctr">
+                      <a:solidFill>
+                        <a:srgbClr val="000000"/>
+                      </a:solidFill>
+                      <a:prstDash val="solid"/>
+                      <a:round/>
+                      <a:headEnd type="none" w="med" len="med"/>
+                      <a:tailEnd type="none" w="med" len="med"/>
+                    </a:lnR>
+                    <a:lnT w="12700" cap="flat" cmpd="sng" algn="ctr">
+                      <a:solidFill>
+                        <a:srgbClr val="000000"/>
+                      </a:solidFill>
+                      <a:prstDash val="solid"/>
+                      <a:round/>
+                      <a:headEnd type="none" w="med" len="med"/>
+                      <a:tailEnd type="none" w="med" len="med"/>
+                    </a:lnT>
+                    <a:lnB w="12700" cap="flat" cmpd="sng" algn="ctr">
+                      <a:solidFill>
+                        <a:srgbClr val="000000"/>
+                      </a:solidFill>
+                      <a:prstDash val="solid"/>
+                      <a:round/>
+                      <a:headEnd type="none" w="med" len="med"/>
+                      <a:tailEnd type="none" w="med" len="med"/>
+                    </a:lnB>
+                  </a:tcPr>
+                </a:tc>
+                <a:tc>
+                  <a:txBody>
+                    <a:bodyPr/>
+                    <a:lstStyle/>
+                    <a:p>
+                      <a:pPr marL="0" marR="0" algn="ctr">
+                        <a:spcBef>
+                          <a:spcPts val="0"/>
+                        </a:spcBef>
+                        <a:spcAft>
+                          <a:spcPts val="0"/>
+                        </a:spcAft>
+                      </a:pPr>
+                      <a:r>
+                        <a:rPr lang="en-US" sz="2400">
+                          <a:latin typeface="Times New Roman" pitchFamily="18" charset="0"/>
+                          <a:ea typeface="Times New Roman"/>
+                          <a:cs typeface="Times New Roman" pitchFamily="18" charset="0"/>
+                        </a:rPr>
+                        <a:t>Sau khi làm giàu</a:t>
+                      </a:r>
+                    </a:p>
+                    <a:p>
+                      <a:pPr marL="0" marR="0" algn="ctr">
+                        <a:spcBef>
+                          <a:spcPts val="0"/>
+                        </a:spcBef>
+                        <a:spcAft>
+                          <a:spcPts val="0"/>
+                        </a:spcAft>
+                      </a:pPr>
+                      <a:r>
+                        <a:rPr lang="en-US" sz="2400">
+                          <a:latin typeface="Times New Roman" pitchFamily="18" charset="0"/>
+                          <a:ea typeface="Times New Roman"/>
+                          <a:cs typeface="Times New Roman" pitchFamily="18" charset="0"/>
+                        </a:rPr>
+                        <a:t>Ontology</a:t>
+                      </a:r>
+                    </a:p>
+                  </a:txBody>
+                  <a:tcPr marL="73025" marR="73025" marT="0" marB="0">
+                    <a:lnL w="12700" cap="flat" cmpd="sng" algn="ctr">
+                      <a:solidFill>
+                        <a:srgbClr val="000000"/>
+                      </a:solidFill>
+                      <a:prstDash val="solid"/>
+                      <a:round/>
+                      <a:headEnd type="none" w="med" len="med"/>
+                      <a:tailEnd type="none" w="med" len="med"/>
+                    </a:lnL>
+                    <a:lnR w="12700" cap="flat" cmpd="sng" algn="ctr">
+                      <a:solidFill>
+                        <a:srgbClr val="000000"/>
+                      </a:solidFill>
+                      <a:prstDash val="solid"/>
+                      <a:round/>
+                      <a:headEnd type="none" w="med" len="med"/>
+                      <a:tailEnd type="none" w="med" len="med"/>
+                    </a:lnR>
+                    <a:lnT w="12700" cap="flat" cmpd="sng" algn="ctr">
+                      <a:solidFill>
+                        <a:srgbClr val="000000"/>
+                      </a:solidFill>
+                      <a:prstDash val="solid"/>
+                      <a:round/>
+                      <a:headEnd type="none" w="med" len="med"/>
+                      <a:tailEnd type="none" w="med" len="med"/>
+                    </a:lnT>
+                    <a:lnB w="12700" cap="flat" cmpd="sng" algn="ctr">
+                      <a:solidFill>
+                        <a:srgbClr val="000000"/>
+                      </a:solidFill>
+                      <a:prstDash val="solid"/>
+                      <a:round/>
+                      <a:headEnd type="none" w="med" len="med"/>
+                      <a:tailEnd type="none" w="med" len="med"/>
+                    </a:lnB>
+                  </a:tcPr>
+                </a:tc>
+              </a:tr>
+              <a:tr h="777240">
+                <a:tc>
+                  <a:txBody>
+                    <a:bodyPr/>
+                    <a:lstStyle/>
+                    <a:p>
+                      <a:pPr marL="0" marR="0" algn="ctr">
+                        <a:lnSpc>
+                          <a:spcPct val="150000"/>
+                        </a:lnSpc>
+                        <a:spcBef>
+                          <a:spcPts val="0"/>
+                        </a:spcBef>
+                        <a:spcAft>
+                          <a:spcPts val="1000"/>
+                        </a:spcAft>
+                      </a:pPr>
+                      <a:r>
+                        <a:rPr lang="en-US" sz="2400">
+                          <a:latin typeface="Times New Roman" pitchFamily="18" charset="0"/>
+                          <a:ea typeface="Times New Roman"/>
+                          <a:cs typeface="Times New Roman" pitchFamily="18" charset="0"/>
+                        </a:rPr>
+                        <a:t>TREC 2002</a:t>
+                      </a:r>
+                    </a:p>
+                  </a:txBody>
+                  <a:tcPr marL="73025" marR="73025" marT="0" marB="0">
+                    <a:lnL w="12700" cap="flat" cmpd="sng" algn="ctr">
+                      <a:solidFill>
+                        <a:srgbClr val="000000"/>
+                      </a:solidFill>
+                      <a:prstDash val="solid"/>
+                      <a:round/>
+                      <a:headEnd type="none" w="med" len="med"/>
+                      <a:tailEnd type="none" w="med" len="med"/>
+                    </a:lnL>
+                    <a:lnR w="12700" cap="flat" cmpd="sng" algn="ctr">
+                      <a:solidFill>
+                        <a:srgbClr val="000000"/>
+                      </a:solidFill>
+                      <a:prstDash val="solid"/>
+                      <a:round/>
+                      <a:headEnd type="none" w="med" len="med"/>
+                      <a:tailEnd type="none" w="med" len="med"/>
+                    </a:lnR>
+                    <a:lnT w="12700" cap="flat" cmpd="sng" algn="ctr">
+                      <a:solidFill>
+                        <a:srgbClr val="000000"/>
+                      </a:solidFill>
+                      <a:prstDash val="solid"/>
+                      <a:round/>
+                      <a:headEnd type="none" w="med" len="med"/>
+                      <a:tailEnd type="none" w="med" len="med"/>
+                    </a:lnT>
+                    <a:lnB w="12700" cap="flat" cmpd="sng" algn="ctr">
+                      <a:solidFill>
+                        <a:srgbClr val="000000"/>
+                      </a:solidFill>
+                      <a:prstDash val="solid"/>
+                      <a:round/>
+                      <a:headEnd type="none" w="med" len="med"/>
+                      <a:tailEnd type="none" w="med" len="med"/>
+                    </a:lnB>
+                  </a:tcPr>
+                </a:tc>
+                <a:tc>
+                  <a:txBody>
+                    <a:bodyPr/>
+                    <a:lstStyle/>
+                    <a:p>
+                      <a:pPr marL="0" marR="0" algn="ctr">
+                        <a:lnSpc>
+                          <a:spcPct val="150000"/>
+                        </a:lnSpc>
+                        <a:spcBef>
+                          <a:spcPts val="0"/>
+                        </a:spcBef>
+                        <a:spcAft>
+                          <a:spcPts val="1000"/>
+                        </a:spcAft>
+                      </a:pPr>
+                      <a:r>
+                        <a:rPr lang="en-US" sz="2400">
+                          <a:latin typeface="Times New Roman" pitchFamily="18" charset="0"/>
+                          <a:ea typeface="Times New Roman"/>
+                          <a:cs typeface="Times New Roman" pitchFamily="18" charset="0"/>
+                        </a:rPr>
+                        <a:t>440</a:t>
+                      </a:r>
+                    </a:p>
+                  </a:txBody>
+                  <a:tcPr marL="73025" marR="73025" marT="0" marB="0">
+                    <a:lnL w="12700" cap="flat" cmpd="sng" algn="ctr">
+                      <a:solidFill>
+                        <a:srgbClr val="000000"/>
+                      </a:solidFill>
+                      <a:prstDash val="solid"/>
+                      <a:round/>
+                      <a:headEnd type="none" w="med" len="med"/>
+                      <a:tailEnd type="none" w="med" len="med"/>
+                    </a:lnL>
+                    <a:lnR w="12700" cap="flat" cmpd="sng" algn="ctr">
+                      <a:solidFill>
+                        <a:srgbClr val="000000"/>
+                      </a:solidFill>
+                      <a:prstDash val="solid"/>
+                      <a:round/>
+                      <a:headEnd type="none" w="med" len="med"/>
+                      <a:tailEnd type="none" w="med" len="med"/>
+                    </a:lnR>
+                    <a:lnT w="12700" cap="flat" cmpd="sng" algn="ctr">
+                      <a:solidFill>
+                        <a:srgbClr val="000000"/>
+                      </a:solidFill>
+                      <a:prstDash val="solid"/>
+                      <a:round/>
+                      <a:headEnd type="none" w="med" len="med"/>
+                      <a:tailEnd type="none" w="med" len="med"/>
+                    </a:lnT>
+                    <a:lnB w="12700" cap="flat" cmpd="sng" algn="ctr">
+                      <a:solidFill>
+                        <a:srgbClr val="000000"/>
+                      </a:solidFill>
+                      <a:prstDash val="solid"/>
+                      <a:round/>
+                      <a:headEnd type="none" w="med" len="med"/>
+                      <a:tailEnd type="none" w="med" len="med"/>
+                    </a:lnB>
+                  </a:tcPr>
+                </a:tc>
+                <a:tc>
+                  <a:txBody>
+                    <a:bodyPr/>
+                    <a:lstStyle/>
+                    <a:p>
+                      <a:pPr marL="0" marR="0" algn="ctr">
+                        <a:lnSpc>
+                          <a:spcPct val="115000"/>
+                        </a:lnSpc>
+                        <a:spcBef>
+                          <a:spcPts val="0"/>
+                        </a:spcBef>
+                        <a:spcAft>
+                          <a:spcPts val="1000"/>
+                        </a:spcAft>
+                      </a:pPr>
+                      <a:r>
+                        <a:rPr lang="en-US" sz="2400">
+                          <a:latin typeface="Times New Roman" pitchFamily="18" charset="0"/>
+                          <a:ea typeface="Times New Roman"/>
+                          <a:cs typeface="Times New Roman" pitchFamily="18" charset="0"/>
+                        </a:rPr>
+                        <a:t>15.23%</a:t>
+                      </a:r>
+                    </a:p>
+                  </a:txBody>
+                  <a:tcPr marL="73025" marR="73025" marT="0" marB="0">
+                    <a:lnL w="12700" cap="flat" cmpd="sng" algn="ctr">
+                      <a:solidFill>
+                        <a:srgbClr val="000000"/>
+                      </a:solidFill>
+                      <a:prstDash val="solid"/>
+                      <a:round/>
+                      <a:headEnd type="none" w="med" len="med"/>
+                      <a:tailEnd type="none" w="med" len="med"/>
+                    </a:lnL>
+                    <a:lnR w="12700" cap="flat" cmpd="sng" algn="ctr">
+                      <a:solidFill>
+                        <a:srgbClr val="000000"/>
+                      </a:solidFill>
+                      <a:prstDash val="solid"/>
+                      <a:round/>
+                      <a:headEnd type="none" w="med" len="med"/>
+                      <a:tailEnd type="none" w="med" len="med"/>
+                    </a:lnR>
+                    <a:lnT w="12700" cap="flat" cmpd="sng" algn="ctr">
+                      <a:solidFill>
+                        <a:srgbClr val="000000"/>
+                      </a:solidFill>
+                      <a:prstDash val="solid"/>
+                      <a:round/>
+                      <a:headEnd type="none" w="med" len="med"/>
+                      <a:tailEnd type="none" w="med" len="med"/>
+                    </a:lnT>
+                    <a:lnB w="12700" cap="flat" cmpd="sng" algn="ctr">
+                      <a:solidFill>
+                        <a:srgbClr val="000000"/>
+                      </a:solidFill>
+                      <a:prstDash val="solid"/>
+                      <a:round/>
+                      <a:headEnd type="none" w="med" len="med"/>
+                      <a:tailEnd type="none" w="med" len="med"/>
+                    </a:lnB>
+                  </a:tcPr>
+                </a:tc>
+                <a:tc>
+                  <a:txBody>
+                    <a:bodyPr/>
+                    <a:lstStyle/>
+                    <a:p>
+                      <a:pPr marL="0" marR="0" algn="ctr">
+                        <a:lnSpc>
+                          <a:spcPct val="115000"/>
+                        </a:lnSpc>
+                        <a:spcBef>
+                          <a:spcPts val="0"/>
+                        </a:spcBef>
+                        <a:spcAft>
+                          <a:spcPts val="1000"/>
+                        </a:spcAft>
+                      </a:pPr>
+                      <a:r>
+                        <a:rPr lang="en-US" sz="2400">
+                          <a:latin typeface="Times New Roman" pitchFamily="18" charset="0"/>
+                          <a:ea typeface="Times New Roman"/>
+                          <a:cs typeface="Times New Roman" pitchFamily="18" charset="0"/>
+                        </a:rPr>
+                        <a:t>78.64%</a:t>
+                      </a:r>
+                    </a:p>
+                  </a:txBody>
+                  <a:tcPr marL="73025" marR="73025" marT="0" marB="0">
+                    <a:lnL w="12700" cap="flat" cmpd="sng" algn="ctr">
+                      <a:solidFill>
+                        <a:srgbClr val="000000"/>
+                      </a:solidFill>
+                      <a:prstDash val="solid"/>
+                      <a:round/>
+                      <a:headEnd type="none" w="med" len="med"/>
+                      <a:tailEnd type="none" w="med" len="med"/>
+                    </a:lnL>
+                    <a:lnR w="12700" cap="flat" cmpd="sng" algn="ctr">
+                      <a:solidFill>
+                        <a:srgbClr val="000000"/>
+                      </a:solidFill>
+                      <a:prstDash val="solid"/>
+                      <a:round/>
+                      <a:headEnd type="none" w="med" len="med"/>
+                      <a:tailEnd type="none" w="med" len="med"/>
+                    </a:lnR>
+                    <a:lnT w="12700" cap="flat" cmpd="sng" algn="ctr">
+                      <a:solidFill>
+                        <a:srgbClr val="000000"/>
+                      </a:solidFill>
+                      <a:prstDash val="solid"/>
+                      <a:round/>
+                      <a:headEnd type="none" w="med" len="med"/>
+                      <a:tailEnd type="none" w="med" len="med"/>
+                    </a:lnT>
+                    <a:lnB w="12700" cap="flat" cmpd="sng" algn="ctr">
+                      <a:solidFill>
+                        <a:srgbClr val="000000"/>
+                      </a:solidFill>
+                      <a:prstDash val="solid"/>
+                      <a:round/>
+                      <a:headEnd type="none" w="med" len="med"/>
+                      <a:tailEnd type="none" w="med" len="med"/>
+                    </a:lnB>
+                  </a:tcPr>
+                </a:tc>
+              </a:tr>
+              <a:tr h="777240">
+                <a:tc>
+                  <a:txBody>
+                    <a:bodyPr/>
+                    <a:lstStyle/>
+                    <a:p>
+                      <a:pPr marL="0" marR="0" algn="ctr">
+                        <a:lnSpc>
+                          <a:spcPct val="150000"/>
+                        </a:lnSpc>
+                        <a:spcBef>
+                          <a:spcPts val="0"/>
+                        </a:spcBef>
+                        <a:spcAft>
+                          <a:spcPts val="1000"/>
+                        </a:spcAft>
+                      </a:pPr>
+                      <a:r>
+                        <a:rPr lang="en-US" sz="2400">
+                          <a:latin typeface="Times New Roman" pitchFamily="18" charset="0"/>
+                          <a:ea typeface="Times New Roman"/>
+                          <a:cs typeface="Times New Roman" pitchFamily="18" charset="0"/>
+                        </a:rPr>
+                        <a:t>TREC 2007</a:t>
+                      </a:r>
+                    </a:p>
+                  </a:txBody>
+                  <a:tcPr marL="73025" marR="73025" marT="0" marB="0">
+                    <a:lnL w="12700" cap="flat" cmpd="sng" algn="ctr">
+                      <a:solidFill>
+                        <a:srgbClr val="000000"/>
+                      </a:solidFill>
+                      <a:prstDash val="solid"/>
+                      <a:round/>
+                      <a:headEnd type="none" w="med" len="med"/>
+                      <a:tailEnd type="none" w="med" len="med"/>
+                    </a:lnL>
+                    <a:lnR w="12700" cap="flat" cmpd="sng" algn="ctr">
+                      <a:solidFill>
+                        <a:srgbClr val="000000"/>
+                      </a:solidFill>
+                      <a:prstDash val="solid"/>
+                      <a:round/>
+                      <a:headEnd type="none" w="med" len="med"/>
+                      <a:tailEnd type="none" w="med" len="med"/>
+                    </a:lnR>
+                    <a:lnT w="12700" cap="flat" cmpd="sng" algn="ctr">
+                      <a:solidFill>
+                        <a:srgbClr val="000000"/>
+                      </a:solidFill>
+                      <a:prstDash val="solid"/>
+                      <a:round/>
+                      <a:headEnd type="none" w="med" len="med"/>
+                      <a:tailEnd type="none" w="med" len="med"/>
+                    </a:lnT>
+                    <a:lnB w="12700" cap="flat" cmpd="sng" algn="ctr">
+                      <a:solidFill>
+                        <a:srgbClr val="000000"/>
+                      </a:solidFill>
+                      <a:prstDash val="solid"/>
+                      <a:round/>
+                      <a:headEnd type="none" w="med" len="med"/>
+                      <a:tailEnd type="none" w="med" len="med"/>
+                    </a:lnB>
+                  </a:tcPr>
+                </a:tc>
+                <a:tc>
+                  <a:txBody>
+                    <a:bodyPr/>
+                    <a:lstStyle/>
+                    <a:p>
+                      <a:pPr marL="0" marR="0" algn="ctr">
+                        <a:lnSpc>
+                          <a:spcPct val="150000"/>
+                        </a:lnSpc>
+                        <a:spcBef>
+                          <a:spcPts val="0"/>
+                        </a:spcBef>
+                        <a:spcAft>
+                          <a:spcPts val="1000"/>
+                        </a:spcAft>
+                      </a:pPr>
+                      <a:r>
+                        <a:rPr lang="en-US" sz="2400">
+                          <a:latin typeface="Times New Roman" pitchFamily="18" charset="0"/>
+                          <a:ea typeface="Times New Roman"/>
+                          <a:cs typeface="Times New Roman" pitchFamily="18" charset="0"/>
+                        </a:rPr>
+                        <a:t>445</a:t>
+                      </a:r>
+                    </a:p>
+                  </a:txBody>
+                  <a:tcPr marL="73025" marR="73025" marT="0" marB="0">
+                    <a:lnL w="12700" cap="flat" cmpd="sng" algn="ctr">
+                      <a:solidFill>
+                        <a:srgbClr val="000000"/>
+                      </a:solidFill>
+                      <a:prstDash val="solid"/>
+                      <a:round/>
+                      <a:headEnd type="none" w="med" len="med"/>
+                      <a:tailEnd type="none" w="med" len="med"/>
+                    </a:lnL>
+                    <a:lnR w="12700" cap="flat" cmpd="sng" algn="ctr">
+                      <a:solidFill>
+                        <a:srgbClr val="000000"/>
+                      </a:solidFill>
+                      <a:prstDash val="solid"/>
+                      <a:round/>
+                      <a:headEnd type="none" w="med" len="med"/>
+                      <a:tailEnd type="none" w="med" len="med"/>
+                    </a:lnR>
+                    <a:lnT w="12700" cap="flat" cmpd="sng" algn="ctr">
+                      <a:solidFill>
+                        <a:srgbClr val="000000"/>
+                      </a:solidFill>
+                      <a:prstDash val="solid"/>
+                      <a:round/>
+                      <a:headEnd type="none" w="med" len="med"/>
+                      <a:tailEnd type="none" w="med" len="med"/>
+                    </a:lnT>
+                    <a:lnB w="12700" cap="flat" cmpd="sng" algn="ctr">
+                      <a:solidFill>
+                        <a:srgbClr val="000000"/>
+                      </a:solidFill>
+                      <a:prstDash val="solid"/>
+                      <a:round/>
+                      <a:headEnd type="none" w="med" len="med"/>
+                      <a:tailEnd type="none" w="med" len="med"/>
+                    </a:lnB>
+                  </a:tcPr>
+                </a:tc>
+                <a:tc>
+                  <a:txBody>
+                    <a:bodyPr/>
+                    <a:lstStyle/>
+                    <a:p>
+                      <a:pPr marL="0" marR="0" algn="ctr">
+                        <a:lnSpc>
+                          <a:spcPct val="115000"/>
+                        </a:lnSpc>
+                        <a:spcBef>
+                          <a:spcPts val="0"/>
+                        </a:spcBef>
+                        <a:spcAft>
+                          <a:spcPts val="1000"/>
+                        </a:spcAft>
+                      </a:pPr>
+                      <a:r>
+                        <a:rPr lang="en-US" sz="2400">
+                          <a:latin typeface="Times New Roman" pitchFamily="18" charset="0"/>
+                          <a:ea typeface="Times New Roman"/>
+                          <a:cs typeface="Times New Roman" pitchFamily="18" charset="0"/>
+                        </a:rPr>
+                        <a:t>8.54%</a:t>
+                      </a:r>
+                    </a:p>
+                  </a:txBody>
+                  <a:tcPr marL="73025" marR="73025" marT="0" marB="0">
+                    <a:lnL w="12700" cap="flat" cmpd="sng" algn="ctr">
+                      <a:solidFill>
+                        <a:srgbClr val="000000"/>
+                      </a:solidFill>
+                      <a:prstDash val="solid"/>
+                      <a:round/>
+                      <a:headEnd type="none" w="med" len="med"/>
+                      <a:tailEnd type="none" w="med" len="med"/>
+                    </a:lnL>
+                    <a:lnR w="12700" cap="flat" cmpd="sng" algn="ctr">
+                      <a:solidFill>
+                        <a:srgbClr val="000000"/>
+                      </a:solidFill>
+                      <a:prstDash val="solid"/>
+                      <a:round/>
+                      <a:headEnd type="none" w="med" len="med"/>
+                      <a:tailEnd type="none" w="med" len="med"/>
+                    </a:lnR>
+                    <a:lnT w="12700" cap="flat" cmpd="sng" algn="ctr">
+                      <a:solidFill>
+                        <a:srgbClr val="000000"/>
+                      </a:solidFill>
+                      <a:prstDash val="solid"/>
+                      <a:round/>
+                      <a:headEnd type="none" w="med" len="med"/>
+                      <a:tailEnd type="none" w="med" len="med"/>
+                    </a:lnT>
+                    <a:lnB w="12700" cap="flat" cmpd="sng" algn="ctr">
+                      <a:solidFill>
+                        <a:srgbClr val="000000"/>
+                      </a:solidFill>
+                      <a:prstDash val="solid"/>
+                      <a:round/>
+                      <a:headEnd type="none" w="med" len="med"/>
+                      <a:tailEnd type="none" w="med" len="med"/>
+                    </a:lnB>
+                  </a:tcPr>
+                </a:tc>
+                <a:tc>
+                  <a:txBody>
+                    <a:bodyPr/>
+                    <a:lstStyle/>
+                    <a:p>
+                      <a:pPr marL="0" marR="0" algn="ctr">
+                        <a:lnSpc>
+                          <a:spcPct val="115000"/>
+                        </a:lnSpc>
+                        <a:spcBef>
+                          <a:spcPts val="0"/>
+                        </a:spcBef>
+                        <a:spcAft>
+                          <a:spcPts val="1000"/>
+                        </a:spcAft>
+                      </a:pPr>
+                      <a:r>
+                        <a:rPr lang="en-US" sz="2400" dirty="0">
+                          <a:latin typeface="Times New Roman" pitchFamily="18" charset="0"/>
+                          <a:ea typeface="Times New Roman"/>
+                          <a:cs typeface="Times New Roman" pitchFamily="18" charset="0"/>
+                        </a:rPr>
+                        <a:t>60.45%</a:t>
+                      </a:r>
+                    </a:p>
+                  </a:txBody>
+                  <a:tcPr marL="73025" marR="73025" marT="0" marB="0">
+                    <a:lnL w="12700" cap="flat" cmpd="sng" algn="ctr">
+                      <a:solidFill>
+                        <a:srgbClr val="000000"/>
+                      </a:solidFill>
+                      <a:prstDash val="solid"/>
+                      <a:round/>
+                      <a:headEnd type="none" w="med" len="med"/>
+                      <a:tailEnd type="none" w="med" len="med"/>
+                    </a:lnL>
+                    <a:lnR w="12700" cap="flat" cmpd="sng" algn="ctr">
+                      <a:solidFill>
+                        <a:srgbClr val="000000"/>
+                      </a:solidFill>
+                      <a:prstDash val="solid"/>
+                      <a:round/>
+                      <a:headEnd type="none" w="med" len="med"/>
+                      <a:tailEnd type="none" w="med" len="med"/>
+                    </a:lnR>
+                    <a:lnT w="12700" cap="flat" cmpd="sng" algn="ctr">
+                      <a:solidFill>
+                        <a:srgbClr val="000000"/>
+                      </a:solidFill>
+                      <a:prstDash val="solid"/>
+                      <a:round/>
+                      <a:headEnd type="none" w="med" len="med"/>
+                      <a:tailEnd type="none" w="med" len="med"/>
+                    </a:lnT>
+                    <a:lnB w="12700" cap="flat" cmpd="sng" algn="ctr">
+                      <a:solidFill>
+                        <a:srgbClr val="000000"/>
+                      </a:solidFill>
+                      <a:prstDash val="solid"/>
+                      <a:round/>
+                      <a:headEnd type="none" w="med" len="med"/>
+                      <a:tailEnd type="none" w="med" len="med"/>
+                    </a:lnB>
+                  </a:tcPr>
+                </a:tc>
+              </a:tr>
+            </a:tbl>
+          </a:graphicData>
+        </a:graphic>
+      </p:graphicFrame>
+    </p:spTree>
+  </p:cSld>
+  <p:clrMapOvr>
+    <a:masterClrMapping/>
+  </p:clrMapOvr>
+</p:sld>
+</file>
+
+<file path=ppt/slides/slide17.xml><?xml version="1.0" encoding="utf-8"?>
+<p:sld xmlns:a="http://schemas.openxmlformats.org/drawingml/2006/main" xmlns:r="http://schemas.openxmlformats.org/officeDocument/2006/relationships" xmlns:p="http://schemas.openxmlformats.org/presentationml/2006/main">
+  <p:cSld>
+    <p:spTree>
+      <p:nvGrpSpPr>
+        <p:cNvPr id="1" name=""/>
+        <p:cNvGrpSpPr/>
+        <p:nvPr/>
+      </p:nvGrpSpPr>
+      <p:grpSpPr>
+        <a:xfrm>
+          <a:off x="0" y="0"/>
+          <a:ext cx="0" cy="0"/>
+          <a:chOff x="0" y="0"/>
+          <a:chExt cx="0" cy="0"/>
+        </a:xfrm>
+      </p:grpSpPr>
+      <p:sp>
+        <p:nvSpPr>
+          <p:cNvPr id="2" name="Title 1"/>
+          <p:cNvSpPr>
+            <a:spLocks noGrp="1"/>
+          </p:cNvSpPr>
+          <p:nvPr>
+            <p:ph type="title"/>
+          </p:nvPr>
+        </p:nvSpPr>
+        <p:spPr/>
+        <p:txBody>
+          <a:bodyPr/>
+          <a:lstStyle/>
+          <a:p>
+            <a:r>
+              <a:rPr lang="en-US" dirty="0" err="1" smtClean="0"/>
+              <a:t>Các</a:t>
+            </a:r>
+            <a:r>
+              <a:rPr lang="en-US" dirty="0" smtClean="0"/>
+              <a:t> </a:t>
+            </a:r>
+            <a:r>
+              <a:rPr lang="en-US" dirty="0" err="1" smtClean="0"/>
+              <a:t>nghiên</a:t>
+            </a:r>
+            <a:r>
+              <a:rPr lang="en-US" dirty="0" smtClean="0"/>
+              <a:t> </a:t>
+            </a:r>
+            <a:r>
+              <a:rPr lang="en-US" dirty="0" err="1" smtClean="0"/>
+              <a:t>cứu</a:t>
+            </a:r>
+            <a:r>
+              <a:rPr lang="en-US" dirty="0" smtClean="0"/>
+              <a:t> </a:t>
+            </a:r>
+            <a:r>
+              <a:rPr lang="en-US" dirty="0" err="1" smtClean="0"/>
+              <a:t>liên</a:t>
+            </a:r>
+            <a:r>
+              <a:rPr lang="en-US" dirty="0" smtClean="0"/>
+              <a:t> </a:t>
+            </a:r>
+            <a:r>
+              <a:rPr lang="en-US" dirty="0" err="1" smtClean="0"/>
+              <a:t>quan</a:t>
+            </a:r>
+            <a:endParaRPr lang="en-US" dirty="0"/>
+          </a:p>
+        </p:txBody>
+      </p:sp>
+      <p:sp>
+        <p:nvSpPr>
+          <p:cNvPr id="3" name="Content Placeholder 2"/>
+          <p:cNvSpPr>
+            <a:spLocks noGrp="1"/>
+          </p:cNvSpPr>
+          <p:nvPr>
+            <p:ph idx="1"/>
+          </p:nvPr>
+        </p:nvSpPr>
+        <p:spPr/>
+        <p:txBody>
+          <a:bodyPr/>
+          <a:lstStyle/>
+          <a:p>
+            <a:r>
+              <a:rPr lang="en-US" dirty="0" err="1" smtClean="0"/>
+              <a:t>Kết</a:t>
+            </a:r>
+            <a:r>
+              <a:rPr lang="en-US" dirty="0" smtClean="0"/>
+              <a:t> </a:t>
+            </a:r>
+            <a:r>
+              <a:rPr lang="en-US" dirty="0" err="1" smtClean="0"/>
+              <a:t>luận</a:t>
+            </a:r>
+            <a:r>
+              <a:rPr lang="en-US" dirty="0" smtClean="0"/>
+              <a:t> </a:t>
+            </a:r>
+            <a:r>
+              <a:rPr lang="en-US" dirty="0" err="1" smtClean="0"/>
+              <a:t>của</a:t>
+            </a:r>
+            <a:r>
+              <a:rPr lang="en-US" dirty="0" smtClean="0"/>
+              <a:t> </a:t>
+            </a:r>
+            <a:r>
+              <a:rPr lang="en-US" dirty="0" err="1" smtClean="0"/>
+              <a:t>nhóm</a:t>
+            </a:r>
+            <a:endParaRPr lang="en-US" dirty="0" smtClean="0"/>
+          </a:p>
+          <a:p>
+            <a:pPr lvl="1"/>
+            <a:r>
+              <a:rPr lang="en-US" dirty="0" err="1" smtClean="0"/>
+              <a:t>Đối</a:t>
+            </a:r>
+            <a:r>
+              <a:rPr lang="en-US" dirty="0" smtClean="0"/>
+              <a:t> </a:t>
+            </a:r>
+            <a:r>
+              <a:rPr lang="en-US" dirty="0" err="1" smtClean="0"/>
+              <a:t>với</a:t>
+            </a:r>
+            <a:r>
+              <a:rPr lang="en-US" dirty="0" smtClean="0"/>
+              <a:t> </a:t>
+            </a:r>
+            <a:r>
+              <a:rPr lang="en-US" dirty="0" err="1" smtClean="0"/>
+              <a:t>một</a:t>
+            </a:r>
+            <a:r>
+              <a:rPr lang="en-US" dirty="0" smtClean="0"/>
+              <a:t> </a:t>
+            </a:r>
+            <a:r>
+              <a:rPr lang="en-US" dirty="0" err="1" smtClean="0"/>
+              <a:t>hệ</a:t>
+            </a:r>
+            <a:r>
+              <a:rPr lang="en-US" dirty="0" smtClean="0"/>
+              <a:t> </a:t>
+            </a:r>
+            <a:r>
+              <a:rPr lang="en-US" dirty="0" err="1" smtClean="0"/>
+              <a:t>thống</a:t>
+            </a:r>
+            <a:r>
+              <a:rPr lang="en-US" dirty="0" smtClean="0"/>
+              <a:t> </a:t>
+            </a:r>
+            <a:r>
+              <a:rPr lang="en-US" dirty="0" err="1" smtClean="0"/>
+              <a:t>hỏi</a:t>
+            </a:r>
+            <a:r>
+              <a:rPr lang="en-US" dirty="0" smtClean="0"/>
+              <a:t> </a:t>
+            </a:r>
+            <a:r>
+              <a:rPr lang="en-US" dirty="0" err="1" smtClean="0"/>
+              <a:t>đáp</a:t>
+            </a:r>
+            <a:r>
+              <a:rPr lang="en-US" dirty="0" smtClean="0"/>
+              <a:t> </a:t>
+            </a:r>
+            <a:r>
+              <a:rPr lang="en-US" dirty="0" err="1" smtClean="0"/>
+              <a:t>dựa</a:t>
+            </a:r>
+            <a:r>
+              <a:rPr lang="en-US" dirty="0" smtClean="0"/>
+              <a:t> </a:t>
+            </a:r>
+            <a:r>
+              <a:rPr lang="en-US" dirty="0" err="1" smtClean="0"/>
+              <a:t>trên</a:t>
+            </a:r>
+            <a:r>
+              <a:rPr lang="en-US" dirty="0" smtClean="0"/>
+              <a:t> Ontology, </a:t>
+            </a:r>
+            <a:r>
+              <a:rPr lang="en-US" dirty="0" err="1" smtClean="0"/>
+              <a:t>giả</a:t>
+            </a:r>
+            <a:r>
+              <a:rPr lang="en-US" dirty="0" smtClean="0"/>
+              <a:t> </a:t>
+            </a:r>
+            <a:r>
+              <a:rPr lang="en-US" dirty="0" err="1" smtClean="0"/>
+              <a:t>sử</a:t>
+            </a:r>
+            <a:r>
+              <a:rPr lang="en-US" dirty="0" smtClean="0"/>
+              <a:t> </a:t>
+            </a:r>
+            <a:r>
+              <a:rPr lang="en-US" dirty="0" err="1" smtClean="0"/>
+              <a:t>ta</a:t>
+            </a:r>
+            <a:r>
+              <a:rPr lang="en-US" dirty="0" smtClean="0"/>
+              <a:t> </a:t>
+            </a:r>
+            <a:r>
+              <a:rPr lang="en-US" dirty="0" err="1" smtClean="0"/>
+              <a:t>chỉ</a:t>
+            </a:r>
+            <a:r>
+              <a:rPr lang="en-US" dirty="0" smtClean="0"/>
+              <a:t> </a:t>
+            </a:r>
+            <a:r>
+              <a:rPr lang="en-US" dirty="0" err="1" smtClean="0"/>
+              <a:t>sử</a:t>
+            </a:r>
+            <a:r>
+              <a:rPr lang="en-US" dirty="0" smtClean="0"/>
+              <a:t> </a:t>
+            </a:r>
+            <a:r>
+              <a:rPr lang="en-US" dirty="0" err="1" smtClean="0"/>
+              <a:t>dụng</a:t>
+            </a:r>
+            <a:r>
+              <a:rPr lang="en-US" dirty="0" smtClean="0"/>
+              <a:t> </a:t>
+            </a:r>
+            <a:r>
+              <a:rPr lang="en-US" dirty="0" err="1" smtClean="0"/>
+              <a:t>ngôn</a:t>
+            </a:r>
+            <a:r>
+              <a:rPr lang="en-US" dirty="0" smtClean="0"/>
+              <a:t> </a:t>
+            </a:r>
+            <a:r>
+              <a:rPr lang="en-US" dirty="0" err="1" smtClean="0"/>
+              <a:t>ngữ</a:t>
+            </a:r>
+            <a:r>
+              <a:rPr lang="en-US" dirty="0" smtClean="0"/>
+              <a:t> SPARQL </a:t>
+            </a:r>
+            <a:r>
+              <a:rPr lang="en-US" dirty="0" err="1" smtClean="0"/>
+              <a:t>cho</a:t>
+            </a:r>
+            <a:r>
+              <a:rPr lang="en-US" dirty="0" smtClean="0"/>
+              <a:t> </a:t>
+            </a:r>
+            <a:r>
+              <a:rPr lang="en-US" dirty="0" err="1" smtClean="0"/>
+              <a:t>việc</a:t>
+            </a:r>
+            <a:r>
+              <a:rPr lang="en-US" dirty="0" smtClean="0"/>
+              <a:t> </a:t>
+            </a:r>
+            <a:r>
+              <a:rPr lang="en-US" dirty="0" err="1" smtClean="0"/>
+              <a:t>truy</a:t>
+            </a:r>
+            <a:r>
+              <a:rPr lang="en-US" dirty="0" smtClean="0"/>
+              <a:t> </a:t>
+            </a:r>
+            <a:r>
+              <a:rPr lang="en-US" dirty="0" err="1" smtClean="0"/>
+              <a:t>vấn</a:t>
+            </a:r>
+            <a:r>
+              <a:rPr lang="en-US" dirty="0" smtClean="0"/>
+              <a:t> </a:t>
+            </a:r>
+            <a:r>
+              <a:rPr lang="en-US" dirty="0" err="1" smtClean="0"/>
+              <a:t>vào</a:t>
+            </a:r>
+            <a:r>
+              <a:rPr lang="en-US" dirty="0" smtClean="0"/>
+              <a:t> Ontology, </a:t>
+            </a:r>
+            <a:r>
+              <a:rPr lang="en-US" dirty="0" err="1" smtClean="0"/>
+              <a:t>thì</a:t>
+            </a:r>
+            <a:r>
+              <a:rPr lang="en-US" dirty="0" smtClean="0"/>
+              <a:t> </a:t>
+            </a:r>
+            <a:r>
+              <a:rPr lang="en-US" dirty="0" err="1" smtClean="0"/>
+              <a:t>cách</a:t>
+            </a:r>
+            <a:r>
+              <a:rPr lang="en-US" dirty="0" smtClean="0"/>
+              <a:t> </a:t>
+            </a:r>
+            <a:r>
+              <a:rPr lang="en-US" dirty="0" err="1" smtClean="0"/>
+              <a:t>tiếp</a:t>
+            </a:r>
+            <a:r>
+              <a:rPr lang="en-US" dirty="0" smtClean="0"/>
+              <a:t> </a:t>
+            </a:r>
+            <a:r>
+              <a:rPr lang="en-US" dirty="0" err="1" smtClean="0"/>
+              <a:t>cận</a:t>
+            </a:r>
+            <a:r>
+              <a:rPr lang="en-US" dirty="0" smtClean="0"/>
+              <a:t> </a:t>
+            </a:r>
+            <a:r>
+              <a:rPr lang="en-US" dirty="0" err="1" smtClean="0"/>
+              <a:t>theo</a:t>
+            </a:r>
+            <a:r>
+              <a:rPr lang="en-US" dirty="0" smtClean="0"/>
+              <a:t> </a:t>
+            </a:r>
+            <a:r>
+              <a:rPr lang="en-US" dirty="0" err="1" smtClean="0"/>
+              <a:t>hướng</a:t>
+            </a:r>
+            <a:r>
+              <a:rPr lang="en-US" dirty="0" smtClean="0"/>
+              <a:t> </a:t>
+            </a:r>
+            <a:r>
+              <a:rPr lang="en-US" dirty="0" err="1" smtClean="0"/>
+              <a:t>tìm</a:t>
+            </a:r>
+            <a:r>
+              <a:rPr lang="en-US" dirty="0" smtClean="0"/>
+              <a:t> </a:t>
+            </a:r>
+            <a:r>
+              <a:rPr lang="en-US" dirty="0" err="1" smtClean="0"/>
+              <a:t>kiếm</a:t>
+            </a:r>
+            <a:r>
+              <a:rPr lang="en-US" dirty="0" smtClean="0"/>
+              <a:t> </a:t>
+            </a:r>
+            <a:r>
+              <a:rPr lang="en-US" dirty="0" err="1" smtClean="0"/>
+              <a:t>những</a:t>
+            </a:r>
+            <a:r>
+              <a:rPr lang="en-US" dirty="0" smtClean="0"/>
+              <a:t> </a:t>
+            </a:r>
+            <a:r>
+              <a:rPr lang="en-US" dirty="0" err="1" smtClean="0"/>
+              <a:t>bộ</a:t>
+            </a:r>
+            <a:r>
+              <a:rPr lang="en-US" dirty="0" smtClean="0"/>
+              <a:t> </a:t>
+            </a:r>
+            <a:r>
+              <a:rPr lang="en-US" dirty="0" err="1" smtClean="0"/>
+              <a:t>ba</a:t>
+            </a:r>
+            <a:r>
+              <a:rPr lang="en-US" dirty="0" smtClean="0"/>
+              <a:t> </a:t>
+            </a:r>
+            <a:r>
+              <a:rPr lang="en-US" dirty="0" err="1" smtClean="0"/>
+              <a:t>quan</a:t>
+            </a:r>
+            <a:r>
+              <a:rPr lang="en-US" dirty="0" smtClean="0"/>
+              <a:t> </a:t>
+            </a:r>
+            <a:r>
+              <a:rPr lang="en-US" dirty="0" err="1" smtClean="0"/>
+              <a:t>hệ</a:t>
+            </a:r>
+            <a:r>
+              <a:rPr lang="en-US" dirty="0" smtClean="0"/>
+              <a:t> RDF </a:t>
+            </a:r>
+            <a:r>
+              <a:rPr lang="en-US" dirty="0" err="1" smtClean="0"/>
+              <a:t>là</a:t>
+            </a:r>
+            <a:r>
+              <a:rPr lang="en-US" dirty="0" smtClean="0"/>
+              <a:t> </a:t>
+            </a:r>
+            <a:r>
+              <a:rPr lang="en-US" dirty="0" err="1" smtClean="0"/>
+              <a:t>hướng</a:t>
+            </a:r>
+            <a:r>
+              <a:rPr lang="en-US" dirty="0" smtClean="0"/>
+              <a:t> </a:t>
+            </a:r>
+            <a:r>
+              <a:rPr lang="en-US" dirty="0" err="1" smtClean="0"/>
+              <a:t>mà</a:t>
+            </a:r>
+            <a:r>
+              <a:rPr lang="en-US" dirty="0" smtClean="0"/>
+              <a:t> </a:t>
+            </a:r>
+            <a:r>
+              <a:rPr lang="en-US" dirty="0" err="1" smtClean="0"/>
+              <a:t>đa</a:t>
+            </a:r>
+            <a:r>
+              <a:rPr lang="en-US" dirty="0" smtClean="0"/>
+              <a:t> </a:t>
+            </a:r>
+            <a:r>
+              <a:rPr lang="en-US" dirty="0" err="1" smtClean="0"/>
+              <a:t>số</a:t>
+            </a:r>
+            <a:r>
+              <a:rPr lang="en-US" dirty="0" smtClean="0"/>
+              <a:t> </a:t>
+            </a:r>
+            <a:r>
+              <a:rPr lang="en-US" dirty="0" err="1" smtClean="0"/>
+              <a:t>các</a:t>
+            </a:r>
+            <a:r>
+              <a:rPr lang="en-US" dirty="0" smtClean="0"/>
+              <a:t> </a:t>
+            </a:r>
+            <a:r>
+              <a:rPr lang="en-US" dirty="0" err="1" smtClean="0"/>
+              <a:t>nghiên</a:t>
+            </a:r>
+            <a:r>
+              <a:rPr lang="en-US" dirty="0" smtClean="0"/>
+              <a:t> </a:t>
+            </a:r>
+            <a:r>
+              <a:rPr lang="en-US" dirty="0" err="1" smtClean="0"/>
+              <a:t>dùng</a:t>
+            </a:r>
+            <a:r>
+              <a:rPr lang="en-US" dirty="0" smtClean="0"/>
+              <a:t> </a:t>
+            </a:r>
+            <a:r>
+              <a:rPr lang="en-US" dirty="0" err="1" smtClean="0"/>
+              <a:t>đến</a:t>
+            </a:r>
+            <a:r>
+              <a:rPr lang="en-US" dirty="0" smtClean="0"/>
+              <a:t>.</a:t>
+            </a:r>
+          </a:p>
+          <a:p>
+            <a:pPr lvl="1"/>
+            <a:r>
+              <a:rPr lang="en-US" dirty="0" err="1" smtClean="0"/>
+              <a:t>Ngòai</a:t>
+            </a:r>
+            <a:r>
+              <a:rPr lang="en-US" dirty="0" smtClean="0"/>
+              <a:t> </a:t>
+            </a:r>
+            <a:r>
+              <a:rPr lang="en-US" dirty="0" err="1" smtClean="0"/>
+              <a:t>ra</a:t>
+            </a:r>
+            <a:r>
+              <a:rPr lang="en-US" dirty="0" smtClean="0"/>
+              <a:t>, </a:t>
+            </a:r>
+            <a:r>
+              <a:rPr lang="en-US" dirty="0" err="1" smtClean="0"/>
+              <a:t>với</a:t>
+            </a:r>
+            <a:r>
+              <a:rPr lang="en-US" dirty="0" smtClean="0"/>
+              <a:t> </a:t>
+            </a:r>
+            <a:r>
+              <a:rPr lang="en-US" dirty="0" err="1" smtClean="0"/>
+              <a:t>việc</a:t>
+            </a:r>
+            <a:r>
+              <a:rPr lang="en-US" dirty="0" smtClean="0"/>
+              <a:t> </a:t>
+            </a:r>
+            <a:r>
+              <a:rPr lang="en-US" dirty="0" err="1" smtClean="0"/>
+              <a:t>tổ</a:t>
+            </a:r>
+            <a:r>
+              <a:rPr lang="en-US" dirty="0" smtClean="0"/>
+              <a:t> </a:t>
+            </a:r>
+            <a:r>
+              <a:rPr lang="en-US" dirty="0" err="1" smtClean="0"/>
+              <a:t>chức</a:t>
+            </a:r>
+            <a:r>
+              <a:rPr lang="en-US" dirty="0" smtClean="0"/>
+              <a:t> </a:t>
+            </a:r>
+            <a:r>
+              <a:rPr lang="en-US" dirty="0" err="1" smtClean="0"/>
+              <a:t>dữ</a:t>
+            </a:r>
+            <a:r>
+              <a:rPr lang="en-US" dirty="0" smtClean="0"/>
+              <a:t> </a:t>
+            </a:r>
+            <a:r>
+              <a:rPr lang="en-US" dirty="0" err="1" smtClean="0"/>
+              <a:t>liệu</a:t>
+            </a:r>
+            <a:r>
+              <a:rPr lang="en-US" dirty="0" smtClean="0"/>
+              <a:t> </a:t>
+            </a:r>
+            <a:r>
+              <a:rPr lang="en-US" dirty="0" err="1" smtClean="0"/>
+              <a:t>của</a:t>
+            </a:r>
+            <a:r>
+              <a:rPr lang="en-US" dirty="0" smtClean="0"/>
+              <a:t> Ontology </a:t>
+            </a:r>
+            <a:r>
+              <a:rPr lang="en-US" dirty="0" err="1" smtClean="0"/>
+              <a:t>bằng</a:t>
+            </a:r>
+            <a:r>
+              <a:rPr lang="en-US" dirty="0" smtClean="0"/>
+              <a:t> </a:t>
+            </a:r>
+            <a:r>
+              <a:rPr lang="en-US" dirty="0" err="1" smtClean="0"/>
+              <a:t>tập</a:t>
+            </a:r>
+            <a:r>
+              <a:rPr lang="en-US" dirty="0" smtClean="0"/>
+              <a:t> tin OWL, </a:t>
+            </a:r>
+            <a:r>
+              <a:rPr lang="en-US" dirty="0" err="1" smtClean="0"/>
+              <a:t>thì</a:t>
+            </a:r>
+            <a:r>
+              <a:rPr lang="en-US" dirty="0" smtClean="0"/>
+              <a:t> </a:t>
+            </a:r>
+            <a:r>
+              <a:rPr lang="en-US" dirty="0" err="1" smtClean="0"/>
+              <a:t>việc</a:t>
+            </a:r>
+            <a:r>
+              <a:rPr lang="en-US" dirty="0" smtClean="0"/>
+              <a:t> </a:t>
+            </a:r>
+            <a:r>
+              <a:rPr lang="en-US" dirty="0" err="1" smtClean="0"/>
+              <a:t>truy</a:t>
+            </a:r>
+            <a:r>
+              <a:rPr lang="en-US" dirty="0" smtClean="0"/>
+              <a:t> </a:t>
+            </a:r>
+            <a:r>
+              <a:rPr lang="en-US" dirty="0" err="1" smtClean="0"/>
+              <a:t>vấn</a:t>
+            </a:r>
+            <a:r>
+              <a:rPr lang="en-US" dirty="0" smtClean="0"/>
+              <a:t> </a:t>
+            </a:r>
+            <a:r>
+              <a:rPr lang="en-US" dirty="0" err="1" smtClean="0"/>
+              <a:t>cũng</a:t>
+            </a:r>
+            <a:r>
+              <a:rPr lang="en-US" dirty="0" smtClean="0"/>
+              <a:t> </a:t>
+            </a:r>
+            <a:r>
+              <a:rPr lang="en-US" dirty="0" err="1" smtClean="0"/>
+              <a:t>xuất</a:t>
+            </a:r>
+            <a:r>
+              <a:rPr lang="en-US" dirty="0" smtClean="0"/>
+              <a:t> </a:t>
+            </a:r>
+            <a:r>
+              <a:rPr lang="en-US" dirty="0" err="1" smtClean="0"/>
+              <a:t>phát</a:t>
+            </a:r>
+            <a:r>
+              <a:rPr lang="en-US" dirty="0" smtClean="0"/>
+              <a:t> </a:t>
+            </a:r>
+            <a:r>
+              <a:rPr lang="en-US" dirty="0" err="1" smtClean="0"/>
+              <a:t>từ</a:t>
+            </a:r>
+            <a:r>
+              <a:rPr lang="en-US" dirty="0" smtClean="0"/>
+              <a:t> </a:t>
+            </a:r>
+            <a:r>
+              <a:rPr lang="en-US" dirty="0" err="1" smtClean="0"/>
+              <a:t>bộ</a:t>
+            </a:r>
+            <a:r>
+              <a:rPr lang="en-US" dirty="0" smtClean="0"/>
+              <a:t> </a:t>
+            </a:r>
+            <a:r>
+              <a:rPr lang="en-US" dirty="0" err="1" smtClean="0"/>
+              <a:t>ba</a:t>
+            </a:r>
+            <a:r>
+              <a:rPr lang="en-US" dirty="0" smtClean="0"/>
+              <a:t> </a:t>
+            </a:r>
+            <a:r>
+              <a:rPr lang="en-US" dirty="0" err="1" smtClean="0"/>
+              <a:t>quan</a:t>
+            </a:r>
+            <a:r>
+              <a:rPr lang="en-US" dirty="0" smtClean="0"/>
+              <a:t> </a:t>
+            </a:r>
+            <a:r>
+              <a:rPr lang="en-US" dirty="0" err="1" smtClean="0"/>
+              <a:t>hệ</a:t>
+            </a:r>
+            <a:r>
+              <a:rPr lang="en-US" dirty="0" smtClean="0"/>
+              <a:t>. Do OWL </a:t>
+            </a:r>
+            <a:r>
+              <a:rPr lang="en-US" dirty="0" err="1" smtClean="0"/>
+              <a:t>được</a:t>
+            </a:r>
+            <a:r>
+              <a:rPr lang="en-US" dirty="0" smtClean="0"/>
+              <a:t> </a:t>
+            </a:r>
+            <a:r>
+              <a:rPr lang="en-US" dirty="0" err="1" smtClean="0"/>
+              <a:t>xây</a:t>
+            </a:r>
+            <a:r>
+              <a:rPr lang="en-US" dirty="0" smtClean="0"/>
+              <a:t> </a:t>
+            </a:r>
+            <a:r>
+              <a:rPr lang="en-US" dirty="0" err="1" smtClean="0"/>
+              <a:t>dựng</a:t>
+            </a:r>
+            <a:r>
+              <a:rPr lang="en-US" dirty="0" smtClean="0"/>
+              <a:t> </a:t>
+            </a:r>
+            <a:r>
+              <a:rPr lang="en-US" dirty="0" err="1" smtClean="0"/>
+              <a:t>dựa</a:t>
+            </a:r>
+            <a:r>
+              <a:rPr lang="en-US" dirty="0" smtClean="0"/>
+              <a:t> </a:t>
+            </a:r>
+            <a:r>
+              <a:rPr lang="en-US" dirty="0" err="1" smtClean="0"/>
+              <a:t>trên</a:t>
+            </a:r>
+            <a:r>
+              <a:rPr lang="en-US" dirty="0" smtClean="0"/>
+              <a:t> </a:t>
+            </a:r>
+            <a:r>
+              <a:rPr lang="en-US" dirty="0" err="1" smtClean="0"/>
+              <a:t>bộ</a:t>
+            </a:r>
+            <a:r>
+              <a:rPr lang="en-US" dirty="0" smtClean="0"/>
+              <a:t> </a:t>
+            </a:r>
+            <a:r>
+              <a:rPr lang="en-US" dirty="0" err="1" smtClean="0"/>
+              <a:t>ba</a:t>
+            </a:r>
+            <a:r>
+              <a:rPr lang="en-US" dirty="0" smtClean="0"/>
+              <a:t> RDF.</a:t>
+            </a:r>
+            <a:endParaRPr lang="en-US" dirty="0" smtClean="0"/>
+          </a:p>
+        </p:txBody>
+      </p:sp>
+    </p:spTree>
+  </p:cSld>
+  <p:clrMapOvr>
+    <a:masterClrMapping/>
+  </p:clrMapOvr>
+</p:sld>
+</file>
+
+<file path=ppt/slides/slide18.xml><?xml version="1.0" encoding="utf-8"?>
+<p:sld xmlns:a="http://schemas.openxmlformats.org/drawingml/2006/main" xmlns:r="http://schemas.openxmlformats.org/officeDocument/2006/relationships" xmlns:p="http://schemas.openxmlformats.org/presentationml/2006/main">
+  <p:cSld>
+    <p:spTree>
+      <p:nvGrpSpPr>
+        <p:cNvPr id="1" name=""/>
+        <p:cNvGrpSpPr/>
+        <p:nvPr/>
+      </p:nvGrpSpPr>
+      <p:grpSpPr>
+        <a:xfrm>
+          <a:off x="0" y="0"/>
+          <a:ext cx="0" cy="0"/>
+          <a:chOff x="0" y="0"/>
+          <a:chExt cx="0" cy="0"/>
+        </a:xfrm>
+      </p:grpSpPr>
+      <p:sp>
+        <p:nvSpPr>
+          <p:cNvPr id="2" name="Title 1"/>
+          <p:cNvSpPr>
+            <a:spLocks noGrp="1"/>
+          </p:cNvSpPr>
+          <p:nvPr>
+            <p:ph type="title"/>
+          </p:nvPr>
+        </p:nvSpPr>
+        <p:spPr/>
+        <p:txBody>
+          <a:bodyPr/>
+          <a:lstStyle/>
+          <a:p>
+            <a:r>
+              <a:rPr lang="en-US" dirty="0" err="1" smtClean="0"/>
+              <a:t>Các</a:t>
+            </a:r>
+            <a:r>
+              <a:rPr lang="en-US" dirty="0" smtClean="0"/>
+              <a:t> </a:t>
+            </a:r>
+            <a:r>
+              <a:rPr lang="en-US" dirty="0" err="1" smtClean="0"/>
+              <a:t>nghiên</a:t>
+            </a:r>
+            <a:r>
+              <a:rPr lang="en-US" dirty="0" smtClean="0"/>
+              <a:t> </a:t>
+            </a:r>
+            <a:r>
+              <a:rPr lang="en-US" dirty="0" err="1" smtClean="0"/>
+              <a:t>cứu</a:t>
+            </a:r>
+            <a:r>
+              <a:rPr lang="en-US" dirty="0" smtClean="0"/>
+              <a:t> </a:t>
+            </a:r>
+            <a:r>
+              <a:rPr lang="en-US" dirty="0" err="1" smtClean="0"/>
+              <a:t>liên</a:t>
+            </a:r>
+            <a:r>
+              <a:rPr lang="en-US" dirty="0" smtClean="0"/>
+              <a:t> </a:t>
+            </a:r>
+            <a:r>
+              <a:rPr lang="en-US" dirty="0" err="1" smtClean="0"/>
+              <a:t>quan</a:t>
+            </a:r>
+            <a:endParaRPr lang="en-US" dirty="0"/>
+          </a:p>
+        </p:txBody>
+      </p:sp>
+      <p:sp>
+        <p:nvSpPr>
+          <p:cNvPr id="3" name="Content Placeholder 2"/>
+          <p:cNvSpPr>
+            <a:spLocks noGrp="1"/>
+          </p:cNvSpPr>
+          <p:nvPr>
+            <p:ph idx="1"/>
+          </p:nvPr>
+        </p:nvSpPr>
+        <p:spPr/>
+        <p:txBody>
+          <a:bodyPr/>
+          <a:lstStyle/>
+          <a:p>
+            <a:r>
+              <a:rPr lang="en-US" dirty="0" err="1" smtClean="0"/>
+              <a:t>Về</a:t>
+            </a:r>
+            <a:r>
+              <a:rPr lang="en-US" dirty="0" smtClean="0"/>
+              <a:t> </a:t>
+            </a:r>
+            <a:r>
+              <a:rPr lang="en-US" dirty="0" err="1" smtClean="0"/>
+              <a:t>phương</a:t>
+            </a:r>
+            <a:r>
+              <a:rPr lang="en-US" dirty="0" smtClean="0"/>
+              <a:t> </a:t>
+            </a:r>
+            <a:r>
+              <a:rPr lang="en-US" dirty="0" err="1" smtClean="0"/>
+              <a:t>pháp</a:t>
+            </a:r>
+            <a:r>
+              <a:rPr lang="en-US" dirty="0" smtClean="0"/>
+              <a:t> </a:t>
+            </a:r>
+            <a:r>
+              <a:rPr lang="en-US" dirty="0" err="1" smtClean="0"/>
+              <a:t>để</a:t>
+            </a:r>
+            <a:r>
+              <a:rPr lang="en-US" dirty="0" smtClean="0"/>
+              <a:t> </a:t>
+            </a:r>
+            <a:r>
+              <a:rPr lang="en-US" dirty="0" err="1" smtClean="0"/>
+              <a:t>phân</a:t>
+            </a:r>
+            <a:r>
+              <a:rPr lang="en-US" dirty="0" smtClean="0"/>
+              <a:t> </a:t>
+            </a:r>
+            <a:r>
+              <a:rPr lang="en-US" dirty="0" err="1" smtClean="0"/>
+              <a:t>tích</a:t>
+            </a:r>
+            <a:r>
+              <a:rPr lang="en-US" dirty="0" smtClean="0"/>
+              <a:t> </a:t>
+            </a:r>
+            <a:r>
+              <a:rPr lang="en-US" dirty="0" err="1" smtClean="0"/>
+              <a:t>bộ</a:t>
+            </a:r>
+            <a:r>
+              <a:rPr lang="en-US" dirty="0" smtClean="0"/>
+              <a:t> </a:t>
+            </a:r>
+            <a:r>
+              <a:rPr lang="en-US" dirty="0" err="1" smtClean="0"/>
+              <a:t>ba</a:t>
+            </a:r>
+            <a:r>
+              <a:rPr lang="en-US" dirty="0" smtClean="0"/>
+              <a:t>, </a:t>
+            </a:r>
+            <a:r>
+              <a:rPr lang="en-US" dirty="0" err="1" smtClean="0"/>
+              <a:t>nhóm</a:t>
+            </a:r>
+            <a:r>
+              <a:rPr lang="en-US" dirty="0" smtClean="0"/>
+              <a:t> </a:t>
+            </a:r>
+            <a:r>
+              <a:rPr lang="en-US" dirty="0" err="1" smtClean="0"/>
+              <a:t>chia</a:t>
+            </a:r>
+            <a:r>
+              <a:rPr lang="en-US" dirty="0" smtClean="0"/>
+              <a:t> </a:t>
+            </a:r>
+            <a:r>
+              <a:rPr lang="en-US" dirty="0" err="1" smtClean="0"/>
+              <a:t>thành</a:t>
+            </a:r>
+            <a:r>
+              <a:rPr lang="en-US" dirty="0" smtClean="0"/>
+              <a:t> 2 </a:t>
+            </a:r>
+            <a:r>
+              <a:rPr lang="en-US" dirty="0" err="1" smtClean="0"/>
+              <a:t>hướng</a:t>
+            </a:r>
+            <a:r>
+              <a:rPr lang="en-US" dirty="0" smtClean="0"/>
+              <a:t> </a:t>
+            </a:r>
+            <a:r>
+              <a:rPr lang="en-US" dirty="0" err="1" smtClean="0"/>
+              <a:t>như</a:t>
+            </a:r>
+            <a:r>
+              <a:rPr lang="en-US" dirty="0" smtClean="0"/>
+              <a:t> </a:t>
+            </a:r>
+            <a:r>
+              <a:rPr lang="en-US" dirty="0" err="1" smtClean="0"/>
+              <a:t>sau</a:t>
+            </a:r>
+            <a:r>
+              <a:rPr lang="en-US" dirty="0" smtClean="0"/>
+              <a:t>:</a:t>
+            </a:r>
+          </a:p>
+          <a:p>
+            <a:pPr lvl="1"/>
+            <a:r>
+              <a:rPr lang="en-US" dirty="0" smtClean="0"/>
+              <a:t>Theo </a:t>
+            </a:r>
+            <a:r>
+              <a:rPr lang="en-US" dirty="0" err="1" smtClean="0"/>
+              <a:t>cây</a:t>
+            </a:r>
+            <a:r>
+              <a:rPr lang="en-US" dirty="0" smtClean="0"/>
+              <a:t> </a:t>
+            </a:r>
+            <a:r>
+              <a:rPr lang="en-US" dirty="0" err="1" smtClean="0"/>
+              <a:t>cú</a:t>
+            </a:r>
+            <a:r>
+              <a:rPr lang="en-US" dirty="0" smtClean="0"/>
+              <a:t> </a:t>
+            </a:r>
+            <a:r>
+              <a:rPr lang="en-US" dirty="0" err="1" smtClean="0"/>
+              <a:t>pháp</a:t>
+            </a:r>
+            <a:endParaRPr lang="en-US" dirty="0" smtClean="0"/>
+          </a:p>
+          <a:p>
+            <a:pPr lvl="1"/>
+            <a:r>
+              <a:rPr lang="en-US" dirty="0" err="1" smtClean="0"/>
+              <a:t>Không</a:t>
+            </a:r>
+            <a:r>
+              <a:rPr lang="en-US" dirty="0" smtClean="0"/>
+              <a:t> </a:t>
+            </a:r>
+            <a:r>
+              <a:rPr lang="en-US" dirty="0" err="1" smtClean="0"/>
+              <a:t>theo</a:t>
+            </a:r>
+            <a:r>
+              <a:rPr lang="en-US" dirty="0" smtClean="0"/>
+              <a:t> </a:t>
+            </a:r>
+            <a:r>
+              <a:rPr lang="en-US" dirty="0" err="1" smtClean="0"/>
+              <a:t>cây</a:t>
+            </a:r>
+            <a:r>
+              <a:rPr lang="en-US" dirty="0" smtClean="0"/>
+              <a:t> </a:t>
+            </a:r>
+            <a:r>
+              <a:rPr lang="en-US" dirty="0" err="1" smtClean="0"/>
+              <a:t>cú</a:t>
+            </a:r>
+            <a:r>
+              <a:rPr lang="en-US" dirty="0" smtClean="0"/>
+              <a:t> </a:t>
+            </a:r>
+            <a:r>
+              <a:rPr lang="en-US" dirty="0" err="1" smtClean="0"/>
+              <a:t>pháp</a:t>
+            </a:r>
+            <a:endParaRPr lang="en-US" dirty="0" smtClean="0"/>
+          </a:p>
+          <a:p>
+            <a:endParaRPr lang="en-US" dirty="0"/>
+          </a:p>
+        </p:txBody>
+      </p:sp>
+    </p:spTree>
+  </p:cSld>
+  <p:clrMapOvr>
+    <a:masterClrMapping/>
+  </p:clrMapOvr>
+</p:sld>
+</file>
+
+<file path=ppt/slides/slide19.xml><?xml version="1.0" encoding="utf-8"?>
+<p:sld xmlns:a="http://schemas.openxmlformats.org/drawingml/2006/main" xmlns:r="http://schemas.openxmlformats.org/officeDocument/2006/relationships" xmlns:p="http://schemas.openxmlformats.org/presentationml/2006/main">
+  <p:cSld>
+    <p:spTree>
+      <p:nvGrpSpPr>
+        <p:cNvPr id="1" name=""/>
+        <p:cNvGrpSpPr/>
+        <p:nvPr/>
+      </p:nvGrpSpPr>
+      <p:grpSpPr>
+        <a:xfrm>
+          <a:off x="0" y="0"/>
+          <a:ext cx="0" cy="0"/>
+          <a:chOff x="0" y="0"/>
+          <a:chExt cx="0" cy="0"/>
+        </a:xfrm>
+      </p:grpSpPr>
+      <p:sp>
+        <p:nvSpPr>
+          <p:cNvPr id="2" name="Title 1"/>
+          <p:cNvSpPr>
+            <a:spLocks noGrp="1"/>
+          </p:cNvSpPr>
+          <p:nvPr>
+            <p:ph type="title"/>
+          </p:nvPr>
+        </p:nvSpPr>
+        <p:spPr/>
+        <p:txBody>
+          <a:bodyPr/>
+          <a:lstStyle/>
+          <a:p>
+            <a:r>
+              <a:rPr lang="en-US" dirty="0" err="1" smtClean="0"/>
+              <a:t>Mô</a:t>
+            </a:r>
+            <a:r>
+              <a:rPr lang="en-US" dirty="0" smtClean="0"/>
+              <a:t> </a:t>
+            </a:r>
+            <a:r>
+              <a:rPr lang="en-US" dirty="0" err="1" smtClean="0"/>
+              <a:t>hình</a:t>
+            </a:r>
+            <a:r>
+              <a:rPr lang="en-US" dirty="0" smtClean="0"/>
+              <a:t> </a:t>
+            </a:r>
+            <a:r>
+              <a:rPr lang="en-US" dirty="0" err="1" smtClean="0"/>
+              <a:t>hệ</a:t>
+            </a:r>
+            <a:r>
+              <a:rPr lang="en-US" dirty="0" smtClean="0"/>
+              <a:t> </a:t>
+            </a:r>
+            <a:r>
+              <a:rPr lang="en-US" dirty="0" err="1" smtClean="0"/>
+              <a:t>thống</a:t>
+            </a:r>
+            <a:endParaRPr lang="en-US" dirty="0"/>
+          </a:p>
+        </p:txBody>
+      </p:sp>
+      <p:sp>
+        <p:nvSpPr>
+          <p:cNvPr id="3" name="Content Placeholder 2"/>
+          <p:cNvSpPr>
+            <a:spLocks noGrp="1"/>
+          </p:cNvSpPr>
+          <p:nvPr>
+            <p:ph idx="1"/>
+          </p:nvPr>
+        </p:nvSpPr>
+        <p:spPr/>
+        <p:txBody>
+          <a:bodyPr/>
+          <a:lstStyle/>
+          <a:p>
+            <a:r>
+              <a:rPr lang="en-US" dirty="0" err="1" smtClean="0"/>
+              <a:t>Mô</a:t>
+            </a:r>
+            <a:r>
+              <a:rPr lang="en-US" dirty="0" smtClean="0"/>
+              <a:t> </a:t>
+            </a:r>
+            <a:r>
+              <a:rPr lang="en-US" dirty="0" err="1" smtClean="0"/>
+              <a:t>hình</a:t>
+            </a:r>
+            <a:r>
+              <a:rPr lang="en-US" dirty="0" smtClean="0"/>
+              <a:t> </a:t>
+            </a:r>
+            <a:r>
+              <a:rPr lang="en-US" dirty="0" err="1" smtClean="0"/>
+              <a:t>hệ</a:t>
+            </a:r>
+            <a:r>
+              <a:rPr lang="en-US" dirty="0" smtClean="0"/>
+              <a:t> </a:t>
+            </a:r>
+            <a:r>
+              <a:rPr lang="en-US" dirty="0" err="1" smtClean="0"/>
+              <a:t>thống</a:t>
+            </a:r>
+            <a:r>
+              <a:rPr lang="en-US" dirty="0" smtClean="0"/>
+              <a:t> </a:t>
+            </a:r>
+            <a:r>
+              <a:rPr lang="en-US" dirty="0" err="1" smtClean="0"/>
+              <a:t>hỏi</a:t>
+            </a:r>
+            <a:r>
+              <a:rPr lang="en-US" dirty="0" smtClean="0"/>
+              <a:t> </a:t>
+            </a:r>
+            <a:r>
+              <a:rPr lang="en-US" dirty="0" err="1" smtClean="0"/>
+              <a:t>đáp</a:t>
+            </a:r>
+            <a:r>
+              <a:rPr lang="en-US" dirty="0" smtClean="0"/>
+              <a:t> do </a:t>
+            </a:r>
+            <a:r>
+              <a:rPr lang="en-US" dirty="0" err="1" smtClean="0"/>
+              <a:t>nhóm</a:t>
+            </a:r>
+            <a:r>
+              <a:rPr lang="en-US" dirty="0" smtClean="0"/>
+              <a:t> </a:t>
+            </a:r>
+            <a:r>
+              <a:rPr lang="en-US" dirty="0" err="1" smtClean="0"/>
+              <a:t>đưa</a:t>
+            </a:r>
+            <a:r>
+              <a:rPr lang="en-US" dirty="0" smtClean="0"/>
+              <a:t> </a:t>
+            </a:r>
+            <a:r>
+              <a:rPr lang="en-US" dirty="0" err="1" smtClean="0"/>
+              <a:t>ra</a:t>
+            </a:r>
+            <a:endParaRPr lang="en-US" dirty="0"/>
+          </a:p>
+        </p:txBody>
+      </p:sp>
+      <p:pic>
+        <p:nvPicPr>
+          <p:cNvPr id="33794" name="Picture 2" descr="Model_ver0"/>
+          <p:cNvPicPr>
+            <a:picLocks noChangeAspect="1" noChangeArrowheads="1"/>
+          </p:cNvPicPr>
+          <p:nvPr/>
+        </p:nvPicPr>
+        <p:blipFill>
+          <a:blip r:embed="rId2"/>
+          <a:srcRect/>
+          <a:stretch>
+            <a:fillRect/>
+          </a:stretch>
+        </p:blipFill>
+        <p:spPr bwMode="auto">
+          <a:xfrm>
+            <a:off x="914400" y="1828800"/>
+            <a:ext cx="7239000" cy="4876800"/>
+          </a:xfrm>
+          <a:prstGeom prst="rect">
+            <a:avLst/>
+          </a:prstGeom>
+          <a:noFill/>
+          <a:ln w="9525">
+            <a:noFill/>
+            <a:miter lim="800000"/>
+            <a:headEnd/>
+            <a:tailEnd/>
+          </a:ln>
         </p:spPr>
       </p:pic>
     </p:spTree>
@@ -8037,6 +13396,1510 @@
 </p:sld>
 </file>
 
+<file path=ppt/slides/slide20.xml><?xml version="1.0" encoding="utf-8"?>
+<p:sld xmlns:a="http://schemas.openxmlformats.org/drawingml/2006/main" xmlns:r="http://schemas.openxmlformats.org/officeDocument/2006/relationships" xmlns:p="http://schemas.openxmlformats.org/presentationml/2006/main">
+  <p:cSld>
+    <p:spTree>
+      <p:nvGrpSpPr>
+        <p:cNvPr id="1" name=""/>
+        <p:cNvGrpSpPr/>
+        <p:nvPr/>
+      </p:nvGrpSpPr>
+      <p:grpSpPr>
+        <a:xfrm>
+          <a:off x="0" y="0"/>
+          <a:ext cx="0" cy="0"/>
+          <a:chOff x="0" y="0"/>
+          <a:chExt cx="0" cy="0"/>
+        </a:xfrm>
+      </p:grpSpPr>
+      <p:sp>
+        <p:nvSpPr>
+          <p:cNvPr id="2" name="Title 1"/>
+          <p:cNvSpPr>
+            <a:spLocks noGrp="1"/>
+          </p:cNvSpPr>
+          <p:nvPr>
+            <p:ph type="title"/>
+          </p:nvPr>
+        </p:nvSpPr>
+        <p:spPr/>
+        <p:txBody>
+          <a:bodyPr/>
+          <a:lstStyle/>
+          <a:p>
+            <a:r>
+              <a:rPr lang="en-US" dirty="0" err="1" smtClean="0"/>
+              <a:t>Cấu</a:t>
+            </a:r>
+            <a:r>
+              <a:rPr lang="en-US" dirty="0" smtClean="0"/>
+              <a:t> </a:t>
+            </a:r>
+            <a:r>
+              <a:rPr lang="en-US" dirty="0" err="1" smtClean="0"/>
+              <a:t>trúc</a:t>
+            </a:r>
+            <a:r>
+              <a:rPr lang="en-US" dirty="0" smtClean="0"/>
+              <a:t> </a:t>
+            </a:r>
+            <a:r>
+              <a:rPr lang="en-US" dirty="0" err="1" smtClean="0"/>
+              <a:t>chương</a:t>
+            </a:r>
+            <a:r>
+              <a:rPr lang="en-US" dirty="0" smtClean="0"/>
+              <a:t> </a:t>
+            </a:r>
+            <a:r>
+              <a:rPr lang="en-US" dirty="0" err="1" smtClean="0"/>
+              <a:t>trình</a:t>
+            </a:r>
+            <a:endParaRPr lang="en-US" dirty="0"/>
+          </a:p>
+        </p:txBody>
+      </p:sp>
+      <p:sp>
+        <p:nvSpPr>
+          <p:cNvPr id="3" name="Content Placeholder 2"/>
+          <p:cNvSpPr>
+            <a:spLocks noGrp="1"/>
+          </p:cNvSpPr>
+          <p:nvPr>
+            <p:ph idx="1"/>
+          </p:nvPr>
+        </p:nvSpPr>
+        <p:spPr/>
+        <p:txBody>
+          <a:bodyPr/>
+          <a:lstStyle/>
+          <a:p>
+            <a:endParaRPr lang="en-US" dirty="0"/>
+          </a:p>
+        </p:txBody>
+      </p:sp>
+      <p:pic>
+        <p:nvPicPr>
+          <p:cNvPr id="34818" name="Picture 2"/>
+          <p:cNvPicPr>
+            <a:picLocks noChangeAspect="1" noChangeArrowheads="1"/>
+          </p:cNvPicPr>
+          <p:nvPr/>
+        </p:nvPicPr>
+        <p:blipFill>
+          <a:blip r:embed="rId2"/>
+          <a:srcRect/>
+          <a:stretch>
+            <a:fillRect/>
+          </a:stretch>
+        </p:blipFill>
+        <p:spPr bwMode="auto">
+          <a:xfrm>
+            <a:off x="1828800" y="1066800"/>
+            <a:ext cx="5105400" cy="5410200"/>
+          </a:xfrm>
+          <a:prstGeom prst="rect">
+            <a:avLst/>
+          </a:prstGeom>
+          <a:noFill/>
+          <a:ln w="9525">
+            <a:noFill/>
+            <a:miter lim="800000"/>
+            <a:headEnd/>
+            <a:tailEnd/>
+          </a:ln>
+        </p:spPr>
+      </p:pic>
+    </p:spTree>
+  </p:cSld>
+  <p:clrMapOvr>
+    <a:masterClrMapping/>
+  </p:clrMapOvr>
+  <p:timing>
+    <p:tnLst>
+      <p:par>
+        <p:cTn id="1" dur="indefinite" restart="never" nodeType="tmRoot"/>
+      </p:par>
+    </p:tnLst>
+  </p:timing>
+</p:sld>
+</file>
+
+<file path=ppt/slides/slide21.xml><?xml version="1.0" encoding="utf-8"?>
+<p:sld xmlns:a="http://schemas.openxmlformats.org/drawingml/2006/main" xmlns:r="http://schemas.openxmlformats.org/officeDocument/2006/relationships" xmlns:p="http://schemas.openxmlformats.org/presentationml/2006/main">
+  <p:cSld>
+    <p:spTree>
+      <p:nvGrpSpPr>
+        <p:cNvPr id="1" name=""/>
+        <p:cNvGrpSpPr/>
+        <p:nvPr/>
+      </p:nvGrpSpPr>
+      <p:grpSpPr>
+        <a:xfrm>
+          <a:off x="0" y="0"/>
+          <a:ext cx="0" cy="0"/>
+          <a:chOff x="0" y="0"/>
+          <a:chExt cx="0" cy="0"/>
+        </a:xfrm>
+      </p:grpSpPr>
+      <p:sp>
+        <p:nvSpPr>
+          <p:cNvPr id="2" name="Title 1"/>
+          <p:cNvSpPr>
+            <a:spLocks noGrp="1"/>
+          </p:cNvSpPr>
+          <p:nvPr>
+            <p:ph type="title"/>
+          </p:nvPr>
+        </p:nvSpPr>
+        <p:spPr/>
+        <p:txBody>
+          <a:bodyPr/>
+          <a:lstStyle/>
+          <a:p>
+            <a:r>
+              <a:rPr lang="en-US" dirty="0" err="1" smtClean="0"/>
+              <a:t>Kết</a:t>
+            </a:r>
+            <a:r>
+              <a:rPr lang="en-US" dirty="0" smtClean="0"/>
+              <a:t> </a:t>
+            </a:r>
+            <a:r>
+              <a:rPr lang="en-US" dirty="0" err="1" smtClean="0"/>
+              <a:t>quả</a:t>
+            </a:r>
+            <a:r>
+              <a:rPr lang="en-US" dirty="0" smtClean="0"/>
+              <a:t> </a:t>
+            </a:r>
+            <a:r>
+              <a:rPr lang="en-US" dirty="0" err="1" smtClean="0"/>
+              <a:t>dự</a:t>
+            </a:r>
+            <a:r>
+              <a:rPr lang="en-US" dirty="0" smtClean="0"/>
+              <a:t> </a:t>
+            </a:r>
+            <a:r>
+              <a:rPr lang="en-US" dirty="0" err="1" smtClean="0"/>
+              <a:t>kiến</a:t>
+            </a:r>
+            <a:endParaRPr lang="en-US" dirty="0"/>
+          </a:p>
+        </p:txBody>
+      </p:sp>
+      <p:sp>
+        <p:nvSpPr>
+          <p:cNvPr id="3" name="Content Placeholder 2"/>
+          <p:cNvSpPr>
+            <a:spLocks noGrp="1"/>
+          </p:cNvSpPr>
+          <p:nvPr>
+            <p:ph idx="1"/>
+          </p:nvPr>
+        </p:nvSpPr>
+        <p:spPr/>
+        <p:txBody>
+          <a:bodyPr/>
+          <a:lstStyle/>
+          <a:p>
+            <a:r>
+              <a:rPr lang="en-US" dirty="0" err="1" smtClean="0"/>
+              <a:t>Kết</a:t>
+            </a:r>
+            <a:r>
+              <a:rPr lang="en-US" dirty="0" smtClean="0"/>
+              <a:t> </a:t>
+            </a:r>
+            <a:r>
+              <a:rPr lang="en-US" dirty="0" err="1" smtClean="0"/>
+              <a:t>quả</a:t>
+            </a:r>
+            <a:r>
+              <a:rPr lang="en-US" dirty="0" smtClean="0"/>
+              <a:t> </a:t>
+            </a:r>
+            <a:r>
+              <a:rPr lang="en-US" dirty="0" err="1" smtClean="0"/>
+              <a:t>nhóm</a:t>
+            </a:r>
+            <a:r>
+              <a:rPr lang="en-US" dirty="0" smtClean="0"/>
+              <a:t> </a:t>
+            </a:r>
+            <a:r>
+              <a:rPr lang="en-US" dirty="0" err="1" smtClean="0"/>
+              <a:t>mong</a:t>
+            </a:r>
+            <a:r>
+              <a:rPr lang="en-US" dirty="0" smtClean="0"/>
+              <a:t> </a:t>
+            </a:r>
+            <a:r>
+              <a:rPr lang="en-US" dirty="0" err="1" smtClean="0"/>
+              <a:t>muốn</a:t>
+            </a:r>
+            <a:r>
+              <a:rPr lang="en-US" dirty="0" smtClean="0"/>
+              <a:t> </a:t>
+            </a:r>
+            <a:r>
+              <a:rPr lang="en-US" dirty="0" err="1" smtClean="0"/>
+              <a:t>đạt</a:t>
+            </a:r>
+            <a:r>
+              <a:rPr lang="en-US" dirty="0" smtClean="0"/>
+              <a:t> </a:t>
+            </a:r>
+            <a:r>
+              <a:rPr lang="en-US" dirty="0" err="1" smtClean="0"/>
+              <a:t>được</a:t>
+            </a:r>
+            <a:r>
+              <a:rPr lang="en-US" dirty="0" smtClean="0"/>
+              <a:t> </a:t>
+            </a:r>
+            <a:r>
+              <a:rPr lang="en-US" dirty="0" err="1" smtClean="0"/>
+              <a:t>là</a:t>
+            </a:r>
+            <a:r>
+              <a:rPr lang="en-US" dirty="0" smtClean="0"/>
+              <a:t> </a:t>
+            </a:r>
+            <a:r>
+              <a:rPr lang="en-US" dirty="0" err="1" smtClean="0"/>
+              <a:t>một</a:t>
+            </a:r>
+            <a:r>
+              <a:rPr lang="en-US" dirty="0" smtClean="0"/>
+              <a:t> </a:t>
+            </a:r>
+            <a:r>
+              <a:rPr lang="en-US" dirty="0" err="1" smtClean="0"/>
+              <a:t>hệ</a:t>
+            </a:r>
+            <a:r>
+              <a:rPr lang="en-US" dirty="0" smtClean="0"/>
+              <a:t> </a:t>
+            </a:r>
+            <a:r>
+              <a:rPr lang="en-US" dirty="0" err="1" smtClean="0"/>
+              <a:t>thống</a:t>
+            </a:r>
+            <a:r>
+              <a:rPr lang="en-US" dirty="0" smtClean="0"/>
+              <a:t> </a:t>
+            </a:r>
+            <a:r>
+              <a:rPr lang="en-US" dirty="0" err="1" smtClean="0"/>
+              <a:t>hỏi</a:t>
+            </a:r>
+            <a:r>
+              <a:rPr lang="en-US" dirty="0" smtClean="0"/>
+              <a:t> </a:t>
+            </a:r>
+            <a:r>
+              <a:rPr lang="en-US" dirty="0" err="1" smtClean="0"/>
+              <a:t>đáp</a:t>
+            </a:r>
+            <a:r>
+              <a:rPr lang="en-US" dirty="0" smtClean="0"/>
+              <a:t> </a:t>
+            </a:r>
+            <a:r>
+              <a:rPr lang="en-US" dirty="0" err="1" smtClean="0"/>
+              <a:t>thân</a:t>
+            </a:r>
+            <a:r>
+              <a:rPr lang="en-US" dirty="0" smtClean="0"/>
+              <a:t> </a:t>
+            </a:r>
+            <a:r>
+              <a:rPr lang="en-US" dirty="0" err="1" smtClean="0"/>
+              <a:t>thiện</a:t>
+            </a:r>
+            <a:r>
+              <a:rPr lang="en-US" dirty="0" smtClean="0"/>
+              <a:t> </a:t>
+            </a:r>
+            <a:r>
+              <a:rPr lang="en-US" dirty="0" err="1" smtClean="0"/>
+              <a:t>với</a:t>
+            </a:r>
+            <a:r>
+              <a:rPr lang="en-US" dirty="0" smtClean="0"/>
+              <a:t> </a:t>
+            </a:r>
+            <a:r>
+              <a:rPr lang="en-US" dirty="0" err="1" smtClean="0"/>
+              <a:t>người</a:t>
+            </a:r>
+            <a:r>
+              <a:rPr lang="en-US" dirty="0" smtClean="0"/>
+              <a:t> </a:t>
+            </a:r>
+            <a:r>
+              <a:rPr lang="en-US" dirty="0" err="1" smtClean="0"/>
+              <a:t>dùng</a:t>
+            </a:r>
+            <a:r>
+              <a:rPr lang="en-US" dirty="0" smtClean="0"/>
+              <a:t> . </a:t>
+            </a:r>
+          </a:p>
+          <a:p>
+            <a:r>
+              <a:rPr lang="en-US" dirty="0" err="1" smtClean="0"/>
+              <a:t>Các</a:t>
+            </a:r>
+            <a:r>
+              <a:rPr lang="en-US" dirty="0" smtClean="0"/>
+              <a:t> </a:t>
+            </a:r>
+            <a:r>
+              <a:rPr lang="en-US" dirty="0" err="1" smtClean="0"/>
+              <a:t>câu</a:t>
+            </a:r>
+            <a:r>
+              <a:rPr lang="en-US" dirty="0" smtClean="0"/>
+              <a:t> </a:t>
+            </a:r>
+            <a:r>
+              <a:rPr lang="en-US" dirty="0" err="1" smtClean="0"/>
+              <a:t>trả</a:t>
+            </a:r>
+            <a:r>
+              <a:rPr lang="en-US" dirty="0" smtClean="0"/>
+              <a:t> </a:t>
+            </a:r>
+            <a:r>
+              <a:rPr lang="en-US" dirty="0" err="1" smtClean="0"/>
+              <a:t>lời</a:t>
+            </a:r>
+            <a:r>
+              <a:rPr lang="en-US" dirty="0" smtClean="0"/>
+              <a:t> </a:t>
+            </a:r>
+            <a:r>
+              <a:rPr lang="en-US" dirty="0" err="1" smtClean="0"/>
+              <a:t>được</a:t>
+            </a:r>
+            <a:r>
+              <a:rPr lang="en-US" dirty="0" smtClean="0"/>
+              <a:t> </a:t>
+            </a:r>
+            <a:r>
+              <a:rPr lang="en-US" dirty="0" err="1" smtClean="0"/>
+              <a:t>xử</a:t>
+            </a:r>
+            <a:r>
+              <a:rPr lang="en-US" dirty="0" smtClean="0"/>
+              <a:t> </a:t>
+            </a:r>
+            <a:r>
+              <a:rPr lang="en-US" dirty="0" err="1" smtClean="0"/>
+              <a:t>lý</a:t>
+            </a:r>
+            <a:r>
+              <a:rPr lang="en-US" dirty="0" smtClean="0"/>
+              <a:t> </a:t>
+            </a:r>
+            <a:r>
+              <a:rPr lang="en-US" dirty="0" err="1" smtClean="0"/>
+              <a:t>và</a:t>
+            </a:r>
+            <a:r>
+              <a:rPr lang="en-US" dirty="0" smtClean="0"/>
+              <a:t> </a:t>
+            </a:r>
+            <a:r>
+              <a:rPr lang="en-US" dirty="0" err="1" smtClean="0"/>
+              <a:t>hiển</a:t>
+            </a:r>
+            <a:r>
+              <a:rPr lang="en-US" dirty="0" smtClean="0"/>
+              <a:t> </a:t>
+            </a:r>
+            <a:r>
+              <a:rPr lang="en-US" dirty="0" err="1" smtClean="0"/>
+              <a:t>thị</a:t>
+            </a:r>
+            <a:r>
+              <a:rPr lang="en-US" dirty="0" smtClean="0"/>
+              <a:t> </a:t>
+            </a:r>
+            <a:r>
+              <a:rPr lang="en-US" dirty="0" err="1" smtClean="0"/>
+              <a:t>theo</a:t>
+            </a:r>
+            <a:r>
+              <a:rPr lang="en-US" dirty="0" smtClean="0"/>
+              <a:t> </a:t>
+            </a:r>
+            <a:r>
+              <a:rPr lang="en-US" dirty="0" err="1" smtClean="0"/>
+              <a:t>ngôn</a:t>
+            </a:r>
+            <a:r>
+              <a:rPr lang="en-US" dirty="0" smtClean="0"/>
+              <a:t> </a:t>
+            </a:r>
+            <a:r>
+              <a:rPr lang="en-US" dirty="0" err="1" smtClean="0"/>
+              <a:t>ngữ</a:t>
+            </a:r>
+            <a:r>
+              <a:rPr lang="en-US" dirty="0" smtClean="0"/>
+              <a:t> </a:t>
+            </a:r>
+            <a:r>
+              <a:rPr lang="en-US" dirty="0" err="1" smtClean="0"/>
+              <a:t>tự</a:t>
+            </a:r>
+            <a:r>
+              <a:rPr lang="en-US" dirty="0" smtClean="0"/>
+              <a:t> </a:t>
+            </a:r>
+            <a:r>
+              <a:rPr lang="en-US" dirty="0" err="1" smtClean="0"/>
+              <a:t>nhiên</a:t>
+            </a:r>
+            <a:r>
+              <a:rPr lang="en-US" dirty="0" smtClean="0"/>
+              <a:t>. </a:t>
+            </a:r>
+          </a:p>
+          <a:p>
+            <a:r>
+              <a:rPr lang="en-US" dirty="0" err="1" smtClean="0"/>
+              <a:t>Hệ</a:t>
+            </a:r>
+            <a:r>
+              <a:rPr lang="en-US" dirty="0" smtClean="0"/>
+              <a:t> </a:t>
+            </a:r>
+            <a:r>
+              <a:rPr lang="en-US" dirty="0" err="1" smtClean="0"/>
+              <a:t>thống</a:t>
+            </a:r>
+            <a:r>
+              <a:rPr lang="en-US" dirty="0" smtClean="0"/>
+              <a:t> </a:t>
+            </a:r>
+            <a:r>
+              <a:rPr lang="en-US" dirty="0" err="1" smtClean="0"/>
+              <a:t>đáp</a:t>
+            </a:r>
+            <a:r>
+              <a:rPr lang="en-US" dirty="0" smtClean="0"/>
+              <a:t> </a:t>
+            </a:r>
+            <a:r>
+              <a:rPr lang="en-US" dirty="0" err="1" smtClean="0"/>
+              <a:t>ứng</a:t>
+            </a:r>
+            <a:r>
+              <a:rPr lang="en-US" dirty="0" smtClean="0"/>
+              <a:t> </a:t>
+            </a:r>
+            <a:r>
+              <a:rPr lang="en-US" dirty="0" err="1" smtClean="0"/>
+              <a:t>được</a:t>
+            </a:r>
+            <a:r>
+              <a:rPr lang="en-US" dirty="0" smtClean="0"/>
+              <a:t> </a:t>
+            </a:r>
+            <a:r>
+              <a:rPr lang="en-US" dirty="0" err="1" smtClean="0"/>
+              <a:t>khoảng</a:t>
+            </a:r>
+            <a:r>
+              <a:rPr lang="en-US" dirty="0" smtClean="0"/>
+              <a:t> 90% </a:t>
+            </a:r>
+            <a:r>
+              <a:rPr lang="en-US" dirty="0" err="1" smtClean="0"/>
+              <a:t>các</a:t>
+            </a:r>
+            <a:r>
+              <a:rPr lang="en-US" dirty="0" smtClean="0"/>
+              <a:t> </a:t>
+            </a:r>
+            <a:r>
+              <a:rPr lang="en-US" dirty="0" err="1" smtClean="0"/>
+              <a:t>mẫu</a:t>
+            </a:r>
+            <a:r>
+              <a:rPr lang="en-US" dirty="0" smtClean="0"/>
+              <a:t> </a:t>
+            </a:r>
+            <a:r>
+              <a:rPr lang="en-US" dirty="0" err="1" smtClean="0"/>
+              <a:t>câu</a:t>
+            </a:r>
+            <a:r>
+              <a:rPr lang="en-US" dirty="0" smtClean="0"/>
+              <a:t> </a:t>
+            </a:r>
+            <a:r>
+              <a:rPr lang="en-US" dirty="0" err="1" smtClean="0"/>
+              <a:t>hỏi</a:t>
+            </a:r>
+            <a:r>
+              <a:rPr lang="en-US" dirty="0" smtClean="0"/>
+              <a:t> </a:t>
+            </a:r>
+            <a:r>
+              <a:rPr lang="en-US" dirty="0" err="1" smtClean="0"/>
+              <a:t>dự</a:t>
+            </a:r>
+            <a:r>
+              <a:rPr lang="en-US" dirty="0" smtClean="0"/>
+              <a:t> </a:t>
+            </a:r>
+            <a:r>
+              <a:rPr lang="en-US" dirty="0" err="1" smtClean="0"/>
+              <a:t>kiến</a:t>
+            </a:r>
+            <a:r>
+              <a:rPr lang="en-US" dirty="0" smtClean="0"/>
+              <a:t> (</a:t>
+            </a:r>
+            <a:r>
+              <a:rPr lang="en-US" dirty="0" err="1" smtClean="0"/>
+              <a:t>được</a:t>
+            </a:r>
+            <a:r>
+              <a:rPr lang="en-US" dirty="0" smtClean="0"/>
+              <a:t> </a:t>
+            </a:r>
+            <a:r>
+              <a:rPr lang="en-US" dirty="0" err="1" smtClean="0"/>
+              <a:t>đề</a:t>
+            </a:r>
+            <a:r>
+              <a:rPr lang="en-US" dirty="0" smtClean="0"/>
+              <a:t> </a:t>
+            </a:r>
+            <a:r>
+              <a:rPr lang="en-US" dirty="0" err="1" smtClean="0"/>
+              <a:t>cập</a:t>
+            </a:r>
+            <a:r>
+              <a:rPr lang="en-US" dirty="0" smtClean="0"/>
+              <a:t> </a:t>
+            </a:r>
+            <a:r>
+              <a:rPr lang="en-US" dirty="0" err="1" smtClean="0"/>
+              <a:t>trong</a:t>
+            </a:r>
+            <a:r>
+              <a:rPr lang="en-US" dirty="0" smtClean="0"/>
+              <a:t> </a:t>
+            </a:r>
+            <a:r>
+              <a:rPr lang="en-US" dirty="0" err="1" smtClean="0"/>
+              <a:t>Đề</a:t>
+            </a:r>
+            <a:r>
+              <a:rPr lang="en-US" dirty="0" smtClean="0"/>
+              <a:t> </a:t>
+            </a:r>
+            <a:r>
+              <a:rPr lang="en-US" dirty="0" err="1" smtClean="0"/>
+              <a:t>Cương</a:t>
+            </a:r>
+            <a:r>
+              <a:rPr lang="en-US" dirty="0" smtClean="0"/>
+              <a:t> </a:t>
+            </a:r>
+            <a:r>
+              <a:rPr lang="en-US" dirty="0" err="1" smtClean="0"/>
+              <a:t>của</a:t>
+            </a:r>
+            <a:r>
+              <a:rPr lang="en-US" dirty="0" smtClean="0"/>
+              <a:t> </a:t>
+            </a:r>
+            <a:r>
+              <a:rPr lang="en-US" dirty="0" err="1" smtClean="0"/>
+              <a:t>nhóm</a:t>
+            </a:r>
+            <a:r>
+              <a:rPr lang="en-US" dirty="0" smtClean="0"/>
+              <a:t>)</a:t>
+            </a:r>
+            <a:endParaRPr lang="en-US" dirty="0"/>
+          </a:p>
+        </p:txBody>
+      </p:sp>
+    </p:spTree>
+  </p:cSld>
+  <p:clrMapOvr>
+    <a:masterClrMapping/>
+  </p:clrMapOvr>
+</p:sld>
+</file>
+
+<file path=ppt/slides/slide22.xml><?xml version="1.0" encoding="utf-8"?>
+<p:sld xmlns:a="http://schemas.openxmlformats.org/drawingml/2006/main" xmlns:r="http://schemas.openxmlformats.org/officeDocument/2006/relationships" xmlns:p="http://schemas.openxmlformats.org/presentationml/2006/main">
+  <p:cSld>
+    <p:spTree>
+      <p:nvGrpSpPr>
+        <p:cNvPr id="1" name=""/>
+        <p:cNvGrpSpPr/>
+        <p:nvPr/>
+      </p:nvGrpSpPr>
+      <p:grpSpPr>
+        <a:xfrm>
+          <a:off x="0" y="0"/>
+          <a:ext cx="0" cy="0"/>
+          <a:chOff x="0" y="0"/>
+          <a:chExt cx="0" cy="0"/>
+        </a:xfrm>
+      </p:grpSpPr>
+      <p:sp>
+        <p:nvSpPr>
+          <p:cNvPr id="2" name="Title 1"/>
+          <p:cNvSpPr>
+            <a:spLocks noGrp="1"/>
+          </p:cNvSpPr>
+          <p:nvPr>
+            <p:ph type="title"/>
+          </p:nvPr>
+        </p:nvSpPr>
+        <p:spPr/>
+        <p:txBody>
+          <a:bodyPr/>
+          <a:lstStyle/>
+          <a:p>
+            <a:r>
+              <a:rPr lang="en-US" dirty="0" err="1" smtClean="0"/>
+              <a:t>Tham</a:t>
+            </a:r>
+            <a:r>
+              <a:rPr lang="en-US" dirty="0" smtClean="0"/>
+              <a:t> </a:t>
+            </a:r>
+            <a:r>
+              <a:rPr lang="en-US" dirty="0" err="1" smtClean="0"/>
+              <a:t>khảo</a:t>
+            </a:r>
+            <a:endParaRPr lang="en-US" dirty="0"/>
+          </a:p>
+        </p:txBody>
+      </p:sp>
+      <p:sp>
+        <p:nvSpPr>
+          <p:cNvPr id="3" name="Content Placeholder 2"/>
+          <p:cNvSpPr>
+            <a:spLocks noGrp="1"/>
+          </p:cNvSpPr>
+          <p:nvPr>
+            <p:ph idx="1"/>
+          </p:nvPr>
+        </p:nvSpPr>
+        <p:spPr/>
+        <p:txBody>
+          <a:bodyPr/>
+          <a:lstStyle/>
+          <a:p>
+            <a:r>
+              <a:rPr lang="en-US" dirty="0" smtClean="0"/>
+              <a:t>[1]</a:t>
+            </a:r>
+            <a:r>
+              <a:rPr lang="en-US" u="sng" dirty="0" smtClean="0">
+                <a:hlinkClick r:id="rId2"/>
+              </a:rPr>
+              <a:t>http://www.phpvn.org/index.php?topic=133.0;wap2</a:t>
+            </a:r>
+            <a:r>
+              <a:rPr lang="en-US" dirty="0" smtClean="0"/>
+              <a:t>, </a:t>
+            </a:r>
+            <a:r>
+              <a:rPr lang="en-US" dirty="0" err="1" smtClean="0"/>
+              <a:t>phần</a:t>
+            </a:r>
+            <a:r>
+              <a:rPr lang="en-US" dirty="0" smtClean="0"/>
+              <a:t> </a:t>
+            </a:r>
+            <a:r>
+              <a:rPr lang="en-US" dirty="0" err="1" smtClean="0"/>
+              <a:t>Ngôn</a:t>
+            </a:r>
+            <a:r>
+              <a:rPr lang="en-US" dirty="0" smtClean="0"/>
+              <a:t> </a:t>
+            </a:r>
+            <a:r>
+              <a:rPr lang="en-US" dirty="0" err="1" smtClean="0"/>
+              <a:t>ngữ</a:t>
+            </a:r>
+            <a:r>
+              <a:rPr lang="en-US" dirty="0" smtClean="0"/>
+              <a:t> Web ontology </a:t>
+            </a:r>
+            <a:r>
+              <a:rPr lang="en-US" dirty="0" err="1" smtClean="0"/>
+              <a:t>và</a:t>
+            </a:r>
+            <a:r>
+              <a:rPr lang="en-US" dirty="0" smtClean="0"/>
+              <a:t> </a:t>
+            </a:r>
+            <a:r>
+              <a:rPr lang="en-US" dirty="0" err="1" smtClean="0"/>
+              <a:t>khái</a:t>
+            </a:r>
+            <a:r>
+              <a:rPr lang="en-US" dirty="0" smtClean="0"/>
+              <a:t> </a:t>
+            </a:r>
+            <a:r>
+              <a:rPr lang="en-US" dirty="0" err="1" smtClean="0"/>
+              <a:t>niệm</a:t>
+            </a:r>
+            <a:r>
+              <a:rPr lang="en-US" dirty="0" smtClean="0"/>
+              <a:t> </a:t>
+            </a:r>
+            <a:r>
+              <a:rPr lang="en-US" dirty="0" err="1" smtClean="0"/>
+              <a:t>về</a:t>
+            </a:r>
+            <a:r>
+              <a:rPr lang="en-US" dirty="0" smtClean="0"/>
+              <a:t> Ontology</a:t>
+            </a:r>
+          </a:p>
+          <a:p>
+            <a:r>
+              <a:rPr lang="en-US" dirty="0" smtClean="0"/>
+              <a:t>[2] “A Question Answering System based on Conceptual Graph Formalism”, </a:t>
+            </a:r>
+            <a:r>
+              <a:rPr lang="en-US" dirty="0" err="1" smtClean="0"/>
+              <a:t>Wael</a:t>
+            </a:r>
+            <a:r>
+              <a:rPr lang="en-US" dirty="0" smtClean="0"/>
+              <a:t> </a:t>
+            </a:r>
+            <a:r>
+              <a:rPr lang="en-US" dirty="0" err="1" smtClean="0"/>
+              <a:t>Salloum</a:t>
+            </a:r>
+            <a:r>
+              <a:rPr lang="en-US" dirty="0" smtClean="0"/>
+              <a:t> , 2009.</a:t>
+            </a:r>
+          </a:p>
+          <a:p>
+            <a:r>
+              <a:rPr lang="en-US" dirty="0" smtClean="0"/>
+              <a:t>[3] “Automatic Question Pattern Generation for Ontology-based Question”, </a:t>
+            </a:r>
+            <a:r>
+              <a:rPr lang="en-US" dirty="0" err="1" smtClean="0"/>
+              <a:t>Shiyan</a:t>
+            </a:r>
+            <a:r>
+              <a:rPr lang="en-US" dirty="0" smtClean="0"/>
+              <a:t> </a:t>
+            </a:r>
+            <a:r>
+              <a:rPr lang="en-US" dirty="0" err="1" smtClean="0"/>
+              <a:t>Ou</a:t>
+            </a:r>
+            <a:r>
+              <a:rPr lang="en-US" dirty="0" smtClean="0"/>
+              <a:t>, </a:t>
+            </a:r>
+            <a:r>
+              <a:rPr lang="en-US" dirty="0" err="1" smtClean="0"/>
+              <a:t>Constantin</a:t>
+            </a:r>
+            <a:r>
+              <a:rPr lang="en-US" dirty="0" smtClean="0"/>
+              <a:t> </a:t>
+            </a:r>
+            <a:r>
+              <a:rPr lang="en-US" dirty="0" err="1" smtClean="0"/>
+              <a:t>Orasan</a:t>
+            </a:r>
+            <a:r>
+              <a:rPr lang="en-US" dirty="0" smtClean="0"/>
+              <a:t>, </a:t>
+            </a:r>
+            <a:r>
+              <a:rPr lang="en-US" dirty="0" err="1" smtClean="0"/>
+              <a:t>Dalila</a:t>
+            </a:r>
+            <a:r>
+              <a:rPr lang="en-US" dirty="0" smtClean="0"/>
+              <a:t> </a:t>
+            </a:r>
+            <a:r>
+              <a:rPr lang="en-US" dirty="0" err="1" smtClean="0"/>
+              <a:t>Mekhaldi</a:t>
+            </a:r>
+            <a:r>
+              <a:rPr lang="en-US" dirty="0" smtClean="0"/>
+              <a:t> and Laura </a:t>
+            </a:r>
+            <a:r>
+              <a:rPr lang="en-US" dirty="0" err="1" smtClean="0"/>
+              <a:t>Hasler</a:t>
+            </a:r>
+            <a:r>
+              <a:rPr lang="en-US" dirty="0" smtClean="0"/>
+              <a:t>, 2008</a:t>
+            </a:r>
+          </a:p>
+        </p:txBody>
+      </p:sp>
+    </p:spTree>
+  </p:cSld>
+  <p:clrMapOvr>
+    <a:masterClrMapping/>
+  </p:clrMapOvr>
+  <p:timing>
+    <p:tnLst>
+      <p:par>
+        <p:cTn id="1" dur="indefinite" restart="never" nodeType="tmRoot"/>
+      </p:par>
+    </p:tnLst>
+  </p:timing>
+</p:sld>
+</file>
+
+<file path=ppt/slides/slide23.xml><?xml version="1.0" encoding="utf-8"?>
+<p:sld xmlns:a="http://schemas.openxmlformats.org/drawingml/2006/main" xmlns:r="http://schemas.openxmlformats.org/officeDocument/2006/relationships" xmlns:p="http://schemas.openxmlformats.org/presentationml/2006/main">
+  <p:cSld>
+    <p:spTree>
+      <p:nvGrpSpPr>
+        <p:cNvPr id="1" name=""/>
+        <p:cNvGrpSpPr/>
+        <p:nvPr/>
+      </p:nvGrpSpPr>
+      <p:grpSpPr>
+        <a:xfrm>
+          <a:off x="0" y="0"/>
+          <a:ext cx="0" cy="0"/>
+          <a:chOff x="0" y="0"/>
+          <a:chExt cx="0" cy="0"/>
+        </a:xfrm>
+      </p:grpSpPr>
+      <p:sp>
+        <p:nvSpPr>
+          <p:cNvPr id="2" name="Title 1"/>
+          <p:cNvSpPr>
+            <a:spLocks noGrp="1"/>
+          </p:cNvSpPr>
+          <p:nvPr>
+            <p:ph type="title"/>
+          </p:nvPr>
+        </p:nvSpPr>
+        <p:spPr/>
+        <p:txBody>
+          <a:bodyPr/>
+          <a:lstStyle/>
+          <a:p>
+            <a:r>
+              <a:rPr lang="en-US" dirty="0" err="1" smtClean="0"/>
+              <a:t>Tham</a:t>
+            </a:r>
+            <a:r>
+              <a:rPr lang="en-US" dirty="0" smtClean="0"/>
+              <a:t> </a:t>
+            </a:r>
+            <a:r>
+              <a:rPr lang="en-US" smtClean="0"/>
+              <a:t>khảo</a:t>
+            </a:r>
+            <a:endParaRPr lang="en-US"/>
+          </a:p>
+        </p:txBody>
+      </p:sp>
+      <p:sp>
+        <p:nvSpPr>
+          <p:cNvPr id="3" name="Content Placeholder 2"/>
+          <p:cNvSpPr>
+            <a:spLocks noGrp="1"/>
+          </p:cNvSpPr>
+          <p:nvPr>
+            <p:ph idx="1"/>
+          </p:nvPr>
+        </p:nvSpPr>
+        <p:spPr/>
+        <p:txBody>
+          <a:bodyPr/>
+          <a:lstStyle/>
+          <a:p>
+            <a:r>
+              <a:rPr lang="en-US" dirty="0" smtClean="0"/>
+              <a:t>[4] “</a:t>
+            </a:r>
+            <a:r>
+              <a:rPr lang="en-US" dirty="0" err="1" smtClean="0"/>
+              <a:t>Xây</a:t>
+            </a:r>
+            <a:r>
+              <a:rPr lang="en-US" dirty="0" smtClean="0"/>
+              <a:t> </a:t>
+            </a:r>
+            <a:r>
+              <a:rPr lang="en-US" dirty="0" err="1" smtClean="0"/>
+              <a:t>dựng</a:t>
+            </a:r>
+            <a:r>
+              <a:rPr lang="en-US" dirty="0" smtClean="0"/>
+              <a:t> </a:t>
+            </a:r>
+            <a:r>
+              <a:rPr lang="en-US" dirty="0" err="1" smtClean="0"/>
+              <a:t>công</a:t>
+            </a:r>
+            <a:r>
+              <a:rPr lang="en-US" dirty="0" smtClean="0"/>
+              <a:t> </a:t>
+            </a:r>
+            <a:r>
+              <a:rPr lang="en-US" dirty="0" err="1" smtClean="0"/>
+              <a:t>cụ</a:t>
+            </a:r>
+            <a:r>
+              <a:rPr lang="en-US" dirty="0" smtClean="0"/>
+              <a:t> </a:t>
+            </a:r>
+            <a:r>
+              <a:rPr lang="en-US" dirty="0" err="1" smtClean="0"/>
+              <a:t>tìm</a:t>
+            </a:r>
+            <a:r>
+              <a:rPr lang="en-US" dirty="0" smtClean="0"/>
+              <a:t> </a:t>
+            </a:r>
+            <a:r>
+              <a:rPr lang="en-US" dirty="0" err="1" smtClean="0"/>
+              <a:t>kiếm</a:t>
+            </a:r>
+            <a:r>
+              <a:rPr lang="en-US" dirty="0" smtClean="0"/>
+              <a:t> </a:t>
+            </a:r>
+            <a:r>
+              <a:rPr lang="en-US" dirty="0" err="1" smtClean="0"/>
+              <a:t>tài</a:t>
+            </a:r>
+            <a:r>
+              <a:rPr lang="en-US" dirty="0" smtClean="0"/>
+              <a:t> </a:t>
+            </a:r>
+            <a:r>
+              <a:rPr lang="en-US" dirty="0" err="1" smtClean="0"/>
+              <a:t>liệu</a:t>
+            </a:r>
+            <a:r>
+              <a:rPr lang="en-US" dirty="0" smtClean="0"/>
+              <a:t> </a:t>
+            </a:r>
+            <a:r>
+              <a:rPr lang="en-US" dirty="0" err="1" smtClean="0"/>
+              <a:t>học</a:t>
+            </a:r>
+            <a:r>
+              <a:rPr lang="en-US" dirty="0" smtClean="0"/>
+              <a:t> </a:t>
+            </a:r>
+            <a:r>
+              <a:rPr lang="en-US" dirty="0" err="1" smtClean="0"/>
+              <a:t>tập</a:t>
+            </a:r>
+            <a:r>
+              <a:rPr lang="en-US" dirty="0" smtClean="0"/>
+              <a:t> </a:t>
+            </a:r>
+            <a:r>
+              <a:rPr lang="en-US" dirty="0" err="1" smtClean="0"/>
+              <a:t>bằng</a:t>
+            </a:r>
+            <a:r>
+              <a:rPr lang="en-US" dirty="0" smtClean="0"/>
+              <a:t> </a:t>
+            </a:r>
+            <a:r>
+              <a:rPr lang="en-US" dirty="0" err="1" smtClean="0"/>
+              <a:t>các</a:t>
+            </a:r>
+            <a:r>
+              <a:rPr lang="en-US" dirty="0" smtClean="0"/>
+              <a:t> </a:t>
+            </a:r>
+            <a:r>
+              <a:rPr lang="en-US" dirty="0" err="1" smtClean="0"/>
+              <a:t>truy</a:t>
+            </a:r>
+            <a:r>
+              <a:rPr lang="en-US" dirty="0" smtClean="0"/>
+              <a:t> </a:t>
+            </a:r>
+            <a:r>
+              <a:rPr lang="en-US" dirty="0" err="1" smtClean="0"/>
+              <a:t>vấn</a:t>
+            </a:r>
+            <a:r>
+              <a:rPr lang="en-US" dirty="0" smtClean="0"/>
+              <a:t> </a:t>
+            </a:r>
+            <a:r>
+              <a:rPr lang="en-US" dirty="0" err="1" smtClean="0"/>
+              <a:t>ngôn</a:t>
+            </a:r>
+            <a:r>
+              <a:rPr lang="en-US" dirty="0" smtClean="0"/>
+              <a:t> </a:t>
+            </a:r>
+            <a:r>
+              <a:rPr lang="en-US" dirty="0" err="1" smtClean="0"/>
+              <a:t>ngữ</a:t>
+            </a:r>
+            <a:r>
+              <a:rPr lang="en-US" dirty="0" smtClean="0"/>
+              <a:t> </a:t>
+            </a:r>
+            <a:r>
+              <a:rPr lang="en-US" dirty="0" err="1" smtClean="0"/>
+              <a:t>tự</a:t>
+            </a:r>
+            <a:r>
+              <a:rPr lang="en-US" dirty="0" smtClean="0"/>
+              <a:t> </a:t>
+            </a:r>
+            <a:r>
+              <a:rPr lang="en-US" dirty="0" err="1" smtClean="0"/>
+              <a:t>nhiên</a:t>
+            </a:r>
+            <a:r>
+              <a:rPr lang="en-US" dirty="0" smtClean="0"/>
+              <a:t>  </a:t>
+            </a:r>
+            <a:r>
+              <a:rPr lang="en-US" dirty="0" err="1" smtClean="0"/>
+              <a:t>trên</a:t>
+            </a:r>
+            <a:r>
+              <a:rPr lang="en-US" dirty="0" smtClean="0"/>
+              <a:t> </a:t>
+            </a:r>
+            <a:r>
+              <a:rPr lang="en-US" dirty="0" err="1" smtClean="0"/>
+              <a:t>kho</a:t>
+            </a:r>
+            <a:r>
+              <a:rPr lang="en-US" dirty="0" smtClean="0"/>
+              <a:t> </a:t>
+            </a:r>
+            <a:r>
+              <a:rPr lang="en-US" dirty="0" err="1" smtClean="0"/>
+              <a:t>học</a:t>
+            </a:r>
+            <a:r>
+              <a:rPr lang="en-US" dirty="0" smtClean="0"/>
+              <a:t> </a:t>
+            </a:r>
+            <a:r>
+              <a:rPr lang="en-US" dirty="0" err="1" smtClean="0"/>
+              <a:t>liệu</a:t>
+            </a:r>
+            <a:r>
+              <a:rPr lang="en-US" dirty="0" smtClean="0"/>
+              <a:t> </a:t>
+            </a:r>
+            <a:r>
+              <a:rPr lang="en-US" dirty="0" err="1" smtClean="0"/>
+              <a:t>mở</a:t>
+            </a:r>
+            <a:r>
+              <a:rPr lang="en-US" dirty="0" smtClean="0"/>
+              <a:t> </a:t>
+            </a:r>
+            <a:r>
+              <a:rPr lang="en-US" dirty="0" err="1" smtClean="0"/>
+              <a:t>tiếng</a:t>
+            </a:r>
+            <a:r>
+              <a:rPr lang="en-US" dirty="0" smtClean="0"/>
+              <a:t> </a:t>
+            </a:r>
+            <a:r>
+              <a:rPr lang="en-US" dirty="0" err="1" smtClean="0"/>
+              <a:t>Việt</a:t>
+            </a:r>
+            <a:r>
+              <a:rPr lang="en-US" dirty="0" smtClean="0"/>
+              <a:t>”, </a:t>
+            </a:r>
+            <a:r>
+              <a:rPr lang="en-US" dirty="0" err="1" smtClean="0"/>
+              <a:t>Lương</a:t>
+            </a:r>
+            <a:r>
+              <a:rPr lang="en-US" dirty="0" smtClean="0"/>
+              <a:t> </a:t>
+            </a:r>
+            <a:r>
+              <a:rPr lang="en-US" dirty="0" err="1" smtClean="0"/>
+              <a:t>Quý</a:t>
+            </a:r>
+            <a:r>
+              <a:rPr lang="en-US" dirty="0" smtClean="0"/>
+              <a:t> </a:t>
+            </a:r>
+            <a:r>
+              <a:rPr lang="en-US" dirty="0" err="1" smtClean="0"/>
+              <a:t>Tịnh</a:t>
+            </a:r>
+            <a:r>
+              <a:rPr lang="en-US" dirty="0" smtClean="0"/>
+              <a:t> </a:t>
+            </a:r>
+            <a:r>
+              <a:rPr lang="en-US" dirty="0" err="1" smtClean="0"/>
+              <a:t>Hà</a:t>
+            </a:r>
+            <a:r>
+              <a:rPr lang="en-US" dirty="0" smtClean="0"/>
+              <a:t>, 2009.</a:t>
+            </a:r>
+          </a:p>
+          <a:p>
+            <a:r>
+              <a:rPr lang="en-US" dirty="0" smtClean="0"/>
+              <a:t>[5] “ </a:t>
+            </a:r>
+            <a:r>
+              <a:rPr lang="en-US" dirty="0" err="1" smtClean="0"/>
+              <a:t>Dịch</a:t>
+            </a:r>
+            <a:r>
+              <a:rPr lang="en-US" dirty="0" smtClean="0"/>
+              <a:t> </a:t>
+            </a:r>
+            <a:r>
+              <a:rPr lang="en-US" dirty="0" err="1" smtClean="0"/>
+              <a:t>câu</a:t>
+            </a:r>
+            <a:r>
+              <a:rPr lang="en-US" dirty="0" smtClean="0"/>
+              <a:t> </a:t>
+            </a:r>
+            <a:r>
+              <a:rPr lang="en-US" dirty="0" err="1" smtClean="0"/>
+              <a:t>truy</a:t>
+            </a:r>
+            <a:r>
+              <a:rPr lang="en-US" dirty="0" smtClean="0"/>
+              <a:t> </a:t>
+            </a:r>
+            <a:r>
+              <a:rPr lang="en-US" dirty="0" err="1" smtClean="0"/>
+              <a:t>vấn</a:t>
+            </a:r>
+            <a:r>
+              <a:rPr lang="en-US" dirty="0" smtClean="0"/>
+              <a:t> </a:t>
+            </a:r>
+            <a:r>
+              <a:rPr lang="en-US" dirty="0" err="1" smtClean="0"/>
+              <a:t>có</a:t>
+            </a:r>
+            <a:r>
+              <a:rPr lang="en-US" dirty="0" smtClean="0"/>
+              <a:t> </a:t>
+            </a:r>
+            <a:r>
+              <a:rPr lang="en-US" dirty="0" err="1" smtClean="0"/>
+              <a:t>cấu</a:t>
+            </a:r>
+            <a:r>
+              <a:rPr lang="en-US" dirty="0" smtClean="0"/>
+              <a:t> </a:t>
+            </a:r>
+            <a:r>
+              <a:rPr lang="en-US" dirty="0" err="1" smtClean="0"/>
+              <a:t>trúc</a:t>
+            </a:r>
+            <a:r>
+              <a:rPr lang="en-US" dirty="0" smtClean="0"/>
+              <a:t> sang </a:t>
+            </a:r>
+            <a:r>
+              <a:rPr lang="en-US" dirty="0" err="1" smtClean="0"/>
+              <a:t>đồ</a:t>
+            </a:r>
+            <a:r>
+              <a:rPr lang="en-US" dirty="0" smtClean="0"/>
+              <a:t> </a:t>
+            </a:r>
+            <a:r>
+              <a:rPr lang="en-US" dirty="0" err="1" smtClean="0"/>
+              <a:t>thị</a:t>
+            </a:r>
+            <a:r>
+              <a:rPr lang="en-US" dirty="0" smtClean="0"/>
+              <a:t> ý </a:t>
+            </a:r>
+            <a:r>
+              <a:rPr lang="en-US" dirty="0" err="1" smtClean="0"/>
+              <a:t>niệm</a:t>
+            </a:r>
+            <a:r>
+              <a:rPr lang="en-US" dirty="0" smtClean="0"/>
+              <a:t>: </a:t>
+            </a:r>
+            <a:r>
+              <a:rPr lang="en-US" dirty="0" err="1" smtClean="0"/>
+              <a:t>cách</a:t>
+            </a:r>
+            <a:r>
+              <a:rPr lang="en-US" dirty="0" smtClean="0"/>
+              <a:t> </a:t>
+            </a:r>
+            <a:r>
+              <a:rPr lang="en-US" dirty="0" err="1" smtClean="0"/>
+              <a:t>tiếp</a:t>
+            </a:r>
+            <a:r>
+              <a:rPr lang="en-US" dirty="0" smtClean="0"/>
+              <a:t> </a:t>
+            </a:r>
+            <a:r>
+              <a:rPr lang="en-US" dirty="0" err="1" smtClean="0"/>
+              <a:t>cận</a:t>
+            </a:r>
+            <a:r>
+              <a:rPr lang="en-US" dirty="0" smtClean="0"/>
+              <a:t> </a:t>
+            </a:r>
+            <a:r>
+              <a:rPr lang="en-US" dirty="0" err="1" smtClean="0"/>
+              <a:t>ít</a:t>
+            </a:r>
+            <a:r>
+              <a:rPr lang="en-US" dirty="0" smtClean="0"/>
+              <a:t> </a:t>
+            </a:r>
+            <a:r>
+              <a:rPr lang="en-US" dirty="0" err="1" smtClean="0"/>
+              <a:t>phụ</a:t>
+            </a:r>
+            <a:r>
+              <a:rPr lang="en-US" dirty="0" smtClean="0"/>
+              <a:t> </a:t>
+            </a:r>
+            <a:r>
+              <a:rPr lang="en-US" dirty="0" err="1" smtClean="0"/>
+              <a:t>thuộc</a:t>
+            </a:r>
+            <a:r>
+              <a:rPr lang="en-US" dirty="0" smtClean="0"/>
+              <a:t> </a:t>
+            </a:r>
+            <a:r>
+              <a:rPr lang="en-US" dirty="0" err="1" smtClean="0"/>
+              <a:t>vào</a:t>
+            </a:r>
+            <a:r>
+              <a:rPr lang="en-US" dirty="0" smtClean="0"/>
+              <a:t> </a:t>
+            </a:r>
+            <a:r>
+              <a:rPr lang="en-US" dirty="0" err="1" smtClean="0"/>
+              <a:t>cú</a:t>
+            </a:r>
+            <a:r>
+              <a:rPr lang="en-US" dirty="0" smtClean="0"/>
+              <a:t> </a:t>
+            </a:r>
+            <a:r>
+              <a:rPr lang="en-US" dirty="0" err="1" smtClean="0"/>
+              <a:t>pháp</a:t>
+            </a:r>
+            <a:r>
+              <a:rPr lang="en-US" dirty="0" smtClean="0"/>
+              <a:t>” Cao </a:t>
+            </a:r>
+            <a:r>
+              <a:rPr lang="en-US" dirty="0" err="1" smtClean="0"/>
+              <a:t>Duy</a:t>
+            </a:r>
+            <a:r>
+              <a:rPr lang="en-US" dirty="0" smtClean="0"/>
+              <a:t> </a:t>
+            </a:r>
+            <a:r>
+              <a:rPr lang="en-US" dirty="0" err="1" smtClean="0"/>
+              <a:t>Trường</a:t>
+            </a:r>
+            <a:r>
+              <a:rPr lang="en-US" dirty="0" smtClean="0"/>
+              <a:t>, 2008 </a:t>
+            </a:r>
+          </a:p>
+          <a:p>
+            <a:endParaRPr lang="en-US" dirty="0"/>
+          </a:p>
+        </p:txBody>
+      </p:sp>
+    </p:spTree>
+  </p:cSld>
+  <p:clrMapOvr>
+    <a:masterClrMapping/>
+  </p:clrMapOvr>
+  <p:timing>
+    <p:tnLst>
+      <p:par>
+        <p:cTn id="1" dur="indefinite" restart="never" nodeType="tmRoot"/>
+      </p:par>
+    </p:tnLst>
+  </p:timing>
+</p:sld>
+</file>
+
+<file path=ppt/slides/slide24.xml><?xml version="1.0" encoding="utf-8"?>
+<p:sld xmlns:a="http://schemas.openxmlformats.org/drawingml/2006/main" xmlns:r="http://schemas.openxmlformats.org/officeDocument/2006/relationships" xmlns:p="http://schemas.openxmlformats.org/presentationml/2006/main">
+  <p:cSld>
+    <p:spTree>
+      <p:nvGrpSpPr>
+        <p:cNvPr id="1" name=""/>
+        <p:cNvGrpSpPr/>
+        <p:nvPr/>
+      </p:nvGrpSpPr>
+      <p:grpSpPr>
+        <a:xfrm>
+          <a:off x="0" y="0"/>
+          <a:ext cx="0" cy="0"/>
+          <a:chOff x="0" y="0"/>
+          <a:chExt cx="0" cy="0"/>
+        </a:xfrm>
+      </p:grpSpPr>
+      <p:sp>
+        <p:nvSpPr>
+          <p:cNvPr id="28678" name="Rectangle 6"/>
+          <p:cNvSpPr>
+            <a:spLocks noGrp="1" noChangeArrowheads="1"/>
+          </p:cNvSpPr>
+          <p:nvPr>
+            <p:ph type="subTitle" idx="1"/>
+          </p:nvPr>
+        </p:nvSpPr>
+        <p:spPr>
+          <a:xfrm>
+            <a:off x="4887913" y="3962400"/>
+            <a:ext cx="3792537" cy="304800"/>
+          </a:xfrm>
+        </p:spPr>
+        <p:txBody>
+          <a:bodyPr/>
+          <a:lstStyle/>
+          <a:p>
+            <a:pPr algn="ctr">
+              <a:lnSpc>
+                <a:spcPct val="80000"/>
+              </a:lnSpc>
+            </a:pPr>
+            <a:endParaRPr lang="en-US" sz="1600" dirty="0"/>
+          </a:p>
+        </p:txBody>
+      </p:sp>
+      <p:sp>
+        <p:nvSpPr>
+          <p:cNvPr id="28679" name="WordArt 7"/>
+          <p:cNvSpPr>
+            <a:spLocks noChangeArrowheads="1" noChangeShapeType="1" noTextEdit="1"/>
+          </p:cNvSpPr>
+          <p:nvPr/>
+        </p:nvSpPr>
+        <p:spPr bwMode="gray">
+          <a:xfrm>
+            <a:off x="4800600" y="3124200"/>
+            <a:ext cx="3810000" cy="609600"/>
+          </a:xfrm>
+          <a:prstGeom prst="rect">
+            <a:avLst/>
+          </a:prstGeom>
+        </p:spPr>
+        <p:txBody>
+          <a:bodyPr wrap="none" fromWordArt="1">
+            <a:prstTxWarp prst="textDeflate">
+              <a:avLst>
+                <a:gd name="adj" fmla="val 0"/>
+              </a:avLst>
+            </a:prstTxWarp>
+          </a:bodyPr>
+          <a:lstStyle/>
+          <a:p>
+            <a:pPr algn="ctr"/>
+            <a:r>
+              <a:rPr lang="en-US" sz="5400" b="1" kern="10">
+                <a:ln w="28575">
+                  <a:solidFill>
+                    <a:schemeClr val="tx1"/>
+                  </a:solidFill>
+                  <a:round/>
+                  <a:headEnd/>
+                  <a:tailEnd/>
+                </a:ln>
+                <a:gradFill rotWithShape="1">
+                  <a:gsLst>
+                    <a:gs pos="0">
+                      <a:schemeClr val="bg1"/>
+                    </a:gs>
+                    <a:gs pos="100000">
+                      <a:schemeClr val="accent2"/>
+                    </a:gs>
+                  </a:gsLst>
+                  <a:lin ang="5400000" scaled="1"/>
+                </a:gradFill>
+                <a:effectLst>
+                  <a:outerShdw dist="107763" dir="2700000" algn="ctr" rotWithShape="0">
+                    <a:srgbClr val="000000">
+                      <a:alpha val="50000"/>
+                    </a:srgbClr>
+                  </a:outerShdw>
+                </a:effectLst>
+                <a:latin typeface="Verdana"/>
+                <a:ea typeface="Verdana"/>
+                <a:cs typeface="Verdana"/>
+              </a:rPr>
+              <a:t>Thank You !</a:t>
+            </a:r>
+          </a:p>
+        </p:txBody>
+      </p:sp>
+    </p:spTree>
+  </p:cSld>
+  <p:clrMapOvr>
+    <a:masterClrMapping/>
+  </p:clrMapOvr>
+  <p:timing>
+    <p:tnLst>
+      <p:par>
+        <p:cTn id="1" dur="indefinite" restart="never" nodeType="tmRoot"/>
+      </p:par>
+    </p:tnLst>
+  </p:timing>
+</p:sld>
+</file>
+
 <file path=ppt/slides/slide3.xml><?xml version="1.0" encoding="utf-8"?>
 <p:sld xmlns:a="http://schemas.openxmlformats.org/drawingml/2006/main" xmlns:r="http://schemas.openxmlformats.org/officeDocument/2006/relationships" xmlns:p="http://schemas.openxmlformats.org/presentationml/2006/main">
   <p:cSld>
@@ -8724,19 +15587,7 @@
           <a:p>
             <a:r>
               <a:rPr lang="vi-VN" dirty="0" smtClean="0"/>
-              <a:t>Mục tiêu </a:t>
-            </a:r>
-            <a:r>
-              <a:rPr lang="vi-VN" dirty="0" smtClean="0"/>
-              <a:t>xây </a:t>
-            </a:r>
-            <a:r>
-              <a:rPr lang="vi-VN" dirty="0" smtClean="0"/>
-              <a:t>dựng một hệ thống hỏi đáp dựa trên </a:t>
-            </a:r>
-            <a:r>
-              <a:rPr lang="vi-VN" dirty="0" smtClean="0"/>
-              <a:t>ontology</a:t>
+              <a:t>Mục tiêu xây dựng một hệ thống hỏi đáp dựa trên ontology</a:t>
             </a:r>
             <a:r>
               <a:rPr lang="en-US" dirty="0" smtClean="0"/>
@@ -9255,43 +16106,27 @@
             </a:r>
             <a:r>
               <a:rPr lang="vi-VN" dirty="0" smtClean="0"/>
-              <a:t>thông </a:t>
+              <a:t>thông tin </a:t>
+            </a:r>
+            <a:r>
+              <a:rPr lang="en-US" dirty="0" err="1" smtClean="0"/>
+              <a:t>như</a:t>
             </a:r>
             <a:r>
               <a:rPr lang="vi-VN" dirty="0" smtClean="0"/>
-              <a:t>tin </a:t>
-            </a:r>
-            <a:r>
-              <a:rPr lang="en-US" dirty="0" err="1" smtClean="0"/>
-              <a:t>như</a:t>
+              <a:t>: tiêu đề, tên tác giả, ngày công bố, từ khóa, chủ đề, miêu tả tổng quan</a:t>
+            </a:r>
+            <a:r>
+              <a:rPr lang="en-US" dirty="0" smtClean="0"/>
+              <a:t> </a:t>
+            </a:r>
+            <a:r>
+              <a:rPr lang="en-US" dirty="0" err="1" smtClean="0"/>
+              <a:t>và</a:t>
             </a:r>
             <a:r>
               <a:rPr lang="vi-VN" dirty="0" smtClean="0"/>
-              <a:t>: </a:t>
-            </a:r>
-            <a:r>
-              <a:rPr lang="vi-VN" dirty="0" smtClean="0"/>
-              <a:t>tiêu đề, tên tác giả, ngày công bố, từ khóa, chủ đề, miêu tả tổng </a:t>
-            </a:r>
-            <a:r>
-              <a:rPr lang="vi-VN" dirty="0" smtClean="0"/>
-              <a:t>quan</a:t>
-            </a:r>
-            <a:r>
-              <a:rPr lang="en-US" dirty="0" smtClean="0"/>
-              <a:t> </a:t>
-            </a:r>
-            <a:r>
-              <a:rPr lang="en-US" dirty="0" err="1" smtClean="0"/>
-              <a:t>và</a:t>
-            </a:r>
-            <a:r>
-              <a:rPr lang="vi-VN" dirty="0" smtClean="0"/>
-              <a:t> </a:t>
-            </a:r>
-            <a:r>
-              <a:rPr lang="vi-VN" dirty="0" smtClean="0"/>
-              <a:t>khái niệm có trong bài báo</a:t>
+              <a:t> khái niệm có trong bài báo</a:t>
             </a:r>
             <a:endParaRPr lang="en-US" dirty="0" smtClean="0"/>
           </a:p>
@@ -9867,7 +16702,315 @@
           <a:bodyPr/>
           <a:lstStyle/>
           <a:p>
-            <a:endParaRPr lang="en-US"/>
+            <a:r>
+              <a:rPr lang="en-US" dirty="0" err="1" smtClean="0"/>
+              <a:t>Wael</a:t>
+            </a:r>
+            <a:r>
+              <a:rPr lang="en-US" dirty="0" smtClean="0"/>
+              <a:t> </a:t>
+            </a:r>
+            <a:r>
+              <a:rPr lang="en-US" dirty="0" err="1" smtClean="0"/>
+              <a:t>Salloum</a:t>
+            </a:r>
+            <a:r>
+              <a:rPr lang="en-US" dirty="0" smtClean="0"/>
+              <a:t>, “A Question Answering System based on Conceptual Graph Formalism”, 2009.</a:t>
+            </a:r>
+          </a:p>
+          <a:p>
+            <a:r>
+              <a:rPr lang="en-US" dirty="0" err="1" smtClean="0"/>
+              <a:t>Đưa</a:t>
+            </a:r>
+            <a:r>
+              <a:rPr lang="en-US" dirty="0" smtClean="0"/>
+              <a:t> </a:t>
+            </a:r>
+            <a:r>
+              <a:rPr lang="en-US" dirty="0" err="1" smtClean="0"/>
+              <a:t>ra</a:t>
+            </a:r>
+            <a:r>
+              <a:rPr lang="en-US" dirty="0" smtClean="0"/>
+              <a:t> </a:t>
+            </a:r>
+            <a:r>
+              <a:rPr lang="en-US" dirty="0" err="1" smtClean="0"/>
+              <a:t>hướng</a:t>
+            </a:r>
+            <a:r>
+              <a:rPr lang="en-US" dirty="0" smtClean="0"/>
+              <a:t> </a:t>
+            </a:r>
+            <a:r>
+              <a:rPr lang="en-US" dirty="0" err="1" smtClean="0"/>
+              <a:t>tiếp</a:t>
+            </a:r>
+            <a:r>
+              <a:rPr lang="en-US" dirty="0" smtClean="0"/>
+              <a:t> </a:t>
+            </a:r>
+            <a:r>
+              <a:rPr lang="en-US" dirty="0" err="1" smtClean="0"/>
+              <a:t>cận</a:t>
+            </a:r>
+            <a:r>
+              <a:rPr lang="en-US" dirty="0" smtClean="0"/>
+              <a:t> </a:t>
+            </a:r>
+            <a:r>
+              <a:rPr lang="en-US" dirty="0" err="1" smtClean="0"/>
+              <a:t>bằng</a:t>
+            </a:r>
+            <a:r>
+              <a:rPr lang="en-US" dirty="0" smtClean="0"/>
+              <a:t> </a:t>
+            </a:r>
+            <a:r>
+              <a:rPr lang="en-US" dirty="0" err="1" smtClean="0"/>
+              <a:t>cách</a:t>
+            </a:r>
+            <a:r>
+              <a:rPr lang="en-US" dirty="0" smtClean="0"/>
+              <a:t> </a:t>
+            </a:r>
+            <a:r>
+              <a:rPr lang="en-US" dirty="0" err="1" smtClean="0"/>
+              <a:t>mô</a:t>
+            </a:r>
+            <a:r>
+              <a:rPr lang="en-US" dirty="0" smtClean="0"/>
+              <a:t> </a:t>
+            </a:r>
+            <a:r>
+              <a:rPr lang="en-US" dirty="0" err="1" smtClean="0"/>
+              <a:t>hình</a:t>
+            </a:r>
+            <a:r>
+              <a:rPr lang="en-US" dirty="0" smtClean="0"/>
+              <a:t> </a:t>
+            </a:r>
+            <a:r>
+              <a:rPr lang="en-US" dirty="0" err="1" smtClean="0"/>
+              <a:t>các</a:t>
+            </a:r>
+            <a:r>
+              <a:rPr lang="en-US" dirty="0" smtClean="0"/>
+              <a:t> </a:t>
+            </a:r>
+            <a:r>
+              <a:rPr lang="en-US" dirty="0" err="1" smtClean="0"/>
+              <a:t>văn</a:t>
+            </a:r>
+            <a:r>
+              <a:rPr lang="en-US" dirty="0" smtClean="0"/>
+              <a:t> </a:t>
+            </a:r>
+            <a:r>
+              <a:rPr lang="en-US" dirty="0" err="1" smtClean="0"/>
+              <a:t>bản</a:t>
+            </a:r>
+            <a:r>
+              <a:rPr lang="en-US" dirty="0" smtClean="0"/>
+              <a:t> </a:t>
+            </a:r>
+            <a:r>
+              <a:rPr lang="en-US" dirty="0" err="1" smtClean="0"/>
+              <a:t>và</a:t>
+            </a:r>
+            <a:r>
+              <a:rPr lang="en-US" dirty="0" smtClean="0"/>
+              <a:t> </a:t>
+            </a:r>
+            <a:r>
+              <a:rPr lang="en-US" dirty="0" err="1" smtClean="0"/>
+              <a:t>các</a:t>
+            </a:r>
+            <a:r>
+              <a:rPr lang="en-US" dirty="0" smtClean="0"/>
+              <a:t> </a:t>
+            </a:r>
+            <a:r>
+              <a:rPr lang="en-US" dirty="0" err="1" smtClean="0"/>
+              <a:t>câu</a:t>
+            </a:r>
+            <a:r>
+              <a:rPr lang="en-US" dirty="0" smtClean="0"/>
+              <a:t> </a:t>
+            </a:r>
+            <a:r>
+              <a:rPr lang="en-US" dirty="0" err="1" smtClean="0"/>
+              <a:t>hỏi</a:t>
+            </a:r>
+            <a:r>
+              <a:rPr lang="en-US" dirty="0" smtClean="0"/>
+              <a:t> </a:t>
+            </a:r>
+            <a:r>
+              <a:rPr lang="en-US" dirty="0" err="1" smtClean="0"/>
+              <a:t>thành</a:t>
+            </a:r>
+            <a:r>
+              <a:rPr lang="en-US" dirty="0" smtClean="0"/>
+              <a:t> </a:t>
+            </a:r>
+            <a:r>
+              <a:rPr lang="en-US" dirty="0" err="1" smtClean="0"/>
+              <a:t>một</a:t>
+            </a:r>
+            <a:r>
+              <a:rPr lang="en-US" dirty="0" smtClean="0"/>
+              <a:t> </a:t>
+            </a:r>
+            <a:r>
+              <a:rPr lang="en-US" dirty="0" err="1" smtClean="0"/>
+              <a:t>dạng</a:t>
+            </a:r>
+            <a:r>
+              <a:rPr lang="en-US" dirty="0" smtClean="0"/>
+              <a:t> </a:t>
+            </a:r>
+            <a:r>
+              <a:rPr lang="en-US" dirty="0" err="1" smtClean="0"/>
+              <a:t>đồ</a:t>
+            </a:r>
+            <a:r>
+              <a:rPr lang="en-US" dirty="0" smtClean="0"/>
+              <a:t> </a:t>
+            </a:r>
+            <a:r>
+              <a:rPr lang="en-US" dirty="0" err="1" smtClean="0"/>
+              <a:t>thị</a:t>
+            </a:r>
+            <a:r>
+              <a:rPr lang="en-US" dirty="0" smtClean="0"/>
+              <a:t> </a:t>
+            </a:r>
+            <a:r>
+              <a:rPr lang="en-US" dirty="0" err="1" smtClean="0"/>
+              <a:t>gọi</a:t>
+            </a:r>
+            <a:r>
+              <a:rPr lang="en-US" dirty="0" smtClean="0"/>
+              <a:t> </a:t>
+            </a:r>
+            <a:r>
+              <a:rPr lang="en-US" dirty="0" err="1" smtClean="0"/>
+              <a:t>là</a:t>
+            </a:r>
+            <a:r>
+              <a:rPr lang="en-US" dirty="0" smtClean="0"/>
+              <a:t> Conceptual Graph Formalism (CGF).</a:t>
+            </a:r>
+          </a:p>
+          <a:p>
+            <a:r>
+              <a:rPr lang="en-US" dirty="0" err="1" smtClean="0"/>
+              <a:t>Bằng</a:t>
+            </a:r>
+            <a:r>
+              <a:rPr lang="en-US" dirty="0" smtClean="0"/>
+              <a:t> </a:t>
+            </a:r>
+            <a:r>
+              <a:rPr lang="en-US" dirty="0" err="1" smtClean="0"/>
+              <a:t>cách</a:t>
+            </a:r>
+            <a:r>
+              <a:rPr lang="en-US" dirty="0" smtClean="0"/>
+              <a:t> so </a:t>
+            </a:r>
+            <a:r>
+              <a:rPr lang="en-US" dirty="0" err="1" smtClean="0"/>
+              <a:t>sánh</a:t>
+            </a:r>
+            <a:r>
+              <a:rPr lang="en-US" dirty="0" smtClean="0"/>
+              <a:t> </a:t>
+            </a:r>
+            <a:r>
+              <a:rPr lang="en-US" dirty="0" err="1" smtClean="0"/>
+              <a:t>giữa</a:t>
+            </a:r>
+            <a:r>
+              <a:rPr lang="en-US" dirty="0" smtClean="0"/>
+              <a:t> </a:t>
+            </a:r>
+            <a:r>
+              <a:rPr lang="en-US" dirty="0" err="1" smtClean="0"/>
+              <a:t>các</a:t>
+            </a:r>
+            <a:r>
+              <a:rPr lang="en-US" dirty="0" smtClean="0"/>
+              <a:t> </a:t>
+            </a:r>
+            <a:r>
+              <a:rPr lang="en-US" dirty="0" err="1" smtClean="0"/>
+              <a:t>đồ</a:t>
+            </a:r>
+            <a:r>
+              <a:rPr lang="en-US" dirty="0" smtClean="0"/>
+              <a:t> </a:t>
+            </a:r>
+            <a:r>
+              <a:rPr lang="en-US" dirty="0" err="1" smtClean="0"/>
+              <a:t>thị</a:t>
+            </a:r>
+            <a:r>
+              <a:rPr lang="en-US" dirty="0" smtClean="0"/>
+              <a:t> ý </a:t>
+            </a:r>
+            <a:r>
+              <a:rPr lang="en-US" dirty="0" err="1" smtClean="0"/>
+              <a:t>niệm</a:t>
+            </a:r>
+            <a:r>
+              <a:rPr lang="en-US" dirty="0" smtClean="0"/>
+              <a:t> (CG), </a:t>
+            </a:r>
+            <a:r>
+              <a:rPr lang="en-US" dirty="0" err="1" smtClean="0"/>
+              <a:t>tìm</a:t>
+            </a:r>
+            <a:r>
+              <a:rPr lang="en-US" dirty="0" smtClean="0"/>
+              <a:t> </a:t>
+            </a:r>
+            <a:r>
+              <a:rPr lang="en-US" dirty="0" err="1" smtClean="0"/>
+              <a:t>ra</a:t>
+            </a:r>
+            <a:r>
+              <a:rPr lang="en-US" dirty="0" smtClean="0"/>
+              <a:t> </a:t>
+            </a:r>
+            <a:r>
+              <a:rPr lang="en-US" dirty="0" err="1" smtClean="0"/>
+              <a:t>câu</a:t>
+            </a:r>
+            <a:r>
+              <a:rPr lang="en-US" dirty="0" smtClean="0"/>
+              <a:t> </a:t>
+            </a:r>
+            <a:r>
+              <a:rPr lang="en-US" dirty="0" err="1" smtClean="0"/>
+              <a:t>trả</a:t>
+            </a:r>
+            <a:r>
+              <a:rPr lang="en-US" dirty="0" smtClean="0"/>
+              <a:t> </a:t>
+            </a:r>
+            <a:r>
+              <a:rPr lang="en-US" dirty="0" err="1" smtClean="0"/>
+              <a:t>lời</a:t>
+            </a:r>
+            <a:r>
+              <a:rPr lang="en-US" dirty="0" smtClean="0"/>
+              <a:t>.</a:t>
+            </a:r>
+            <a:endParaRPr lang="en-US" dirty="0"/>
           </a:p>
         </p:txBody>
       </p:sp>
@@ -9880,6 +17023,409 @@
 </file>
 
 <file path=ppt/slides/slide8.xml><?xml version="1.0" encoding="utf-8"?>
+<p:sld xmlns:a="http://schemas.openxmlformats.org/drawingml/2006/main" xmlns:r="http://schemas.openxmlformats.org/officeDocument/2006/relationships" xmlns:p="http://schemas.openxmlformats.org/presentationml/2006/main">
+  <p:cSld>
+    <p:spTree>
+      <p:nvGrpSpPr>
+        <p:cNvPr id="1" name=""/>
+        <p:cNvGrpSpPr/>
+        <p:nvPr/>
+      </p:nvGrpSpPr>
+      <p:grpSpPr>
+        <a:xfrm>
+          <a:off x="0" y="0"/>
+          <a:ext cx="0" cy="0"/>
+          <a:chOff x="0" y="0"/>
+          <a:chExt cx="0" cy="0"/>
+        </a:xfrm>
+      </p:grpSpPr>
+      <p:pic>
+        <p:nvPicPr>
+          <p:cNvPr id="6" name="Picture 1"/>
+          <p:cNvPicPr>
+            <a:picLocks noChangeAspect="1" noChangeArrowheads="1"/>
+          </p:cNvPicPr>
+          <p:nvPr/>
+        </p:nvPicPr>
+        <p:blipFill>
+          <a:blip r:embed="rId2"/>
+          <a:srcRect/>
+          <a:stretch>
+            <a:fillRect/>
+          </a:stretch>
+        </p:blipFill>
+        <p:spPr bwMode="auto">
+          <a:xfrm>
+            <a:off x="685800" y="2971800"/>
+            <a:ext cx="7772400" cy="1295400"/>
+          </a:xfrm>
+          <a:prstGeom prst="rect">
+            <a:avLst/>
+          </a:prstGeom>
+          <a:noFill/>
+          <a:ln w="9525">
+            <a:noFill/>
+            <a:miter lim="800000"/>
+            <a:headEnd/>
+            <a:tailEnd/>
+          </a:ln>
+        </p:spPr>
+      </p:pic>
+      <p:sp>
+        <p:nvSpPr>
+          <p:cNvPr id="2" name="Title 1"/>
+          <p:cNvSpPr>
+            <a:spLocks noGrp="1"/>
+          </p:cNvSpPr>
+          <p:nvPr>
+            <p:ph type="title"/>
+          </p:nvPr>
+        </p:nvSpPr>
+        <p:spPr/>
+        <p:txBody>
+          <a:bodyPr/>
+          <a:lstStyle/>
+          <a:p>
+            <a:r>
+              <a:rPr lang="en-US" dirty="0" err="1" smtClean="0"/>
+              <a:t>Các</a:t>
+            </a:r>
+            <a:r>
+              <a:rPr lang="en-US" dirty="0" smtClean="0"/>
+              <a:t> </a:t>
+            </a:r>
+            <a:r>
+              <a:rPr lang="en-US" dirty="0" err="1" smtClean="0"/>
+              <a:t>nghiên</a:t>
+            </a:r>
+            <a:r>
+              <a:rPr lang="en-US" dirty="0" smtClean="0"/>
+              <a:t> </a:t>
+            </a:r>
+            <a:r>
+              <a:rPr lang="en-US" dirty="0" err="1" smtClean="0"/>
+              <a:t>cứu</a:t>
+            </a:r>
+            <a:r>
+              <a:rPr lang="en-US" dirty="0" smtClean="0"/>
+              <a:t> </a:t>
+            </a:r>
+            <a:r>
+              <a:rPr lang="en-US" dirty="0" err="1" smtClean="0"/>
+              <a:t>liên</a:t>
+            </a:r>
+            <a:r>
+              <a:rPr lang="en-US" dirty="0" smtClean="0"/>
+              <a:t> </a:t>
+            </a:r>
+            <a:r>
+              <a:rPr lang="en-US" dirty="0" err="1" smtClean="0"/>
+              <a:t>quan</a:t>
+            </a:r>
+            <a:endParaRPr lang="en-US" dirty="0"/>
+          </a:p>
+        </p:txBody>
+      </p:sp>
+      <p:sp>
+        <p:nvSpPr>
+          <p:cNvPr id="3" name="Content Placeholder 2"/>
+          <p:cNvSpPr>
+            <a:spLocks noGrp="1"/>
+          </p:cNvSpPr>
+          <p:nvPr>
+            <p:ph idx="1"/>
+          </p:nvPr>
+        </p:nvSpPr>
+        <p:spPr/>
+        <p:txBody>
+          <a:bodyPr/>
+          <a:lstStyle/>
+          <a:p>
+            <a:r>
+              <a:rPr lang="en-US" dirty="0" err="1" smtClean="0"/>
+              <a:t>Ví</a:t>
+            </a:r>
+            <a:r>
+              <a:rPr lang="en-US" dirty="0" smtClean="0"/>
+              <a:t> </a:t>
+            </a:r>
+            <a:r>
+              <a:rPr lang="en-US" dirty="0" err="1" smtClean="0"/>
+              <a:t>dụ</a:t>
+            </a:r>
+            <a:r>
+              <a:rPr lang="en-US" dirty="0" smtClean="0"/>
+              <a:t> : </a:t>
+            </a:r>
+            <a:r>
+              <a:rPr lang="en-US" dirty="0" err="1" smtClean="0"/>
+              <a:t>với</a:t>
+            </a:r>
+            <a:r>
+              <a:rPr lang="en-US" dirty="0" smtClean="0"/>
+              <a:t> </a:t>
+            </a:r>
+            <a:r>
+              <a:rPr lang="en-US" dirty="0" err="1" smtClean="0"/>
+              <a:t>câu</a:t>
+            </a:r>
+            <a:r>
+              <a:rPr lang="en-US" dirty="0" smtClean="0"/>
+              <a:t> “Mark Twain wrote Tom Sawyer”, </a:t>
+            </a:r>
+            <a:r>
+              <a:rPr lang="en-US" dirty="0" err="1" smtClean="0"/>
+              <a:t>thì</a:t>
+            </a:r>
+            <a:r>
+              <a:rPr lang="en-US" dirty="0" smtClean="0"/>
+              <a:t> </a:t>
+            </a:r>
+            <a:r>
+              <a:rPr lang="en-US" dirty="0" err="1" smtClean="0"/>
+              <a:t>đồ</a:t>
+            </a:r>
+            <a:r>
+              <a:rPr lang="en-US" dirty="0" smtClean="0"/>
+              <a:t> </a:t>
+            </a:r>
+            <a:r>
+              <a:rPr lang="en-US" dirty="0" err="1" smtClean="0"/>
+              <a:t>thị</a:t>
+            </a:r>
+            <a:r>
+              <a:rPr lang="en-US" dirty="0" smtClean="0"/>
+              <a:t> </a:t>
+            </a:r>
+            <a:r>
+              <a:rPr lang="en-US" dirty="0" err="1" smtClean="0"/>
+              <a:t>khái</a:t>
+            </a:r>
+            <a:r>
+              <a:rPr lang="en-US" dirty="0" smtClean="0"/>
+              <a:t> </a:t>
+            </a:r>
+            <a:r>
+              <a:rPr lang="en-US" dirty="0" err="1" smtClean="0"/>
+              <a:t>niệm</a:t>
+            </a:r>
+            <a:r>
+              <a:rPr lang="en-US" dirty="0" smtClean="0"/>
+              <a:t> </a:t>
+            </a:r>
+            <a:r>
+              <a:rPr lang="en-US" dirty="0" err="1" smtClean="0"/>
+              <a:t>sẽ</a:t>
+            </a:r>
+            <a:r>
+              <a:rPr lang="en-US" dirty="0" smtClean="0"/>
+              <a:t> </a:t>
+            </a:r>
+            <a:r>
+              <a:rPr lang="en-US" dirty="0" err="1" smtClean="0"/>
+              <a:t>được</a:t>
+            </a:r>
+            <a:r>
+              <a:rPr lang="en-US" dirty="0" smtClean="0"/>
+              <a:t> </a:t>
+            </a:r>
+            <a:r>
+              <a:rPr lang="en-US" dirty="0" err="1" smtClean="0"/>
+              <a:t>tạo</a:t>
+            </a:r>
+            <a:r>
+              <a:rPr lang="en-US" dirty="0" smtClean="0"/>
+              <a:t> </a:t>
+            </a:r>
+            <a:r>
+              <a:rPr lang="en-US" dirty="0" err="1" smtClean="0"/>
+              <a:t>như</a:t>
+            </a:r>
+            <a:r>
+              <a:rPr lang="en-US" dirty="0" smtClean="0"/>
+              <a:t> </a:t>
+            </a:r>
+            <a:r>
+              <a:rPr lang="en-US" dirty="0" err="1" smtClean="0"/>
+              <a:t>sau</a:t>
+            </a:r>
+            <a:r>
+              <a:rPr lang="en-US" dirty="0" smtClean="0"/>
+              <a:t>:</a:t>
+            </a:r>
+          </a:p>
+          <a:p>
+            <a:endParaRPr lang="en-US" dirty="0" smtClean="0"/>
+          </a:p>
+          <a:p>
+            <a:endParaRPr lang="en-US" dirty="0" smtClean="0"/>
+          </a:p>
+          <a:p>
+            <a:pPr>
+              <a:buNone/>
+            </a:pPr>
+            <a:endParaRPr lang="en-US" dirty="0" smtClean="0"/>
+          </a:p>
+          <a:p>
+            <a:pPr>
+              <a:buNone/>
+            </a:pPr>
+            <a:r>
+              <a:rPr lang="en-US" dirty="0" smtClean="0"/>
+              <a:t>  </a:t>
+            </a:r>
+            <a:r>
+              <a:rPr lang="en-US" dirty="0" err="1" smtClean="0"/>
+              <a:t>Hình</a:t>
+            </a:r>
+            <a:r>
+              <a:rPr lang="en-US" dirty="0" smtClean="0"/>
+              <a:t> 1 – </a:t>
+            </a:r>
+            <a:r>
+              <a:rPr lang="en-US" dirty="0" err="1" smtClean="0"/>
+              <a:t>Ví</a:t>
+            </a:r>
+            <a:r>
+              <a:rPr lang="en-US" dirty="0" smtClean="0"/>
+              <a:t> </a:t>
+            </a:r>
+            <a:r>
+              <a:rPr lang="en-US" dirty="0" err="1" smtClean="0"/>
+              <a:t>dụ</a:t>
+            </a:r>
+            <a:r>
+              <a:rPr lang="en-US" dirty="0" smtClean="0"/>
+              <a:t> </a:t>
+            </a:r>
+            <a:r>
+              <a:rPr lang="en-US" dirty="0" err="1" smtClean="0"/>
+              <a:t>về</a:t>
+            </a:r>
+            <a:r>
+              <a:rPr lang="en-US" dirty="0" smtClean="0"/>
+              <a:t> </a:t>
+            </a:r>
+            <a:r>
+              <a:rPr lang="en-US" dirty="0" err="1" smtClean="0"/>
+              <a:t>một</a:t>
+            </a:r>
+            <a:r>
+              <a:rPr lang="en-US" dirty="0" smtClean="0"/>
+              <a:t> </a:t>
+            </a:r>
+            <a:r>
+              <a:rPr lang="en-US" dirty="0" err="1" smtClean="0"/>
+              <a:t>đồ</a:t>
+            </a:r>
+            <a:r>
+              <a:rPr lang="en-US" dirty="0" smtClean="0"/>
+              <a:t> </a:t>
+            </a:r>
+            <a:r>
+              <a:rPr lang="en-US" dirty="0" err="1" smtClean="0"/>
+              <a:t>thị</a:t>
+            </a:r>
+            <a:r>
+              <a:rPr lang="en-US" dirty="0" smtClean="0"/>
+              <a:t> </a:t>
+            </a:r>
+            <a:r>
+              <a:rPr lang="en-US" dirty="0" err="1" smtClean="0"/>
+              <a:t>khái</a:t>
+            </a:r>
+            <a:r>
+              <a:rPr lang="en-US" dirty="0" smtClean="0"/>
+              <a:t> </a:t>
+            </a:r>
+            <a:r>
+              <a:rPr lang="en-US" dirty="0" err="1" smtClean="0"/>
+              <a:t>niệm</a:t>
+            </a:r>
+            <a:endParaRPr lang="en-US" dirty="0" smtClean="0"/>
+          </a:p>
+          <a:p>
+            <a:pPr>
+              <a:buNone/>
+            </a:pPr>
+            <a:r>
+              <a:rPr lang="en-US" dirty="0" smtClean="0"/>
+              <a:t>( </a:t>
+            </a:r>
+            <a:r>
+              <a:rPr lang="en-US" dirty="0" err="1" smtClean="0"/>
+              <a:t>được</a:t>
+            </a:r>
+            <a:r>
+              <a:rPr lang="en-US" dirty="0" smtClean="0"/>
+              <a:t> </a:t>
+            </a:r>
+            <a:r>
+              <a:rPr lang="en-US" dirty="0" err="1" smtClean="0"/>
+              <a:t>lấy</a:t>
+            </a:r>
+            <a:r>
+              <a:rPr lang="en-US" dirty="0" smtClean="0"/>
+              <a:t> </a:t>
+            </a:r>
+            <a:r>
+              <a:rPr lang="en-US" dirty="0" err="1" smtClean="0"/>
+              <a:t>từ</a:t>
+            </a:r>
+            <a:r>
+              <a:rPr lang="en-US" dirty="0" smtClean="0"/>
+              <a:t> Figure 3 </a:t>
+            </a:r>
+            <a:r>
+              <a:rPr lang="en-US" dirty="0" err="1" smtClean="0"/>
+              <a:t>tài</a:t>
+            </a:r>
+            <a:r>
+              <a:rPr lang="en-US" dirty="0" smtClean="0"/>
+              <a:t> </a:t>
+            </a:r>
+            <a:r>
+              <a:rPr lang="en-US" dirty="0" err="1" smtClean="0"/>
+              <a:t>liệu</a:t>
+            </a:r>
+            <a:r>
+              <a:rPr lang="en-US" dirty="0" smtClean="0"/>
+              <a:t> </a:t>
+            </a:r>
+            <a:r>
+              <a:rPr lang="en-US" dirty="0" err="1" smtClean="0"/>
+              <a:t>tham</a:t>
+            </a:r>
+            <a:r>
+              <a:rPr lang="en-US" dirty="0" smtClean="0"/>
+              <a:t> </a:t>
+            </a:r>
+            <a:r>
+              <a:rPr lang="en-US" dirty="0" err="1" smtClean="0"/>
+              <a:t>khảo</a:t>
+            </a:r>
+            <a:r>
+              <a:rPr lang="en-US" dirty="0" smtClean="0"/>
+              <a:t> [2])</a:t>
+            </a:r>
+          </a:p>
+          <a:p>
+            <a:pPr>
+              <a:buNone/>
+            </a:pPr>
+            <a:endParaRPr lang="en-US" dirty="0"/>
+          </a:p>
+        </p:txBody>
+      </p:sp>
+    </p:spTree>
+  </p:cSld>
+  <p:clrMapOvr>
+    <a:masterClrMapping/>
+  </p:clrMapOvr>
+</p:sld>
+</file>
+
+<file path=ppt/slides/slide9.xml><?xml version="1.0" encoding="utf-8"?>
 <p:sld xmlns:a="http://schemas.openxmlformats.org/drawingml/2006/main" xmlns:r="http://schemas.openxmlformats.org/officeDocument/2006/relationships" xmlns:p="http://schemas.openxmlformats.org/presentationml/2006/main">
   <p:cSld>
     <p:spTree>
@@ -9913,15 +17459,39 @@
           <a:p>
             <a:r>
               <a:rPr lang="en-US" dirty="0" err="1" smtClean="0"/>
-              <a:t>Tham</a:t>
-            </a:r>
-            <a:r>
-              <a:rPr lang="en-US" dirty="0" smtClean="0"/>
-              <a:t> </a:t>
-            </a:r>
-            <a:r>
-              <a:rPr lang="en-US" dirty="0" err="1" smtClean="0"/>
-              <a:t>khảo</a:t>
+              <a:t>Các</a:t>
+            </a:r>
+            <a:r>
+              <a:rPr lang="en-US" dirty="0" smtClean="0"/>
+              <a:t> </a:t>
+            </a:r>
+            <a:r>
+              <a:rPr lang="en-US" dirty="0" err="1" smtClean="0"/>
+              <a:t>nghiên</a:t>
+            </a:r>
+            <a:r>
+              <a:rPr lang="en-US" dirty="0" smtClean="0"/>
+              <a:t> </a:t>
+            </a:r>
+            <a:r>
+              <a:rPr lang="en-US" dirty="0" err="1" smtClean="0"/>
+              <a:t>cứu</a:t>
+            </a:r>
+            <a:r>
+              <a:rPr lang="en-US" dirty="0" smtClean="0"/>
+              <a:t> </a:t>
+            </a:r>
+            <a:r>
+              <a:rPr lang="en-US" dirty="0" err="1" smtClean="0"/>
+              <a:t>liên</a:t>
+            </a:r>
+            <a:r>
+              <a:rPr lang="en-US" dirty="0" smtClean="0"/>
+              <a:t> </a:t>
+            </a:r>
+            <a:r>
+              <a:rPr lang="en-US" dirty="0" err="1" smtClean="0"/>
+              <a:t>quan</a:t>
             </a:r>
             <a:endParaRPr lang="en-US" dirty="0"/>
           </a:p>
@@ -9943,26 +17513,16 @@
           <a:lstStyle/>
           <a:p>
             <a:r>
-              <a:rPr lang="en-US" dirty="0" smtClean="0"/>
-              <a:t>[1]</a:t>
-            </a:r>
-            <a:r>
-              <a:rPr lang="en-US" u="sng" dirty="0" smtClean="0">
-                <a:hlinkClick r:id="rId2"/>
-              </a:rPr>
-              <a:t>http</a:t>
-            </a:r>
-            <a:r>
-              <a:rPr lang="en-US" u="sng" dirty="0" smtClean="0">
-                <a:hlinkClick r:id="rId2"/>
-              </a:rPr>
-              <a:t>://</a:t>
-            </a:r>
-            <a:r>
-              <a:rPr lang="en-US" u="sng" dirty="0" smtClean="0">
-                <a:hlinkClick r:id="rId2"/>
-              </a:rPr>
-              <a:t>www.phpvn.org/index.php?topic=133.0;wap2</a:t>
+              <a:rPr lang="en-US" dirty="0" err="1" smtClean="0"/>
+              <a:t>Shiyan</a:t>
+            </a:r>
+            <a:r>
+              <a:rPr lang="en-US" dirty="0" smtClean="0"/>
+              <a:t> </a:t>
+            </a:r>
+            <a:r>
+              <a:rPr lang="en-US" dirty="0" err="1" smtClean="0"/>
+              <a:t>Ou</a:t>
             </a:r>
             <a:r>
               <a:rPr lang="en-US" dirty="0" smtClean="0"/>
@@ -9970,27 +17530,35 @@
             </a:r>
             <a:r>
               <a:rPr lang="en-US" dirty="0" err="1" smtClean="0"/>
-              <a:t>phần</a:t>
-            </a:r>
-            <a:r>
-              <a:rPr lang="en-US" dirty="0" smtClean="0"/>
-              <a:t> </a:t>
-            </a:r>
-            <a:r>
-              <a:rPr lang="en-US" dirty="0" err="1" smtClean="0"/>
-              <a:t>Ngôn</a:t>
-            </a:r>
-            <a:r>
-              <a:rPr lang="en-US" dirty="0" smtClean="0"/>
-              <a:t> </a:t>
-            </a:r>
-            <a:r>
-              <a:rPr lang="en-US" dirty="0" err="1" smtClean="0"/>
-              <a:t>ngữ</a:t>
-            </a:r>
-            <a:r>
-              <a:rPr lang="en-US" dirty="0" smtClean="0"/>
-              <a:t> Web ontology </a:t>
+              <a:t>Constantin</a:t>
+            </a:r>
+            <a:r>
+              <a:rPr lang="en-US" dirty="0" smtClean="0"/>
+              <a:t> </a:t>
+            </a:r>
+            <a:r>
+              <a:rPr lang="en-US" dirty="0" err="1" smtClean="0"/>
+              <a:t>Orasan</a:t>
+            </a:r>
+            <a:r>
+              <a:rPr lang="en-US" dirty="0" smtClean="0"/>
+              <a:t>, </a:t>
+            </a:r>
+            <a:r>
+              <a:rPr lang="en-US" dirty="0" err="1" smtClean="0"/>
+              <a:t>Dalila</a:t>
+            </a:r>
+            <a:r>
+              <a:rPr lang="en-US" dirty="0" smtClean="0"/>
+              <a:t> </a:t>
+            </a:r>
+            <a:r>
+              <a:rPr lang="en-US" dirty="0" err="1" smtClean="0"/>
+              <a:t>Mekhaldi</a:t>
+            </a:r>
+            <a:r>
+              <a:rPr lang="en-US" dirty="0" smtClean="0"/>
+              <a:t> </a:t>
             </a:r>
             <a:r>
               <a:rPr lang="en-US" dirty="0" err="1" smtClean="0"/>
@@ -9998,31 +17566,249 @@
             </a:r>
             <a:r>
               <a:rPr lang="en-US" dirty="0" smtClean="0"/>
-              <a:t> </a:t>
-            </a:r>
-            <a:r>
-              <a:rPr lang="en-US" dirty="0" err="1" smtClean="0"/>
-              <a:t>khái</a:t>
-            </a:r>
-            <a:r>
-              <a:rPr lang="en-US" dirty="0" smtClean="0"/>
-              <a:t> </a:t>
-            </a:r>
-            <a:r>
-              <a:rPr lang="en-US" dirty="0" err="1" smtClean="0"/>
-              <a:t>niệm</a:t>
-            </a:r>
-            <a:r>
-              <a:rPr lang="en-US" dirty="0" smtClean="0"/>
-              <a:t> </a:t>
-            </a:r>
-            <a:r>
-              <a:rPr lang="en-US" dirty="0" err="1" smtClean="0"/>
-              <a:t>về</a:t>
-            </a:r>
-            <a:r>
-              <a:rPr lang="en-US" dirty="0" smtClean="0"/>
-              <a:t> Ontology</a:t>
+              <a:t> Laura </a:t>
+            </a:r>
+            <a:r>
+              <a:rPr lang="en-US" dirty="0" err="1" smtClean="0"/>
+              <a:t>Hasler</a:t>
+            </a:r>
+            <a:r>
+              <a:rPr lang="en-US" dirty="0" smtClean="0"/>
+              <a:t> “Automatic Question Pattern Generation for Ontology-based Question Answering”, 2008.</a:t>
+            </a:r>
+          </a:p>
+          <a:p>
+            <a:r>
+              <a:rPr lang="en-US" dirty="0" err="1" smtClean="0"/>
+              <a:t>Đề</a:t>
+            </a:r>
+            <a:r>
+              <a:rPr lang="en-US" dirty="0" smtClean="0"/>
+              <a:t> </a:t>
+            </a:r>
+            <a:r>
+              <a:rPr lang="en-US" dirty="0" err="1" smtClean="0"/>
+              <a:t>ra</a:t>
+            </a:r>
+            <a:r>
+              <a:rPr lang="en-US" dirty="0" smtClean="0"/>
+              <a:t> </a:t>
+            </a:r>
+            <a:r>
+              <a:rPr lang="en-US" dirty="0" err="1" smtClean="0"/>
+              <a:t>phương</a:t>
+            </a:r>
+            <a:r>
+              <a:rPr lang="en-US" dirty="0" smtClean="0"/>
+              <a:t> </a:t>
+            </a:r>
+            <a:r>
+              <a:rPr lang="en-US" dirty="0" err="1" smtClean="0"/>
+              <a:t>pháp</a:t>
+            </a:r>
+            <a:r>
+              <a:rPr lang="en-US" dirty="0" smtClean="0"/>
+              <a:t> </a:t>
+            </a:r>
+            <a:r>
+              <a:rPr lang="en-US" dirty="0" err="1" smtClean="0"/>
+              <a:t>tự</a:t>
+            </a:r>
+            <a:r>
+              <a:rPr lang="en-US" dirty="0" smtClean="0"/>
+              <a:t> </a:t>
+            </a:r>
+            <a:r>
+              <a:rPr lang="en-US" dirty="0" err="1" smtClean="0"/>
+              <a:t>động</a:t>
+            </a:r>
+            <a:r>
+              <a:rPr lang="en-US" dirty="0" smtClean="0"/>
+              <a:t> </a:t>
+            </a:r>
+            <a:r>
+              <a:rPr lang="en-US" dirty="0" err="1" smtClean="0"/>
+              <a:t>tạo</a:t>
+            </a:r>
+            <a:r>
+              <a:rPr lang="en-US" dirty="0" smtClean="0"/>
+              <a:t> </a:t>
+            </a:r>
+            <a:r>
+              <a:rPr lang="en-US" dirty="0" err="1" smtClean="0"/>
+              <a:t>các</a:t>
+            </a:r>
+            <a:r>
+              <a:rPr lang="en-US" dirty="0" smtClean="0"/>
+              <a:t> </a:t>
+            </a:r>
+            <a:r>
+              <a:rPr lang="en-US" dirty="0" err="1" smtClean="0"/>
+              <a:t>khuôn</a:t>
+            </a:r>
+            <a:r>
+              <a:rPr lang="en-US" dirty="0" smtClean="0"/>
+              <a:t> </a:t>
+            </a:r>
+            <a:r>
+              <a:rPr lang="en-US" dirty="0" err="1" smtClean="0"/>
+              <a:t>mẫu</a:t>
+            </a:r>
+            <a:r>
+              <a:rPr lang="en-US" dirty="0" smtClean="0"/>
+              <a:t> </a:t>
+            </a:r>
+            <a:r>
+              <a:rPr lang="en-US" dirty="0" err="1" smtClean="0"/>
+              <a:t>cho</a:t>
+            </a:r>
+            <a:r>
+              <a:rPr lang="en-US" dirty="0" smtClean="0"/>
+              <a:t> </a:t>
+            </a:r>
+            <a:r>
+              <a:rPr lang="en-US" dirty="0" err="1" smtClean="0"/>
+              <a:t>các</a:t>
+            </a:r>
+            <a:r>
+              <a:rPr lang="en-US" dirty="0" smtClean="0"/>
+              <a:t> </a:t>
+            </a:r>
+            <a:r>
+              <a:rPr lang="en-US" dirty="0" err="1" smtClean="0"/>
+              <a:t>câu</a:t>
+            </a:r>
+            <a:r>
+              <a:rPr lang="en-US" dirty="0" smtClean="0"/>
+              <a:t> </a:t>
+            </a:r>
+            <a:r>
+              <a:rPr lang="en-US" dirty="0" err="1" smtClean="0"/>
+              <a:t>hỏi</a:t>
+            </a:r>
+            <a:r>
+              <a:rPr lang="en-US" dirty="0" smtClean="0"/>
+              <a:t> (Automatic Question Pattern generation) </a:t>
+            </a:r>
+            <a:r>
+              <a:rPr lang="en-US" dirty="0" err="1" smtClean="0"/>
+              <a:t>kèm</a:t>
+            </a:r>
+            <a:r>
+              <a:rPr lang="en-US" dirty="0" smtClean="0"/>
+              <a:t> </a:t>
+            </a:r>
+            <a:r>
+              <a:rPr lang="en-US" dirty="0" err="1" smtClean="0"/>
+              <a:t>theo</a:t>
+            </a:r>
+            <a:r>
+              <a:rPr lang="en-US" dirty="0" smtClean="0"/>
+              <a:t> </a:t>
+            </a:r>
+            <a:r>
+              <a:rPr lang="en-US" dirty="0" err="1" smtClean="0"/>
+              <a:t>việc</a:t>
+            </a:r>
+            <a:r>
+              <a:rPr lang="en-US" dirty="0" smtClean="0"/>
+              <a:t> </a:t>
+            </a:r>
+            <a:r>
+              <a:rPr lang="en-US" dirty="0" err="1" smtClean="0"/>
+              <a:t>sử</a:t>
+            </a:r>
+            <a:r>
+              <a:rPr lang="en-US" dirty="0" smtClean="0"/>
+              <a:t> </a:t>
+            </a:r>
+            <a:r>
+              <a:rPr lang="en-US" dirty="0" err="1" smtClean="0"/>
+              <a:t>dụng</a:t>
+            </a:r>
+            <a:r>
+              <a:rPr lang="en-US" dirty="0" smtClean="0"/>
+              <a:t> </a:t>
+            </a:r>
+            <a:r>
+              <a:rPr lang="en-US" dirty="0" err="1" smtClean="0"/>
+              <a:t>một</a:t>
+            </a:r>
+            <a:r>
+              <a:rPr lang="en-US" dirty="0" smtClean="0"/>
+              <a:t> </a:t>
+            </a:r>
+            <a:r>
+              <a:rPr lang="en-US" dirty="0" err="1" smtClean="0"/>
+              <a:t>phương</a:t>
+            </a:r>
+            <a:r>
+              <a:rPr lang="en-US" dirty="0" smtClean="0"/>
+              <a:t> </a:t>
+            </a:r>
+            <a:r>
+              <a:rPr lang="en-US" dirty="0" err="1" smtClean="0"/>
+              <a:t>pháp</a:t>
+            </a:r>
+            <a:r>
+              <a:rPr lang="en-US" dirty="0" smtClean="0"/>
+              <a:t> textual entailment (</a:t>
+            </a:r>
+            <a:r>
+              <a:rPr lang="en-US" dirty="0" err="1" smtClean="0"/>
+              <a:t>tạm</a:t>
+            </a:r>
+            <a:r>
+              <a:rPr lang="en-US" dirty="0" smtClean="0"/>
+              <a:t> </a:t>
+            </a:r>
+            <a:r>
+              <a:rPr lang="en-US" dirty="0" err="1" smtClean="0"/>
+              <a:t>dịch</a:t>
+            </a:r>
+            <a:r>
+              <a:rPr lang="en-US" dirty="0" smtClean="0"/>
+              <a:t> </a:t>
+            </a:r>
+            <a:r>
+              <a:rPr lang="en-US" dirty="0" err="1" smtClean="0"/>
+              <a:t>là</a:t>
+            </a:r>
+            <a:r>
+              <a:rPr lang="en-US" dirty="0" smtClean="0"/>
+              <a:t> </a:t>
+            </a:r>
+            <a:r>
+              <a:rPr lang="en-US" dirty="0" err="1" smtClean="0"/>
+              <a:t>kế</a:t>
+            </a:r>
+            <a:r>
+              <a:rPr lang="en-US" dirty="0" smtClean="0"/>
+              <a:t> </a:t>
+            </a:r>
+            <a:r>
+              <a:rPr lang="en-US" dirty="0" err="1" smtClean="0"/>
+              <a:t>thừa</a:t>
+            </a:r>
+            <a:r>
+              <a:rPr lang="en-US" dirty="0" smtClean="0"/>
+              <a:t> </a:t>
+            </a:r>
+            <a:r>
+              <a:rPr lang="en-US" dirty="0" err="1" smtClean="0"/>
+              <a:t>nguyên</a:t>
+            </a:r>
+            <a:r>
+              <a:rPr lang="en-US" dirty="0" smtClean="0"/>
+              <a:t> </a:t>
+            </a:r>
+            <a:r>
+              <a:rPr lang="en-US" dirty="0" err="1" smtClean="0"/>
+              <a:t>bản</a:t>
+            </a:r>
+            <a:r>
+              <a:rPr lang="en-US" dirty="0" smtClean="0"/>
+              <a:t>).</a:t>
             </a:r>
             <a:endParaRPr lang="en-US" dirty="0"/>
           </a:p>
@@ -10033,139 +17819,6 @@
   <p:clrMapOvr>
     <a:masterClrMapping/>
   </p:clrMapOvr>
-  <p:timing>
-    <p:tnLst>
-      <p:par>
-        <p:cTn id="1" dur="indefinite" restart="never" nodeType="tmRoot"/>
-      </p:par>
-    </p:tnLst>
-  </p:timing>
-</p:sld>
-</file>
-
-<file path=ppt/slides/slide9.xml><?xml version="1.0" encoding="utf-8"?>
-<p:sld xmlns:a="http://schemas.openxmlformats.org/drawingml/2006/main" xmlns:r="http://schemas.openxmlformats.org/officeDocument/2006/relationships" xmlns:p="http://schemas.openxmlformats.org/presentationml/2006/main">
-  <p:cSld>
-    <p:spTree>
-      <p:nvGrpSpPr>
-        <p:cNvPr id="1" name=""/>
-        <p:cNvGrpSpPr/>
-        <p:nvPr/>
-      </p:nvGrpSpPr>
-      <p:grpSpPr>
-        <a:xfrm>
-          <a:off x="0" y="0"/>
-          <a:ext cx="0" cy="0"/>
-          <a:chOff x="0" y="0"/>
-          <a:chExt cx="0" cy="0"/>
-        </a:xfrm>
-      </p:grpSpPr>
-      <p:sp>
-        <p:nvSpPr>
-          <p:cNvPr id="28678" name="Rectangle 6"/>
-          <p:cNvSpPr>
-            <a:spLocks noGrp="1" noChangeArrowheads="1"/>
-          </p:cNvSpPr>
-          <p:nvPr>
-            <p:ph type="subTitle" idx="1"/>
-          </p:nvPr>
-        </p:nvSpPr>
-        <p:spPr>
-          <a:xfrm>
-            <a:off x="4887913" y="3962400"/>
-            <a:ext cx="3792537" cy="304800"/>
-          </a:xfrm>
-        </p:spPr>
-        <p:txBody>
-          <a:bodyPr/>
-          <a:lstStyle/>
-          <a:p>
-            <a:pPr algn="ctr">
-              <a:lnSpc>
-                <a:spcPct val="80000"/>
-              </a:lnSpc>
-            </a:pPr>
-            <a:endParaRPr lang="en-US" sz="1600" dirty="0"/>
-          </a:p>
-        </p:txBody>
-      </p:sp>
-      <p:sp>
-        <p:nvSpPr>
-          <p:cNvPr id="28679" name="WordArt 7"/>
-          <p:cNvSpPr>
-            <a:spLocks noChangeArrowheads="1" noChangeShapeType="1" noTextEdit="1"/>
-          </p:cNvSpPr>
-          <p:nvPr/>
-        </p:nvSpPr>
-        <p:spPr bwMode="gray">
-          <a:xfrm>
-            <a:off x="4800600" y="3124200"/>
-            <a:ext cx="3810000" cy="609600"/>
-          </a:xfrm>
-          <a:prstGeom prst="rect">
-            <a:avLst/>
-          </a:prstGeom>
-        </p:spPr>
-        <p:txBody>
-          <a:bodyPr wrap="none" fromWordArt="1">
-            <a:prstTxWarp prst="textDeflate">
-              <a:avLst>
-                <a:gd name="adj" fmla="val 0"/>
-              </a:avLst>
-            </a:prstTxWarp>
-          </a:bodyPr>
-          <a:lstStyle/>
-          <a:p>
-            <a:pPr algn="ctr"/>
-            <a:r>
-              <a:rPr lang="en-US" sz="5400" b="1" kern="10">
-                <a:ln w="28575">
-                  <a:solidFill>
-                    <a:schemeClr val="tx1"/>
-                  </a:solidFill>
-                  <a:round/>
-                  <a:headEnd/>
-                  <a:tailEnd/>
-                </a:ln>
-                <a:gradFill rotWithShape="1">
-                  <a:gsLst>
-                    <a:gs pos="0">
-                      <a:schemeClr val="bg1"/>
-                    </a:gs>
-                    <a:gs pos="100000">
-                      <a:schemeClr val="accent2"/>
-                    </a:gs>
-                  </a:gsLst>
-                  <a:lin ang="5400000" scaled="1"/>
-                </a:gradFill>
-                <a:effectLst>
-                  <a:outerShdw dist="107763" dir="2700000" algn="ctr" rotWithShape="0">
-                    <a:srgbClr val="000000">
-                      <a:alpha val="50000"/>
-                    </a:srgbClr>
-                  </a:outerShdw>
-                </a:effectLst>
-                <a:latin typeface="Verdana"/>
-                <a:ea typeface="Verdana"/>
-                <a:cs typeface="Verdana"/>
-              </a:rPr>
-              <a:t>Thank You !</a:t>
-            </a:r>
-          </a:p>
-        </p:txBody>
-      </p:sp>
-    </p:spTree>
-  </p:cSld>
-  <p:clrMapOvr>
-    <a:masterClrMapping/>
-  </p:clrMapOvr>
-  <p:timing>
-    <p:tnLst>
-      <p:par>
-        <p:cTn id="1" dur="indefinite" restart="never" nodeType="tmRoot"/>
-      </p:par>
-    </p:tnLst>
-  </p:timing>
 </p:sld>
 </file>
 

--- a/trunk/De Cuong/De Cuong v0.2.pptx
+++ b/trunk/De Cuong/De Cuong v0.2.pptx
@@ -24,11 +24,12 @@
     <p:sldId id="296" r:id="rId18"/>
     <p:sldId id="297" r:id="rId19"/>
     <p:sldId id="293" r:id="rId20"/>
-    <p:sldId id="294" r:id="rId21"/>
-    <p:sldId id="295" r:id="rId22"/>
-    <p:sldId id="279" r:id="rId23"/>
-    <p:sldId id="288" r:id="rId24"/>
-    <p:sldId id="267" r:id="rId25"/>
+    <p:sldId id="298" r:id="rId21"/>
+    <p:sldId id="294" r:id="rId22"/>
+    <p:sldId id="295" r:id="rId23"/>
+    <p:sldId id="279" r:id="rId24"/>
+    <p:sldId id="288" r:id="rId25"/>
+    <p:sldId id="267" r:id="rId26"/>
   </p:sldIdLst>
   <p:sldSz cx="9144000" cy="6858000" type="screen4x3"/>
   <p:notesSz cx="6858000" cy="9144000"/>
@@ -6750,11 +6751,7 @@
             </a:r>
             <a:r>
               <a:rPr lang="en-US" dirty="0" smtClean="0"/>
-              <a:t> </a:t>
-            </a:r>
-            <a:r>
-              <a:rPr lang="en-US" dirty="0" smtClean="0"/>
-              <a:t>40 </a:t>
+              <a:t> 40 </a:t>
             </a:r>
             <a:r>
               <a:rPr lang="en-US" dirty="0" err="1" smtClean="0"/>
@@ -6821,11 +6818,7 @@
             </a:r>
             <a:r>
               <a:rPr lang="en-US" dirty="0" smtClean="0"/>
-              <a:t> </a:t>
-            </a:r>
-            <a:r>
-              <a:rPr lang="en-US" dirty="0" smtClean="0"/>
-              <a:t>91 </a:t>
+              <a:t> 91 </a:t>
             </a:r>
             <a:r>
               <a:rPr lang="en-US" dirty="0" err="1" smtClean="0"/>
@@ -7711,15 +7704,11 @@
             </a:r>
             <a:r>
               <a:rPr lang="en-US" dirty="0" smtClean="0"/>
-              <a:t> </a:t>
-            </a:r>
-            <a:r>
-              <a:rPr lang="en-US" dirty="0" err="1" smtClean="0"/>
-              <a:t>là</a:t>
-            </a:r>
-            <a:r>
-              <a:rPr lang="en-US" dirty="0" smtClean="0"/>
-              <a:t> GATE (ANNIE </a:t>
+              <a:t>: </a:t>
+            </a:r>
+            <a:r>
+              <a:rPr lang="en-US" dirty="0" smtClean="0"/>
+              <a:t>GATE (ANNIE </a:t>
             </a:r>
             <a:r>
               <a:rPr lang="en-US" dirty="0" err="1" smtClean="0"/>
@@ -9693,7 +9682,6 @@
               <a:rPr lang="en-US" dirty="0" smtClean="0"/>
               <a:t> RDF.</a:t>
             </a:r>
-            <a:endParaRPr lang="en-US" dirty="0" smtClean="0"/>
           </a:p>
         </p:txBody>
       </p:sp>
@@ -13475,6 +13463,196 @@
           <a:bodyPr/>
           <a:lstStyle/>
           <a:p>
+            <a:r>
+              <a:rPr lang="en-US" dirty="0" err="1" smtClean="0"/>
+              <a:t>Ứng</a:t>
+            </a:r>
+            <a:r>
+              <a:rPr lang="en-US" dirty="0" smtClean="0"/>
+              <a:t> </a:t>
+            </a:r>
+            <a:r>
+              <a:rPr lang="en-US" dirty="0" err="1" smtClean="0"/>
+              <a:t>dụng</a:t>
+            </a:r>
+            <a:r>
+              <a:rPr lang="en-US" dirty="0" smtClean="0"/>
+              <a:t>: Web-based</a:t>
+            </a:r>
+          </a:p>
+          <a:p>
+            <a:r>
+              <a:rPr lang="en-US" dirty="0" smtClean="0"/>
+              <a:t>Server: Tomcat</a:t>
+            </a:r>
+          </a:p>
+          <a:p>
+            <a:r>
+              <a:rPr lang="en-US" dirty="0" err="1" smtClean="0"/>
+              <a:t>Ngôn</a:t>
+            </a:r>
+            <a:r>
+              <a:rPr lang="en-US" dirty="0" smtClean="0"/>
+              <a:t> </a:t>
+            </a:r>
+            <a:r>
+              <a:rPr lang="en-US" dirty="0" err="1" smtClean="0"/>
+              <a:t>ngữ</a:t>
+            </a:r>
+            <a:r>
+              <a:rPr lang="en-US" dirty="0" smtClean="0"/>
+              <a:t>: Java</a:t>
+            </a:r>
+          </a:p>
+          <a:p>
+            <a:r>
+              <a:rPr lang="en-US" dirty="0" err="1" smtClean="0"/>
+              <a:t>Cơ</a:t>
+            </a:r>
+            <a:r>
+              <a:rPr lang="en-US" dirty="0" smtClean="0"/>
+              <a:t> </a:t>
+            </a:r>
+            <a:r>
+              <a:rPr lang="en-US" dirty="0" err="1" smtClean="0"/>
+              <a:t>sở</a:t>
+            </a:r>
+            <a:r>
+              <a:rPr lang="en-US" dirty="0" smtClean="0"/>
+              <a:t> </a:t>
+            </a:r>
+            <a:r>
+              <a:rPr lang="en-US" dirty="0" err="1" smtClean="0"/>
+              <a:t>dữ</a:t>
+            </a:r>
+            <a:r>
+              <a:rPr lang="en-US" dirty="0" smtClean="0"/>
+              <a:t> </a:t>
+            </a:r>
+            <a:r>
+              <a:rPr lang="en-US" dirty="0" err="1" smtClean="0"/>
+              <a:t>liệu</a:t>
+            </a:r>
+            <a:r>
+              <a:rPr lang="en-US" dirty="0" smtClean="0"/>
+              <a:t>: </a:t>
+            </a:r>
+          </a:p>
+          <a:p>
+            <a:pPr lvl="1"/>
+            <a:r>
+              <a:rPr lang="en-US" dirty="0" smtClean="0"/>
+              <a:t>Ontology: OWL file</a:t>
+            </a:r>
+          </a:p>
+          <a:p>
+            <a:pPr lvl="1"/>
+            <a:r>
+              <a:rPr lang="en-US" dirty="0" smtClean="0"/>
+              <a:t>Database: </a:t>
+            </a:r>
+            <a:r>
+              <a:rPr lang="en-US" dirty="0" err="1" smtClean="0"/>
+              <a:t>MySQL</a:t>
+            </a:r>
+            <a:endParaRPr lang="en-US" dirty="0"/>
+          </a:p>
+        </p:txBody>
+      </p:sp>
+    </p:spTree>
+  </p:cSld>
+  <p:clrMapOvr>
+    <a:masterClrMapping/>
+  </p:clrMapOvr>
+  <p:timing>
+    <p:tnLst>
+      <p:par>
+        <p:cTn id="1" dur="indefinite" restart="never" nodeType="tmRoot"/>
+      </p:par>
+    </p:tnLst>
+  </p:timing>
+</p:sld>
+</file>
+
+<file path=ppt/slides/slide21.xml><?xml version="1.0" encoding="utf-8"?>
+<p:sld xmlns:a="http://schemas.openxmlformats.org/drawingml/2006/main" xmlns:r="http://schemas.openxmlformats.org/officeDocument/2006/relationships" xmlns:p="http://schemas.openxmlformats.org/presentationml/2006/main">
+  <p:cSld>
+    <p:spTree>
+      <p:nvGrpSpPr>
+        <p:cNvPr id="1" name=""/>
+        <p:cNvGrpSpPr/>
+        <p:nvPr/>
+      </p:nvGrpSpPr>
+      <p:grpSpPr>
+        <a:xfrm>
+          <a:off x="0" y="0"/>
+          <a:ext cx="0" cy="0"/>
+          <a:chOff x="0" y="0"/>
+          <a:chExt cx="0" cy="0"/>
+        </a:xfrm>
+      </p:grpSpPr>
+      <p:sp>
+        <p:nvSpPr>
+          <p:cNvPr id="2" name="Title 1"/>
+          <p:cNvSpPr>
+            <a:spLocks noGrp="1"/>
+          </p:cNvSpPr>
+          <p:nvPr>
+            <p:ph type="title"/>
+          </p:nvPr>
+        </p:nvSpPr>
+        <p:spPr/>
+        <p:txBody>
+          <a:bodyPr/>
+          <a:lstStyle/>
+          <a:p>
+            <a:r>
+              <a:rPr lang="en-US" dirty="0" err="1" smtClean="0"/>
+              <a:t>Cấu</a:t>
+            </a:r>
+            <a:r>
+              <a:rPr lang="en-US" dirty="0" smtClean="0"/>
+              <a:t> </a:t>
+            </a:r>
+            <a:r>
+              <a:rPr lang="en-US" dirty="0" err="1" smtClean="0"/>
+              <a:t>trúc</a:t>
+            </a:r>
+            <a:r>
+              <a:rPr lang="en-US" dirty="0" smtClean="0"/>
+              <a:t> </a:t>
+            </a:r>
+            <a:r>
+              <a:rPr lang="en-US" dirty="0" err="1" smtClean="0"/>
+              <a:t>chương</a:t>
+            </a:r>
+            <a:r>
+              <a:rPr lang="en-US" dirty="0" smtClean="0"/>
+              <a:t> </a:t>
+            </a:r>
+            <a:r>
+              <a:rPr lang="en-US" dirty="0" err="1" smtClean="0"/>
+              <a:t>trình</a:t>
+            </a:r>
+            <a:endParaRPr lang="en-US" dirty="0"/>
+          </a:p>
+        </p:txBody>
+      </p:sp>
+      <p:sp>
+        <p:nvSpPr>
+          <p:cNvPr id="3" name="Content Placeholder 2"/>
+          <p:cNvSpPr>
+            <a:spLocks noGrp="1"/>
+          </p:cNvSpPr>
+          <p:nvPr>
+            <p:ph idx="1"/>
+          </p:nvPr>
+        </p:nvSpPr>
+        <p:spPr/>
+        <p:txBody>
+          <a:bodyPr/>
+          <a:lstStyle/>
+          <a:p>
             <a:endParaRPr lang="en-US" dirty="0"/>
           </a:p>
         </p:txBody>
@@ -13526,525 +13704,6 @@
 </p:sld>
 </file>
 
-<file path=ppt/slides/slide21.xml><?xml version="1.0" encoding="utf-8"?>
-<p:sld xmlns:a="http://schemas.openxmlformats.org/drawingml/2006/main" xmlns:r="http://schemas.openxmlformats.org/officeDocument/2006/relationships" xmlns:p="http://schemas.openxmlformats.org/presentationml/2006/main">
-  <p:cSld>
-    <p:spTree>
-      <p:nvGrpSpPr>
-        <p:cNvPr id="1" name=""/>
-        <p:cNvGrpSpPr/>
-        <p:nvPr/>
-      </p:nvGrpSpPr>
-      <p:grpSpPr>
-        <a:xfrm>
-          <a:off x="0" y="0"/>
-          <a:ext cx="0" cy="0"/>
-          <a:chOff x="0" y="0"/>
-          <a:chExt cx="0" cy="0"/>
-        </a:xfrm>
-      </p:grpSpPr>
-      <p:sp>
-        <p:nvSpPr>
-          <p:cNvPr id="2" name="Title 1"/>
-          <p:cNvSpPr>
-            <a:spLocks noGrp="1"/>
-          </p:cNvSpPr>
-          <p:nvPr>
-            <p:ph type="title"/>
-          </p:nvPr>
-        </p:nvSpPr>
-        <p:spPr/>
-        <p:txBody>
-          <a:bodyPr/>
-          <a:lstStyle/>
-          <a:p>
-            <a:r>
-              <a:rPr lang="en-US" dirty="0" err="1" smtClean="0"/>
-              <a:t>Kết</a:t>
-            </a:r>
-            <a:r>
-              <a:rPr lang="en-US" dirty="0" smtClean="0"/>
-              <a:t> </a:t>
-            </a:r>
-            <a:r>
-              <a:rPr lang="en-US" dirty="0" err="1" smtClean="0"/>
-              <a:t>quả</a:t>
-            </a:r>
-            <a:r>
-              <a:rPr lang="en-US" dirty="0" smtClean="0"/>
-              <a:t> </a:t>
-            </a:r>
-            <a:r>
-              <a:rPr lang="en-US" dirty="0" err="1" smtClean="0"/>
-              <a:t>dự</a:t>
-            </a:r>
-            <a:r>
-              <a:rPr lang="en-US" dirty="0" smtClean="0"/>
-              <a:t> </a:t>
-            </a:r>
-            <a:r>
-              <a:rPr lang="en-US" dirty="0" err="1" smtClean="0"/>
-              <a:t>kiến</a:t>
-            </a:r>
-            <a:endParaRPr lang="en-US" dirty="0"/>
-          </a:p>
-        </p:txBody>
-      </p:sp>
-      <p:sp>
-        <p:nvSpPr>
-          <p:cNvPr id="3" name="Content Placeholder 2"/>
-          <p:cNvSpPr>
-            <a:spLocks noGrp="1"/>
-          </p:cNvSpPr>
-          <p:nvPr>
-            <p:ph idx="1"/>
-          </p:nvPr>
-        </p:nvSpPr>
-        <p:spPr/>
-        <p:txBody>
-          <a:bodyPr/>
-          <a:lstStyle/>
-          <a:p>
-            <a:r>
-              <a:rPr lang="en-US" dirty="0" err="1" smtClean="0"/>
-              <a:t>Kết</a:t>
-            </a:r>
-            <a:r>
-              <a:rPr lang="en-US" dirty="0" smtClean="0"/>
-              <a:t> </a:t>
-            </a:r>
-            <a:r>
-              <a:rPr lang="en-US" dirty="0" err="1" smtClean="0"/>
-              <a:t>quả</a:t>
-            </a:r>
-            <a:r>
-              <a:rPr lang="en-US" dirty="0" smtClean="0"/>
-              <a:t> </a:t>
-            </a:r>
-            <a:r>
-              <a:rPr lang="en-US" dirty="0" err="1" smtClean="0"/>
-              <a:t>nhóm</a:t>
-            </a:r>
-            <a:r>
-              <a:rPr lang="en-US" dirty="0" smtClean="0"/>
-              <a:t> </a:t>
-            </a:r>
-            <a:r>
-              <a:rPr lang="en-US" dirty="0" err="1" smtClean="0"/>
-              <a:t>mong</a:t>
-            </a:r>
-            <a:r>
-              <a:rPr lang="en-US" dirty="0" smtClean="0"/>
-              <a:t> </a:t>
-            </a:r>
-            <a:r>
-              <a:rPr lang="en-US" dirty="0" err="1" smtClean="0"/>
-              <a:t>muốn</a:t>
-            </a:r>
-            <a:r>
-              <a:rPr lang="en-US" dirty="0" smtClean="0"/>
-              <a:t> </a:t>
-            </a:r>
-            <a:r>
-              <a:rPr lang="en-US" dirty="0" err="1" smtClean="0"/>
-              <a:t>đạt</a:t>
-            </a:r>
-            <a:r>
-              <a:rPr lang="en-US" dirty="0" smtClean="0"/>
-              <a:t> </a:t>
-            </a:r>
-            <a:r>
-              <a:rPr lang="en-US" dirty="0" err="1" smtClean="0"/>
-              <a:t>được</a:t>
-            </a:r>
-            <a:r>
-              <a:rPr lang="en-US" dirty="0" smtClean="0"/>
-              <a:t> </a:t>
-            </a:r>
-            <a:r>
-              <a:rPr lang="en-US" dirty="0" err="1" smtClean="0"/>
-              <a:t>là</a:t>
-            </a:r>
-            <a:r>
-              <a:rPr lang="en-US" dirty="0" smtClean="0"/>
-              <a:t> </a:t>
-            </a:r>
-            <a:r>
-              <a:rPr lang="en-US" dirty="0" err="1" smtClean="0"/>
-              <a:t>một</a:t>
-            </a:r>
-            <a:r>
-              <a:rPr lang="en-US" dirty="0" smtClean="0"/>
-              <a:t> </a:t>
-            </a:r>
-            <a:r>
-              <a:rPr lang="en-US" dirty="0" err="1" smtClean="0"/>
-              <a:t>hệ</a:t>
-            </a:r>
-            <a:r>
-              <a:rPr lang="en-US" dirty="0" smtClean="0"/>
-              <a:t> </a:t>
-            </a:r>
-            <a:r>
-              <a:rPr lang="en-US" dirty="0" err="1" smtClean="0"/>
-              <a:t>thống</a:t>
-            </a:r>
-            <a:r>
-              <a:rPr lang="en-US" dirty="0" smtClean="0"/>
-              <a:t> </a:t>
-            </a:r>
-            <a:r>
-              <a:rPr lang="en-US" dirty="0" err="1" smtClean="0"/>
-              <a:t>hỏi</a:t>
-            </a:r>
-            <a:r>
-              <a:rPr lang="en-US" dirty="0" smtClean="0"/>
-              <a:t> </a:t>
-            </a:r>
-            <a:r>
-              <a:rPr lang="en-US" dirty="0" err="1" smtClean="0"/>
-              <a:t>đáp</a:t>
-            </a:r>
-            <a:r>
-              <a:rPr lang="en-US" dirty="0" smtClean="0"/>
-              <a:t> </a:t>
-            </a:r>
-            <a:r>
-              <a:rPr lang="en-US" dirty="0" err="1" smtClean="0"/>
-              <a:t>thân</a:t>
-            </a:r>
-            <a:r>
-              <a:rPr lang="en-US" dirty="0" smtClean="0"/>
-              <a:t> </a:t>
-            </a:r>
-            <a:r>
-              <a:rPr lang="en-US" dirty="0" err="1" smtClean="0"/>
-              <a:t>thiện</a:t>
-            </a:r>
-            <a:r>
-              <a:rPr lang="en-US" dirty="0" smtClean="0"/>
-              <a:t> </a:t>
-            </a:r>
-            <a:r>
-              <a:rPr lang="en-US" dirty="0" err="1" smtClean="0"/>
-              <a:t>với</a:t>
-            </a:r>
-            <a:r>
-              <a:rPr lang="en-US" dirty="0" smtClean="0"/>
-              <a:t> </a:t>
-            </a:r>
-            <a:r>
-              <a:rPr lang="en-US" dirty="0" err="1" smtClean="0"/>
-              <a:t>người</a:t>
-            </a:r>
-            <a:r>
-              <a:rPr lang="en-US" dirty="0" smtClean="0"/>
-              <a:t> </a:t>
-            </a:r>
-            <a:r>
-              <a:rPr lang="en-US" dirty="0" err="1" smtClean="0"/>
-              <a:t>dùng</a:t>
-            </a:r>
-            <a:r>
-              <a:rPr lang="en-US" dirty="0" smtClean="0"/>
-              <a:t> . </a:t>
-            </a:r>
-          </a:p>
-          <a:p>
-            <a:r>
-              <a:rPr lang="en-US" dirty="0" err="1" smtClean="0"/>
-              <a:t>Các</a:t>
-            </a:r>
-            <a:r>
-              <a:rPr lang="en-US" dirty="0" smtClean="0"/>
-              <a:t> </a:t>
-            </a:r>
-            <a:r>
-              <a:rPr lang="en-US" dirty="0" err="1" smtClean="0"/>
-              <a:t>câu</a:t>
-            </a:r>
-            <a:r>
-              <a:rPr lang="en-US" dirty="0" smtClean="0"/>
-              <a:t> </a:t>
-            </a:r>
-            <a:r>
-              <a:rPr lang="en-US" dirty="0" err="1" smtClean="0"/>
-              <a:t>trả</a:t>
-            </a:r>
-            <a:r>
-              <a:rPr lang="en-US" dirty="0" smtClean="0"/>
-              <a:t> </a:t>
-            </a:r>
-            <a:r>
-              <a:rPr lang="en-US" dirty="0" err="1" smtClean="0"/>
-              <a:t>lời</a:t>
-            </a:r>
-            <a:r>
-              <a:rPr lang="en-US" dirty="0" smtClean="0"/>
-              <a:t> </a:t>
-            </a:r>
-            <a:r>
-              <a:rPr lang="en-US" dirty="0" err="1" smtClean="0"/>
-              <a:t>được</a:t>
-            </a:r>
-            <a:r>
-              <a:rPr lang="en-US" dirty="0" smtClean="0"/>
-              <a:t> </a:t>
-            </a:r>
-            <a:r>
-              <a:rPr lang="en-US" dirty="0" err="1" smtClean="0"/>
-              <a:t>xử</a:t>
-            </a:r>
-            <a:r>
-              <a:rPr lang="en-US" dirty="0" smtClean="0"/>
-              <a:t> </a:t>
-            </a:r>
-            <a:r>
-              <a:rPr lang="en-US" dirty="0" err="1" smtClean="0"/>
-              <a:t>lý</a:t>
-            </a:r>
-            <a:r>
-              <a:rPr lang="en-US" dirty="0" smtClean="0"/>
-              <a:t> </a:t>
-            </a:r>
-            <a:r>
-              <a:rPr lang="en-US" dirty="0" err="1" smtClean="0"/>
-              <a:t>và</a:t>
-            </a:r>
-            <a:r>
-              <a:rPr lang="en-US" dirty="0" smtClean="0"/>
-              <a:t> </a:t>
-            </a:r>
-            <a:r>
-              <a:rPr lang="en-US" dirty="0" err="1" smtClean="0"/>
-              <a:t>hiển</a:t>
-            </a:r>
-            <a:r>
-              <a:rPr lang="en-US" dirty="0" smtClean="0"/>
-              <a:t> </a:t>
-            </a:r>
-            <a:r>
-              <a:rPr lang="en-US" dirty="0" err="1" smtClean="0"/>
-              <a:t>thị</a:t>
-            </a:r>
-            <a:r>
-              <a:rPr lang="en-US" dirty="0" smtClean="0"/>
-              <a:t> </a:t>
-            </a:r>
-            <a:r>
-              <a:rPr lang="en-US" dirty="0" err="1" smtClean="0"/>
-              <a:t>theo</a:t>
-            </a:r>
-            <a:r>
-              <a:rPr lang="en-US" dirty="0" smtClean="0"/>
-              <a:t> </a:t>
-            </a:r>
-            <a:r>
-              <a:rPr lang="en-US" dirty="0" err="1" smtClean="0"/>
-              <a:t>ngôn</a:t>
-            </a:r>
-            <a:r>
-              <a:rPr lang="en-US" dirty="0" smtClean="0"/>
-              <a:t> </a:t>
-            </a:r>
-            <a:r>
-              <a:rPr lang="en-US" dirty="0" err="1" smtClean="0"/>
-              <a:t>ngữ</a:t>
-            </a:r>
-            <a:r>
-              <a:rPr lang="en-US" dirty="0" smtClean="0"/>
-              <a:t> </a:t>
-            </a:r>
-            <a:r>
-              <a:rPr lang="en-US" dirty="0" err="1" smtClean="0"/>
-              <a:t>tự</a:t>
-            </a:r>
-            <a:r>
-              <a:rPr lang="en-US" dirty="0" smtClean="0"/>
-              <a:t> </a:t>
-            </a:r>
-            <a:r>
-              <a:rPr lang="en-US" dirty="0" err="1" smtClean="0"/>
-              <a:t>nhiên</a:t>
-            </a:r>
-            <a:r>
-              <a:rPr lang="en-US" dirty="0" smtClean="0"/>
-              <a:t>. </a:t>
-            </a:r>
-          </a:p>
-          <a:p>
-            <a:r>
-              <a:rPr lang="en-US" dirty="0" err="1" smtClean="0"/>
-              <a:t>Hệ</a:t>
-            </a:r>
-            <a:r>
-              <a:rPr lang="en-US" dirty="0" smtClean="0"/>
-              <a:t> </a:t>
-            </a:r>
-            <a:r>
-              <a:rPr lang="en-US" dirty="0" err="1" smtClean="0"/>
-              <a:t>thống</a:t>
-            </a:r>
-            <a:r>
-              <a:rPr lang="en-US" dirty="0" smtClean="0"/>
-              <a:t> </a:t>
-            </a:r>
-            <a:r>
-              <a:rPr lang="en-US" dirty="0" err="1" smtClean="0"/>
-              <a:t>đáp</a:t>
-            </a:r>
-            <a:r>
-              <a:rPr lang="en-US" dirty="0" smtClean="0"/>
-              <a:t> </a:t>
-            </a:r>
-            <a:r>
-              <a:rPr lang="en-US" dirty="0" err="1" smtClean="0"/>
-              <a:t>ứng</a:t>
-            </a:r>
-            <a:r>
-              <a:rPr lang="en-US" dirty="0" smtClean="0"/>
-              <a:t> </a:t>
-            </a:r>
-            <a:r>
-              <a:rPr lang="en-US" dirty="0" err="1" smtClean="0"/>
-              <a:t>được</a:t>
-            </a:r>
-            <a:r>
-              <a:rPr lang="en-US" dirty="0" smtClean="0"/>
-              <a:t> </a:t>
-            </a:r>
-            <a:r>
-              <a:rPr lang="en-US" dirty="0" err="1" smtClean="0"/>
-              <a:t>khoảng</a:t>
-            </a:r>
-            <a:r>
-              <a:rPr lang="en-US" dirty="0" smtClean="0"/>
-              <a:t> 90% </a:t>
-            </a:r>
-            <a:r>
-              <a:rPr lang="en-US" dirty="0" err="1" smtClean="0"/>
-              <a:t>các</a:t>
-            </a:r>
-            <a:r>
-              <a:rPr lang="en-US" dirty="0" smtClean="0"/>
-              <a:t> </a:t>
-            </a:r>
-            <a:r>
-              <a:rPr lang="en-US" dirty="0" err="1" smtClean="0"/>
-              <a:t>mẫu</a:t>
-            </a:r>
-            <a:r>
-              <a:rPr lang="en-US" dirty="0" smtClean="0"/>
-              <a:t> </a:t>
-            </a:r>
-            <a:r>
-              <a:rPr lang="en-US" dirty="0" err="1" smtClean="0"/>
-              <a:t>câu</a:t>
-            </a:r>
-            <a:r>
-              <a:rPr lang="en-US" dirty="0" smtClean="0"/>
-              <a:t> </a:t>
-            </a:r>
-            <a:r>
-              <a:rPr lang="en-US" dirty="0" err="1" smtClean="0"/>
-              <a:t>hỏi</a:t>
-            </a:r>
-            <a:r>
-              <a:rPr lang="en-US" dirty="0" smtClean="0"/>
-              <a:t> </a:t>
-            </a:r>
-            <a:r>
-              <a:rPr lang="en-US" dirty="0" err="1" smtClean="0"/>
-              <a:t>dự</a:t>
-            </a:r>
-            <a:r>
-              <a:rPr lang="en-US" dirty="0" smtClean="0"/>
-              <a:t> </a:t>
-            </a:r>
-            <a:r>
-              <a:rPr lang="en-US" dirty="0" err="1" smtClean="0"/>
-              <a:t>kiến</a:t>
-            </a:r>
-            <a:r>
-              <a:rPr lang="en-US" dirty="0" smtClean="0"/>
-              <a:t> (</a:t>
-            </a:r>
-            <a:r>
-              <a:rPr lang="en-US" dirty="0" err="1" smtClean="0"/>
-              <a:t>được</a:t>
-            </a:r>
-            <a:r>
-              <a:rPr lang="en-US" dirty="0" smtClean="0"/>
-              <a:t> </a:t>
-            </a:r>
-            <a:r>
-              <a:rPr lang="en-US" dirty="0" err="1" smtClean="0"/>
-              <a:t>đề</a:t>
-            </a:r>
-            <a:r>
-              <a:rPr lang="en-US" dirty="0" smtClean="0"/>
-              <a:t> </a:t>
-            </a:r>
-            <a:r>
-              <a:rPr lang="en-US" dirty="0" err="1" smtClean="0"/>
-              <a:t>cập</a:t>
-            </a:r>
-            <a:r>
-              <a:rPr lang="en-US" dirty="0" smtClean="0"/>
-              <a:t> </a:t>
-            </a:r>
-            <a:r>
-              <a:rPr lang="en-US" dirty="0" err="1" smtClean="0"/>
-              <a:t>trong</a:t>
-            </a:r>
-            <a:r>
-              <a:rPr lang="en-US" dirty="0" smtClean="0"/>
-              <a:t> </a:t>
-            </a:r>
-            <a:r>
-              <a:rPr lang="en-US" dirty="0" err="1" smtClean="0"/>
-              <a:t>Đề</a:t>
-            </a:r>
-            <a:r>
-              <a:rPr lang="en-US" dirty="0" smtClean="0"/>
-              <a:t> </a:t>
-            </a:r>
-            <a:r>
-              <a:rPr lang="en-US" dirty="0" err="1" smtClean="0"/>
-              <a:t>Cương</a:t>
-            </a:r>
-            <a:r>
-              <a:rPr lang="en-US" dirty="0" smtClean="0"/>
-              <a:t> </a:t>
-            </a:r>
-            <a:r>
-              <a:rPr lang="en-US" dirty="0" err="1" smtClean="0"/>
-              <a:t>của</a:t>
-            </a:r>
-            <a:r>
-              <a:rPr lang="en-US" dirty="0" smtClean="0"/>
-              <a:t> </a:t>
-            </a:r>
-            <a:r>
-              <a:rPr lang="en-US" dirty="0" err="1" smtClean="0"/>
-              <a:t>nhóm</a:t>
-            </a:r>
-            <a:r>
-              <a:rPr lang="en-US" dirty="0" smtClean="0"/>
-              <a:t>)</a:t>
-            </a:r>
-            <a:endParaRPr lang="en-US" dirty="0"/>
-          </a:p>
-        </p:txBody>
-      </p:sp>
-    </p:spTree>
-  </p:cSld>
-  <p:clrMapOvr>
-    <a:masterClrMapping/>
-  </p:clrMapOvr>
-</p:sld>
-</file>
-
 <file path=ppt/slides/slide22.xml><?xml version="1.0" encoding="utf-8"?>
 <p:sld xmlns:a="http://schemas.openxmlformats.org/drawingml/2006/main" xmlns:r="http://schemas.openxmlformats.org/officeDocument/2006/relationships" xmlns:p="http://schemas.openxmlformats.org/presentationml/2006/main">
   <p:cSld>
@@ -14079,15 +13738,31 @@
           <a:p>
             <a:r>
               <a:rPr lang="en-US" dirty="0" err="1" smtClean="0"/>
-              <a:t>Tham</a:t>
-            </a:r>
-            <a:r>
-              <a:rPr lang="en-US" dirty="0" smtClean="0"/>
-              <a:t> </a:t>
-            </a:r>
-            <a:r>
-              <a:rPr lang="en-US" dirty="0" err="1" smtClean="0"/>
-              <a:t>khảo</a:t>
+              <a:t>Kết</a:t>
+            </a:r>
+            <a:r>
+              <a:rPr lang="en-US" dirty="0" smtClean="0"/>
+              <a:t> </a:t>
+            </a:r>
+            <a:r>
+              <a:rPr lang="en-US" dirty="0" err="1" smtClean="0"/>
+              <a:t>quả</a:t>
+            </a:r>
+            <a:r>
+              <a:rPr lang="en-US" dirty="0" smtClean="0"/>
+              <a:t> </a:t>
+            </a:r>
+            <a:r>
+              <a:rPr lang="en-US" dirty="0" err="1" smtClean="0"/>
+              <a:t>dự</a:t>
+            </a:r>
+            <a:r>
+              <a:rPr lang="en-US" dirty="0" smtClean="0"/>
+              <a:t> </a:t>
+            </a:r>
+            <a:r>
+              <a:rPr lang="en-US" dirty="0" err="1" smtClean="0"/>
+              <a:t>kiến</a:t>
             </a:r>
             <a:endParaRPr lang="en-US" dirty="0"/>
           </a:p>
@@ -14109,30 +13784,242 @@
           <a:lstStyle/>
           <a:p>
             <a:r>
-              <a:rPr lang="en-US" dirty="0" smtClean="0"/>
-              <a:t>[1]</a:t>
-            </a:r>
-            <a:r>
-              <a:rPr lang="en-US" u="sng" dirty="0" smtClean="0">
-                <a:hlinkClick r:id="rId2"/>
-              </a:rPr>
-              <a:t>http://www.phpvn.org/index.php?topic=133.0;wap2</a:t>
-            </a:r>
-            <a:r>
-              <a:rPr lang="en-US" dirty="0" smtClean="0"/>
-              <a:t>, </a:t>
-            </a:r>
-            <a:r>
-              <a:rPr lang="en-US" dirty="0" err="1" smtClean="0"/>
-              <a:t>phần</a:t>
-            </a:r>
-            <a:r>
-              <a:rPr lang="en-US" dirty="0" smtClean="0"/>
-              <a:t> </a:t>
-            </a:r>
-            <a:r>
-              <a:rPr lang="en-US" dirty="0" err="1" smtClean="0"/>
-              <a:t>Ngôn</a:t>
+              <a:rPr lang="en-US" dirty="0" err="1" smtClean="0"/>
+              <a:t>Kết</a:t>
+            </a:r>
+            <a:r>
+              <a:rPr lang="en-US" dirty="0" smtClean="0"/>
+              <a:t> </a:t>
+            </a:r>
+            <a:r>
+              <a:rPr lang="en-US" dirty="0" err="1" smtClean="0"/>
+              <a:t>quả</a:t>
+            </a:r>
+            <a:r>
+              <a:rPr lang="en-US" dirty="0" smtClean="0"/>
+              <a:t> </a:t>
+            </a:r>
+            <a:r>
+              <a:rPr lang="en-US" dirty="0" err="1" smtClean="0"/>
+              <a:t>nhóm</a:t>
+            </a:r>
+            <a:r>
+              <a:rPr lang="en-US" dirty="0" smtClean="0"/>
+              <a:t> </a:t>
+            </a:r>
+            <a:r>
+              <a:rPr lang="en-US" dirty="0" err="1" smtClean="0"/>
+              <a:t>mong</a:t>
+            </a:r>
+            <a:r>
+              <a:rPr lang="en-US" dirty="0" smtClean="0"/>
+              <a:t> </a:t>
+            </a:r>
+            <a:r>
+              <a:rPr lang="en-US" dirty="0" err="1" smtClean="0"/>
+              <a:t>muốn</a:t>
+            </a:r>
+            <a:r>
+              <a:rPr lang="en-US" dirty="0" smtClean="0"/>
+              <a:t> </a:t>
+            </a:r>
+            <a:r>
+              <a:rPr lang="en-US" dirty="0" err="1" smtClean="0"/>
+              <a:t>đạt</a:t>
+            </a:r>
+            <a:r>
+              <a:rPr lang="en-US" dirty="0" smtClean="0"/>
+              <a:t> </a:t>
+            </a:r>
+            <a:r>
+              <a:rPr lang="en-US" dirty="0" err="1" smtClean="0"/>
+              <a:t>được</a:t>
+            </a:r>
+            <a:r>
+              <a:rPr lang="en-US" dirty="0" smtClean="0"/>
+              <a:t> </a:t>
+            </a:r>
+            <a:r>
+              <a:rPr lang="en-US" dirty="0" err="1" smtClean="0"/>
+              <a:t>là</a:t>
+            </a:r>
+            <a:r>
+              <a:rPr lang="en-US" dirty="0" smtClean="0"/>
+              <a:t> </a:t>
+            </a:r>
+            <a:r>
+              <a:rPr lang="en-US" dirty="0" err="1" smtClean="0"/>
+              <a:t>một</a:t>
+            </a:r>
+            <a:r>
+              <a:rPr lang="en-US" dirty="0" smtClean="0"/>
+              <a:t> </a:t>
+            </a:r>
+            <a:r>
+              <a:rPr lang="en-US" dirty="0" err="1" smtClean="0"/>
+              <a:t>hệ</a:t>
+            </a:r>
+            <a:r>
+              <a:rPr lang="en-US" dirty="0" smtClean="0"/>
+              <a:t> </a:t>
+            </a:r>
+            <a:r>
+              <a:rPr lang="en-US" dirty="0" err="1" smtClean="0"/>
+              <a:t>thống</a:t>
+            </a:r>
+            <a:r>
+              <a:rPr lang="en-US" dirty="0" smtClean="0"/>
+              <a:t> </a:t>
+            </a:r>
+            <a:r>
+              <a:rPr lang="en-US" dirty="0" err="1" smtClean="0"/>
+              <a:t>hỏi</a:t>
+            </a:r>
+            <a:r>
+              <a:rPr lang="en-US" dirty="0" smtClean="0"/>
+              <a:t> </a:t>
+            </a:r>
+            <a:r>
+              <a:rPr lang="en-US" dirty="0" err="1" smtClean="0"/>
+              <a:t>đáp</a:t>
+            </a:r>
+            <a:r>
+              <a:rPr lang="en-US" dirty="0" smtClean="0"/>
+              <a:t> </a:t>
+            </a:r>
+            <a:r>
+              <a:rPr lang="en-US" dirty="0" err="1" smtClean="0"/>
+              <a:t>thân</a:t>
+            </a:r>
+            <a:r>
+              <a:rPr lang="en-US" dirty="0" smtClean="0"/>
+              <a:t> </a:t>
+            </a:r>
+            <a:r>
+              <a:rPr lang="en-US" dirty="0" err="1" smtClean="0"/>
+              <a:t>thiện</a:t>
+            </a:r>
+            <a:r>
+              <a:rPr lang="en-US" dirty="0" smtClean="0"/>
+              <a:t> </a:t>
+            </a:r>
+            <a:r>
+              <a:rPr lang="en-US" dirty="0" err="1" smtClean="0"/>
+              <a:t>với</a:t>
+            </a:r>
+            <a:r>
+              <a:rPr lang="en-US" dirty="0" smtClean="0"/>
+              <a:t> </a:t>
+            </a:r>
+            <a:r>
+              <a:rPr lang="en-US" dirty="0" err="1" smtClean="0"/>
+              <a:t>người</a:t>
+            </a:r>
+            <a:r>
+              <a:rPr lang="en-US" dirty="0" smtClean="0"/>
+              <a:t> </a:t>
+            </a:r>
+            <a:r>
+              <a:rPr lang="en-US" dirty="0" err="1" smtClean="0"/>
+              <a:t>dùng</a:t>
+            </a:r>
+            <a:r>
+              <a:rPr lang="en-US" dirty="0" smtClean="0"/>
+              <a:t> . </a:t>
+            </a:r>
+          </a:p>
+          <a:p>
+            <a:r>
+              <a:rPr lang="en-US" dirty="0" err="1" smtClean="0"/>
+              <a:t>Các</a:t>
+            </a:r>
+            <a:r>
+              <a:rPr lang="en-US" dirty="0" smtClean="0"/>
+              <a:t> </a:t>
+            </a:r>
+            <a:r>
+              <a:rPr lang="en-US" dirty="0" err="1" smtClean="0"/>
+              <a:t>câu</a:t>
+            </a:r>
+            <a:r>
+              <a:rPr lang="en-US" dirty="0" smtClean="0"/>
+              <a:t> </a:t>
+            </a:r>
+            <a:r>
+              <a:rPr lang="en-US" dirty="0" err="1" smtClean="0"/>
+              <a:t>trả</a:t>
+            </a:r>
+            <a:r>
+              <a:rPr lang="en-US" dirty="0" smtClean="0"/>
+              <a:t> </a:t>
+            </a:r>
+            <a:r>
+              <a:rPr lang="en-US" dirty="0" err="1" smtClean="0"/>
+              <a:t>lời</a:t>
+            </a:r>
+            <a:r>
+              <a:rPr lang="en-US" dirty="0" smtClean="0"/>
+              <a:t> </a:t>
+            </a:r>
+            <a:r>
+              <a:rPr lang="en-US" dirty="0" err="1" smtClean="0"/>
+              <a:t>được</a:t>
+            </a:r>
+            <a:r>
+              <a:rPr lang="en-US" dirty="0" smtClean="0"/>
+              <a:t> </a:t>
+            </a:r>
+            <a:r>
+              <a:rPr lang="en-US" dirty="0" err="1" smtClean="0"/>
+              <a:t>xử</a:t>
+            </a:r>
+            <a:r>
+              <a:rPr lang="en-US" dirty="0" smtClean="0"/>
+              <a:t> </a:t>
+            </a:r>
+            <a:r>
+              <a:rPr lang="en-US" dirty="0" err="1" smtClean="0"/>
+              <a:t>lý</a:t>
+            </a:r>
+            <a:r>
+              <a:rPr lang="en-US" dirty="0" smtClean="0"/>
+              <a:t> </a:t>
+            </a:r>
+            <a:r>
+              <a:rPr lang="en-US" dirty="0" err="1" smtClean="0"/>
+              <a:t>và</a:t>
+            </a:r>
+            <a:r>
+              <a:rPr lang="en-US" dirty="0" smtClean="0"/>
+              <a:t> </a:t>
+            </a:r>
+            <a:r>
+              <a:rPr lang="en-US" dirty="0" err="1" smtClean="0"/>
+              <a:t>hiển</a:t>
+            </a:r>
+            <a:r>
+              <a:rPr lang="en-US" dirty="0" smtClean="0"/>
+              <a:t> </a:t>
+            </a:r>
+            <a:r>
+              <a:rPr lang="en-US" dirty="0" err="1" smtClean="0"/>
+              <a:t>thị</a:t>
+            </a:r>
+            <a:r>
+              <a:rPr lang="en-US" dirty="0" smtClean="0"/>
+              <a:t> </a:t>
+            </a:r>
+            <a:r>
+              <a:rPr lang="en-US" dirty="0" err="1" smtClean="0"/>
+              <a:t>theo</a:t>
+            </a:r>
+            <a:r>
+              <a:rPr lang="en-US" dirty="0" smtClean="0"/>
+              <a:t> </a:t>
+            </a:r>
+            <a:r>
+              <a:rPr lang="en-US" dirty="0" err="1" smtClean="0"/>
+              <a:t>ngôn</a:t>
             </a:r>
             <a:r>
               <a:rPr lang="en-US" dirty="0" smtClean="0"/>
@@ -14144,124 +14031,187 @@
             </a:r>
             <a:r>
               <a:rPr lang="en-US" dirty="0" smtClean="0"/>
-              <a:t> Web ontology </a:t>
-            </a:r>
-            <a:r>
-              <a:rPr lang="en-US" dirty="0" err="1" smtClean="0"/>
-              <a:t>và</a:t>
-            </a:r>
-            <a:r>
-              <a:rPr lang="en-US" dirty="0" smtClean="0"/>
-              <a:t> </a:t>
-            </a:r>
-            <a:r>
-              <a:rPr lang="en-US" dirty="0" err="1" smtClean="0"/>
-              <a:t>khái</a:t>
-            </a:r>
-            <a:r>
-              <a:rPr lang="en-US" dirty="0" smtClean="0"/>
-              <a:t> </a:t>
-            </a:r>
-            <a:r>
-              <a:rPr lang="en-US" dirty="0" err="1" smtClean="0"/>
-              <a:t>niệm</a:t>
-            </a:r>
-            <a:r>
-              <a:rPr lang="en-US" dirty="0" smtClean="0"/>
-              <a:t> </a:t>
-            </a:r>
-            <a:r>
-              <a:rPr lang="en-US" dirty="0" err="1" smtClean="0"/>
-              <a:t>về</a:t>
-            </a:r>
-            <a:r>
-              <a:rPr lang="en-US" dirty="0" smtClean="0"/>
-              <a:t> Ontology</a:t>
-            </a:r>
-          </a:p>
-          <a:p>
-            <a:r>
-              <a:rPr lang="en-US" dirty="0" smtClean="0"/>
-              <a:t>[2] “A Question Answering System based on Conceptual Graph Formalism”, </a:t>
-            </a:r>
-            <a:r>
-              <a:rPr lang="en-US" dirty="0" err="1" smtClean="0"/>
-              <a:t>Wael</a:t>
-            </a:r>
-            <a:r>
-              <a:rPr lang="en-US" dirty="0" smtClean="0"/>
-              <a:t> </a:t>
-            </a:r>
-            <a:r>
-              <a:rPr lang="en-US" dirty="0" err="1" smtClean="0"/>
-              <a:t>Salloum</a:t>
-            </a:r>
-            <a:r>
-              <a:rPr lang="en-US" dirty="0" smtClean="0"/>
-              <a:t> , 2009.</a:t>
-            </a:r>
-          </a:p>
-          <a:p>
-            <a:r>
-              <a:rPr lang="en-US" dirty="0" smtClean="0"/>
-              <a:t>[3] “Automatic Question Pattern Generation for Ontology-based Question”, </a:t>
-            </a:r>
-            <a:r>
-              <a:rPr lang="en-US" dirty="0" err="1" smtClean="0"/>
-              <a:t>Shiyan</a:t>
-            </a:r>
-            <a:r>
-              <a:rPr lang="en-US" dirty="0" smtClean="0"/>
-              <a:t> </a:t>
-            </a:r>
-            <a:r>
-              <a:rPr lang="en-US" dirty="0" err="1" smtClean="0"/>
-              <a:t>Ou</a:t>
-            </a:r>
-            <a:r>
-              <a:rPr lang="en-US" dirty="0" smtClean="0"/>
-              <a:t>, </a:t>
-            </a:r>
-            <a:r>
-              <a:rPr lang="en-US" dirty="0" err="1" smtClean="0"/>
-              <a:t>Constantin</a:t>
-            </a:r>
-            <a:r>
-              <a:rPr lang="en-US" dirty="0" smtClean="0"/>
-              <a:t> </a:t>
-            </a:r>
-            <a:r>
-              <a:rPr lang="en-US" dirty="0" err="1" smtClean="0"/>
-              <a:t>Orasan</a:t>
-            </a:r>
-            <a:r>
-              <a:rPr lang="en-US" dirty="0" smtClean="0"/>
-              <a:t>, </a:t>
-            </a:r>
-            <a:r>
-              <a:rPr lang="en-US" dirty="0" err="1" smtClean="0"/>
-              <a:t>Dalila</a:t>
-            </a:r>
-            <a:r>
-              <a:rPr lang="en-US" dirty="0" smtClean="0"/>
-              <a:t> </a:t>
-            </a:r>
-            <a:r>
-              <a:rPr lang="en-US" dirty="0" err="1" smtClean="0"/>
-              <a:t>Mekhaldi</a:t>
-            </a:r>
-            <a:r>
-              <a:rPr lang="en-US" dirty="0" smtClean="0"/>
-              <a:t> and Laura </a:t>
-            </a:r>
-            <a:r>
-              <a:rPr lang="en-US" dirty="0" err="1" smtClean="0"/>
-              <a:t>Hasler</a:t>
-            </a:r>
-            <a:r>
-              <a:rPr lang="en-US" dirty="0" smtClean="0"/>
-              <a:t>, 2008</a:t>
-            </a:r>
+              <a:t> </a:t>
+            </a:r>
+            <a:r>
+              <a:rPr lang="en-US" dirty="0" err="1" smtClean="0"/>
+              <a:t>tự</a:t>
+            </a:r>
+            <a:r>
+              <a:rPr lang="en-US" dirty="0" smtClean="0"/>
+              <a:t> </a:t>
+            </a:r>
+            <a:r>
+              <a:rPr lang="en-US" dirty="0" err="1" smtClean="0"/>
+              <a:t>nhiên</a:t>
+            </a:r>
+            <a:r>
+              <a:rPr lang="en-US" dirty="0" smtClean="0"/>
+              <a:t>. </a:t>
+            </a:r>
+          </a:p>
+          <a:p>
+            <a:r>
+              <a:rPr lang="en-US" dirty="0" err="1" smtClean="0"/>
+              <a:t>Hệ</a:t>
+            </a:r>
+            <a:r>
+              <a:rPr lang="en-US" dirty="0" smtClean="0"/>
+              <a:t> </a:t>
+            </a:r>
+            <a:r>
+              <a:rPr lang="en-US" dirty="0" err="1" smtClean="0"/>
+              <a:t>thống</a:t>
+            </a:r>
+            <a:r>
+              <a:rPr lang="en-US" dirty="0" smtClean="0"/>
+              <a:t> </a:t>
+            </a:r>
+            <a:r>
+              <a:rPr lang="en-US" dirty="0" err="1" smtClean="0"/>
+              <a:t>đáp</a:t>
+            </a:r>
+            <a:r>
+              <a:rPr lang="en-US" dirty="0" smtClean="0"/>
+              <a:t> </a:t>
+            </a:r>
+            <a:r>
+              <a:rPr lang="en-US" dirty="0" err="1" smtClean="0"/>
+              <a:t>ứng</a:t>
+            </a:r>
+            <a:r>
+              <a:rPr lang="en-US" dirty="0" smtClean="0"/>
+              <a:t> </a:t>
+            </a:r>
+            <a:r>
+              <a:rPr lang="en-US" dirty="0" err="1" smtClean="0"/>
+              <a:t>được</a:t>
+            </a:r>
+            <a:r>
+              <a:rPr lang="en-US" dirty="0" smtClean="0"/>
+              <a:t> </a:t>
+            </a:r>
+            <a:r>
+              <a:rPr lang="en-US" dirty="0" err="1" smtClean="0"/>
+              <a:t>khoảng</a:t>
+            </a:r>
+            <a:r>
+              <a:rPr lang="en-US" dirty="0" smtClean="0"/>
+              <a:t> 90% </a:t>
+            </a:r>
+            <a:r>
+              <a:rPr lang="en-US" dirty="0" err="1" smtClean="0"/>
+              <a:t>các</a:t>
+            </a:r>
+            <a:r>
+              <a:rPr lang="en-US" dirty="0" smtClean="0"/>
+              <a:t> </a:t>
+            </a:r>
+            <a:r>
+              <a:rPr lang="en-US" dirty="0" err="1" smtClean="0"/>
+              <a:t>mẫu</a:t>
+            </a:r>
+            <a:r>
+              <a:rPr lang="en-US" dirty="0" smtClean="0"/>
+              <a:t> </a:t>
+            </a:r>
+            <a:r>
+              <a:rPr lang="en-US" dirty="0" err="1" smtClean="0"/>
+              <a:t>câu</a:t>
+            </a:r>
+            <a:r>
+              <a:rPr lang="en-US" dirty="0" smtClean="0"/>
+              <a:t> </a:t>
+            </a:r>
+            <a:r>
+              <a:rPr lang="en-US" dirty="0" err="1" smtClean="0"/>
+              <a:t>hỏi</a:t>
+            </a:r>
+            <a:r>
+              <a:rPr lang="en-US" dirty="0" smtClean="0"/>
+              <a:t> </a:t>
+            </a:r>
+            <a:r>
+              <a:rPr lang="en-US" dirty="0" err="1" smtClean="0"/>
+              <a:t>dự</a:t>
+            </a:r>
+            <a:r>
+              <a:rPr lang="en-US" dirty="0" smtClean="0"/>
+              <a:t> </a:t>
+            </a:r>
+            <a:r>
+              <a:rPr lang="en-US" dirty="0" err="1" smtClean="0"/>
+              <a:t>kiến</a:t>
+            </a:r>
+            <a:r>
+              <a:rPr lang="en-US" dirty="0" smtClean="0"/>
+              <a:t> (</a:t>
+            </a:r>
+            <a:r>
+              <a:rPr lang="en-US" dirty="0" err="1" smtClean="0"/>
+              <a:t>được</a:t>
+            </a:r>
+            <a:r>
+              <a:rPr lang="en-US" dirty="0" smtClean="0"/>
+              <a:t> </a:t>
+            </a:r>
+            <a:r>
+              <a:rPr lang="en-US" dirty="0" err="1" smtClean="0"/>
+              <a:t>đề</a:t>
+            </a:r>
+            <a:r>
+              <a:rPr lang="en-US" dirty="0" smtClean="0"/>
+              <a:t> </a:t>
+            </a:r>
+            <a:r>
+              <a:rPr lang="en-US" dirty="0" err="1" smtClean="0"/>
+              <a:t>cập</a:t>
+            </a:r>
+            <a:r>
+              <a:rPr lang="en-US" dirty="0" smtClean="0"/>
+              <a:t> </a:t>
+            </a:r>
+            <a:r>
+              <a:rPr lang="en-US" dirty="0" err="1" smtClean="0"/>
+              <a:t>trong</a:t>
+            </a:r>
+            <a:r>
+              <a:rPr lang="en-US" dirty="0" smtClean="0"/>
+              <a:t> </a:t>
+            </a:r>
+            <a:r>
+              <a:rPr lang="en-US" dirty="0" err="1" smtClean="0"/>
+              <a:t>Đề</a:t>
+            </a:r>
+            <a:r>
+              <a:rPr lang="en-US" dirty="0" smtClean="0"/>
+              <a:t> </a:t>
+            </a:r>
+            <a:r>
+              <a:rPr lang="en-US" dirty="0" err="1" smtClean="0"/>
+              <a:t>Cương</a:t>
+            </a:r>
+            <a:r>
+              <a:rPr lang="en-US" dirty="0" smtClean="0"/>
+              <a:t> </a:t>
+            </a:r>
+            <a:r>
+              <a:rPr lang="en-US" dirty="0" err="1" smtClean="0"/>
+              <a:t>của</a:t>
+            </a:r>
+            <a:r>
+              <a:rPr lang="en-US" dirty="0" smtClean="0"/>
+              <a:t> </a:t>
+            </a:r>
+            <a:r>
+              <a:rPr lang="en-US" dirty="0" err="1" smtClean="0"/>
+              <a:t>nhóm</a:t>
+            </a:r>
+            <a:r>
+              <a:rPr lang="en-US" dirty="0" smtClean="0"/>
+              <a:t>)</a:t>
+            </a:r>
+            <a:endParaRPr lang="en-US" dirty="0"/>
           </a:p>
         </p:txBody>
       </p:sp>
@@ -14270,13 +14220,6 @@
   <p:clrMapOvr>
     <a:masterClrMapping/>
   </p:clrMapOvr>
-  <p:timing>
-    <p:tnLst>
-      <p:par>
-        <p:cTn id="1" dur="indefinite" restart="never" nodeType="tmRoot"/>
-      </p:par>
-    </p:tnLst>
-  </p:timing>
 </p:sld>
 </file>
 
@@ -14321,10 +14264,10 @@
               <a:t> </a:t>
             </a:r>
             <a:r>
-              <a:rPr lang="en-US" smtClean="0"/>
+              <a:rPr lang="en-US" dirty="0" err="1" smtClean="0"/>
               <a:t>khảo</a:t>
             </a:r>
-            <a:endParaRPr lang="en-US"/>
+            <a:endParaRPr lang="en-US" dirty="0"/>
           </a:p>
         </p:txBody>
       </p:sp>
@@ -14345,123 +14288,29 @@
           <a:p>
             <a:r>
               <a:rPr lang="en-US" dirty="0" smtClean="0"/>
-              <a:t>[4] “</a:t>
-            </a:r>
-            <a:r>
-              <a:rPr lang="en-US" dirty="0" err="1" smtClean="0"/>
-              <a:t>Xây</a:t>
-            </a:r>
-            <a:r>
-              <a:rPr lang="en-US" dirty="0" smtClean="0"/>
-              <a:t> </a:t>
-            </a:r>
-            <a:r>
-              <a:rPr lang="en-US" dirty="0" err="1" smtClean="0"/>
-              <a:t>dựng</a:t>
-            </a:r>
-            <a:r>
-              <a:rPr lang="en-US" dirty="0" smtClean="0"/>
-              <a:t> </a:t>
-            </a:r>
-            <a:r>
-              <a:rPr lang="en-US" dirty="0" err="1" smtClean="0"/>
-              <a:t>công</a:t>
-            </a:r>
-            <a:r>
-              <a:rPr lang="en-US" dirty="0" smtClean="0"/>
-              <a:t> </a:t>
-            </a:r>
-            <a:r>
-              <a:rPr lang="en-US" dirty="0" err="1" smtClean="0"/>
-              <a:t>cụ</a:t>
-            </a:r>
-            <a:r>
-              <a:rPr lang="en-US" dirty="0" smtClean="0"/>
-              <a:t> </a:t>
-            </a:r>
-            <a:r>
-              <a:rPr lang="en-US" dirty="0" err="1" smtClean="0"/>
-              <a:t>tìm</a:t>
-            </a:r>
-            <a:r>
-              <a:rPr lang="en-US" dirty="0" smtClean="0"/>
-              <a:t> </a:t>
-            </a:r>
-            <a:r>
-              <a:rPr lang="en-US" dirty="0" err="1" smtClean="0"/>
-              <a:t>kiếm</a:t>
-            </a:r>
-            <a:r>
-              <a:rPr lang="en-US" dirty="0" smtClean="0"/>
-              <a:t> </a:t>
-            </a:r>
-            <a:r>
-              <a:rPr lang="en-US" dirty="0" err="1" smtClean="0"/>
-              <a:t>tài</a:t>
-            </a:r>
-            <a:r>
-              <a:rPr lang="en-US" dirty="0" smtClean="0"/>
-              <a:t> </a:t>
-            </a:r>
-            <a:r>
-              <a:rPr lang="en-US" dirty="0" err="1" smtClean="0"/>
-              <a:t>liệu</a:t>
-            </a:r>
-            <a:r>
-              <a:rPr lang="en-US" dirty="0" smtClean="0"/>
-              <a:t> </a:t>
-            </a:r>
-            <a:r>
-              <a:rPr lang="en-US" dirty="0" err="1" smtClean="0"/>
-              <a:t>học</a:t>
-            </a:r>
-            <a:r>
-              <a:rPr lang="en-US" dirty="0" smtClean="0"/>
-              <a:t> </a:t>
-            </a:r>
-            <a:r>
-              <a:rPr lang="en-US" dirty="0" err="1" smtClean="0"/>
-              <a:t>tập</a:t>
-            </a:r>
-            <a:r>
-              <a:rPr lang="en-US" dirty="0" smtClean="0"/>
-              <a:t> </a:t>
-            </a:r>
-            <a:r>
-              <a:rPr lang="en-US" dirty="0" err="1" smtClean="0"/>
-              <a:t>bằng</a:t>
-            </a:r>
-            <a:r>
-              <a:rPr lang="en-US" dirty="0" smtClean="0"/>
-              <a:t> </a:t>
-            </a:r>
-            <a:r>
-              <a:rPr lang="en-US" dirty="0" err="1" smtClean="0"/>
-              <a:t>các</a:t>
-            </a:r>
-            <a:r>
-              <a:rPr lang="en-US" dirty="0" smtClean="0"/>
-              <a:t> </a:t>
-            </a:r>
-            <a:r>
-              <a:rPr lang="en-US" dirty="0" err="1" smtClean="0"/>
-              <a:t>truy</a:t>
-            </a:r>
-            <a:r>
-              <a:rPr lang="en-US" dirty="0" smtClean="0"/>
-              <a:t> </a:t>
-            </a:r>
-            <a:r>
-              <a:rPr lang="en-US" dirty="0" err="1" smtClean="0"/>
-              <a:t>vấn</a:t>
-            </a:r>
-            <a:r>
-              <a:rPr lang="en-US" dirty="0" smtClean="0"/>
-              <a:t> </a:t>
-            </a:r>
-            <a:r>
-              <a:rPr lang="en-US" dirty="0" err="1" smtClean="0"/>
-              <a:t>ngôn</a:t>
+              <a:t>[1]</a:t>
+            </a:r>
+            <a:r>
+              <a:rPr lang="en-US" u="sng" dirty="0" smtClean="0">
+                <a:hlinkClick r:id="rId2"/>
+              </a:rPr>
+              <a:t>http://www.phpvn.org/index.php?topic=133.0;wap2</a:t>
+            </a:r>
+            <a:r>
+              <a:rPr lang="en-US" dirty="0" smtClean="0"/>
+              <a:t>, </a:t>
+            </a:r>
+            <a:r>
+              <a:rPr lang="en-US" dirty="0" err="1" smtClean="0"/>
+              <a:t>phần</a:t>
+            </a:r>
+            <a:r>
+              <a:rPr lang="en-US" dirty="0" smtClean="0"/>
+              <a:t> </a:t>
+            </a:r>
+            <a:r>
+              <a:rPr lang="en-US" dirty="0" err="1" smtClean="0"/>
+              <a:t>Ngôn</a:t>
             </a:r>
             <a:r>
               <a:rPr lang="en-US" dirty="0" smtClean="0"/>
@@ -14473,189 +14322,23 @@
             </a:r>
             <a:r>
               <a:rPr lang="en-US" dirty="0" smtClean="0"/>
-              <a:t> </a:t>
-            </a:r>
-            <a:r>
-              <a:rPr lang="en-US" dirty="0" err="1" smtClean="0"/>
-              <a:t>tự</a:t>
-            </a:r>
-            <a:r>
-              <a:rPr lang="en-US" dirty="0" smtClean="0"/>
-              <a:t> </a:t>
-            </a:r>
-            <a:r>
-              <a:rPr lang="en-US" dirty="0" err="1" smtClean="0"/>
-              <a:t>nhiên</a:t>
-            </a:r>
-            <a:r>
-              <a:rPr lang="en-US" dirty="0" smtClean="0"/>
-              <a:t>  </a:t>
-            </a:r>
-            <a:r>
-              <a:rPr lang="en-US" dirty="0" err="1" smtClean="0"/>
-              <a:t>trên</a:t>
-            </a:r>
-            <a:r>
-              <a:rPr lang="en-US" dirty="0" smtClean="0"/>
-              <a:t> </a:t>
-            </a:r>
-            <a:r>
-              <a:rPr lang="en-US" dirty="0" err="1" smtClean="0"/>
-              <a:t>kho</a:t>
-            </a:r>
-            <a:r>
-              <a:rPr lang="en-US" dirty="0" smtClean="0"/>
-              <a:t> </a:t>
-            </a:r>
-            <a:r>
-              <a:rPr lang="en-US" dirty="0" err="1" smtClean="0"/>
-              <a:t>học</a:t>
-            </a:r>
-            <a:r>
-              <a:rPr lang="en-US" dirty="0" smtClean="0"/>
-              <a:t> </a:t>
-            </a:r>
-            <a:r>
-              <a:rPr lang="en-US" dirty="0" err="1" smtClean="0"/>
-              <a:t>liệu</a:t>
-            </a:r>
-            <a:r>
-              <a:rPr lang="en-US" dirty="0" smtClean="0"/>
-              <a:t> </a:t>
-            </a:r>
-            <a:r>
-              <a:rPr lang="en-US" dirty="0" err="1" smtClean="0"/>
-              <a:t>mở</a:t>
-            </a:r>
-            <a:r>
-              <a:rPr lang="en-US" dirty="0" smtClean="0"/>
-              <a:t> </a:t>
-            </a:r>
-            <a:r>
-              <a:rPr lang="en-US" dirty="0" err="1" smtClean="0"/>
-              <a:t>tiếng</a:t>
-            </a:r>
-            <a:r>
-              <a:rPr lang="en-US" dirty="0" smtClean="0"/>
-              <a:t> </a:t>
-            </a:r>
-            <a:r>
-              <a:rPr lang="en-US" dirty="0" err="1" smtClean="0"/>
-              <a:t>Việt</a:t>
-            </a:r>
-            <a:r>
-              <a:rPr lang="en-US" dirty="0" smtClean="0"/>
-              <a:t>”, </a:t>
-            </a:r>
-            <a:r>
-              <a:rPr lang="en-US" dirty="0" err="1" smtClean="0"/>
-              <a:t>Lương</a:t>
-            </a:r>
-            <a:r>
-              <a:rPr lang="en-US" dirty="0" smtClean="0"/>
-              <a:t> </a:t>
-            </a:r>
-            <a:r>
-              <a:rPr lang="en-US" dirty="0" err="1" smtClean="0"/>
-              <a:t>Quý</a:t>
-            </a:r>
-            <a:r>
-              <a:rPr lang="en-US" dirty="0" smtClean="0"/>
-              <a:t> </a:t>
-            </a:r>
-            <a:r>
-              <a:rPr lang="en-US" dirty="0" err="1" smtClean="0"/>
-              <a:t>Tịnh</a:t>
-            </a:r>
-            <a:r>
-              <a:rPr lang="en-US" dirty="0" smtClean="0"/>
-              <a:t> </a:t>
-            </a:r>
-            <a:r>
-              <a:rPr lang="en-US" dirty="0" err="1" smtClean="0"/>
-              <a:t>Hà</a:t>
-            </a:r>
-            <a:r>
-              <a:rPr lang="en-US" dirty="0" smtClean="0"/>
-              <a:t>, 2009.</a:t>
-            </a:r>
-          </a:p>
-          <a:p>
-            <a:r>
-              <a:rPr lang="en-US" dirty="0" smtClean="0"/>
-              <a:t>[5] “ </a:t>
-            </a:r>
-            <a:r>
-              <a:rPr lang="en-US" dirty="0" err="1" smtClean="0"/>
-              <a:t>Dịch</a:t>
-            </a:r>
-            <a:r>
-              <a:rPr lang="en-US" dirty="0" smtClean="0"/>
-              <a:t> </a:t>
-            </a:r>
-            <a:r>
-              <a:rPr lang="en-US" dirty="0" err="1" smtClean="0"/>
-              <a:t>câu</a:t>
-            </a:r>
-            <a:r>
-              <a:rPr lang="en-US" dirty="0" smtClean="0"/>
-              <a:t> </a:t>
-            </a:r>
-            <a:r>
-              <a:rPr lang="en-US" dirty="0" err="1" smtClean="0"/>
-              <a:t>truy</a:t>
-            </a:r>
-            <a:r>
-              <a:rPr lang="en-US" dirty="0" smtClean="0"/>
-              <a:t> </a:t>
-            </a:r>
-            <a:r>
-              <a:rPr lang="en-US" dirty="0" err="1" smtClean="0"/>
-              <a:t>vấn</a:t>
-            </a:r>
-            <a:r>
-              <a:rPr lang="en-US" dirty="0" smtClean="0"/>
-              <a:t> </a:t>
-            </a:r>
-            <a:r>
-              <a:rPr lang="en-US" dirty="0" err="1" smtClean="0"/>
-              <a:t>có</a:t>
-            </a:r>
-            <a:r>
-              <a:rPr lang="en-US" dirty="0" smtClean="0"/>
-              <a:t> </a:t>
-            </a:r>
-            <a:r>
-              <a:rPr lang="en-US" dirty="0" err="1" smtClean="0"/>
-              <a:t>cấu</a:t>
-            </a:r>
-            <a:r>
-              <a:rPr lang="en-US" dirty="0" smtClean="0"/>
-              <a:t> </a:t>
-            </a:r>
-            <a:r>
-              <a:rPr lang="en-US" dirty="0" err="1" smtClean="0"/>
-              <a:t>trúc</a:t>
-            </a:r>
-            <a:r>
-              <a:rPr lang="en-US" dirty="0" smtClean="0"/>
-              <a:t> sang </a:t>
-            </a:r>
-            <a:r>
-              <a:rPr lang="en-US" dirty="0" err="1" smtClean="0"/>
-              <a:t>đồ</a:t>
-            </a:r>
-            <a:r>
-              <a:rPr lang="en-US" dirty="0" smtClean="0"/>
-              <a:t> </a:t>
-            </a:r>
-            <a:r>
-              <a:rPr lang="en-US" dirty="0" err="1" smtClean="0"/>
-              <a:t>thị</a:t>
-            </a:r>
-            <a:r>
-              <a:rPr lang="en-US" dirty="0" smtClean="0"/>
-              <a:t> ý </a:t>
+              <a:t> Web ontology </a:t>
+            </a:r>
+            <a:r>
+              <a:rPr lang="en-US" dirty="0" err="1" smtClean="0"/>
+              <a:t>và</a:t>
+            </a:r>
+            <a:r>
+              <a:rPr lang="en-US" dirty="0" smtClean="0"/>
+              <a:t> </a:t>
+            </a:r>
+            <a:r>
+              <a:rPr lang="en-US" dirty="0" err="1" smtClean="0"/>
+              <a:t>khái</a:t>
+            </a:r>
+            <a:r>
+              <a:rPr lang="en-US" dirty="0" smtClean="0"/>
+              <a:t> </a:t>
             </a:r>
             <a:r>
               <a:rPr lang="en-US" dirty="0" err="1" smtClean="0"/>
@@ -14663,99 +14346,100 @@
             </a:r>
             <a:r>
               <a:rPr lang="en-US" dirty="0" smtClean="0"/>
-              <a:t>: </a:t>
-            </a:r>
-            <a:r>
-              <a:rPr lang="en-US" dirty="0" err="1" smtClean="0"/>
-              <a:t>cách</a:t>
-            </a:r>
-            <a:r>
-              <a:rPr lang="en-US" dirty="0" smtClean="0"/>
-              <a:t> </a:t>
-            </a:r>
-            <a:r>
-              <a:rPr lang="en-US" dirty="0" err="1" smtClean="0"/>
-              <a:t>tiếp</a:t>
-            </a:r>
-            <a:r>
-              <a:rPr lang="en-US" dirty="0" smtClean="0"/>
-              <a:t> </a:t>
-            </a:r>
-            <a:r>
-              <a:rPr lang="en-US" dirty="0" err="1" smtClean="0"/>
-              <a:t>cận</a:t>
-            </a:r>
-            <a:r>
-              <a:rPr lang="en-US" dirty="0" smtClean="0"/>
-              <a:t> </a:t>
-            </a:r>
-            <a:r>
-              <a:rPr lang="en-US" dirty="0" err="1" smtClean="0"/>
-              <a:t>ít</a:t>
-            </a:r>
-            <a:r>
-              <a:rPr lang="en-US" dirty="0" smtClean="0"/>
-              <a:t> </a:t>
-            </a:r>
-            <a:r>
-              <a:rPr lang="en-US" dirty="0" err="1" smtClean="0"/>
-              <a:t>phụ</a:t>
-            </a:r>
-            <a:r>
-              <a:rPr lang="en-US" dirty="0" smtClean="0"/>
-              <a:t> </a:t>
-            </a:r>
-            <a:r>
-              <a:rPr lang="en-US" dirty="0" err="1" smtClean="0"/>
-              <a:t>thuộc</a:t>
-            </a:r>
-            <a:r>
-              <a:rPr lang="en-US" dirty="0" smtClean="0"/>
-              <a:t> </a:t>
-            </a:r>
-            <a:r>
-              <a:rPr lang="en-US" dirty="0" err="1" smtClean="0"/>
-              <a:t>vào</a:t>
-            </a:r>
-            <a:r>
-              <a:rPr lang="en-US" dirty="0" smtClean="0"/>
-              <a:t> </a:t>
-            </a:r>
-            <a:r>
-              <a:rPr lang="en-US" dirty="0" err="1" smtClean="0"/>
-              <a:t>cú</a:t>
-            </a:r>
-            <a:r>
-              <a:rPr lang="en-US" dirty="0" smtClean="0"/>
-              <a:t> </a:t>
-            </a:r>
-            <a:r>
-              <a:rPr lang="en-US" dirty="0" err="1" smtClean="0"/>
-              <a:t>pháp</a:t>
-            </a:r>
-            <a:r>
-              <a:rPr lang="en-US" dirty="0" smtClean="0"/>
-              <a:t>” Cao </a:t>
-            </a:r>
-            <a:r>
-              <a:rPr lang="en-US" dirty="0" err="1" smtClean="0"/>
-              <a:t>Duy</a:t>
-            </a:r>
-            <a:r>
-              <a:rPr lang="en-US" dirty="0" smtClean="0"/>
-              <a:t> </a:t>
-            </a:r>
-            <a:r>
-              <a:rPr lang="en-US" dirty="0" err="1" smtClean="0"/>
-              <a:t>Trường</a:t>
-            </a:r>
-            <a:r>
-              <a:rPr lang="en-US" dirty="0" smtClean="0"/>
-              <a:t>, 2008 </a:t>
-            </a:r>
-          </a:p>
-          <a:p>
-            <a:endParaRPr lang="en-US" dirty="0"/>
+              <a:t> </a:t>
+            </a:r>
+            <a:r>
+              <a:rPr lang="en-US" dirty="0" err="1" smtClean="0"/>
+              <a:t>về</a:t>
+            </a:r>
+            <a:r>
+              <a:rPr lang="en-US" dirty="0" smtClean="0"/>
+              <a:t> Ontology</a:t>
+            </a:r>
+          </a:p>
+          <a:p>
+            <a:r>
+              <a:rPr lang="en-US" dirty="0" smtClean="0"/>
+              <a:t>[2] “A Question Answering System based on Conceptual Graph Formalism”, </a:t>
+            </a:r>
+            <a:r>
+              <a:rPr lang="en-US" dirty="0" err="1" smtClean="0"/>
+              <a:t>Wael</a:t>
+            </a:r>
+            <a:r>
+              <a:rPr lang="en-US" dirty="0" smtClean="0"/>
+              <a:t> </a:t>
+            </a:r>
+            <a:r>
+              <a:rPr lang="en-US" dirty="0" err="1" smtClean="0"/>
+              <a:t>Salloum</a:t>
+            </a:r>
+            <a:r>
+              <a:rPr lang="en-US" dirty="0" smtClean="0"/>
+              <a:t> , 2009.</a:t>
+            </a:r>
+          </a:p>
+          <a:p>
+            <a:r>
+              <a:rPr lang="en-US" dirty="0" smtClean="0"/>
+              <a:t>[3] “Automatic Question Pattern Generation for Ontology-based Question”, </a:t>
+            </a:r>
+            <a:r>
+              <a:rPr lang="en-US" dirty="0" err="1" smtClean="0"/>
+              <a:t>Shiyan</a:t>
+            </a:r>
+            <a:r>
+              <a:rPr lang="en-US" dirty="0" smtClean="0"/>
+              <a:t> </a:t>
+            </a:r>
+            <a:r>
+              <a:rPr lang="en-US" dirty="0" err="1" smtClean="0"/>
+              <a:t>Ou</a:t>
+            </a:r>
+            <a:r>
+              <a:rPr lang="en-US" dirty="0" smtClean="0"/>
+              <a:t>, </a:t>
+            </a:r>
+            <a:r>
+              <a:rPr lang="en-US" dirty="0" err="1" smtClean="0"/>
+              <a:t>Constantin</a:t>
+            </a:r>
+            <a:r>
+              <a:rPr lang="en-US" dirty="0" smtClean="0"/>
+              <a:t> </a:t>
+            </a:r>
+            <a:r>
+              <a:rPr lang="en-US" dirty="0" err="1" smtClean="0"/>
+              <a:t>Orasan</a:t>
+            </a:r>
+            <a:r>
+              <a:rPr lang="en-US" dirty="0" smtClean="0"/>
+              <a:t>, </a:t>
+            </a:r>
+            <a:r>
+              <a:rPr lang="en-US" dirty="0" err="1" smtClean="0"/>
+              <a:t>Dalila</a:t>
+            </a:r>
+            <a:r>
+              <a:rPr lang="en-US" dirty="0" smtClean="0"/>
+              <a:t> </a:t>
+            </a:r>
+            <a:r>
+              <a:rPr lang="en-US" dirty="0" err="1" smtClean="0"/>
+              <a:t>Mekhaldi</a:t>
+            </a:r>
+            <a:r>
+              <a:rPr lang="en-US" dirty="0" smtClean="0"/>
+              <a:t> and Laura </a:t>
+            </a:r>
+            <a:r>
+              <a:rPr lang="en-US" dirty="0" err="1" smtClean="0"/>
+              <a:t>Hasler</a:t>
+            </a:r>
+            <a:r>
+              <a:rPr lang="en-US" dirty="0" smtClean="0"/>
+              <a:t>, 2008</a:t>
+            </a:r>
           </a:p>
         </p:txBody>
       </p:sp>
@@ -14775,6 +14459,500 @@
 </file>
 
 <file path=ppt/slides/slide24.xml><?xml version="1.0" encoding="utf-8"?>
+<p:sld xmlns:a="http://schemas.openxmlformats.org/drawingml/2006/main" xmlns:r="http://schemas.openxmlformats.org/officeDocument/2006/relationships" xmlns:p="http://schemas.openxmlformats.org/presentationml/2006/main">
+  <p:cSld>
+    <p:spTree>
+      <p:nvGrpSpPr>
+        <p:cNvPr id="1" name=""/>
+        <p:cNvGrpSpPr/>
+        <p:nvPr/>
+      </p:nvGrpSpPr>
+      <p:grpSpPr>
+        <a:xfrm>
+          <a:off x="0" y="0"/>
+          <a:ext cx="0" cy="0"/>
+          <a:chOff x="0" y="0"/>
+          <a:chExt cx="0" cy="0"/>
+        </a:xfrm>
+      </p:grpSpPr>
+      <p:sp>
+        <p:nvSpPr>
+          <p:cNvPr id="2" name="Title 1"/>
+          <p:cNvSpPr>
+            <a:spLocks noGrp="1"/>
+          </p:cNvSpPr>
+          <p:nvPr>
+            <p:ph type="title"/>
+          </p:nvPr>
+        </p:nvSpPr>
+        <p:spPr/>
+        <p:txBody>
+          <a:bodyPr/>
+          <a:lstStyle/>
+          <a:p>
+            <a:r>
+              <a:rPr lang="en-US" dirty="0" err="1" smtClean="0"/>
+              <a:t>Tham</a:t>
+            </a:r>
+            <a:r>
+              <a:rPr lang="en-US" dirty="0" smtClean="0"/>
+              <a:t> </a:t>
+            </a:r>
+            <a:r>
+              <a:rPr lang="en-US" smtClean="0"/>
+              <a:t>khảo</a:t>
+            </a:r>
+            <a:endParaRPr lang="en-US"/>
+          </a:p>
+        </p:txBody>
+      </p:sp>
+      <p:sp>
+        <p:nvSpPr>
+          <p:cNvPr id="3" name="Content Placeholder 2"/>
+          <p:cNvSpPr>
+            <a:spLocks noGrp="1"/>
+          </p:cNvSpPr>
+          <p:nvPr>
+            <p:ph idx="1"/>
+          </p:nvPr>
+        </p:nvSpPr>
+        <p:spPr/>
+        <p:txBody>
+          <a:bodyPr/>
+          <a:lstStyle/>
+          <a:p>
+            <a:r>
+              <a:rPr lang="en-US" dirty="0" smtClean="0"/>
+              <a:t>[4] “</a:t>
+            </a:r>
+            <a:r>
+              <a:rPr lang="en-US" dirty="0" err="1" smtClean="0"/>
+              <a:t>Xây</a:t>
+            </a:r>
+            <a:r>
+              <a:rPr lang="en-US" dirty="0" smtClean="0"/>
+              <a:t> </a:t>
+            </a:r>
+            <a:r>
+              <a:rPr lang="en-US" dirty="0" err="1" smtClean="0"/>
+              <a:t>dựng</a:t>
+            </a:r>
+            <a:r>
+              <a:rPr lang="en-US" dirty="0" smtClean="0"/>
+              <a:t> </a:t>
+            </a:r>
+            <a:r>
+              <a:rPr lang="en-US" dirty="0" err="1" smtClean="0"/>
+              <a:t>công</a:t>
+            </a:r>
+            <a:r>
+              <a:rPr lang="en-US" dirty="0" smtClean="0"/>
+              <a:t> </a:t>
+            </a:r>
+            <a:r>
+              <a:rPr lang="en-US" dirty="0" err="1" smtClean="0"/>
+              <a:t>cụ</a:t>
+            </a:r>
+            <a:r>
+              <a:rPr lang="en-US" dirty="0" smtClean="0"/>
+              <a:t> </a:t>
+            </a:r>
+            <a:r>
+              <a:rPr lang="en-US" dirty="0" err="1" smtClean="0"/>
+              <a:t>tìm</a:t>
+            </a:r>
+            <a:r>
+              <a:rPr lang="en-US" dirty="0" smtClean="0"/>
+              <a:t> </a:t>
+            </a:r>
+            <a:r>
+              <a:rPr lang="en-US" dirty="0" err="1" smtClean="0"/>
+              <a:t>kiếm</a:t>
+            </a:r>
+            <a:r>
+              <a:rPr lang="en-US" dirty="0" smtClean="0"/>
+              <a:t> </a:t>
+            </a:r>
+            <a:r>
+              <a:rPr lang="en-US" dirty="0" err="1" smtClean="0"/>
+              <a:t>tài</a:t>
+            </a:r>
+            <a:r>
+              <a:rPr lang="en-US" dirty="0" smtClean="0"/>
+              <a:t> </a:t>
+            </a:r>
+            <a:r>
+              <a:rPr lang="en-US" dirty="0" err="1" smtClean="0"/>
+              <a:t>liệu</a:t>
+            </a:r>
+            <a:r>
+              <a:rPr lang="en-US" dirty="0" smtClean="0"/>
+              <a:t> </a:t>
+            </a:r>
+            <a:r>
+              <a:rPr lang="en-US" dirty="0" err="1" smtClean="0"/>
+              <a:t>học</a:t>
+            </a:r>
+            <a:r>
+              <a:rPr lang="en-US" dirty="0" smtClean="0"/>
+              <a:t> </a:t>
+            </a:r>
+            <a:r>
+              <a:rPr lang="en-US" dirty="0" err="1" smtClean="0"/>
+              <a:t>tập</a:t>
+            </a:r>
+            <a:r>
+              <a:rPr lang="en-US" dirty="0" smtClean="0"/>
+              <a:t> </a:t>
+            </a:r>
+            <a:r>
+              <a:rPr lang="en-US" dirty="0" err="1" smtClean="0"/>
+              <a:t>bằng</a:t>
+            </a:r>
+            <a:r>
+              <a:rPr lang="en-US" dirty="0" smtClean="0"/>
+              <a:t> </a:t>
+            </a:r>
+            <a:r>
+              <a:rPr lang="en-US" dirty="0" err="1" smtClean="0"/>
+              <a:t>các</a:t>
+            </a:r>
+            <a:r>
+              <a:rPr lang="en-US" dirty="0" smtClean="0"/>
+              <a:t> </a:t>
+            </a:r>
+            <a:r>
+              <a:rPr lang="en-US" dirty="0" err="1" smtClean="0"/>
+              <a:t>truy</a:t>
+            </a:r>
+            <a:r>
+              <a:rPr lang="en-US" dirty="0" smtClean="0"/>
+              <a:t> </a:t>
+            </a:r>
+            <a:r>
+              <a:rPr lang="en-US" dirty="0" err="1" smtClean="0"/>
+              <a:t>vấn</a:t>
+            </a:r>
+            <a:r>
+              <a:rPr lang="en-US" dirty="0" smtClean="0"/>
+              <a:t> </a:t>
+            </a:r>
+            <a:r>
+              <a:rPr lang="en-US" dirty="0" err="1" smtClean="0"/>
+              <a:t>ngôn</a:t>
+            </a:r>
+            <a:r>
+              <a:rPr lang="en-US" dirty="0" smtClean="0"/>
+              <a:t> </a:t>
+            </a:r>
+            <a:r>
+              <a:rPr lang="en-US" dirty="0" err="1" smtClean="0"/>
+              <a:t>ngữ</a:t>
+            </a:r>
+            <a:r>
+              <a:rPr lang="en-US" dirty="0" smtClean="0"/>
+              <a:t> </a:t>
+            </a:r>
+            <a:r>
+              <a:rPr lang="en-US" dirty="0" err="1" smtClean="0"/>
+              <a:t>tự</a:t>
+            </a:r>
+            <a:r>
+              <a:rPr lang="en-US" dirty="0" smtClean="0"/>
+              <a:t> </a:t>
+            </a:r>
+            <a:r>
+              <a:rPr lang="en-US" dirty="0" err="1" smtClean="0"/>
+              <a:t>nhiên</a:t>
+            </a:r>
+            <a:r>
+              <a:rPr lang="en-US" dirty="0" smtClean="0"/>
+              <a:t>  </a:t>
+            </a:r>
+            <a:r>
+              <a:rPr lang="en-US" dirty="0" err="1" smtClean="0"/>
+              <a:t>trên</a:t>
+            </a:r>
+            <a:r>
+              <a:rPr lang="en-US" dirty="0" smtClean="0"/>
+              <a:t> </a:t>
+            </a:r>
+            <a:r>
+              <a:rPr lang="en-US" dirty="0" err="1" smtClean="0"/>
+              <a:t>kho</a:t>
+            </a:r>
+            <a:r>
+              <a:rPr lang="en-US" dirty="0" smtClean="0"/>
+              <a:t> </a:t>
+            </a:r>
+            <a:r>
+              <a:rPr lang="en-US" dirty="0" err="1" smtClean="0"/>
+              <a:t>học</a:t>
+            </a:r>
+            <a:r>
+              <a:rPr lang="en-US" dirty="0" smtClean="0"/>
+              <a:t> </a:t>
+            </a:r>
+            <a:r>
+              <a:rPr lang="en-US" dirty="0" err="1" smtClean="0"/>
+              <a:t>liệu</a:t>
+            </a:r>
+            <a:r>
+              <a:rPr lang="en-US" dirty="0" smtClean="0"/>
+              <a:t> </a:t>
+            </a:r>
+            <a:r>
+              <a:rPr lang="en-US" dirty="0" err="1" smtClean="0"/>
+              <a:t>mở</a:t>
+            </a:r>
+            <a:r>
+              <a:rPr lang="en-US" dirty="0" smtClean="0"/>
+              <a:t> </a:t>
+            </a:r>
+            <a:r>
+              <a:rPr lang="en-US" dirty="0" err="1" smtClean="0"/>
+              <a:t>tiếng</a:t>
+            </a:r>
+            <a:r>
+              <a:rPr lang="en-US" dirty="0" smtClean="0"/>
+              <a:t> </a:t>
+            </a:r>
+            <a:r>
+              <a:rPr lang="en-US" dirty="0" err="1" smtClean="0"/>
+              <a:t>Việt</a:t>
+            </a:r>
+            <a:r>
+              <a:rPr lang="en-US" dirty="0" smtClean="0"/>
+              <a:t>”, </a:t>
+            </a:r>
+            <a:r>
+              <a:rPr lang="en-US" dirty="0" err="1" smtClean="0"/>
+              <a:t>Lương</a:t>
+            </a:r>
+            <a:r>
+              <a:rPr lang="en-US" dirty="0" smtClean="0"/>
+              <a:t> </a:t>
+            </a:r>
+            <a:r>
+              <a:rPr lang="en-US" dirty="0" err="1" smtClean="0"/>
+              <a:t>Quý</a:t>
+            </a:r>
+            <a:r>
+              <a:rPr lang="en-US" dirty="0" smtClean="0"/>
+              <a:t> </a:t>
+            </a:r>
+            <a:r>
+              <a:rPr lang="en-US" dirty="0" err="1" smtClean="0"/>
+              <a:t>Tịnh</a:t>
+            </a:r>
+            <a:r>
+              <a:rPr lang="en-US" dirty="0" smtClean="0"/>
+              <a:t> </a:t>
+            </a:r>
+            <a:r>
+              <a:rPr lang="en-US" dirty="0" err="1" smtClean="0"/>
+              <a:t>Hà</a:t>
+            </a:r>
+            <a:r>
+              <a:rPr lang="en-US" dirty="0" smtClean="0"/>
+              <a:t>, 2009.</a:t>
+            </a:r>
+          </a:p>
+          <a:p>
+            <a:r>
+              <a:rPr lang="en-US" dirty="0" smtClean="0"/>
+              <a:t>[5] “ </a:t>
+            </a:r>
+            <a:r>
+              <a:rPr lang="en-US" dirty="0" err="1" smtClean="0"/>
+              <a:t>Dịch</a:t>
+            </a:r>
+            <a:r>
+              <a:rPr lang="en-US" dirty="0" smtClean="0"/>
+              <a:t> </a:t>
+            </a:r>
+            <a:r>
+              <a:rPr lang="en-US" dirty="0" err="1" smtClean="0"/>
+              <a:t>câu</a:t>
+            </a:r>
+            <a:r>
+              <a:rPr lang="en-US" dirty="0" smtClean="0"/>
+              <a:t> </a:t>
+            </a:r>
+            <a:r>
+              <a:rPr lang="en-US" dirty="0" err="1" smtClean="0"/>
+              <a:t>truy</a:t>
+            </a:r>
+            <a:r>
+              <a:rPr lang="en-US" dirty="0" smtClean="0"/>
+              <a:t> </a:t>
+            </a:r>
+            <a:r>
+              <a:rPr lang="en-US" dirty="0" err="1" smtClean="0"/>
+              <a:t>vấn</a:t>
+            </a:r>
+            <a:r>
+              <a:rPr lang="en-US" dirty="0" smtClean="0"/>
+              <a:t> </a:t>
+            </a:r>
+            <a:r>
+              <a:rPr lang="en-US" dirty="0" err="1" smtClean="0"/>
+              <a:t>có</a:t>
+            </a:r>
+            <a:r>
+              <a:rPr lang="en-US" dirty="0" smtClean="0"/>
+              <a:t> </a:t>
+            </a:r>
+            <a:r>
+              <a:rPr lang="en-US" dirty="0" err="1" smtClean="0"/>
+              <a:t>cấu</a:t>
+            </a:r>
+            <a:r>
+              <a:rPr lang="en-US" dirty="0" smtClean="0"/>
+              <a:t> </a:t>
+            </a:r>
+            <a:r>
+              <a:rPr lang="en-US" dirty="0" err="1" smtClean="0"/>
+              <a:t>trúc</a:t>
+            </a:r>
+            <a:r>
+              <a:rPr lang="en-US" dirty="0" smtClean="0"/>
+              <a:t> sang </a:t>
+            </a:r>
+            <a:r>
+              <a:rPr lang="en-US" dirty="0" err="1" smtClean="0"/>
+              <a:t>đồ</a:t>
+            </a:r>
+            <a:r>
+              <a:rPr lang="en-US" dirty="0" smtClean="0"/>
+              <a:t> </a:t>
+            </a:r>
+            <a:r>
+              <a:rPr lang="en-US" dirty="0" err="1" smtClean="0"/>
+              <a:t>thị</a:t>
+            </a:r>
+            <a:r>
+              <a:rPr lang="en-US" dirty="0" smtClean="0"/>
+              <a:t> ý </a:t>
+            </a:r>
+            <a:r>
+              <a:rPr lang="en-US" dirty="0" err="1" smtClean="0"/>
+              <a:t>niệm</a:t>
+            </a:r>
+            <a:r>
+              <a:rPr lang="en-US" dirty="0" smtClean="0"/>
+              <a:t>: </a:t>
+            </a:r>
+            <a:r>
+              <a:rPr lang="en-US" dirty="0" err="1" smtClean="0"/>
+              <a:t>cách</a:t>
+            </a:r>
+            <a:r>
+              <a:rPr lang="en-US" dirty="0" smtClean="0"/>
+              <a:t> </a:t>
+            </a:r>
+            <a:r>
+              <a:rPr lang="en-US" dirty="0" err="1" smtClean="0"/>
+              <a:t>tiếp</a:t>
+            </a:r>
+            <a:r>
+              <a:rPr lang="en-US" dirty="0" smtClean="0"/>
+              <a:t> </a:t>
+            </a:r>
+            <a:r>
+              <a:rPr lang="en-US" dirty="0" err="1" smtClean="0"/>
+              <a:t>cận</a:t>
+            </a:r>
+            <a:r>
+              <a:rPr lang="en-US" dirty="0" smtClean="0"/>
+              <a:t> </a:t>
+            </a:r>
+            <a:r>
+              <a:rPr lang="en-US" dirty="0" err="1" smtClean="0"/>
+              <a:t>ít</a:t>
+            </a:r>
+            <a:r>
+              <a:rPr lang="en-US" dirty="0" smtClean="0"/>
+              <a:t> </a:t>
+            </a:r>
+            <a:r>
+              <a:rPr lang="en-US" dirty="0" err="1" smtClean="0"/>
+              <a:t>phụ</a:t>
+            </a:r>
+            <a:r>
+              <a:rPr lang="en-US" dirty="0" smtClean="0"/>
+              <a:t> </a:t>
+            </a:r>
+            <a:r>
+              <a:rPr lang="en-US" dirty="0" err="1" smtClean="0"/>
+              <a:t>thuộc</a:t>
+            </a:r>
+            <a:r>
+              <a:rPr lang="en-US" dirty="0" smtClean="0"/>
+              <a:t> </a:t>
+            </a:r>
+            <a:r>
+              <a:rPr lang="en-US" dirty="0" err="1" smtClean="0"/>
+              <a:t>vào</a:t>
+            </a:r>
+            <a:r>
+              <a:rPr lang="en-US" dirty="0" smtClean="0"/>
+              <a:t> </a:t>
+            </a:r>
+            <a:r>
+              <a:rPr lang="en-US" dirty="0" err="1" smtClean="0"/>
+              <a:t>cú</a:t>
+            </a:r>
+            <a:r>
+              <a:rPr lang="en-US" dirty="0" smtClean="0"/>
+              <a:t> </a:t>
+            </a:r>
+            <a:r>
+              <a:rPr lang="en-US" dirty="0" err="1" smtClean="0"/>
+              <a:t>pháp</a:t>
+            </a:r>
+            <a:r>
+              <a:rPr lang="en-US" dirty="0" smtClean="0"/>
+              <a:t>” Cao </a:t>
+            </a:r>
+            <a:r>
+              <a:rPr lang="en-US" dirty="0" err="1" smtClean="0"/>
+              <a:t>Duy</a:t>
+            </a:r>
+            <a:r>
+              <a:rPr lang="en-US" dirty="0" smtClean="0"/>
+              <a:t> </a:t>
+            </a:r>
+            <a:r>
+              <a:rPr lang="en-US" dirty="0" err="1" smtClean="0"/>
+              <a:t>Trường</a:t>
+            </a:r>
+            <a:r>
+              <a:rPr lang="en-US" dirty="0" smtClean="0"/>
+              <a:t>, 2008 </a:t>
+            </a:r>
+          </a:p>
+          <a:p>
+            <a:endParaRPr lang="en-US" dirty="0"/>
+          </a:p>
+        </p:txBody>
+      </p:sp>
+    </p:spTree>
+  </p:cSld>
+  <p:clrMapOvr>
+    <a:masterClrMapping/>
+  </p:clrMapOvr>
+  <p:timing>
+    <p:tnLst>
+      <p:par>
+        <p:cTn id="1" dur="indefinite" restart="never" nodeType="tmRoot"/>
+      </p:par>
+    </p:tnLst>
+  </p:timing>
+</p:sld>
+</file>
+
+<file path=ppt/slides/slide25.xml><?xml version="1.0" encoding="utf-8"?>
 <p:sld xmlns:a="http://schemas.openxmlformats.org/drawingml/2006/main" xmlns:r="http://schemas.openxmlformats.org/officeDocument/2006/relationships" xmlns:p="http://schemas.openxmlformats.org/presentationml/2006/main">
   <p:cSld>
     <p:spTree>
@@ -16152,11 +16330,31 @@
             <a:pPr lvl="1"/>
             <a:r>
               <a:rPr lang="en-US" dirty="0" smtClean="0"/>
-              <a:t>Who is the author of the paper “A Comparative Evaluation of Voting and Meta-learning on Partitioned Data”?</a:t>
+              <a:t>Who is the author of the paper “A Comparative Evaluation of Voting and Meta-learning on Partitioned Data</a:t>
+            </a:r>
+            <a:r>
+              <a:rPr lang="en-US" dirty="0" smtClean="0"/>
+              <a:t>”?</a:t>
             </a:r>
             <a:endParaRPr lang="en-US" sz="2000" dirty="0" smtClean="0"/>
           </a:p>
           <a:p>
+            <a:pPr lvl="1"/>
+            <a:r>
+              <a:rPr lang="en-US" dirty="0" smtClean="0"/>
+              <a:t>What paper published in 2009 ?</a:t>
+            </a:r>
+          </a:p>
+          <a:p>
+            <a:pPr lvl="1"/>
+            <a:r>
+              <a:rPr lang="en-US" dirty="0" smtClean="0"/>
+              <a:t>… </a:t>
+            </a:r>
+            <a:endParaRPr lang="en-US" dirty="0" smtClean="0"/>
+          </a:p>
+          <a:p>
+            <a:pPr lvl="1"/>
             <a:endParaRPr lang="en-US" dirty="0"/>
           </a:p>
         </p:txBody>

--- a/trunk/De Cuong/De Cuong v0.2.pptx
+++ b/trunk/De Cuong/De Cuong v0.2.pptx
@@ -7704,11 +7704,7 @@
             </a:r>
             <a:r>
               <a:rPr lang="en-US" dirty="0" smtClean="0"/>
-              <a:t>: </a:t>
-            </a:r>
-            <a:r>
-              <a:rPr lang="en-US" dirty="0" smtClean="0"/>
-              <a:t>GATE (ANNIE </a:t>
+              <a:t>: GATE (ANNIE </a:t>
             </a:r>
             <a:r>
               <a:rPr lang="en-US" dirty="0" err="1" smtClean="0"/>
@@ -10082,44 +10078,20 @@
               <a:t>thống</a:t>
             </a:r>
             <a:r>
-              <a:rPr lang="en-US" dirty="0" smtClean="0"/>
-              <a:t> </a:t>
-            </a:r>
-            <a:r>
-              <a:rPr lang="en-US" dirty="0" err="1" smtClean="0"/>
-              <a:t>hỏi</a:t>
-            </a:r>
-            <a:r>
-              <a:rPr lang="en-US" dirty="0" smtClean="0"/>
-              <a:t> </a:t>
-            </a:r>
-            <a:r>
-              <a:rPr lang="en-US" dirty="0" err="1" smtClean="0"/>
-              <a:t>đáp</a:t>
-            </a:r>
-            <a:r>
-              <a:rPr lang="en-US" dirty="0" smtClean="0"/>
-              <a:t> do </a:t>
-            </a:r>
-            <a:r>
-              <a:rPr lang="en-US" dirty="0" err="1" smtClean="0"/>
-              <a:t>nhóm</a:t>
-            </a:r>
-            <a:r>
-              <a:rPr lang="en-US" dirty="0" smtClean="0"/>
-              <a:t> </a:t>
-            </a:r>
-            <a:r>
-              <a:rPr lang="en-US" dirty="0" err="1" smtClean="0"/>
-              <a:t>đưa</a:t>
-            </a:r>
-            <a:r>
-              <a:rPr lang="en-US" dirty="0" smtClean="0"/>
-              <a:t> </a:t>
-            </a:r>
-            <a:r>
-              <a:rPr lang="en-US" dirty="0" err="1" smtClean="0"/>
-              <a:t>ra</a:t>
+              <a:rPr lang="en-US" smtClean="0"/>
+              <a:t> </a:t>
+            </a:r>
+            <a:r>
+              <a:rPr lang="en-US" smtClean="0"/>
+              <a:t>đề</a:t>
+            </a:r>
+            <a:r>
+              <a:rPr lang="en-US" dirty="0" smtClean="0"/>
+              <a:t> </a:t>
+            </a:r>
+            <a:r>
+              <a:rPr lang="en-US" dirty="0" err="1" smtClean="0"/>
+              <a:t>xuất</a:t>
             </a:r>
             <a:endParaRPr lang="en-US" dirty="0"/>
           </a:p>
@@ -16330,11 +16302,7 @@
             <a:pPr lvl="1"/>
             <a:r>
               <a:rPr lang="en-US" dirty="0" smtClean="0"/>
-              <a:t>Who is the author of the paper “A Comparative Evaluation of Voting and Meta-learning on Partitioned Data</a:t>
-            </a:r>
-            <a:r>
-              <a:rPr lang="en-US" dirty="0" smtClean="0"/>
-              <a:t>”?</a:t>
+              <a:t>Who is the author of the paper “A Comparative Evaluation of Voting and Meta-learning on Partitioned Data”?</a:t>
             </a:r>
             <a:endParaRPr lang="en-US" sz="2000" dirty="0" smtClean="0"/>
           </a:p>
@@ -16351,7 +16319,6 @@
               <a:rPr lang="en-US" dirty="0" smtClean="0"/>
               <a:t>… </a:t>
             </a:r>
-            <a:endParaRPr lang="en-US" dirty="0" smtClean="0"/>
           </a:p>
           <a:p>
             <a:pPr lvl="1"/>
